--- a/Report/imgs/Presentazione standard1.pptx
+++ b/Report/imgs/Presentazione standard1.pptx
@@ -5,7 +5,7 @@
     <p:sldMasterId id="2147483648" r:id="rId1"/>
   </p:sldMasterIdLst>
   <p:notesMasterIdLst>
-    <p:notesMasterId r:id="rId7"/>
+    <p:notesMasterId r:id="rId8"/>
   </p:notesMasterIdLst>
   <p:sldIdLst>
     <p:sldId id="256" r:id="rId2"/>
@@ -13,6 +13,7 @@
     <p:sldId id="258" r:id="rId4"/>
     <p:sldId id="259" r:id="rId5"/>
     <p:sldId id="260" r:id="rId6"/>
+    <p:sldId id="261" r:id="rId7"/>
   </p:sldIdLst>
   <p:sldSz cx="12192000" cy="6858000"/>
   <p:notesSz cx="6858000" cy="9144000"/>
@@ -12313,65 +12314,12 @@
           <a:chExt cx="0" cy="0"/>
         </a:xfrm>
       </p:grpSpPr>
-      <p:sp>
-        <p:nvSpPr>
-          <p:cNvPr id="2" name="Titolo 1">
+      <p:pic>
+        <p:nvPicPr>
+          <p:cNvPr id="20" name="Immagine 19">
             <a:extLst>
               <a:ext uri="{FF2B5EF4-FFF2-40B4-BE49-F238E27FC236}">
-                <a16:creationId xmlns:a16="http://schemas.microsoft.com/office/drawing/2014/main" id="{0E664DB4-90E2-9C4F-929C-09A105DA672D}"/>
-              </a:ext>
-            </a:extLst>
-          </p:cNvPr>
-          <p:cNvSpPr>
-            <a:spLocks noGrp="1"/>
-          </p:cNvSpPr>
-          <p:nvPr>
-            <p:ph type="title"/>
-          </p:nvPr>
-        </p:nvSpPr>
-        <p:spPr/>
-        <p:txBody>
-          <a:bodyPr/>
-          <a:lstStyle/>
-          <a:p>
-            <a:endParaRPr lang="it-IT"/>
-          </a:p>
-        </p:txBody>
-      </p:sp>
-      <p:pic>
-        <p:nvPicPr>
-          <p:cNvPr id="9" name="Segnaposto contenuto 8">
-            <a:extLst>
-              <a:ext uri="{FF2B5EF4-FFF2-40B4-BE49-F238E27FC236}">
-                <a16:creationId xmlns:a16="http://schemas.microsoft.com/office/drawing/2014/main" id="{12BC780F-3FF7-2346-8B1D-B412EACF5780}"/>
-              </a:ext>
-            </a:extLst>
-          </p:cNvPr>
-          <p:cNvPicPr>
-            <a:picLocks noGrp="1" noChangeAspect="1"/>
-          </p:cNvPicPr>
-          <p:nvPr>
-            <p:ph idx="1"/>
-          </p:nvPr>
-        </p:nvPicPr>
-        <p:blipFill rotWithShape="1">
-          <a:blip r:embed="rId2"/>
-          <a:srcRect r="85625"/>
-          <a:stretch/>
-        </p:blipFill>
-        <p:spPr>
-          <a:xfrm>
-            <a:off x="2146300" y="1924518"/>
-            <a:ext cx="1135519" cy="2349500"/>
-          </a:xfrm>
-        </p:spPr>
-      </p:pic>
-      <p:pic>
-        <p:nvPicPr>
-          <p:cNvPr id="10" name="Segnaposto contenuto 8">
-            <a:extLst>
-              <a:ext uri="{FF2B5EF4-FFF2-40B4-BE49-F238E27FC236}">
-                <a16:creationId xmlns:a16="http://schemas.microsoft.com/office/drawing/2014/main" id="{943EE816-0E97-6E4C-B966-FBF92DC92B00}"/>
+                <a16:creationId xmlns:a16="http://schemas.microsoft.com/office/drawing/2014/main" id="{D659DD3C-AA89-2043-B54E-BBE9A829FAC1}"/>
               </a:ext>
             </a:extLst>
           </p:cNvPr>
@@ -12380,15 +12328,16 @@
           </p:cNvPicPr>
           <p:nvPr/>
         </p:nvPicPr>
-        <p:blipFill rotWithShape="1">
+        <p:blipFill>
           <a:blip r:embed="rId2"/>
-          <a:srcRect l="18497" t="8567" r="791"/>
-          <a:stretch/>
+          <a:stretch>
+            <a:fillRect/>
+          </a:stretch>
         </p:blipFill>
         <p:spPr>
           <a:xfrm>
-            <a:off x="3669952" y="2125804"/>
-            <a:ext cx="6375748" cy="2148214"/>
+            <a:off x="1625600" y="1847850"/>
+            <a:ext cx="8940800" cy="3162300"/>
           </a:xfrm>
           <a:prstGeom prst="rect">
             <a:avLst/>
@@ -12399,6 +12348,124 @@
     <p:extLst>
       <p:ext uri="{BB962C8B-B14F-4D97-AF65-F5344CB8AC3E}">
         <p14:creationId xmlns:p14="http://schemas.microsoft.com/office/powerpoint/2010/main" val="461210185"/>
+      </p:ext>
+    </p:extLst>
+  </p:cSld>
+  <p:clrMapOvr>
+    <a:masterClrMapping/>
+  </p:clrMapOvr>
+</p:sld>
+</file>
+
+<file path=ppt/slides/slide6.xml><?xml version="1.0" encoding="utf-8"?>
+<p:sld xmlns:a="http://schemas.openxmlformats.org/drawingml/2006/main" xmlns:r="http://schemas.openxmlformats.org/officeDocument/2006/relationships" xmlns:p="http://schemas.openxmlformats.org/presentationml/2006/main">
+  <p:cSld>
+    <p:spTree>
+      <p:nvGrpSpPr>
+        <p:cNvPr id="1" name=""/>
+        <p:cNvGrpSpPr/>
+        <p:nvPr/>
+      </p:nvGrpSpPr>
+      <p:grpSpPr>
+        <a:xfrm>
+          <a:off x="0" y="0"/>
+          <a:ext cx="0" cy="0"/>
+          <a:chOff x="0" y="0"/>
+          <a:chExt cx="0" cy="0"/>
+        </a:xfrm>
+      </p:grpSpPr>
+      <p:pic>
+        <p:nvPicPr>
+          <p:cNvPr id="5" name="Immagine 4" descr="Immagine che contiene tavolo&#10;&#10;Descrizione generata automaticamente">
+            <a:extLst>
+              <a:ext uri="{FF2B5EF4-FFF2-40B4-BE49-F238E27FC236}">
+                <a16:creationId xmlns:a16="http://schemas.microsoft.com/office/drawing/2014/main" id="{AB8E27EA-D8BE-7E4C-AB04-37078752DE55}"/>
+              </a:ext>
+            </a:extLst>
+          </p:cNvPr>
+          <p:cNvPicPr>
+            <a:picLocks noChangeAspect="1"/>
+          </p:cNvPicPr>
+          <p:nvPr/>
+        </p:nvPicPr>
+        <p:blipFill>
+          <a:blip r:embed="rId2"/>
+          <a:stretch>
+            <a:fillRect/>
+          </a:stretch>
+        </p:blipFill>
+        <p:spPr>
+          <a:xfrm>
+            <a:off x="859048" y="2061139"/>
+            <a:ext cx="2064387" cy="2275039"/>
+          </a:xfrm>
+          <a:prstGeom prst="rect">
+            <a:avLst/>
+          </a:prstGeom>
+        </p:spPr>
+      </p:pic>
+      <p:pic>
+        <p:nvPicPr>
+          <p:cNvPr id="7" name="Immagine 6">
+            <a:extLst>
+              <a:ext uri="{FF2B5EF4-FFF2-40B4-BE49-F238E27FC236}">
+                <a16:creationId xmlns:a16="http://schemas.microsoft.com/office/drawing/2014/main" id="{464F2F0C-5F01-8445-B461-8CF53EDA7EA4}"/>
+              </a:ext>
+            </a:extLst>
+          </p:cNvPr>
+          <p:cNvPicPr>
+            <a:picLocks noChangeAspect="1"/>
+          </p:cNvPicPr>
+          <p:nvPr/>
+        </p:nvPicPr>
+        <p:blipFill rotWithShape="1">
+          <a:blip r:embed="rId3"/>
+          <a:srcRect l="56338" r="1323"/>
+          <a:stretch/>
+        </p:blipFill>
+        <p:spPr>
+          <a:xfrm>
+            <a:off x="6949054" y="2293480"/>
+            <a:ext cx="2913907" cy="1866434"/>
+          </a:xfrm>
+          <a:prstGeom prst="rect">
+            <a:avLst/>
+          </a:prstGeom>
+        </p:spPr>
+      </p:pic>
+      <p:pic>
+        <p:nvPicPr>
+          <p:cNvPr id="8" name="Immagine 7">
+            <a:extLst>
+              <a:ext uri="{FF2B5EF4-FFF2-40B4-BE49-F238E27FC236}">
+                <a16:creationId xmlns:a16="http://schemas.microsoft.com/office/drawing/2014/main" id="{DF2298D0-331A-5D4E-BCED-2C66C6D49DCE}"/>
+              </a:ext>
+            </a:extLst>
+          </p:cNvPr>
+          <p:cNvPicPr>
+            <a:picLocks noChangeAspect="1"/>
+          </p:cNvPicPr>
+          <p:nvPr/>
+        </p:nvPicPr>
+        <p:blipFill rotWithShape="1">
+          <a:blip r:embed="rId3"/>
+          <a:srcRect r="57662" b="5801"/>
+          <a:stretch/>
+        </p:blipFill>
+        <p:spPr>
+          <a:xfrm>
+            <a:off x="3423519" y="2293480"/>
+            <a:ext cx="3000400" cy="1810359"/>
+          </a:xfrm>
+          <a:prstGeom prst="rect">
+            <a:avLst/>
+          </a:prstGeom>
+        </p:spPr>
+      </p:pic>
+    </p:spTree>
+    <p:extLst>
+      <p:ext uri="{BB962C8B-B14F-4D97-AF65-F5344CB8AC3E}">
+        <p14:creationId xmlns:p14="http://schemas.microsoft.com/office/powerpoint/2010/main" val="4284197351"/>
       </p:ext>
     </p:extLst>
   </p:cSld>

--- a/Report/imgs/Presentazione standard1.pptx
+++ b/Report/imgs/Presentazione standard1.pptx
@@ -5,7 +5,7 @@
     <p:sldMasterId id="2147483648" r:id="rId1"/>
   </p:sldMasterIdLst>
   <p:notesMasterIdLst>
-    <p:notesMasterId r:id="rId8"/>
+    <p:notesMasterId r:id="rId9"/>
   </p:notesMasterIdLst>
   <p:sldIdLst>
     <p:sldId id="256" r:id="rId2"/>
@@ -13,7 +13,8 @@
     <p:sldId id="258" r:id="rId4"/>
     <p:sldId id="259" r:id="rId5"/>
     <p:sldId id="260" r:id="rId6"/>
-    <p:sldId id="261" r:id="rId7"/>
+    <p:sldId id="262" r:id="rId7"/>
+    <p:sldId id="261" r:id="rId8"/>
   </p:sldIdLst>
   <p:sldSz cx="12192000" cy="6858000"/>
   <p:notesSz cx="6858000" cy="9144000"/>
@@ -12316,10 +12317,10 @@
       </p:grpSpPr>
       <p:pic>
         <p:nvPicPr>
-          <p:cNvPr id="20" name="Immagine 19">
+          <p:cNvPr id="11" name="Immagine 10" descr="Immagine che contiene tavolo&#10;&#10;Descrizione generata automaticamente">
             <a:extLst>
               <a:ext uri="{FF2B5EF4-FFF2-40B4-BE49-F238E27FC236}">
-                <a16:creationId xmlns:a16="http://schemas.microsoft.com/office/drawing/2014/main" id="{D659DD3C-AA89-2043-B54E-BBE9A829FAC1}"/>
+                <a16:creationId xmlns:a16="http://schemas.microsoft.com/office/drawing/2014/main" id="{F56DF513-1E83-EB48-9AC6-3C0B0E968C64}"/>
               </a:ext>
             </a:extLst>
           </p:cNvPr>
@@ -12328,22 +12329,1392 @@
           </p:cNvPicPr>
           <p:nvPr/>
         </p:nvPicPr>
-        <p:blipFill>
+        <p:blipFill rotWithShape="1">
           <a:blip r:embed="rId2"/>
-          <a:stretch>
-            <a:fillRect/>
-          </a:stretch>
+          <a:srcRect l="67176" b="869"/>
+          <a:stretch/>
         </p:blipFill>
         <p:spPr>
           <a:xfrm>
-            <a:off x="1625600" y="1847850"/>
-            <a:ext cx="8940800" cy="3162300"/>
+            <a:off x="9001069" y="375259"/>
+            <a:ext cx="3622545" cy="5061037"/>
           </a:xfrm>
           <a:prstGeom prst="rect">
             <a:avLst/>
           </a:prstGeom>
         </p:spPr>
       </p:pic>
+      <p:graphicFrame>
+        <p:nvGraphicFramePr>
+          <p:cNvPr id="13" name="Tabella 4">
+            <a:extLst>
+              <a:ext uri="{FF2B5EF4-FFF2-40B4-BE49-F238E27FC236}">
+                <a16:creationId xmlns:a16="http://schemas.microsoft.com/office/drawing/2014/main" id="{2FF89F53-35C4-C34E-8EF8-F896BB01C638}"/>
+              </a:ext>
+            </a:extLst>
+          </p:cNvPr>
+          <p:cNvGraphicFramePr>
+            <a:graphicFrameLocks noGrp="1"/>
+          </p:cNvGraphicFramePr>
+          <p:nvPr>
+            <p:extLst>
+              <p:ext uri="{D42A27DB-BD31-4B8C-83A1-F6EECF244321}">
+                <p14:modId xmlns:p14="http://schemas.microsoft.com/office/powerpoint/2010/main" val="2992747655"/>
+              </p:ext>
+            </p:extLst>
+          </p:nvPr>
+        </p:nvGraphicFramePr>
+        <p:xfrm>
+          <a:off x="66807" y="758347"/>
+          <a:ext cx="12556807" cy="3606800"/>
+        </p:xfrm>
+        <a:graphic>
+          <a:graphicData uri="http://schemas.openxmlformats.org/drawingml/2006/table">
+            <a:tbl>
+              <a:tblPr firstRow="1" bandRow="1">
+                <a:tableStyleId>{8799B23B-EC83-4686-B30A-512413B5E67A}</a:tableStyleId>
+              </a:tblPr>
+              <a:tblGrid>
+                <a:gridCol w="766254">
+                  <a:extLst>
+                    <a:ext uri="{9D8B030D-6E8A-4147-A177-3AD203B41FA5}">
+                      <a16:colId xmlns:a16="http://schemas.microsoft.com/office/drawing/2014/main" val="958130683"/>
+                    </a:ext>
+                  </a:extLst>
+                </a:gridCol>
+                <a:gridCol w="1124902">
+                  <a:extLst>
+                    <a:ext uri="{9D8B030D-6E8A-4147-A177-3AD203B41FA5}">
+                      <a16:colId xmlns:a16="http://schemas.microsoft.com/office/drawing/2014/main" val="3982942333"/>
+                    </a:ext>
+                  </a:extLst>
+                </a:gridCol>
+                <a:gridCol w="1368044">
+                  <a:extLst>
+                    <a:ext uri="{9D8B030D-6E8A-4147-A177-3AD203B41FA5}">
+                      <a16:colId xmlns:a16="http://schemas.microsoft.com/office/drawing/2014/main" val="1503003223"/>
+                    </a:ext>
+                  </a:extLst>
+                </a:gridCol>
+                <a:gridCol w="1622171">
+                  <a:extLst>
+                    <a:ext uri="{9D8B030D-6E8A-4147-A177-3AD203B41FA5}">
+                      <a16:colId xmlns:a16="http://schemas.microsoft.com/office/drawing/2014/main" val="2672154867"/>
+                    </a:ext>
+                  </a:extLst>
+                </a:gridCol>
+                <a:gridCol w="1601660">
+                  <a:extLst>
+                    <a:ext uri="{9D8B030D-6E8A-4147-A177-3AD203B41FA5}">
+                      <a16:colId xmlns:a16="http://schemas.microsoft.com/office/drawing/2014/main" val="3096760809"/>
+                    </a:ext>
+                  </a:extLst>
+                </a:gridCol>
+                <a:gridCol w="1493393">
+                  <a:extLst>
+                    <a:ext uri="{9D8B030D-6E8A-4147-A177-3AD203B41FA5}">
+                      <a16:colId xmlns:a16="http://schemas.microsoft.com/office/drawing/2014/main" val="1171251801"/>
+                    </a:ext>
+                  </a:extLst>
+                </a:gridCol>
+                <a:gridCol w="1740218">
+                  <a:extLst>
+                    <a:ext uri="{9D8B030D-6E8A-4147-A177-3AD203B41FA5}">
+                      <a16:colId xmlns:a16="http://schemas.microsoft.com/office/drawing/2014/main" val="1909061911"/>
+                    </a:ext>
+                  </a:extLst>
+                </a:gridCol>
+                <a:gridCol w="1547241">
+                  <a:extLst>
+                    <a:ext uri="{9D8B030D-6E8A-4147-A177-3AD203B41FA5}">
+                      <a16:colId xmlns:a16="http://schemas.microsoft.com/office/drawing/2014/main" val="3553772906"/>
+                    </a:ext>
+                  </a:extLst>
+                </a:gridCol>
+                <a:gridCol w="1292924">
+                  <a:extLst>
+                    <a:ext uri="{9D8B030D-6E8A-4147-A177-3AD203B41FA5}">
+                      <a16:colId xmlns:a16="http://schemas.microsoft.com/office/drawing/2014/main" val="248019487"/>
+                    </a:ext>
+                  </a:extLst>
+                </a:gridCol>
+              </a:tblGrid>
+              <a:tr h="370840">
+                <a:tc>
+                  <a:txBody>
+                    <a:bodyPr/>
+                    <a:lstStyle/>
+                    <a:p>
+                      <a:pPr algn="ctr"/>
+                      <a:r>
+                        <a:rPr lang="it-IT" dirty="0"/>
+                        <a:t> </a:t>
+                      </a:r>
+                    </a:p>
+                  </a:txBody>
+                  <a:tcPr/>
+                </a:tc>
+                <a:tc>
+                  <a:txBody>
+                    <a:bodyPr/>
+                    <a:lstStyle/>
+                    <a:p>
+                      <a:pPr algn="ctr"/>
+                      <a:r>
+                        <a:rPr lang="it-IT" dirty="0" err="1"/>
+                        <a:t>YearsAt</a:t>
+                      </a:r>
+                      <a:endParaRPr lang="it-IT" dirty="0"/>
+                    </a:p>
+                    <a:p>
+                      <a:pPr algn="ctr"/>
+                      <a:r>
+                        <a:rPr lang="it-IT" dirty="0"/>
+                        <a:t>Company</a:t>
+                      </a:r>
+                    </a:p>
+                  </a:txBody>
+                  <a:tcPr/>
+                </a:tc>
+                <a:tc>
+                  <a:txBody>
+                    <a:bodyPr/>
+                    <a:lstStyle/>
+                    <a:p>
+                      <a:pPr algn="ctr"/>
+                      <a:r>
+                        <a:rPr lang="it-IT" dirty="0" err="1"/>
+                        <a:t>YearsIn</a:t>
+                      </a:r>
+                      <a:endParaRPr lang="it-IT" dirty="0"/>
+                    </a:p>
+                    <a:p>
+                      <a:pPr algn="ctr"/>
+                      <a:r>
+                        <a:rPr lang="it-IT" dirty="0" err="1"/>
+                        <a:t>CurrentRole</a:t>
+                      </a:r>
+                      <a:endParaRPr lang="it-IT" dirty="0"/>
+                    </a:p>
+                  </a:txBody>
+                  <a:tcPr/>
+                </a:tc>
+                <a:tc>
+                  <a:txBody>
+                    <a:bodyPr/>
+                    <a:lstStyle/>
+                    <a:p>
+                      <a:pPr algn="ctr"/>
+                      <a:r>
+                        <a:rPr lang="it-IT" dirty="0" err="1"/>
+                        <a:t>YearsSince</a:t>
+                      </a:r>
+                      <a:endParaRPr lang="it-IT" dirty="0"/>
+                    </a:p>
+                    <a:p>
+                      <a:pPr algn="ctr"/>
+                      <a:r>
+                        <a:rPr lang="it-IT" dirty="0" err="1"/>
+                        <a:t>LastPromotion</a:t>
+                      </a:r>
+                      <a:endParaRPr lang="it-IT" dirty="0"/>
+                    </a:p>
+                  </a:txBody>
+                  <a:tcPr/>
+                </a:tc>
+                <a:tc>
+                  <a:txBody>
+                    <a:bodyPr/>
+                    <a:lstStyle/>
+                    <a:p>
+                      <a:pPr algn="ctr"/>
+                      <a:r>
+                        <a:rPr lang="it-IT" dirty="0" err="1"/>
+                        <a:t>YearsWithCurr</a:t>
+                      </a:r>
+                      <a:endParaRPr lang="it-IT" dirty="0"/>
+                    </a:p>
+                    <a:p>
+                      <a:pPr algn="ctr"/>
+                      <a:r>
+                        <a:rPr lang="it-IT" dirty="0"/>
+                        <a:t>Manager</a:t>
+                      </a:r>
+                    </a:p>
+                  </a:txBody>
+                  <a:tcPr/>
+                </a:tc>
+                <a:tc>
+                  <a:txBody>
+                    <a:bodyPr/>
+                    <a:lstStyle/>
+                    <a:p>
+                      <a:pPr algn="ctr"/>
+                      <a:r>
+                        <a:rPr lang="it-IT" dirty="0" err="1"/>
+                        <a:t>TotalWorking</a:t>
+                      </a:r>
+                      <a:endParaRPr lang="it-IT" dirty="0"/>
+                    </a:p>
+                    <a:p>
+                      <a:pPr algn="ctr"/>
+                      <a:r>
+                        <a:rPr lang="it-IT" dirty="0" err="1"/>
+                        <a:t>Years</a:t>
+                      </a:r>
+                      <a:endParaRPr lang="it-IT" dirty="0"/>
+                    </a:p>
+                  </a:txBody>
+                  <a:tcPr/>
+                </a:tc>
+                <a:tc>
+                  <a:txBody>
+                    <a:bodyPr/>
+                    <a:lstStyle/>
+                    <a:p>
+                      <a:pPr algn="ctr"/>
+                      <a:r>
+                        <a:rPr lang="it-IT" dirty="0" err="1"/>
+                        <a:t>NumCompanies</a:t>
+                      </a:r>
+                      <a:endParaRPr lang="it-IT" dirty="0"/>
+                    </a:p>
+                    <a:p>
+                      <a:pPr algn="ctr"/>
+                      <a:r>
+                        <a:rPr lang="it-IT" dirty="0" err="1"/>
+                        <a:t>Worked</a:t>
+                      </a:r>
+                      <a:endParaRPr lang="it-IT" dirty="0"/>
+                    </a:p>
+                  </a:txBody>
+                  <a:tcPr/>
+                </a:tc>
+                <a:tc>
+                  <a:txBody>
+                    <a:bodyPr/>
+                    <a:lstStyle/>
+                    <a:p>
+                      <a:pPr algn="ctr"/>
+                      <a:r>
+                        <a:rPr lang="it-IT" dirty="0" err="1"/>
+                        <a:t>TrainingTimes</a:t>
+                      </a:r>
+                      <a:endParaRPr lang="it-IT" dirty="0"/>
+                    </a:p>
+                    <a:p>
+                      <a:pPr algn="ctr"/>
+                      <a:r>
+                        <a:rPr lang="it-IT" dirty="0" err="1"/>
+                        <a:t>LastYear</a:t>
+                      </a:r>
+                      <a:endParaRPr lang="it-IT" dirty="0"/>
+                    </a:p>
+                  </a:txBody>
+                  <a:tcPr/>
+                </a:tc>
+                <a:tc>
+                  <a:txBody>
+                    <a:bodyPr/>
+                    <a:lstStyle/>
+                    <a:p>
+                      <a:pPr algn="ctr"/>
+                      <a:r>
+                        <a:rPr lang="it-IT" dirty="0" err="1"/>
+                        <a:t>Distance</a:t>
+                      </a:r>
+                      <a:endParaRPr lang="it-IT" dirty="0"/>
+                    </a:p>
+                    <a:p>
+                      <a:pPr algn="ctr"/>
+                      <a:r>
+                        <a:rPr lang="it-IT" dirty="0" err="1"/>
+                        <a:t>FromHome</a:t>
+                      </a:r>
+                      <a:endParaRPr lang="it-IT" dirty="0"/>
+                    </a:p>
+                  </a:txBody>
+                  <a:tcPr/>
+                </a:tc>
+                <a:extLst>
+                  <a:ext uri="{0D108BD9-81ED-4DB2-BD59-A6C34878D82A}">
+                    <a16:rowId xmlns:a16="http://schemas.microsoft.com/office/drawing/2014/main" val="3211650326"/>
+                  </a:ext>
+                </a:extLst>
+              </a:tr>
+              <a:tr h="370840">
+                <a:tc>
+                  <a:txBody>
+                    <a:bodyPr/>
+                    <a:lstStyle/>
+                    <a:p>
+                      <a:pPr algn="ctr"/>
+                      <a:r>
+                        <a:rPr lang="it-IT" dirty="0" err="1"/>
+                        <a:t>count</a:t>
+                      </a:r>
+                      <a:endParaRPr lang="it-IT" dirty="0"/>
+                    </a:p>
+                  </a:txBody>
+                  <a:tcPr/>
+                </a:tc>
+                <a:tc>
+                  <a:txBody>
+                    <a:bodyPr/>
+                    <a:lstStyle/>
+                    <a:p>
+                      <a:pPr algn="ctr"/>
+                      <a:r>
+                        <a:rPr lang="it-IT" dirty="0"/>
+                        <a:t>1116</a:t>
+                      </a:r>
+                    </a:p>
+                  </a:txBody>
+                  <a:tcPr/>
+                </a:tc>
+                <a:tc>
+                  <a:txBody>
+                    <a:bodyPr/>
+                    <a:lstStyle/>
+                    <a:p>
+                      <a:pPr algn="ctr"/>
+                      <a:r>
+                        <a:rPr lang="it-IT" dirty="0"/>
+                        <a:t>1176</a:t>
+                      </a:r>
+                    </a:p>
+                  </a:txBody>
+                  <a:tcPr/>
+                </a:tc>
+                <a:tc>
+                  <a:txBody>
+                    <a:bodyPr/>
+                    <a:lstStyle/>
+                    <a:p>
+                      <a:pPr algn="ctr"/>
+                      <a:r>
+                        <a:rPr lang="it-IT" dirty="0"/>
+                        <a:t>1176</a:t>
+                      </a:r>
+                    </a:p>
+                  </a:txBody>
+                  <a:tcPr/>
+                </a:tc>
+                <a:tc>
+                  <a:txBody>
+                    <a:bodyPr/>
+                    <a:lstStyle/>
+                    <a:p>
+                      <a:pPr algn="ctr"/>
+                      <a:r>
+                        <a:rPr lang="it-IT" dirty="0"/>
+                        <a:t>1176</a:t>
+                      </a:r>
+                    </a:p>
+                  </a:txBody>
+                  <a:tcPr/>
+                </a:tc>
+                <a:tc>
+                  <a:txBody>
+                    <a:bodyPr/>
+                    <a:lstStyle/>
+                    <a:p>
+                      <a:pPr algn="ctr"/>
+                      <a:r>
+                        <a:rPr lang="it-IT" dirty="0"/>
+                        <a:t>1176</a:t>
+                      </a:r>
+                    </a:p>
+                  </a:txBody>
+                  <a:tcPr/>
+                </a:tc>
+                <a:tc>
+                  <a:txBody>
+                    <a:bodyPr/>
+                    <a:lstStyle/>
+                    <a:p>
+                      <a:pPr algn="ctr"/>
+                      <a:r>
+                        <a:rPr lang="it-IT" dirty="0"/>
+                        <a:t>1176</a:t>
+                      </a:r>
+                    </a:p>
+                  </a:txBody>
+                  <a:tcPr/>
+                </a:tc>
+                <a:tc>
+                  <a:txBody>
+                    <a:bodyPr/>
+                    <a:lstStyle/>
+                    <a:p>
+                      <a:pPr algn="ctr"/>
+                      <a:r>
+                        <a:rPr lang="it-IT" dirty="0"/>
+                        <a:t>943</a:t>
+                      </a:r>
+                    </a:p>
+                  </a:txBody>
+                  <a:tcPr/>
+                </a:tc>
+                <a:tc>
+                  <a:txBody>
+                    <a:bodyPr/>
+                    <a:lstStyle/>
+                    <a:p>
+                      <a:pPr algn="ctr"/>
+                      <a:r>
+                        <a:rPr lang="it-IT" dirty="0"/>
+                        <a:t>1176</a:t>
+                      </a:r>
+                    </a:p>
+                  </a:txBody>
+                  <a:tcPr/>
+                </a:tc>
+                <a:extLst>
+                  <a:ext uri="{0D108BD9-81ED-4DB2-BD59-A6C34878D82A}">
+                    <a16:rowId xmlns:a16="http://schemas.microsoft.com/office/drawing/2014/main" val="3294786535"/>
+                  </a:ext>
+                </a:extLst>
+              </a:tr>
+              <a:tr h="370840">
+                <a:tc>
+                  <a:txBody>
+                    <a:bodyPr/>
+                    <a:lstStyle/>
+                    <a:p>
+                      <a:pPr algn="ctr"/>
+                      <a:r>
+                        <a:rPr lang="it-IT" dirty="0" err="1"/>
+                        <a:t>mean</a:t>
+                      </a:r>
+                      <a:endParaRPr lang="it-IT" dirty="0"/>
+                    </a:p>
+                  </a:txBody>
+                  <a:tcPr/>
+                </a:tc>
+                <a:tc>
+                  <a:txBody>
+                    <a:bodyPr/>
+                    <a:lstStyle/>
+                    <a:p>
+                      <a:pPr algn="ctr"/>
+                      <a:r>
+                        <a:rPr lang="it-IT" dirty="0"/>
+                        <a:t>6.9265</a:t>
+                      </a:r>
+                    </a:p>
+                  </a:txBody>
+                  <a:tcPr/>
+                </a:tc>
+                <a:tc>
+                  <a:txBody>
+                    <a:bodyPr/>
+                    <a:lstStyle/>
+                    <a:p>
+                      <a:pPr algn="ctr"/>
+                      <a:r>
+                        <a:rPr lang="it-IT" dirty="0"/>
+                        <a:t>4.1887</a:t>
+                      </a:r>
+                    </a:p>
+                  </a:txBody>
+                  <a:tcPr/>
+                </a:tc>
+                <a:tc>
+                  <a:txBody>
+                    <a:bodyPr/>
+                    <a:lstStyle/>
+                    <a:p>
+                      <a:pPr algn="ctr"/>
+                      <a:r>
+                        <a:rPr lang="it-IT" dirty="0"/>
+                        <a:t>2.1717</a:t>
+                      </a:r>
+                    </a:p>
+                  </a:txBody>
+                  <a:tcPr/>
+                </a:tc>
+                <a:tc>
+                  <a:txBody>
+                    <a:bodyPr/>
+                    <a:lstStyle/>
+                    <a:p>
+                      <a:pPr algn="ctr"/>
+                      <a:r>
+                        <a:rPr lang="it-IT" dirty="0"/>
+                        <a:t>4.1079</a:t>
+                      </a:r>
+                    </a:p>
+                  </a:txBody>
+                  <a:tcPr/>
+                </a:tc>
+                <a:tc>
+                  <a:txBody>
+                    <a:bodyPr/>
+                    <a:lstStyle/>
+                    <a:p>
+                      <a:pPr algn="ctr"/>
+                      <a:r>
+                        <a:rPr lang="it-IT" dirty="0"/>
+                        <a:t>11.0195</a:t>
+                      </a:r>
+                    </a:p>
+                  </a:txBody>
+                  <a:tcPr/>
+                </a:tc>
+                <a:tc>
+                  <a:txBody>
+                    <a:bodyPr/>
+                    <a:lstStyle/>
+                    <a:p>
+                      <a:pPr algn="ctr"/>
+                      <a:r>
+                        <a:rPr lang="it-IT" dirty="0"/>
+                        <a:t>2.6632</a:t>
+                      </a:r>
+                    </a:p>
+                  </a:txBody>
+                  <a:tcPr/>
+                </a:tc>
+                <a:tc>
+                  <a:txBody>
+                    <a:bodyPr/>
+                    <a:lstStyle/>
+                    <a:p>
+                      <a:pPr algn="ctr"/>
+                      <a:r>
+                        <a:rPr lang="it-IT" dirty="0"/>
+                        <a:t>2.8271</a:t>
+                      </a:r>
+                    </a:p>
+                  </a:txBody>
+                  <a:tcPr/>
+                </a:tc>
+                <a:tc>
+                  <a:txBody>
+                    <a:bodyPr/>
+                    <a:lstStyle/>
+                    <a:p>
+                      <a:pPr algn="ctr"/>
+                      <a:r>
+                        <a:rPr lang="it-IT" dirty="0"/>
+                        <a:t>9.2100</a:t>
+                      </a:r>
+                    </a:p>
+                  </a:txBody>
+                  <a:tcPr/>
+                </a:tc>
+                <a:extLst>
+                  <a:ext uri="{0D108BD9-81ED-4DB2-BD59-A6C34878D82A}">
+                    <a16:rowId xmlns:a16="http://schemas.microsoft.com/office/drawing/2014/main" val="3255642635"/>
+                  </a:ext>
+                </a:extLst>
+              </a:tr>
+              <a:tr h="370840">
+                <a:tc>
+                  <a:txBody>
+                    <a:bodyPr/>
+                    <a:lstStyle/>
+                    <a:p>
+                      <a:pPr algn="ctr"/>
+                      <a:r>
+                        <a:rPr lang="it-IT" dirty="0" err="1"/>
+                        <a:t>std</a:t>
+                      </a:r>
+                      <a:endParaRPr lang="it-IT" dirty="0"/>
+                    </a:p>
+                  </a:txBody>
+                  <a:tcPr/>
+                </a:tc>
+                <a:tc>
+                  <a:txBody>
+                    <a:bodyPr/>
+                    <a:lstStyle/>
+                    <a:p>
+                      <a:pPr algn="ctr"/>
+                      <a:r>
+                        <a:rPr lang="it-IT" dirty="0"/>
+                        <a:t>6.0631</a:t>
+                      </a:r>
+                    </a:p>
+                  </a:txBody>
+                  <a:tcPr/>
+                </a:tc>
+                <a:tc>
+                  <a:txBody>
+                    <a:bodyPr/>
+                    <a:lstStyle/>
+                    <a:p>
+                      <a:pPr algn="ctr"/>
+                      <a:r>
+                        <a:rPr lang="it-IT" dirty="0"/>
+                        <a:t>3.6374</a:t>
+                      </a:r>
+                    </a:p>
+                  </a:txBody>
+                  <a:tcPr/>
+                </a:tc>
+                <a:tc>
+                  <a:txBody>
+                    <a:bodyPr/>
+                    <a:lstStyle/>
+                    <a:p>
+                      <a:pPr algn="ctr"/>
+                      <a:r>
+                        <a:rPr lang="it-IT" dirty="0"/>
+                        <a:t>3.1897</a:t>
+                      </a:r>
+                    </a:p>
+                  </a:txBody>
+                  <a:tcPr/>
+                </a:tc>
+                <a:tc>
+                  <a:txBody>
+                    <a:bodyPr/>
+                    <a:lstStyle/>
+                    <a:p>
+                      <a:pPr algn="ctr"/>
+                      <a:r>
+                        <a:rPr lang="it-IT" dirty="0"/>
+                        <a:t>3.6010</a:t>
+                      </a:r>
+                    </a:p>
+                  </a:txBody>
+                  <a:tcPr/>
+                </a:tc>
+                <a:tc>
+                  <a:txBody>
+                    <a:bodyPr/>
+                    <a:lstStyle/>
+                    <a:p>
+                      <a:pPr algn="ctr"/>
+                      <a:r>
+                        <a:rPr lang="it-IT" dirty="0"/>
+                        <a:t>7.6948</a:t>
+                      </a:r>
+                    </a:p>
+                  </a:txBody>
+                  <a:tcPr/>
+                </a:tc>
+                <a:tc>
+                  <a:txBody>
+                    <a:bodyPr/>
+                    <a:lstStyle/>
+                    <a:p>
+                      <a:pPr algn="ctr"/>
+                      <a:r>
+                        <a:rPr lang="it-IT" dirty="0"/>
+                        <a:t>2.4912</a:t>
+                      </a:r>
+                    </a:p>
+                  </a:txBody>
+                  <a:tcPr/>
+                </a:tc>
+                <a:tc>
+                  <a:txBody>
+                    <a:bodyPr/>
+                    <a:lstStyle/>
+                    <a:p>
+                      <a:pPr algn="ctr"/>
+                      <a:r>
+                        <a:rPr lang="it-IT" dirty="0"/>
+                        <a:t>1.2731</a:t>
+                      </a:r>
+                    </a:p>
+                  </a:txBody>
+                  <a:tcPr/>
+                </a:tc>
+                <a:tc>
+                  <a:txBody>
+                    <a:bodyPr/>
+                    <a:lstStyle/>
+                    <a:p>
+                      <a:pPr algn="ctr"/>
+                      <a:r>
+                        <a:rPr lang="it-IT" dirty="0"/>
+                        <a:t>8.0970</a:t>
+                      </a:r>
+                    </a:p>
+                  </a:txBody>
+                  <a:tcPr/>
+                </a:tc>
+                <a:extLst>
+                  <a:ext uri="{0D108BD9-81ED-4DB2-BD59-A6C34878D82A}">
+                    <a16:rowId xmlns:a16="http://schemas.microsoft.com/office/drawing/2014/main" val="530914676"/>
+                  </a:ext>
+                </a:extLst>
+              </a:tr>
+              <a:tr h="370840">
+                <a:tc>
+                  <a:txBody>
+                    <a:bodyPr/>
+                    <a:lstStyle/>
+                    <a:p>
+                      <a:pPr algn="ctr"/>
+                      <a:r>
+                        <a:rPr lang="it-IT" dirty="0" err="1"/>
+                        <a:t>min</a:t>
+                      </a:r>
+                      <a:endParaRPr lang="it-IT" dirty="0"/>
+                    </a:p>
+                  </a:txBody>
+                  <a:tcPr/>
+                </a:tc>
+                <a:tc>
+                  <a:txBody>
+                    <a:bodyPr/>
+                    <a:lstStyle/>
+                    <a:p>
+                      <a:pPr algn="ctr"/>
+                      <a:r>
+                        <a:rPr lang="it-IT" dirty="0"/>
+                        <a:t>0.0000</a:t>
+                      </a:r>
+                    </a:p>
+                  </a:txBody>
+                  <a:tcPr/>
+                </a:tc>
+                <a:tc>
+                  <a:txBody>
+                    <a:bodyPr/>
+                    <a:lstStyle/>
+                    <a:p>
+                      <a:pPr algn="ctr"/>
+                      <a:r>
+                        <a:rPr lang="it-IT" dirty="0"/>
+                        <a:t>0.0000</a:t>
+                      </a:r>
+                    </a:p>
+                  </a:txBody>
+                  <a:tcPr/>
+                </a:tc>
+                <a:tc>
+                  <a:txBody>
+                    <a:bodyPr/>
+                    <a:lstStyle/>
+                    <a:p>
+                      <a:pPr algn="ctr"/>
+                      <a:r>
+                        <a:rPr lang="it-IT" dirty="0"/>
+                        <a:t>0.0000</a:t>
+                      </a:r>
+                    </a:p>
+                  </a:txBody>
+                  <a:tcPr/>
+                </a:tc>
+                <a:tc>
+                  <a:txBody>
+                    <a:bodyPr/>
+                    <a:lstStyle/>
+                    <a:p>
+                      <a:pPr algn="ctr"/>
+                      <a:r>
+                        <a:rPr lang="it-IT" dirty="0"/>
+                        <a:t>0.0000</a:t>
+                      </a:r>
+                    </a:p>
+                  </a:txBody>
+                  <a:tcPr/>
+                </a:tc>
+                <a:tc>
+                  <a:txBody>
+                    <a:bodyPr/>
+                    <a:lstStyle/>
+                    <a:p>
+                      <a:pPr algn="ctr"/>
+                      <a:r>
+                        <a:rPr lang="it-IT" dirty="0"/>
+                        <a:t>0.0000</a:t>
+                      </a:r>
+                    </a:p>
+                  </a:txBody>
+                  <a:tcPr/>
+                </a:tc>
+                <a:tc>
+                  <a:txBody>
+                    <a:bodyPr/>
+                    <a:lstStyle/>
+                    <a:p>
+                      <a:pPr algn="ctr"/>
+                      <a:r>
+                        <a:rPr lang="it-IT" dirty="0"/>
+                        <a:t>0.0000</a:t>
+                      </a:r>
+                    </a:p>
+                  </a:txBody>
+                  <a:tcPr/>
+                </a:tc>
+                <a:tc>
+                  <a:txBody>
+                    <a:bodyPr/>
+                    <a:lstStyle/>
+                    <a:p>
+                      <a:pPr algn="ctr"/>
+                      <a:r>
+                        <a:rPr lang="it-IT" dirty="0"/>
+                        <a:t>0.0000</a:t>
+                      </a:r>
+                    </a:p>
+                  </a:txBody>
+                  <a:tcPr/>
+                </a:tc>
+                <a:tc>
+                  <a:txBody>
+                    <a:bodyPr/>
+                    <a:lstStyle/>
+                    <a:p>
+                      <a:pPr algn="ctr"/>
+                      <a:r>
+                        <a:rPr lang="it-IT" dirty="0"/>
+                        <a:t>1.0000</a:t>
+                      </a:r>
+                    </a:p>
+                  </a:txBody>
+                  <a:tcPr/>
+                </a:tc>
+                <a:extLst>
+                  <a:ext uri="{0D108BD9-81ED-4DB2-BD59-A6C34878D82A}">
+                    <a16:rowId xmlns:a16="http://schemas.microsoft.com/office/drawing/2014/main" val="2127613461"/>
+                  </a:ext>
+                </a:extLst>
+              </a:tr>
+              <a:tr h="370840">
+                <a:tc>
+                  <a:txBody>
+                    <a:bodyPr/>
+                    <a:lstStyle/>
+                    <a:p>
+                      <a:pPr algn="ctr"/>
+                      <a:r>
+                        <a:rPr lang="it-IT" dirty="0"/>
+                        <a:t>25%</a:t>
+                      </a:r>
+                    </a:p>
+                  </a:txBody>
+                  <a:tcPr/>
+                </a:tc>
+                <a:tc>
+                  <a:txBody>
+                    <a:bodyPr/>
+                    <a:lstStyle/>
+                    <a:p>
+                      <a:pPr algn="ctr"/>
+                      <a:r>
+                        <a:rPr lang="it-IT" dirty="0"/>
+                        <a:t>3.0000</a:t>
+                      </a:r>
+                    </a:p>
+                  </a:txBody>
+                  <a:tcPr/>
+                </a:tc>
+                <a:tc>
+                  <a:txBody>
+                    <a:bodyPr/>
+                    <a:lstStyle/>
+                    <a:p>
+                      <a:pPr algn="ctr"/>
+                      <a:r>
+                        <a:rPr lang="it-IT" dirty="0"/>
+                        <a:t>2.0000</a:t>
+                      </a:r>
+                    </a:p>
+                  </a:txBody>
+                  <a:tcPr/>
+                </a:tc>
+                <a:tc>
+                  <a:txBody>
+                    <a:bodyPr/>
+                    <a:lstStyle/>
+                    <a:p>
+                      <a:pPr algn="ctr"/>
+                      <a:r>
+                        <a:rPr lang="it-IT" dirty="0"/>
+                        <a:t>0.0000</a:t>
+                      </a:r>
+                    </a:p>
+                  </a:txBody>
+                  <a:tcPr/>
+                </a:tc>
+                <a:tc>
+                  <a:txBody>
+                    <a:bodyPr/>
+                    <a:lstStyle/>
+                    <a:p>
+                      <a:pPr algn="ctr"/>
+                      <a:r>
+                        <a:rPr lang="it-IT" dirty="0"/>
+                        <a:t>2.0000</a:t>
+                      </a:r>
+                    </a:p>
+                  </a:txBody>
+                  <a:tcPr/>
+                </a:tc>
+                <a:tc>
+                  <a:txBody>
+                    <a:bodyPr/>
+                    <a:lstStyle/>
+                    <a:p>
+                      <a:pPr algn="ctr"/>
+                      <a:r>
+                        <a:rPr lang="it-IT" dirty="0"/>
+                        <a:t>6.0000</a:t>
+                      </a:r>
+                    </a:p>
+                  </a:txBody>
+                  <a:tcPr/>
+                </a:tc>
+                <a:tc>
+                  <a:txBody>
+                    <a:bodyPr/>
+                    <a:lstStyle/>
+                    <a:p>
+                      <a:pPr algn="ctr"/>
+                      <a:r>
+                        <a:rPr lang="it-IT" dirty="0"/>
+                        <a:t>1.0000</a:t>
+                      </a:r>
+                    </a:p>
+                  </a:txBody>
+                  <a:tcPr/>
+                </a:tc>
+                <a:tc>
+                  <a:txBody>
+                    <a:bodyPr/>
+                    <a:lstStyle/>
+                    <a:p>
+                      <a:pPr algn="ctr"/>
+                      <a:r>
+                        <a:rPr lang="it-IT" dirty="0"/>
+                        <a:t>2.0000</a:t>
+                      </a:r>
+                    </a:p>
+                  </a:txBody>
+                  <a:tcPr/>
+                </a:tc>
+                <a:tc>
+                  <a:txBody>
+                    <a:bodyPr/>
+                    <a:lstStyle/>
+                    <a:p>
+                      <a:pPr algn="ctr"/>
+                      <a:r>
+                        <a:rPr lang="it-IT" dirty="0"/>
+                        <a:t>2.0000</a:t>
+                      </a:r>
+                    </a:p>
+                  </a:txBody>
+                  <a:tcPr/>
+                </a:tc>
+                <a:extLst>
+                  <a:ext uri="{0D108BD9-81ED-4DB2-BD59-A6C34878D82A}">
+                    <a16:rowId xmlns:a16="http://schemas.microsoft.com/office/drawing/2014/main" val="708381813"/>
+                  </a:ext>
+                </a:extLst>
+              </a:tr>
+              <a:tr h="370840">
+                <a:tc>
+                  <a:txBody>
+                    <a:bodyPr/>
+                    <a:lstStyle/>
+                    <a:p>
+                      <a:pPr algn="ctr"/>
+                      <a:r>
+                        <a:rPr lang="it-IT" dirty="0"/>
+                        <a:t>50%</a:t>
+                      </a:r>
+                    </a:p>
+                  </a:txBody>
+                  <a:tcPr/>
+                </a:tc>
+                <a:tc>
+                  <a:txBody>
+                    <a:bodyPr/>
+                    <a:lstStyle/>
+                    <a:p>
+                      <a:pPr algn="ctr"/>
+                      <a:r>
+                        <a:rPr lang="it-IT" dirty="0"/>
+                        <a:t>5.0000</a:t>
+                      </a:r>
+                    </a:p>
+                  </a:txBody>
+                  <a:tcPr/>
+                </a:tc>
+                <a:tc>
+                  <a:txBody>
+                    <a:bodyPr/>
+                    <a:lstStyle/>
+                    <a:p>
+                      <a:pPr algn="ctr"/>
+                      <a:r>
+                        <a:rPr lang="it-IT" dirty="0"/>
+                        <a:t>3.0000</a:t>
+                      </a:r>
+                    </a:p>
+                  </a:txBody>
+                  <a:tcPr/>
+                </a:tc>
+                <a:tc>
+                  <a:txBody>
+                    <a:bodyPr/>
+                    <a:lstStyle/>
+                    <a:p>
+                      <a:pPr algn="ctr"/>
+                      <a:r>
+                        <a:rPr lang="it-IT" dirty="0"/>
+                        <a:t>1.0000</a:t>
+                      </a:r>
+                    </a:p>
+                  </a:txBody>
+                  <a:tcPr/>
+                </a:tc>
+                <a:tc>
+                  <a:txBody>
+                    <a:bodyPr/>
+                    <a:lstStyle/>
+                    <a:p>
+                      <a:pPr algn="ctr"/>
+                      <a:r>
+                        <a:rPr lang="it-IT" dirty="0"/>
+                        <a:t>3.0000</a:t>
+                      </a:r>
+                    </a:p>
+                  </a:txBody>
+                  <a:tcPr/>
+                </a:tc>
+                <a:tc>
+                  <a:txBody>
+                    <a:bodyPr/>
+                    <a:lstStyle/>
+                    <a:p>
+                      <a:pPr algn="ctr"/>
+                      <a:r>
+                        <a:rPr lang="it-IT" dirty="0"/>
+                        <a:t>10.0000</a:t>
+                      </a:r>
+                    </a:p>
+                  </a:txBody>
+                  <a:tcPr/>
+                </a:tc>
+                <a:tc>
+                  <a:txBody>
+                    <a:bodyPr/>
+                    <a:lstStyle/>
+                    <a:p>
+                      <a:pPr algn="ctr"/>
+                      <a:r>
+                        <a:rPr lang="it-IT" dirty="0"/>
+                        <a:t>2.0000</a:t>
+                      </a:r>
+                    </a:p>
+                  </a:txBody>
+                  <a:tcPr/>
+                </a:tc>
+                <a:tc>
+                  <a:txBody>
+                    <a:bodyPr/>
+                    <a:lstStyle/>
+                    <a:p>
+                      <a:pPr algn="ctr"/>
+                      <a:r>
+                        <a:rPr lang="it-IT" dirty="0"/>
+                        <a:t>3.0000</a:t>
+                      </a:r>
+                    </a:p>
+                  </a:txBody>
+                  <a:tcPr/>
+                </a:tc>
+                <a:tc>
+                  <a:txBody>
+                    <a:bodyPr/>
+                    <a:lstStyle/>
+                    <a:p>
+                      <a:pPr algn="ctr"/>
+                      <a:r>
+                        <a:rPr lang="it-IT" dirty="0"/>
+                        <a:t>7.0000</a:t>
+                      </a:r>
+                    </a:p>
+                  </a:txBody>
+                  <a:tcPr/>
+                </a:tc>
+                <a:extLst>
+                  <a:ext uri="{0D108BD9-81ED-4DB2-BD59-A6C34878D82A}">
+                    <a16:rowId xmlns:a16="http://schemas.microsoft.com/office/drawing/2014/main" val="3596538103"/>
+                  </a:ext>
+                </a:extLst>
+              </a:tr>
+              <a:tr h="370840">
+                <a:tc>
+                  <a:txBody>
+                    <a:bodyPr/>
+                    <a:lstStyle/>
+                    <a:p>
+                      <a:pPr algn="ctr"/>
+                      <a:r>
+                        <a:rPr lang="it-IT" dirty="0"/>
+                        <a:t>75%</a:t>
+                      </a:r>
+                    </a:p>
+                  </a:txBody>
+                  <a:tcPr/>
+                </a:tc>
+                <a:tc>
+                  <a:txBody>
+                    <a:bodyPr/>
+                    <a:lstStyle/>
+                    <a:p>
+                      <a:pPr algn="ctr"/>
+                      <a:r>
+                        <a:rPr lang="it-IT" dirty="0"/>
+                        <a:t>9.0000</a:t>
+                      </a:r>
+                    </a:p>
+                  </a:txBody>
+                  <a:tcPr/>
+                </a:tc>
+                <a:tc>
+                  <a:txBody>
+                    <a:bodyPr/>
+                    <a:lstStyle/>
+                    <a:p>
+                      <a:pPr algn="ctr"/>
+                      <a:r>
+                        <a:rPr lang="it-IT" dirty="0"/>
+                        <a:t>7.0000</a:t>
+                      </a:r>
+                    </a:p>
+                  </a:txBody>
+                  <a:tcPr/>
+                </a:tc>
+                <a:tc>
+                  <a:txBody>
+                    <a:bodyPr/>
+                    <a:lstStyle/>
+                    <a:p>
+                      <a:pPr algn="ctr"/>
+                      <a:r>
+                        <a:rPr lang="it-IT" dirty="0"/>
+                        <a:t>3.0000</a:t>
+                      </a:r>
+                    </a:p>
+                  </a:txBody>
+                  <a:tcPr/>
+                </a:tc>
+                <a:tc>
+                  <a:txBody>
+                    <a:bodyPr/>
+                    <a:lstStyle/>
+                    <a:p>
+                      <a:pPr algn="ctr"/>
+                      <a:r>
+                        <a:rPr lang="it-IT" dirty="0"/>
+                        <a:t>7.0000</a:t>
+                      </a:r>
+                    </a:p>
+                  </a:txBody>
+                  <a:tcPr/>
+                </a:tc>
+                <a:tc>
+                  <a:txBody>
+                    <a:bodyPr/>
+                    <a:lstStyle/>
+                    <a:p>
+                      <a:pPr algn="ctr"/>
+                      <a:r>
+                        <a:rPr lang="it-IT" dirty="0"/>
+                        <a:t>15.0000</a:t>
+                      </a:r>
+                    </a:p>
+                  </a:txBody>
+                  <a:tcPr/>
+                </a:tc>
+                <a:tc>
+                  <a:txBody>
+                    <a:bodyPr/>
+                    <a:lstStyle/>
+                    <a:p>
+                      <a:pPr algn="ctr"/>
+                      <a:r>
+                        <a:rPr lang="it-IT" dirty="0"/>
+                        <a:t>4.0000</a:t>
+                      </a:r>
+                    </a:p>
+                  </a:txBody>
+                  <a:tcPr/>
+                </a:tc>
+                <a:tc>
+                  <a:txBody>
+                    <a:bodyPr/>
+                    <a:lstStyle/>
+                    <a:p>
+                      <a:pPr algn="ctr"/>
+                      <a:r>
+                        <a:rPr lang="it-IT" dirty="0"/>
+                        <a:t>3.0000</a:t>
+                      </a:r>
+                    </a:p>
+                  </a:txBody>
+                  <a:tcPr/>
+                </a:tc>
+                <a:tc>
+                  <a:txBody>
+                    <a:bodyPr/>
+                    <a:lstStyle/>
+                    <a:p>
+                      <a:pPr algn="ctr"/>
+                      <a:r>
+                        <a:rPr lang="it-IT" dirty="0"/>
+                        <a:t>14.0000</a:t>
+                      </a:r>
+                    </a:p>
+                  </a:txBody>
+                  <a:tcPr/>
+                </a:tc>
+                <a:extLst>
+                  <a:ext uri="{0D108BD9-81ED-4DB2-BD59-A6C34878D82A}">
+                    <a16:rowId xmlns:a16="http://schemas.microsoft.com/office/drawing/2014/main" val="1891487144"/>
+                  </a:ext>
+                </a:extLst>
+              </a:tr>
+              <a:tr h="370840">
+                <a:tc>
+                  <a:txBody>
+                    <a:bodyPr/>
+                    <a:lstStyle/>
+                    <a:p>
+                      <a:pPr algn="ctr"/>
+                      <a:r>
+                        <a:rPr lang="it-IT" dirty="0" err="1"/>
+                        <a:t>max</a:t>
+                      </a:r>
+                      <a:endParaRPr lang="it-IT" dirty="0"/>
+                    </a:p>
+                  </a:txBody>
+                  <a:tcPr/>
+                </a:tc>
+                <a:tc>
+                  <a:txBody>
+                    <a:bodyPr/>
+                    <a:lstStyle/>
+                    <a:p>
+                      <a:pPr algn="ctr"/>
+                      <a:r>
+                        <a:rPr lang="it-IT" dirty="0"/>
+                        <a:t>40.0000</a:t>
+                      </a:r>
+                    </a:p>
+                  </a:txBody>
+                  <a:tcPr/>
+                </a:tc>
+                <a:tc>
+                  <a:txBody>
+                    <a:bodyPr/>
+                    <a:lstStyle/>
+                    <a:p>
+                      <a:pPr algn="ctr"/>
+                      <a:r>
+                        <a:rPr lang="it-IT" dirty="0"/>
+                        <a:t>18.0000</a:t>
+                      </a:r>
+                    </a:p>
+                  </a:txBody>
+                  <a:tcPr/>
+                </a:tc>
+                <a:tc>
+                  <a:txBody>
+                    <a:bodyPr/>
+                    <a:lstStyle/>
+                    <a:p>
+                      <a:pPr algn="ctr"/>
+                      <a:r>
+                        <a:rPr lang="it-IT" dirty="0"/>
+                        <a:t>15.0000</a:t>
+                      </a:r>
+                    </a:p>
+                  </a:txBody>
+                  <a:tcPr/>
+                </a:tc>
+                <a:tc>
+                  <a:txBody>
+                    <a:bodyPr/>
+                    <a:lstStyle/>
+                    <a:p>
+                      <a:pPr algn="ctr"/>
+                      <a:r>
+                        <a:rPr lang="it-IT" dirty="0"/>
+                        <a:t>17.0000</a:t>
+                      </a:r>
+                    </a:p>
+                  </a:txBody>
+                  <a:tcPr/>
+                </a:tc>
+                <a:tc>
+                  <a:txBody>
+                    <a:bodyPr/>
+                    <a:lstStyle/>
+                    <a:p>
+                      <a:pPr algn="ctr"/>
+                      <a:r>
+                        <a:rPr lang="it-IT" dirty="0"/>
+                        <a:t>40.0000</a:t>
+                      </a:r>
+                    </a:p>
+                  </a:txBody>
+                  <a:tcPr/>
+                </a:tc>
+                <a:tc>
+                  <a:txBody>
+                    <a:bodyPr/>
+                    <a:lstStyle/>
+                    <a:p>
+                      <a:pPr algn="ctr"/>
+                      <a:r>
+                        <a:rPr lang="it-IT" dirty="0"/>
+                        <a:t>9.0000</a:t>
+                      </a:r>
+                    </a:p>
+                  </a:txBody>
+                  <a:tcPr/>
+                </a:tc>
+                <a:tc>
+                  <a:txBody>
+                    <a:bodyPr/>
+                    <a:lstStyle/>
+                    <a:p>
+                      <a:pPr algn="ctr"/>
+                      <a:r>
+                        <a:rPr lang="it-IT" dirty="0"/>
+                        <a:t>6.0000</a:t>
+                      </a:r>
+                    </a:p>
+                  </a:txBody>
+                  <a:tcPr/>
+                </a:tc>
+                <a:tc>
+                  <a:txBody>
+                    <a:bodyPr/>
+                    <a:lstStyle/>
+                    <a:p>
+                      <a:pPr algn="ctr"/>
+                      <a:r>
+                        <a:rPr lang="it-IT" dirty="0"/>
+                        <a:t>29.0000</a:t>
+                      </a:r>
+                    </a:p>
+                  </a:txBody>
+                  <a:tcPr/>
+                </a:tc>
+                <a:extLst>
+                  <a:ext uri="{0D108BD9-81ED-4DB2-BD59-A6C34878D82A}">
+                    <a16:rowId xmlns:a16="http://schemas.microsoft.com/office/drawing/2014/main" val="157118700"/>
+                  </a:ext>
+                </a:extLst>
+              </a:tr>
+            </a:tbl>
+          </a:graphicData>
+        </a:graphic>
+      </p:graphicFrame>
     </p:spTree>
     <p:extLst>
       <p:ext uri="{BB962C8B-B14F-4D97-AF65-F5344CB8AC3E}">
@@ -12376,10 +13747,128 @@
       </p:grpSpPr>
       <p:pic>
         <p:nvPicPr>
-          <p:cNvPr id="5" name="Immagine 4" descr="Immagine che contiene tavolo&#10;&#10;Descrizione generata automaticamente">
+          <p:cNvPr id="11" name="Immagine 10" descr="Immagine che contiene tavolo&#10;&#10;Descrizione generata automaticamente">
             <a:extLst>
               <a:ext uri="{FF2B5EF4-FFF2-40B4-BE49-F238E27FC236}">
-                <a16:creationId xmlns:a16="http://schemas.microsoft.com/office/drawing/2014/main" id="{AB8E27EA-D8BE-7E4C-AB04-37078752DE55}"/>
+                <a16:creationId xmlns:a16="http://schemas.microsoft.com/office/drawing/2014/main" id="{F56DF513-1E83-EB48-9AC6-3C0B0E968C64}"/>
+              </a:ext>
+            </a:extLst>
+          </p:cNvPr>
+          <p:cNvPicPr>
+            <a:picLocks noChangeAspect="1"/>
+          </p:cNvPicPr>
+          <p:nvPr/>
+        </p:nvPicPr>
+        <p:blipFill rotWithShape="1">
+          <a:blip r:embed="rId2"/>
+          <a:srcRect l="67176" t="49760" r="-2955" b="869"/>
+          <a:stretch/>
+        </p:blipFill>
+        <p:spPr>
+          <a:xfrm>
+            <a:off x="8793067" y="915868"/>
+            <a:ext cx="3732813" cy="2382866"/>
+          </a:xfrm>
+          <a:prstGeom prst="rect">
+            <a:avLst/>
+          </a:prstGeom>
+        </p:spPr>
+      </p:pic>
+      <p:pic>
+        <p:nvPicPr>
+          <p:cNvPr id="3" name="Immagine 2" descr="Immagine che contiene tavolo&#10;&#10;Descrizione generata automaticamente">
+            <a:extLst>
+              <a:ext uri="{FF2B5EF4-FFF2-40B4-BE49-F238E27FC236}">
+                <a16:creationId xmlns:a16="http://schemas.microsoft.com/office/drawing/2014/main" id="{6A9EEE22-26D0-B344-82DD-A81DE469EC71}"/>
+              </a:ext>
+            </a:extLst>
+          </p:cNvPr>
+          <p:cNvPicPr>
+            <a:picLocks noChangeAspect="1"/>
+          </p:cNvPicPr>
+          <p:nvPr/>
+        </p:nvPicPr>
+        <p:blipFill>
+          <a:blip r:embed="rId3"/>
+          <a:stretch>
+            <a:fillRect/>
+          </a:stretch>
+        </p:blipFill>
+        <p:spPr>
+          <a:xfrm>
+            <a:off x="62630" y="779747"/>
+            <a:ext cx="8567803" cy="2569091"/>
+          </a:xfrm>
+          <a:prstGeom prst="rect">
+            <a:avLst/>
+          </a:prstGeom>
+        </p:spPr>
+      </p:pic>
+      <p:pic>
+        <p:nvPicPr>
+          <p:cNvPr id="6" name="Immagine 5" descr="Immagine che contiene tavolo&#10;&#10;Descrizione generata automaticamente">
+            <a:extLst>
+              <a:ext uri="{FF2B5EF4-FFF2-40B4-BE49-F238E27FC236}">
+                <a16:creationId xmlns:a16="http://schemas.microsoft.com/office/drawing/2014/main" id="{8A702E64-0E2B-F748-A7EA-25C954CB38E6}"/>
+              </a:ext>
+            </a:extLst>
+          </p:cNvPr>
+          <p:cNvPicPr>
+            <a:picLocks noChangeAspect="1"/>
+          </p:cNvPicPr>
+          <p:nvPr/>
+        </p:nvPicPr>
+        <p:blipFill rotWithShape="1">
+          <a:blip r:embed="rId2"/>
+          <a:srcRect l="67176" b="869"/>
+          <a:stretch/>
+        </p:blipFill>
+        <p:spPr>
+          <a:xfrm>
+            <a:off x="823660" y="4142983"/>
+            <a:ext cx="3286515" cy="4591572"/>
+          </a:xfrm>
+          <a:prstGeom prst="rect">
+            <a:avLst/>
+          </a:prstGeom>
+        </p:spPr>
+      </p:pic>
+    </p:spTree>
+    <p:extLst>
+      <p:ext uri="{BB962C8B-B14F-4D97-AF65-F5344CB8AC3E}">
+        <p14:creationId xmlns:p14="http://schemas.microsoft.com/office/powerpoint/2010/main" val="1027270103"/>
+      </p:ext>
+    </p:extLst>
+  </p:cSld>
+  <p:clrMapOvr>
+    <a:masterClrMapping/>
+  </p:clrMapOvr>
+</p:sld>
+</file>
+
+<file path=ppt/slides/slide7.xml><?xml version="1.0" encoding="utf-8"?>
+<p:sld xmlns:a="http://schemas.openxmlformats.org/drawingml/2006/main" xmlns:r="http://schemas.openxmlformats.org/officeDocument/2006/relationships" xmlns:p="http://schemas.openxmlformats.org/presentationml/2006/main">
+  <p:cSld>
+    <p:spTree>
+      <p:nvGrpSpPr>
+        <p:cNvPr id="1" name=""/>
+        <p:cNvGrpSpPr/>
+        <p:nvPr/>
+      </p:nvGrpSpPr>
+      <p:grpSpPr>
+        <a:xfrm>
+          <a:off x="0" y="0"/>
+          <a:ext cx="0" cy="0"/>
+          <a:chOff x="0" y="0"/>
+          <a:chExt cx="0" cy="0"/>
+        </a:xfrm>
+      </p:grpSpPr>
+      <p:pic>
+        <p:nvPicPr>
+          <p:cNvPr id="3" name="Immagine 2">
+            <a:extLst>
+              <a:ext uri="{FF2B5EF4-FFF2-40B4-BE49-F238E27FC236}">
+                <a16:creationId xmlns:a16="http://schemas.microsoft.com/office/drawing/2014/main" id="{EACCB206-CEDB-614D-BF9C-1191EBDB08FB}"/>
               </a:ext>
             </a:extLst>
           </p:cNvPr>
@@ -12396,66 +13885,8 @@
         </p:blipFill>
         <p:spPr>
           <a:xfrm>
-            <a:off x="859048" y="2061139"/>
-            <a:ext cx="2064387" cy="2275039"/>
-          </a:xfrm>
-          <a:prstGeom prst="rect">
-            <a:avLst/>
-          </a:prstGeom>
-        </p:spPr>
-      </p:pic>
-      <p:pic>
-        <p:nvPicPr>
-          <p:cNvPr id="7" name="Immagine 6">
-            <a:extLst>
-              <a:ext uri="{FF2B5EF4-FFF2-40B4-BE49-F238E27FC236}">
-                <a16:creationId xmlns:a16="http://schemas.microsoft.com/office/drawing/2014/main" id="{464F2F0C-5F01-8445-B461-8CF53EDA7EA4}"/>
-              </a:ext>
-            </a:extLst>
-          </p:cNvPr>
-          <p:cNvPicPr>
-            <a:picLocks noChangeAspect="1"/>
-          </p:cNvPicPr>
-          <p:nvPr/>
-        </p:nvPicPr>
-        <p:blipFill rotWithShape="1">
-          <a:blip r:embed="rId3"/>
-          <a:srcRect l="56338" r="1323"/>
-          <a:stretch/>
-        </p:blipFill>
-        <p:spPr>
-          <a:xfrm>
-            <a:off x="6949054" y="2293480"/>
-            <a:ext cx="2913907" cy="1866434"/>
-          </a:xfrm>
-          <a:prstGeom prst="rect">
-            <a:avLst/>
-          </a:prstGeom>
-        </p:spPr>
-      </p:pic>
-      <p:pic>
-        <p:nvPicPr>
-          <p:cNvPr id="8" name="Immagine 7">
-            <a:extLst>
-              <a:ext uri="{FF2B5EF4-FFF2-40B4-BE49-F238E27FC236}">
-                <a16:creationId xmlns:a16="http://schemas.microsoft.com/office/drawing/2014/main" id="{DF2298D0-331A-5D4E-BCED-2C66C6D49DCE}"/>
-              </a:ext>
-            </a:extLst>
-          </p:cNvPr>
-          <p:cNvPicPr>
-            <a:picLocks noChangeAspect="1"/>
-          </p:cNvPicPr>
-          <p:nvPr/>
-        </p:nvPicPr>
-        <p:blipFill rotWithShape="1">
-          <a:blip r:embed="rId3"/>
-          <a:srcRect r="57662" b="5801"/>
-          <a:stretch/>
-        </p:blipFill>
-        <p:spPr>
-          <a:xfrm>
-            <a:off x="3423519" y="2293480"/>
-            <a:ext cx="3000400" cy="1810359"/>
+            <a:off x="1263650" y="2146300"/>
+            <a:ext cx="9664700" cy="2565400"/>
           </a:xfrm>
           <a:prstGeom prst="rect">
             <a:avLst/>

--- a/Report/imgs/Presentazione standard1.pptx
+++ b/Report/imgs/Presentazione standard1.pptx
@@ -5,7 +5,7 @@
     <p:sldMasterId id="2147483648" r:id="rId1"/>
   </p:sldMasterIdLst>
   <p:notesMasterIdLst>
-    <p:notesMasterId r:id="rId9"/>
+    <p:notesMasterId r:id="rId18"/>
   </p:notesMasterIdLst>
   <p:sldIdLst>
     <p:sldId id="256" r:id="rId2"/>
@@ -15,6 +15,15 @@
     <p:sldId id="260" r:id="rId6"/>
     <p:sldId id="262" r:id="rId7"/>
     <p:sldId id="261" r:id="rId8"/>
+    <p:sldId id="270" r:id="rId9"/>
+    <p:sldId id="269" r:id="rId10"/>
+    <p:sldId id="268" r:id="rId11"/>
+    <p:sldId id="271" r:id="rId12"/>
+    <p:sldId id="267" r:id="rId13"/>
+    <p:sldId id="266" r:id="rId14"/>
+    <p:sldId id="265" r:id="rId15"/>
+    <p:sldId id="263" r:id="rId16"/>
+    <p:sldId id="264" r:id="rId17"/>
   </p:sldIdLst>
   <p:sldSz cx="12192000" cy="6858000"/>
   <p:notesSz cx="6858000" cy="9144000"/>
@@ -1017,6 +1026,34 @@
 </inkml:ink>
 </file>
 
+<file path=ppt/ink/ink39.xml><?xml version="1.0" encoding="utf-8"?>
+<inkml:ink xmlns:inkml="http://www.w3.org/2003/InkML">
+  <inkml:definitions>
+    <inkml:context xml:id="ctx0">
+      <inkml:inkSource xml:id="inkSrc0">
+        <inkml:traceFormat>
+          <inkml:channel name="X" type="integer" min="-2.14748E9" max="2.14748E9" units="cm"/>
+          <inkml:channel name="Y" type="integer" min="-2.14748E9" max="2.14748E9" units="cm"/>
+          <inkml:channel name="F" type="integer" max="32767" units="dev"/>
+        </inkml:traceFormat>
+        <inkml:channelProperties>
+          <inkml:channelProperty channel="X" name="resolution" value="1000" units="1/cm"/>
+          <inkml:channelProperty channel="Y" name="resolution" value="1000" units="1/cm"/>
+          <inkml:channelProperty channel="F" name="resolution" value="0" units="1/dev"/>
+        </inkml:channelProperties>
+      </inkml:inkSource>
+      <inkml:timestamp xml:id="ts0" timeString="2020-11-19T23:18:49.393"/>
+    </inkml:context>
+    <inkml:brush xml:id="br0">
+      <inkml:brushProperty name="width" value="0.35" units="cm"/>
+      <inkml:brushProperty name="height" value="0.35" units="cm"/>
+      <inkml:brushProperty name="color" value="#FFFFFF"/>
+    </inkml:brush>
+  </inkml:definitions>
+  <inkml:trace contextRef="#ctx0" brushRef="#br0">26 137 24575,'13'32'0,"3"2"0,-7-12 0,5 12 0,4-12 0,1 8 0,2-5 0,-1-6 0,-10-4 0,0-9 0,-8-3 0,7 6 0,15 21 0,9 21 0,13 10 0,-2 0 0,-7-14 0,-12-18 0,-8-12 0,-13-15 0,-23-31 0,2 4 0,-24-34 0,1-6 0,-16-13 0,24 22 0,-1-1 0,0 4 0,1 1 0,6 3 0,2 2 0,-14-24 0,22 41 0,7 16 0,10 15 0,24 27 0,-5-3 0,23 24 0,-13-7 0,4-2 0,-2 5 0,-1-8 0,-6-13 0,-8-7 0,-9-17 0,-21-24 0,2 5 0,-20-26 0,11 13 0,-2 7 0,12 7 0,4 13 0,4 4 0</inkml:trace>
+</inkml:ink>
+</file>
+
 <file path=ppt/ink/ink4.xml><?xml version="1.0" encoding="utf-8"?>
 <inkml:ink xmlns:inkml="http://www.w3.org/2003/InkML">
   <inkml:definitions>
@@ -1042,6 +1079,286 @@
     </inkml:brush>
   </inkml:definitions>
   <inkml:trace contextRef="#ctx0" brushRef="#br0">0 1 24575,'0'0'0</inkml:trace>
+</inkml:ink>
+</file>
+
+<file path=ppt/ink/ink40.xml><?xml version="1.0" encoding="utf-8"?>
+<inkml:ink xmlns:inkml="http://www.w3.org/2003/InkML">
+  <inkml:definitions>
+    <inkml:context xml:id="ctx0">
+      <inkml:inkSource xml:id="inkSrc0">
+        <inkml:traceFormat>
+          <inkml:channel name="X" type="integer" min="-2.14748E9" max="2.14748E9" units="cm"/>
+          <inkml:channel name="Y" type="integer" min="-2.14748E9" max="2.14748E9" units="cm"/>
+          <inkml:channel name="F" type="integer" max="32767" units="dev"/>
+        </inkml:traceFormat>
+        <inkml:channelProperties>
+          <inkml:channelProperty channel="X" name="resolution" value="1000" units="1/cm"/>
+          <inkml:channelProperty channel="Y" name="resolution" value="1000" units="1/cm"/>
+          <inkml:channelProperty channel="F" name="resolution" value="0" units="1/dev"/>
+        </inkml:channelProperties>
+      </inkml:inkSource>
+      <inkml:timestamp xml:id="ts0" timeString="2020-11-19T23:18:57.043"/>
+    </inkml:context>
+    <inkml:brush xml:id="br0">
+      <inkml:brushProperty name="width" value="0.35" units="cm"/>
+      <inkml:brushProperty name="height" value="0.35" units="cm"/>
+      <inkml:brushProperty name="color" value="#FFFFFF"/>
+    </inkml:brush>
+  </inkml:definitions>
+  <inkml:trace contextRef="#ctx0" brushRef="#br0">1 1 24575,'42'0'0,"-7"1"0,-17-1 0,-7 0 0,-4 0 0,8-1 0,-6 1 0,9 0 0,-11 0 0,5 1 0,0 0 0,8 0 0,-1-1 0,1 0 0,-3 0 0,-1 0 0,-2 2 0,-2-2 0,-4 2 0,1-2 0,2 0 0,6 0 0,5 0 0,-1 0 0,1 0 0,-9 0 0,-1 0 0,-5 0 0,1 0 0,2 0 0,-1 0 0,1 0 0,0-2 0,-2 2 0,3-2 0,0 2 0,0 0 0,1 0 0,-4 2 0,2-1 0,1 1 0,6 1 0,-4-2 0,5 1 0,-11-2 0,2 0 0,0 0 0,-3 0 0,9 0 0,-5-2 0,-1 2 0,2-2 0,-4 2 0,3 0 0,2 0 0,-5 0 0,4 0 0,-2-3 0,-2 2 0,-13 19 0,2-8 0,-12 16 0,14-15 0,-1-2 0,2-1 0,-3 1 0,3 0 0,-2 2 0,17-6 0,-9-1 0,12-5 0,-10 0 0,-2 0 0,9 0 0,-6 1 0,3 0 0,-2-2 0,-3 1 0,13-3 0,-12 2 0,6 0 0,-5-4 0,0-1 0</inkml:trace>
+</inkml:ink>
+</file>
+
+<file path=ppt/ink/ink41.xml><?xml version="1.0" encoding="utf-8"?>
+<inkml:ink xmlns:inkml="http://www.w3.org/2003/InkML">
+  <inkml:definitions>
+    <inkml:context xml:id="ctx0">
+      <inkml:inkSource xml:id="inkSrc0">
+        <inkml:traceFormat>
+          <inkml:channel name="X" type="integer" min="-2.14748E9" max="2.14748E9" units="cm"/>
+          <inkml:channel name="Y" type="integer" min="-2.14748E9" max="2.14748E9" units="cm"/>
+          <inkml:channel name="F" type="integer" max="32767" units="dev"/>
+        </inkml:traceFormat>
+        <inkml:channelProperties>
+          <inkml:channelProperty channel="X" name="resolution" value="1000" units="1/cm"/>
+          <inkml:channelProperty channel="Y" name="resolution" value="1000" units="1/cm"/>
+          <inkml:channelProperty channel="F" name="resolution" value="0" units="1/dev"/>
+        </inkml:channelProperties>
+      </inkml:inkSource>
+      <inkml:timestamp xml:id="ts0" timeString="2020-11-19T23:19:01.802"/>
+    </inkml:context>
+    <inkml:brush xml:id="br0">
+      <inkml:brushProperty name="width" value="0.35" units="cm"/>
+      <inkml:brushProperty name="height" value="0.35" units="cm"/>
+      <inkml:brushProperty name="color" value="#FFFFFF"/>
+    </inkml:brush>
+  </inkml:definitions>
+  <inkml:trace contextRef="#ctx0" brushRef="#br0">0 0 24575,'0'0'0</inkml:trace>
+</inkml:ink>
+</file>
+
+<file path=ppt/ink/ink42.xml><?xml version="1.0" encoding="utf-8"?>
+<inkml:ink xmlns:inkml="http://www.w3.org/2003/InkML">
+  <inkml:definitions>
+    <inkml:context xml:id="ctx0">
+      <inkml:inkSource xml:id="inkSrc0">
+        <inkml:traceFormat>
+          <inkml:channel name="X" type="integer" min="-2.14748E9" max="2.14748E9" units="cm"/>
+          <inkml:channel name="Y" type="integer" min="-2.14748E9" max="2.14748E9" units="cm"/>
+          <inkml:channel name="F" type="integer" max="32767" units="dev"/>
+        </inkml:traceFormat>
+        <inkml:channelProperties>
+          <inkml:channelProperty channel="X" name="resolution" value="1000" units="1/cm"/>
+          <inkml:channelProperty channel="Y" name="resolution" value="1000" units="1/cm"/>
+          <inkml:channelProperty channel="F" name="resolution" value="0" units="1/dev"/>
+        </inkml:channelProperties>
+      </inkml:inkSource>
+      <inkml:timestamp xml:id="ts0" timeString="2020-11-19T23:19:05.570"/>
+    </inkml:context>
+    <inkml:brush xml:id="br0">
+      <inkml:brushProperty name="width" value="0.35" units="cm"/>
+      <inkml:brushProperty name="height" value="0.35" units="cm"/>
+      <inkml:brushProperty name="color" value="#FFFFFF"/>
+    </inkml:brush>
+  </inkml:definitions>
+  <inkml:trace contextRef="#ctx0" brushRef="#br0">0 1 24575,'0'0'0</inkml:trace>
+</inkml:ink>
+</file>
+
+<file path=ppt/ink/ink43.xml><?xml version="1.0" encoding="utf-8"?>
+<inkml:ink xmlns:inkml="http://www.w3.org/2003/InkML">
+  <inkml:definitions>
+    <inkml:context xml:id="ctx0">
+      <inkml:inkSource xml:id="inkSrc0">
+        <inkml:traceFormat>
+          <inkml:channel name="X" type="integer" min="-2.14748E9" max="2.14748E9" units="cm"/>
+          <inkml:channel name="Y" type="integer" min="-2.14748E9" max="2.14748E9" units="cm"/>
+          <inkml:channel name="F" type="integer" max="32767" units="dev"/>
+        </inkml:traceFormat>
+        <inkml:channelProperties>
+          <inkml:channelProperty channel="X" name="resolution" value="1000" units="1/cm"/>
+          <inkml:channelProperty channel="Y" name="resolution" value="1000" units="1/cm"/>
+          <inkml:channelProperty channel="F" name="resolution" value="0" units="1/dev"/>
+        </inkml:channelProperties>
+      </inkml:inkSource>
+      <inkml:timestamp xml:id="ts0" timeString="2020-11-19T23:19:06.335"/>
+    </inkml:context>
+    <inkml:brush xml:id="br0">
+      <inkml:brushProperty name="width" value="0.35" units="cm"/>
+      <inkml:brushProperty name="height" value="0.35" units="cm"/>
+      <inkml:brushProperty name="color" value="#FFFFFF"/>
+    </inkml:brush>
+  </inkml:definitions>
+  <inkml:trace contextRef="#ctx0" brushRef="#br0">0 0 24575,'0'0'0</inkml:trace>
+</inkml:ink>
+</file>
+
+<file path=ppt/ink/ink44.xml><?xml version="1.0" encoding="utf-8"?>
+<inkml:ink xmlns:inkml="http://www.w3.org/2003/InkML">
+  <inkml:definitions>
+    <inkml:context xml:id="ctx0">
+      <inkml:inkSource xml:id="inkSrc0">
+        <inkml:traceFormat>
+          <inkml:channel name="X" type="integer" min="-2.14748E9" max="2.14748E9" units="cm"/>
+          <inkml:channel name="Y" type="integer" min="-2.14748E9" max="2.14748E9" units="cm"/>
+          <inkml:channel name="F" type="integer" max="32767" units="dev"/>
+        </inkml:traceFormat>
+        <inkml:channelProperties>
+          <inkml:channelProperty channel="X" name="resolution" value="1000" units="1/cm"/>
+          <inkml:channelProperty channel="Y" name="resolution" value="1000" units="1/cm"/>
+          <inkml:channelProperty channel="F" name="resolution" value="0" units="1/dev"/>
+        </inkml:channelProperties>
+      </inkml:inkSource>
+      <inkml:timestamp xml:id="ts0" timeString="2020-11-19T23:19:08.788"/>
+    </inkml:context>
+    <inkml:brush xml:id="br0">
+      <inkml:brushProperty name="width" value="0.35" units="cm"/>
+      <inkml:brushProperty name="height" value="0.35" units="cm"/>
+      <inkml:brushProperty name="color" value="#FFFFFF"/>
+    </inkml:brush>
+  </inkml:definitions>
+  <inkml:trace contextRef="#ctx0" brushRef="#br0">67 17 24575,'11'33'0,"-3"-9"0,-6-10 0,-1-10 0,9-35 0,-5 18 0,6-23 0,-10 31 0,0-1 0,-3 28 0,1-17 0,-3 21 0,-3-21 0,3 0 0,-11 8 0,5 1 0,-5 1 0,4-1 0,5-7 0,-1-4 0,3 6 0,-2 2 0,2 3 0,0-5 0,2 16 0,-1-1 0,0 26 0,1-12 0,2-9 0,-1-17 0,-1-11 0,-1-1 0</inkml:trace>
+</inkml:ink>
+</file>
+
+<file path=ppt/ink/ink45.xml><?xml version="1.0" encoding="utf-8"?>
+<inkml:ink xmlns:inkml="http://www.w3.org/2003/InkML">
+  <inkml:definitions>
+    <inkml:context xml:id="ctx0">
+      <inkml:inkSource xml:id="inkSrc0">
+        <inkml:traceFormat>
+          <inkml:channel name="X" type="integer" min="-2.14748E9" max="2.14748E9" units="cm"/>
+          <inkml:channel name="Y" type="integer" min="-2.14748E9" max="2.14748E9" units="cm"/>
+          <inkml:channel name="F" type="integer" max="32767" units="dev"/>
+        </inkml:traceFormat>
+        <inkml:channelProperties>
+          <inkml:channelProperty channel="X" name="resolution" value="1000" units="1/cm"/>
+          <inkml:channelProperty channel="Y" name="resolution" value="1000" units="1/cm"/>
+          <inkml:channelProperty channel="F" name="resolution" value="0" units="1/dev"/>
+        </inkml:channelProperties>
+      </inkml:inkSource>
+      <inkml:timestamp xml:id="ts0" timeString="2020-11-19T23:19:11.555"/>
+    </inkml:context>
+    <inkml:brush xml:id="br0">
+      <inkml:brushProperty name="width" value="0.35" units="cm"/>
+      <inkml:brushProperty name="height" value="0.35" units="cm"/>
+      <inkml:brushProperty name="color" value="#FFFFFF"/>
+    </inkml:brush>
+  </inkml:definitions>
+  <inkml:trace contextRef="#ctx0" brushRef="#br0">0 0 24575,'0'0'0</inkml:trace>
+</inkml:ink>
+</file>
+
+<file path=ppt/ink/ink46.xml><?xml version="1.0" encoding="utf-8"?>
+<inkml:ink xmlns:inkml="http://www.w3.org/2003/InkML">
+  <inkml:definitions>
+    <inkml:context xml:id="ctx0">
+      <inkml:inkSource xml:id="inkSrc0">
+        <inkml:traceFormat>
+          <inkml:channel name="X" type="integer" min="-2.14748E9" max="2.14748E9" units="cm"/>
+          <inkml:channel name="Y" type="integer" min="-2.14748E9" max="2.14748E9" units="cm"/>
+          <inkml:channel name="F" type="integer" max="32767" units="dev"/>
+        </inkml:traceFormat>
+        <inkml:channelProperties>
+          <inkml:channelProperty channel="X" name="resolution" value="1000" units="1/cm"/>
+          <inkml:channelProperty channel="Y" name="resolution" value="1000" units="1/cm"/>
+          <inkml:channelProperty channel="F" name="resolution" value="0" units="1/dev"/>
+        </inkml:channelProperties>
+      </inkml:inkSource>
+      <inkml:timestamp xml:id="ts0" timeString="2020-11-19T23:19:14.165"/>
+    </inkml:context>
+    <inkml:brush xml:id="br0">
+      <inkml:brushProperty name="width" value="0.35" units="cm"/>
+      <inkml:brushProperty name="height" value="0.35" units="cm"/>
+      <inkml:brushProperty name="color" value="#FFFFFF"/>
+    </inkml:brush>
+  </inkml:definitions>
+  <inkml:trace contextRef="#ctx0" brushRef="#br0">0 0 24575,'0'0'0</inkml:trace>
+</inkml:ink>
+</file>
+
+<file path=ppt/ink/ink47.xml><?xml version="1.0" encoding="utf-8"?>
+<inkml:ink xmlns:inkml="http://www.w3.org/2003/InkML">
+  <inkml:definitions>
+    <inkml:context xml:id="ctx0">
+      <inkml:inkSource xml:id="inkSrc0">
+        <inkml:traceFormat>
+          <inkml:channel name="X" type="integer" min="-2.14748E9" max="2.14748E9" units="cm"/>
+          <inkml:channel name="Y" type="integer" min="-2.14748E9" max="2.14748E9" units="cm"/>
+          <inkml:channel name="F" type="integer" max="32767" units="dev"/>
+        </inkml:traceFormat>
+        <inkml:channelProperties>
+          <inkml:channelProperty channel="X" name="resolution" value="1000" units="1/cm"/>
+          <inkml:channelProperty channel="Y" name="resolution" value="1000" units="1/cm"/>
+          <inkml:channelProperty channel="F" name="resolution" value="0" units="1/dev"/>
+        </inkml:channelProperties>
+      </inkml:inkSource>
+      <inkml:timestamp xml:id="ts0" timeString="2020-11-19T23:19:18.137"/>
+    </inkml:context>
+    <inkml:brush xml:id="br0">
+      <inkml:brushProperty name="width" value="0.35" units="cm"/>
+      <inkml:brushProperty name="height" value="0.35" units="cm"/>
+      <inkml:brushProperty name="color" value="#FFFFFF"/>
+    </inkml:brush>
+  </inkml:definitions>
+  <inkml:trace contextRef="#ctx0" brushRef="#br0">0 0 24575,'0'0'0</inkml:trace>
+</inkml:ink>
+</file>
+
+<file path=ppt/ink/ink48.xml><?xml version="1.0" encoding="utf-8"?>
+<inkml:ink xmlns:inkml="http://www.w3.org/2003/InkML">
+  <inkml:definitions>
+    <inkml:context xml:id="ctx0">
+      <inkml:inkSource xml:id="inkSrc0">
+        <inkml:traceFormat>
+          <inkml:channel name="X" type="integer" min="-2.14748E9" max="2.14748E9" units="cm"/>
+          <inkml:channel name="Y" type="integer" min="-2.14748E9" max="2.14748E9" units="cm"/>
+          <inkml:channel name="F" type="integer" max="32767" units="dev"/>
+        </inkml:traceFormat>
+        <inkml:channelProperties>
+          <inkml:channelProperty channel="X" name="resolution" value="1000" units="1/cm"/>
+          <inkml:channelProperty channel="Y" name="resolution" value="1000" units="1/cm"/>
+          <inkml:channelProperty channel="F" name="resolution" value="0" units="1/dev"/>
+        </inkml:channelProperties>
+      </inkml:inkSource>
+      <inkml:timestamp xml:id="ts0" timeString="2020-11-19T23:19:25.483"/>
+    </inkml:context>
+    <inkml:brush xml:id="br0">
+      <inkml:brushProperty name="width" value="0.35" units="cm"/>
+      <inkml:brushProperty name="height" value="0.35" units="cm"/>
+      <inkml:brushProperty name="color" value="#FFFFFF"/>
+    </inkml:brush>
+  </inkml:definitions>
+  <inkml:trace contextRef="#ctx0" brushRef="#br0">92 23 24575,'-30'3'0,"7"0"0,13-2 0,-1 1 0,5 0 0,-6 0 0,38-1 0,-21 0 0,29 0 0,-26-1 0,5-2 0,1 2 0,3-4 0,-3 2 0,1 0 0,-8 0 0,3 2 0,-2 0 0,5 0 0,4-1 0,-3 0 0,-1-1 0,-8 1 0,7-1 0,-2-7 0,1 6 0,-2-5 0,-33 16 0,18-7 0,-22 8 0,19-7 0,5 1 0,-9 2 0,7 0 0,-3 0 0,-1-1 0,3 1 0,-5-2 0,5 0 0,-1 0 0,-1-2 0,-3-3 0,-2 1 0,-5-5 0,7 3 0,0-1 0,5 1 0,-1 3 0,-1-3 0,27 18 0,-16-11 0,24 14 0,-11 3 0,8 14 0,13 10 0,1 2 0,-14-19 0,-8-9 0,-11-15 0,4-7 0,3 0 0,3-3 0,1 4 0,-6-1 0,0 3 0,9-11 0,1 5 0,2-5 0,-4 6 0,-12 1 0,-1 0 0,3-4 0,2 2 0,0-2 0,-2 2 0,-1 0 0,-1-3 0,-2 2 0,2-2 0,-2-2 0,1 4 0,-2-4 0,-1 6 0</inkml:trace>
+</inkml:ink>
+</file>
+
+<file path=ppt/ink/ink49.xml><?xml version="1.0" encoding="utf-8"?>
+<inkml:ink xmlns:inkml="http://www.w3.org/2003/InkML">
+  <inkml:definitions>
+    <inkml:context xml:id="ctx0">
+      <inkml:inkSource xml:id="inkSrc0">
+        <inkml:traceFormat>
+          <inkml:channel name="X" type="integer" min="-2.14748E9" max="2.14748E9" units="cm"/>
+          <inkml:channel name="Y" type="integer" min="-2.14748E9" max="2.14748E9" units="cm"/>
+          <inkml:channel name="F" type="integer" max="32767" units="dev"/>
+        </inkml:traceFormat>
+        <inkml:channelProperties>
+          <inkml:channelProperty channel="X" name="resolution" value="1000" units="1/cm"/>
+          <inkml:channelProperty channel="Y" name="resolution" value="1000" units="1/cm"/>
+          <inkml:channelProperty channel="F" name="resolution" value="0" units="1/dev"/>
+        </inkml:channelProperties>
+      </inkml:inkSource>
+      <inkml:timestamp xml:id="ts0" timeString="2020-11-19T23:19:29.578"/>
+    </inkml:context>
+    <inkml:brush xml:id="br0">
+      <inkml:brushProperty name="width" value="0.35" units="cm"/>
+      <inkml:brushProperty name="height" value="0.35" units="cm"/>
+      <inkml:brushProperty name="color" value="#FFFFFF"/>
+    </inkml:brush>
+  </inkml:definitions>
+  <inkml:trace contextRef="#ctx0" brushRef="#br0">1 1 24575,'7'35'0,"0"-5"0,-4-2 0,0-9 0,-1-4 0,0-5 0,12-27 0,-9 10 0,8-23 0,-11 16 0,-1 1 0,0 4 0,-5 33 0,2-14 0,-2 19 0,6-24 0,12-3 0,-5 0 0,5 1 0,-6-1 0,-1 2 0,1 3 0,2 0 0,-3 2 0,1-3 0,-3 1 0,4 2 0,1 9 0,2-5 0,-5 1 0,-2-10 0,-13-28 0,5 9 0,-9-22 0,6 21 0,2 7 0,18 32 0,-5-11 0,13 21 0,-10-32 0,2-1 0,5-15 0,-5 8 0,-2-7 0,-7 7 0,-3 2 0,4-6 0,4 24 0,-3-16 0,5 16 0,-3-17 0,1-3 0</inkml:trace>
 </inkml:ink>
 </file>
 
@@ -1073,6 +1390,286 @@
 </inkml:ink>
 </file>
 
+<file path=ppt/ink/ink50.xml><?xml version="1.0" encoding="utf-8"?>
+<inkml:ink xmlns:inkml="http://www.w3.org/2003/InkML">
+  <inkml:definitions>
+    <inkml:context xml:id="ctx0">
+      <inkml:inkSource xml:id="inkSrc0">
+        <inkml:traceFormat>
+          <inkml:channel name="X" type="integer" min="-2.14748E9" max="2.14748E9" units="cm"/>
+          <inkml:channel name="Y" type="integer" min="-2.14748E9" max="2.14748E9" units="cm"/>
+          <inkml:channel name="F" type="integer" max="32767" units="dev"/>
+        </inkml:traceFormat>
+        <inkml:channelProperties>
+          <inkml:channelProperty channel="X" name="resolution" value="1000" units="1/cm"/>
+          <inkml:channelProperty channel="Y" name="resolution" value="1000" units="1/cm"/>
+          <inkml:channelProperty channel="F" name="resolution" value="0" units="1/dev"/>
+        </inkml:channelProperties>
+      </inkml:inkSource>
+      <inkml:timestamp xml:id="ts0" timeString="2020-11-19T23:19:47.567"/>
+    </inkml:context>
+    <inkml:brush xml:id="br0">
+      <inkml:brushProperty name="width" value="0.35" units="cm"/>
+      <inkml:brushProperty name="height" value="0.35" units="cm"/>
+      <inkml:brushProperty name="color" value="#FFFFFF"/>
+    </inkml:brush>
+  </inkml:definitions>
+  <inkml:trace contextRef="#ctx0" brushRef="#br0">518 128 24575,'-15'38'0,"-5"3"0,-1-1 0,-14 22 0,4-2 0,-3 21 0,10-15 0,8-19 0,7-21 0,12-29 0,12-26 0,4 3 0,8-11 0,-5 4 0,-6 7 0,-4-19 0,-7 7 0,-3 5 0,-3 12 0,-12 28 0,-5 9 0,-8 8 0,7-2 0,8-11 0,7-14 0,4-19 0,0-6 0,2-6 0,1-11 0,0-14 0,-1-11 0,-2 4 0,0 31 0,0 19 0,-6 53 0,0-17 0,-8 38 0,3-8 0,0 12 0,4 2 0,5-20 0,2-19 0,1-17 0,-17-15 0,12 5 0,-13-7 0,8 18 0,4-6 0,-5 6 0,-2-6 0,8-1 0,-10 3 0,6-5 0,-6 2 0,-9 2 0,-13 2 0,1 8 0,-2-4 0,19 1 0,7-7 0,5-1 0,-1-1 0,-2 1 0</inkml:trace>
+</inkml:ink>
+</file>
+
+<file path=ppt/ink/ink51.xml><?xml version="1.0" encoding="utf-8"?>
+<inkml:ink xmlns:inkml="http://www.w3.org/2003/InkML">
+  <inkml:definitions>
+    <inkml:context xml:id="ctx0">
+      <inkml:inkSource xml:id="inkSrc0">
+        <inkml:traceFormat>
+          <inkml:channel name="X" type="integer" min="-2.14748E9" max="2.14748E9" units="cm"/>
+          <inkml:channel name="Y" type="integer" min="-2.14748E9" max="2.14748E9" units="cm"/>
+          <inkml:channel name="F" type="integer" max="32767" units="dev"/>
+        </inkml:traceFormat>
+        <inkml:channelProperties>
+          <inkml:channelProperty channel="X" name="resolution" value="1000" units="1/cm"/>
+          <inkml:channelProperty channel="Y" name="resolution" value="1000" units="1/cm"/>
+          <inkml:channelProperty channel="F" name="resolution" value="0" units="1/dev"/>
+        </inkml:channelProperties>
+      </inkml:inkSource>
+      <inkml:timestamp xml:id="ts0" timeString="2020-11-19T23:19:50.098"/>
+    </inkml:context>
+    <inkml:brush xml:id="br0">
+      <inkml:brushProperty name="width" value="0.35" units="cm"/>
+      <inkml:brushProperty name="height" value="0.35" units="cm"/>
+      <inkml:brushProperty name="color" value="#FFFFFF"/>
+    </inkml:brush>
+  </inkml:definitions>
+  <inkml:trace contextRef="#ctx0" brushRef="#br0">0 0 24575,'0'0'0</inkml:trace>
+</inkml:ink>
+</file>
+
+<file path=ppt/ink/ink52.xml><?xml version="1.0" encoding="utf-8"?>
+<inkml:ink xmlns:inkml="http://www.w3.org/2003/InkML">
+  <inkml:definitions>
+    <inkml:context xml:id="ctx0">
+      <inkml:inkSource xml:id="inkSrc0">
+        <inkml:traceFormat>
+          <inkml:channel name="X" type="integer" min="-2.14748E9" max="2.14748E9" units="cm"/>
+          <inkml:channel name="Y" type="integer" min="-2.14748E9" max="2.14748E9" units="cm"/>
+          <inkml:channel name="F" type="integer" max="32767" units="dev"/>
+        </inkml:traceFormat>
+        <inkml:channelProperties>
+          <inkml:channelProperty channel="X" name="resolution" value="1000" units="1/cm"/>
+          <inkml:channelProperty channel="Y" name="resolution" value="1000" units="1/cm"/>
+          <inkml:channelProperty channel="F" name="resolution" value="0" units="1/dev"/>
+        </inkml:channelProperties>
+      </inkml:inkSource>
+      <inkml:timestamp xml:id="ts0" timeString="2020-11-19T23:19:50.447"/>
+    </inkml:context>
+    <inkml:brush xml:id="br0">
+      <inkml:brushProperty name="width" value="0.35" units="cm"/>
+      <inkml:brushProperty name="height" value="0.35" units="cm"/>
+      <inkml:brushProperty name="color" value="#FFFFFF"/>
+    </inkml:brush>
+  </inkml:definitions>
+  <inkml:trace contextRef="#ctx0" brushRef="#br0">0 1 24575,'0'0'0</inkml:trace>
+</inkml:ink>
+</file>
+
+<file path=ppt/ink/ink53.xml><?xml version="1.0" encoding="utf-8"?>
+<inkml:ink xmlns:inkml="http://www.w3.org/2003/InkML">
+  <inkml:definitions>
+    <inkml:context xml:id="ctx0">
+      <inkml:inkSource xml:id="inkSrc0">
+        <inkml:traceFormat>
+          <inkml:channel name="X" type="integer" min="-2.14748E9" max="2.14748E9" units="cm"/>
+          <inkml:channel name="Y" type="integer" min="-2.14748E9" max="2.14748E9" units="cm"/>
+          <inkml:channel name="F" type="integer" max="32767" units="dev"/>
+        </inkml:traceFormat>
+        <inkml:channelProperties>
+          <inkml:channelProperty channel="X" name="resolution" value="1000" units="1/cm"/>
+          <inkml:channelProperty channel="Y" name="resolution" value="1000" units="1/cm"/>
+          <inkml:channelProperty channel="F" name="resolution" value="0" units="1/dev"/>
+        </inkml:channelProperties>
+      </inkml:inkSource>
+      <inkml:timestamp xml:id="ts0" timeString="2020-11-19T23:19:52.371"/>
+    </inkml:context>
+    <inkml:brush xml:id="br0">
+      <inkml:brushProperty name="width" value="0.35" units="cm"/>
+      <inkml:brushProperty name="height" value="0.35" units="cm"/>
+      <inkml:brushProperty name="color" value="#FFFFFF"/>
+    </inkml:brush>
+  </inkml:definitions>
+  <inkml:trace contextRef="#ctx0" brushRef="#br0">1 1 24575,'0'0'0</inkml:trace>
+</inkml:ink>
+</file>
+
+<file path=ppt/ink/ink54.xml><?xml version="1.0" encoding="utf-8"?>
+<inkml:ink xmlns:inkml="http://www.w3.org/2003/InkML">
+  <inkml:definitions>
+    <inkml:context xml:id="ctx0">
+      <inkml:inkSource xml:id="inkSrc0">
+        <inkml:traceFormat>
+          <inkml:channel name="X" type="integer" min="-2.14748E9" max="2.14748E9" units="cm"/>
+          <inkml:channel name="Y" type="integer" min="-2.14748E9" max="2.14748E9" units="cm"/>
+          <inkml:channel name="F" type="integer" max="32767" units="dev"/>
+        </inkml:traceFormat>
+        <inkml:channelProperties>
+          <inkml:channelProperty channel="X" name="resolution" value="1000" units="1/cm"/>
+          <inkml:channelProperty channel="Y" name="resolution" value="1000" units="1/cm"/>
+          <inkml:channelProperty channel="F" name="resolution" value="0" units="1/dev"/>
+        </inkml:channelProperties>
+      </inkml:inkSource>
+      <inkml:timestamp xml:id="ts0" timeString="2020-11-19T23:19:52.652"/>
+    </inkml:context>
+    <inkml:brush xml:id="br0">
+      <inkml:brushProperty name="width" value="0.35" units="cm"/>
+      <inkml:brushProperty name="height" value="0.35" units="cm"/>
+      <inkml:brushProperty name="color" value="#FFFFFF"/>
+    </inkml:brush>
+  </inkml:definitions>
+  <inkml:trace contextRef="#ctx0" brushRef="#br0">1 1 24575,'0'0'0</inkml:trace>
+</inkml:ink>
+</file>
+
+<file path=ppt/ink/ink55.xml><?xml version="1.0" encoding="utf-8"?>
+<inkml:ink xmlns:inkml="http://www.w3.org/2003/InkML">
+  <inkml:definitions>
+    <inkml:context xml:id="ctx0">
+      <inkml:inkSource xml:id="inkSrc0">
+        <inkml:traceFormat>
+          <inkml:channel name="X" type="integer" min="-2.14748E9" max="2.14748E9" units="cm"/>
+          <inkml:channel name="Y" type="integer" min="-2.14748E9" max="2.14748E9" units="cm"/>
+          <inkml:channel name="F" type="integer" max="32767" units="dev"/>
+        </inkml:traceFormat>
+        <inkml:channelProperties>
+          <inkml:channelProperty channel="X" name="resolution" value="1000" units="1/cm"/>
+          <inkml:channelProperty channel="Y" name="resolution" value="1000" units="1/cm"/>
+          <inkml:channelProperty channel="F" name="resolution" value="0" units="1/dev"/>
+        </inkml:channelProperties>
+      </inkml:inkSource>
+      <inkml:timestamp xml:id="ts0" timeString="2020-11-19T23:19:53.676"/>
+    </inkml:context>
+    <inkml:brush xml:id="br0">
+      <inkml:brushProperty name="width" value="0.35" units="cm"/>
+      <inkml:brushProperty name="height" value="0.35" units="cm"/>
+      <inkml:brushProperty name="color" value="#FFFFFF"/>
+    </inkml:brush>
+  </inkml:definitions>
+  <inkml:trace contextRef="#ctx0" brushRef="#br0">0 1 24575,'0'0'0</inkml:trace>
+</inkml:ink>
+</file>
+
+<file path=ppt/ink/ink56.xml><?xml version="1.0" encoding="utf-8"?>
+<inkml:ink xmlns:inkml="http://www.w3.org/2003/InkML">
+  <inkml:definitions>
+    <inkml:context xml:id="ctx0">
+      <inkml:inkSource xml:id="inkSrc0">
+        <inkml:traceFormat>
+          <inkml:channel name="X" type="integer" min="-2.14748E9" max="2.14748E9" units="cm"/>
+          <inkml:channel name="Y" type="integer" min="-2.14748E9" max="2.14748E9" units="cm"/>
+          <inkml:channel name="F" type="integer" max="32767" units="dev"/>
+        </inkml:traceFormat>
+        <inkml:channelProperties>
+          <inkml:channelProperty channel="X" name="resolution" value="1000" units="1/cm"/>
+          <inkml:channelProperty channel="Y" name="resolution" value="1000" units="1/cm"/>
+          <inkml:channelProperty channel="F" name="resolution" value="0" units="1/dev"/>
+        </inkml:channelProperties>
+      </inkml:inkSource>
+      <inkml:timestamp xml:id="ts0" timeString="2020-11-19T23:19:53.867"/>
+    </inkml:context>
+    <inkml:brush xml:id="br0">
+      <inkml:brushProperty name="width" value="0.35" units="cm"/>
+      <inkml:brushProperty name="height" value="0.35" units="cm"/>
+      <inkml:brushProperty name="color" value="#FFFFFF"/>
+    </inkml:brush>
+  </inkml:definitions>
+  <inkml:trace contextRef="#ctx0" brushRef="#br0">0 1 24575,'0'0'0</inkml:trace>
+</inkml:ink>
+</file>
+
+<file path=ppt/ink/ink57.xml><?xml version="1.0" encoding="utf-8"?>
+<inkml:ink xmlns:inkml="http://www.w3.org/2003/InkML">
+  <inkml:definitions>
+    <inkml:context xml:id="ctx0">
+      <inkml:inkSource xml:id="inkSrc0">
+        <inkml:traceFormat>
+          <inkml:channel name="X" type="integer" min="-2.14748E9" max="2.14748E9" units="cm"/>
+          <inkml:channel name="Y" type="integer" min="-2.14748E9" max="2.14748E9" units="cm"/>
+          <inkml:channel name="F" type="integer" max="32767" units="dev"/>
+        </inkml:traceFormat>
+        <inkml:channelProperties>
+          <inkml:channelProperty channel="X" name="resolution" value="1000" units="1/cm"/>
+          <inkml:channelProperty channel="Y" name="resolution" value="1000" units="1/cm"/>
+          <inkml:channelProperty channel="F" name="resolution" value="0" units="1/dev"/>
+        </inkml:channelProperties>
+      </inkml:inkSource>
+      <inkml:timestamp xml:id="ts0" timeString="2020-11-19T23:19:57.489"/>
+    </inkml:context>
+    <inkml:brush xml:id="br0">
+      <inkml:brushProperty name="width" value="0.35" units="cm"/>
+      <inkml:brushProperty name="height" value="0.35" units="cm"/>
+      <inkml:brushProperty name="color" value="#FFFFFF"/>
+    </inkml:brush>
+  </inkml:definitions>
+  <inkml:trace contextRef="#ctx0" brushRef="#br0">0 0 24575,'0'0'0</inkml:trace>
+</inkml:ink>
+</file>
+
+<file path=ppt/ink/ink58.xml><?xml version="1.0" encoding="utf-8"?>
+<inkml:ink xmlns:inkml="http://www.w3.org/2003/InkML">
+  <inkml:definitions>
+    <inkml:context xml:id="ctx0">
+      <inkml:inkSource xml:id="inkSrc0">
+        <inkml:traceFormat>
+          <inkml:channel name="X" type="integer" min="-2.14748E9" max="2.14748E9" units="cm"/>
+          <inkml:channel name="Y" type="integer" min="-2.14748E9" max="2.14748E9" units="cm"/>
+          <inkml:channel name="F" type="integer" max="32767" units="dev"/>
+        </inkml:traceFormat>
+        <inkml:channelProperties>
+          <inkml:channelProperty channel="X" name="resolution" value="1000" units="1/cm"/>
+          <inkml:channelProperty channel="Y" name="resolution" value="1000" units="1/cm"/>
+          <inkml:channelProperty channel="F" name="resolution" value="0" units="1/dev"/>
+        </inkml:channelProperties>
+      </inkml:inkSource>
+      <inkml:timestamp xml:id="ts0" timeString="2020-11-19T23:19:57.726"/>
+    </inkml:context>
+    <inkml:brush xml:id="br0">
+      <inkml:brushProperty name="width" value="0.35" units="cm"/>
+      <inkml:brushProperty name="height" value="0.35" units="cm"/>
+      <inkml:brushProperty name="color" value="#FFFFFF"/>
+    </inkml:brush>
+  </inkml:definitions>
+  <inkml:trace contextRef="#ctx0" brushRef="#br0">1 0 24575,'0'0'0</inkml:trace>
+</inkml:ink>
+</file>
+
+<file path=ppt/ink/ink59.xml><?xml version="1.0" encoding="utf-8"?>
+<inkml:ink xmlns:inkml="http://www.w3.org/2003/InkML">
+  <inkml:definitions>
+    <inkml:context xml:id="ctx0">
+      <inkml:inkSource xml:id="inkSrc0">
+        <inkml:traceFormat>
+          <inkml:channel name="X" type="integer" min="-2.14748E9" max="2.14748E9" units="cm"/>
+          <inkml:channel name="Y" type="integer" min="-2.14748E9" max="2.14748E9" units="cm"/>
+          <inkml:channel name="F" type="integer" max="32767" units="dev"/>
+        </inkml:traceFormat>
+        <inkml:channelProperties>
+          <inkml:channelProperty channel="X" name="resolution" value="1000" units="1/cm"/>
+          <inkml:channelProperty channel="Y" name="resolution" value="1000" units="1/cm"/>
+          <inkml:channelProperty channel="F" name="resolution" value="0" units="1/dev"/>
+        </inkml:channelProperties>
+      </inkml:inkSource>
+      <inkml:timestamp xml:id="ts0" timeString="2020-11-19T23:19:59.200"/>
+    </inkml:context>
+    <inkml:brush xml:id="br0">
+      <inkml:brushProperty name="width" value="0.35" units="cm"/>
+      <inkml:brushProperty name="height" value="0.35" units="cm"/>
+      <inkml:brushProperty name="color" value="#FFFFFF"/>
+    </inkml:brush>
+  </inkml:definitions>
+  <inkml:trace contextRef="#ctx0" brushRef="#br0">0 0 24575,'0'0'0</inkml:trace>
+</inkml:ink>
+</file>
+
 <file path=ppt/ink/ink6.xml><?xml version="1.0" encoding="utf-8"?>
 <inkml:ink xmlns:inkml="http://www.w3.org/2003/InkML">
   <inkml:definitions>
@@ -1101,6 +1698,286 @@
 </inkml:ink>
 </file>
 
+<file path=ppt/ink/ink60.xml><?xml version="1.0" encoding="utf-8"?>
+<inkml:ink xmlns:inkml="http://www.w3.org/2003/InkML">
+  <inkml:definitions>
+    <inkml:context xml:id="ctx0">
+      <inkml:inkSource xml:id="inkSrc0">
+        <inkml:traceFormat>
+          <inkml:channel name="X" type="integer" min="-2.14748E9" max="2.14748E9" units="cm"/>
+          <inkml:channel name="Y" type="integer" min="-2.14748E9" max="2.14748E9" units="cm"/>
+          <inkml:channel name="F" type="integer" max="32767" units="dev"/>
+        </inkml:traceFormat>
+        <inkml:channelProperties>
+          <inkml:channelProperty channel="X" name="resolution" value="1000" units="1/cm"/>
+          <inkml:channelProperty channel="Y" name="resolution" value="1000" units="1/cm"/>
+          <inkml:channelProperty channel="F" name="resolution" value="0" units="1/dev"/>
+        </inkml:channelProperties>
+      </inkml:inkSource>
+      <inkml:timestamp xml:id="ts0" timeString="2020-11-19T23:19:59.426"/>
+    </inkml:context>
+    <inkml:brush xml:id="br0">
+      <inkml:brushProperty name="width" value="0.35" units="cm"/>
+      <inkml:brushProperty name="height" value="0.35" units="cm"/>
+      <inkml:brushProperty name="color" value="#FFFFFF"/>
+    </inkml:brush>
+  </inkml:definitions>
+  <inkml:trace contextRef="#ctx0" brushRef="#br0">0 1 24575,'0'0'0</inkml:trace>
+</inkml:ink>
+</file>
+
+<file path=ppt/ink/ink61.xml><?xml version="1.0" encoding="utf-8"?>
+<inkml:ink xmlns:inkml="http://www.w3.org/2003/InkML">
+  <inkml:definitions>
+    <inkml:context xml:id="ctx0">
+      <inkml:inkSource xml:id="inkSrc0">
+        <inkml:traceFormat>
+          <inkml:channel name="X" type="integer" min="-2.14748E9" max="2.14748E9" units="cm"/>
+          <inkml:channel name="Y" type="integer" min="-2.14748E9" max="2.14748E9" units="cm"/>
+          <inkml:channel name="F" type="integer" max="32767" units="dev"/>
+        </inkml:traceFormat>
+        <inkml:channelProperties>
+          <inkml:channelProperty channel="X" name="resolution" value="1000" units="1/cm"/>
+          <inkml:channelProperty channel="Y" name="resolution" value="1000" units="1/cm"/>
+          <inkml:channelProperty channel="F" name="resolution" value="0" units="1/dev"/>
+        </inkml:channelProperties>
+      </inkml:inkSource>
+      <inkml:timestamp xml:id="ts0" timeString="2020-11-19T23:20:00.336"/>
+    </inkml:context>
+    <inkml:brush xml:id="br0">
+      <inkml:brushProperty name="width" value="0.35" units="cm"/>
+      <inkml:brushProperty name="height" value="0.35" units="cm"/>
+      <inkml:brushProperty name="color" value="#FFFFFF"/>
+    </inkml:brush>
+  </inkml:definitions>
+  <inkml:trace contextRef="#ctx0" brushRef="#br0">1 1 24575,'0'0'0</inkml:trace>
+</inkml:ink>
+</file>
+
+<file path=ppt/ink/ink62.xml><?xml version="1.0" encoding="utf-8"?>
+<inkml:ink xmlns:inkml="http://www.w3.org/2003/InkML">
+  <inkml:definitions>
+    <inkml:context xml:id="ctx0">
+      <inkml:inkSource xml:id="inkSrc0">
+        <inkml:traceFormat>
+          <inkml:channel name="X" type="integer" min="-2.14748E9" max="2.14748E9" units="cm"/>
+          <inkml:channel name="Y" type="integer" min="-2.14748E9" max="2.14748E9" units="cm"/>
+          <inkml:channel name="F" type="integer" max="32767" units="dev"/>
+        </inkml:traceFormat>
+        <inkml:channelProperties>
+          <inkml:channelProperty channel="X" name="resolution" value="1000" units="1/cm"/>
+          <inkml:channelProperty channel="Y" name="resolution" value="1000" units="1/cm"/>
+          <inkml:channelProperty channel="F" name="resolution" value="0" units="1/dev"/>
+        </inkml:channelProperties>
+      </inkml:inkSource>
+      <inkml:timestamp xml:id="ts0" timeString="2020-11-19T23:20:00.538"/>
+    </inkml:context>
+    <inkml:brush xml:id="br0">
+      <inkml:brushProperty name="width" value="0.35" units="cm"/>
+      <inkml:brushProperty name="height" value="0.35" units="cm"/>
+      <inkml:brushProperty name="color" value="#FFFFFF"/>
+    </inkml:brush>
+  </inkml:definitions>
+  <inkml:trace contextRef="#ctx0" brushRef="#br0">0 0 24575,'0'0'0</inkml:trace>
+</inkml:ink>
+</file>
+
+<file path=ppt/ink/ink63.xml><?xml version="1.0" encoding="utf-8"?>
+<inkml:ink xmlns:inkml="http://www.w3.org/2003/InkML">
+  <inkml:definitions>
+    <inkml:context xml:id="ctx0">
+      <inkml:inkSource xml:id="inkSrc0">
+        <inkml:traceFormat>
+          <inkml:channel name="X" type="integer" min="-2.14748E9" max="2.14748E9" units="cm"/>
+          <inkml:channel name="Y" type="integer" min="-2.14748E9" max="2.14748E9" units="cm"/>
+          <inkml:channel name="F" type="integer" max="32767" units="dev"/>
+        </inkml:traceFormat>
+        <inkml:channelProperties>
+          <inkml:channelProperty channel="X" name="resolution" value="1000" units="1/cm"/>
+          <inkml:channelProperty channel="Y" name="resolution" value="1000" units="1/cm"/>
+          <inkml:channelProperty channel="F" name="resolution" value="0" units="1/dev"/>
+        </inkml:channelProperties>
+      </inkml:inkSource>
+      <inkml:timestamp xml:id="ts0" timeString="2020-11-19T23:20:27.134"/>
+    </inkml:context>
+    <inkml:brush xml:id="br0">
+      <inkml:brushProperty name="width" value="0.35" units="cm"/>
+      <inkml:brushProperty name="height" value="0.35" units="cm"/>
+      <inkml:brushProperty name="color" value="#FFFFFF"/>
+    </inkml:brush>
+  </inkml:definitions>
+  <inkml:trace contextRef="#ctx0" brushRef="#br0">0 0 24575,'0'0'0</inkml:trace>
+</inkml:ink>
+</file>
+
+<file path=ppt/ink/ink64.xml><?xml version="1.0" encoding="utf-8"?>
+<inkml:ink xmlns:inkml="http://www.w3.org/2003/InkML">
+  <inkml:definitions>
+    <inkml:context xml:id="ctx0">
+      <inkml:inkSource xml:id="inkSrc0">
+        <inkml:traceFormat>
+          <inkml:channel name="X" type="integer" min="-2.14748E9" max="2.14748E9" units="cm"/>
+          <inkml:channel name="Y" type="integer" min="-2.14748E9" max="2.14748E9" units="cm"/>
+          <inkml:channel name="F" type="integer" max="32767" units="dev"/>
+        </inkml:traceFormat>
+        <inkml:channelProperties>
+          <inkml:channelProperty channel="X" name="resolution" value="1000" units="1/cm"/>
+          <inkml:channelProperty channel="Y" name="resolution" value="1000" units="1/cm"/>
+          <inkml:channelProperty channel="F" name="resolution" value="0" units="1/dev"/>
+        </inkml:channelProperties>
+      </inkml:inkSource>
+      <inkml:timestamp xml:id="ts0" timeString="2020-11-19T23:20:27.325"/>
+    </inkml:context>
+    <inkml:brush xml:id="br0">
+      <inkml:brushProperty name="width" value="0.35" units="cm"/>
+      <inkml:brushProperty name="height" value="0.35" units="cm"/>
+      <inkml:brushProperty name="color" value="#FFFFFF"/>
+    </inkml:brush>
+  </inkml:definitions>
+  <inkml:trace contextRef="#ctx0" brushRef="#br0">0 0 24575,'0'0'0</inkml:trace>
+</inkml:ink>
+</file>
+
+<file path=ppt/ink/ink65.xml><?xml version="1.0" encoding="utf-8"?>
+<inkml:ink xmlns:inkml="http://www.w3.org/2003/InkML">
+  <inkml:definitions>
+    <inkml:context xml:id="ctx0">
+      <inkml:inkSource xml:id="inkSrc0">
+        <inkml:traceFormat>
+          <inkml:channel name="X" type="integer" min="-2.14748E9" max="2.14748E9" units="cm"/>
+          <inkml:channel name="Y" type="integer" min="-2.14748E9" max="2.14748E9" units="cm"/>
+          <inkml:channel name="F" type="integer" max="32767" units="dev"/>
+        </inkml:traceFormat>
+        <inkml:channelProperties>
+          <inkml:channelProperty channel="X" name="resolution" value="1000" units="1/cm"/>
+          <inkml:channelProperty channel="Y" name="resolution" value="1000" units="1/cm"/>
+          <inkml:channelProperty channel="F" name="resolution" value="0" units="1/dev"/>
+        </inkml:channelProperties>
+      </inkml:inkSource>
+      <inkml:timestamp xml:id="ts0" timeString="2020-11-19T23:20:29.699"/>
+    </inkml:context>
+    <inkml:brush xml:id="br0">
+      <inkml:brushProperty name="width" value="0.35" units="cm"/>
+      <inkml:brushProperty name="height" value="0.35" units="cm"/>
+      <inkml:brushProperty name="color" value="#FFFFFF"/>
+    </inkml:brush>
+  </inkml:definitions>
+  <inkml:trace contextRef="#ctx0" brushRef="#br0">1 1 24575,'0'0'0</inkml:trace>
+</inkml:ink>
+</file>
+
+<file path=ppt/ink/ink66.xml><?xml version="1.0" encoding="utf-8"?>
+<inkml:ink xmlns:inkml="http://www.w3.org/2003/InkML">
+  <inkml:definitions>
+    <inkml:context xml:id="ctx0">
+      <inkml:inkSource xml:id="inkSrc0">
+        <inkml:traceFormat>
+          <inkml:channel name="X" type="integer" min="-2.14748E9" max="2.14748E9" units="cm"/>
+          <inkml:channel name="Y" type="integer" min="-2.14748E9" max="2.14748E9" units="cm"/>
+          <inkml:channel name="F" type="integer" max="32767" units="dev"/>
+        </inkml:traceFormat>
+        <inkml:channelProperties>
+          <inkml:channelProperty channel="X" name="resolution" value="1000" units="1/cm"/>
+          <inkml:channelProperty channel="Y" name="resolution" value="1000" units="1/cm"/>
+          <inkml:channelProperty channel="F" name="resolution" value="0" units="1/dev"/>
+        </inkml:channelProperties>
+      </inkml:inkSource>
+      <inkml:timestamp xml:id="ts0" timeString="2020-11-19T23:20:29.890"/>
+    </inkml:context>
+    <inkml:brush xml:id="br0">
+      <inkml:brushProperty name="width" value="0.35" units="cm"/>
+      <inkml:brushProperty name="height" value="0.35" units="cm"/>
+      <inkml:brushProperty name="color" value="#FFFFFF"/>
+    </inkml:brush>
+  </inkml:definitions>
+  <inkml:trace contextRef="#ctx0" brushRef="#br0">1 1 24575,'0'0'0</inkml:trace>
+</inkml:ink>
+</file>
+
+<file path=ppt/ink/ink67.xml><?xml version="1.0" encoding="utf-8"?>
+<inkml:ink xmlns:inkml="http://www.w3.org/2003/InkML">
+  <inkml:definitions>
+    <inkml:context xml:id="ctx0">
+      <inkml:inkSource xml:id="inkSrc0">
+        <inkml:traceFormat>
+          <inkml:channel name="X" type="integer" min="-2.14748E9" max="2.14748E9" units="cm"/>
+          <inkml:channel name="Y" type="integer" min="-2.14748E9" max="2.14748E9" units="cm"/>
+          <inkml:channel name="F" type="integer" max="32767" units="dev"/>
+        </inkml:traceFormat>
+        <inkml:channelProperties>
+          <inkml:channelProperty channel="X" name="resolution" value="1000" units="1/cm"/>
+          <inkml:channelProperty channel="Y" name="resolution" value="1000" units="1/cm"/>
+          <inkml:channelProperty channel="F" name="resolution" value="0" units="1/dev"/>
+        </inkml:channelProperties>
+      </inkml:inkSource>
+      <inkml:timestamp xml:id="ts0" timeString="2020-11-19T23:20:31.487"/>
+    </inkml:context>
+    <inkml:brush xml:id="br0">
+      <inkml:brushProperty name="width" value="0.35" units="cm"/>
+      <inkml:brushProperty name="height" value="0.35" units="cm"/>
+      <inkml:brushProperty name="color" value="#FFFFFF"/>
+    </inkml:brush>
+  </inkml:definitions>
+  <inkml:trace contextRef="#ctx0" brushRef="#br0">0 0 24575,'0'0'0</inkml:trace>
+</inkml:ink>
+</file>
+
+<file path=ppt/ink/ink68.xml><?xml version="1.0" encoding="utf-8"?>
+<inkml:ink xmlns:inkml="http://www.w3.org/2003/InkML">
+  <inkml:definitions>
+    <inkml:context xml:id="ctx0">
+      <inkml:inkSource xml:id="inkSrc0">
+        <inkml:traceFormat>
+          <inkml:channel name="X" type="integer" min="-2.14748E9" max="2.14748E9" units="cm"/>
+          <inkml:channel name="Y" type="integer" min="-2.14748E9" max="2.14748E9" units="cm"/>
+          <inkml:channel name="F" type="integer" max="32767" units="dev"/>
+        </inkml:traceFormat>
+        <inkml:channelProperties>
+          <inkml:channelProperty channel="X" name="resolution" value="1000" units="1/cm"/>
+          <inkml:channelProperty channel="Y" name="resolution" value="1000" units="1/cm"/>
+          <inkml:channelProperty channel="F" name="resolution" value="0" units="1/dev"/>
+        </inkml:channelProperties>
+      </inkml:inkSource>
+      <inkml:timestamp xml:id="ts0" timeString="2020-11-19T23:20:31.874"/>
+    </inkml:context>
+    <inkml:brush xml:id="br0">
+      <inkml:brushProperty name="width" value="0.35" units="cm"/>
+      <inkml:brushProperty name="height" value="0.35" units="cm"/>
+      <inkml:brushProperty name="color" value="#FFFFFF"/>
+    </inkml:brush>
+  </inkml:definitions>
+  <inkml:trace contextRef="#ctx0" brushRef="#br0">0 0 24575,'0'0'0</inkml:trace>
+</inkml:ink>
+</file>
+
+<file path=ppt/ink/ink69.xml><?xml version="1.0" encoding="utf-8"?>
+<inkml:ink xmlns:inkml="http://www.w3.org/2003/InkML">
+  <inkml:definitions>
+    <inkml:context xml:id="ctx0">
+      <inkml:inkSource xml:id="inkSrc0">
+        <inkml:traceFormat>
+          <inkml:channel name="X" type="integer" min="-2.14748E9" max="2.14748E9" units="cm"/>
+          <inkml:channel name="Y" type="integer" min="-2.14748E9" max="2.14748E9" units="cm"/>
+          <inkml:channel name="F" type="integer" max="32767" units="dev"/>
+        </inkml:traceFormat>
+        <inkml:channelProperties>
+          <inkml:channelProperty channel="X" name="resolution" value="1000" units="1/cm"/>
+          <inkml:channelProperty channel="Y" name="resolution" value="1000" units="1/cm"/>
+          <inkml:channelProperty channel="F" name="resolution" value="0" units="1/dev"/>
+        </inkml:channelProperties>
+      </inkml:inkSource>
+      <inkml:timestamp xml:id="ts0" timeString="2020-11-19T23:23:41.907"/>
+    </inkml:context>
+    <inkml:brush xml:id="br0">
+      <inkml:brushProperty name="width" value="0.35" units="cm"/>
+      <inkml:brushProperty name="height" value="0.35" units="cm"/>
+      <inkml:brushProperty name="color" value="#FFFFFF"/>
+    </inkml:brush>
+  </inkml:definitions>
+  <inkml:trace contextRef="#ctx0" brushRef="#br0">1 1 24575,'0'0'0</inkml:trace>
+</inkml:ink>
+</file>
+
 <file path=ppt/ink/ink7.xml><?xml version="1.0" encoding="utf-8"?>
 <inkml:ink xmlns:inkml="http://www.w3.org/2003/InkML">
   <inkml:definitions>
@@ -1126,6 +2003,34 @@
     </inkml:brush>
   </inkml:definitions>
   <inkml:trace contextRef="#ctx0" brushRef="#br0">0 0 24575,'0'0'0</inkml:trace>
+</inkml:ink>
+</file>
+
+<file path=ppt/ink/ink70.xml><?xml version="1.0" encoding="utf-8"?>
+<inkml:ink xmlns:inkml="http://www.w3.org/2003/InkML">
+  <inkml:definitions>
+    <inkml:context xml:id="ctx0">
+      <inkml:inkSource xml:id="inkSrc0">
+        <inkml:traceFormat>
+          <inkml:channel name="X" type="integer" min="-2.14748E9" max="2.14748E9" units="cm"/>
+          <inkml:channel name="Y" type="integer" min="-2.14748E9" max="2.14748E9" units="cm"/>
+          <inkml:channel name="F" type="integer" max="32767" units="dev"/>
+        </inkml:traceFormat>
+        <inkml:channelProperties>
+          <inkml:channelProperty channel="X" name="resolution" value="1000" units="1/cm"/>
+          <inkml:channelProperty channel="Y" name="resolution" value="1000" units="1/cm"/>
+          <inkml:channelProperty channel="F" name="resolution" value="0" units="1/dev"/>
+        </inkml:channelProperties>
+      </inkml:inkSource>
+      <inkml:timestamp xml:id="ts0" timeString="2020-11-19T23:23:42.492"/>
+    </inkml:context>
+    <inkml:brush xml:id="br0">
+      <inkml:brushProperty name="width" value="0.35" units="cm"/>
+      <inkml:brushProperty name="height" value="0.35" units="cm"/>
+      <inkml:brushProperty name="color" value="#FFFFFF"/>
+    </inkml:brush>
+  </inkml:definitions>
+  <inkml:trace contextRef="#ctx0" brushRef="#br0">1 0 24575,'0'0'0</inkml:trace>
 </inkml:ink>
 </file>
 
@@ -1267,7 +2172,7 @@
           <a:p>
             <a:fld id="{D6DC9C9C-EE79-784E-8586-1CA244E33F2D}" type="datetimeFigureOut">
               <a:rPr lang="it-IT" smtClean="0"/>
-              <a:t>19/11/20</a:t>
+              <a:t>20/11/20</a:t>
             </a:fld>
             <a:endParaRPr lang="it-IT"/>
           </a:p>
@@ -1765,7 +2670,7 @@
           <a:p>
             <a:fld id="{24E612C1-E274-2842-A0C2-757BE9233049}" type="datetimeFigureOut">
               <a:rPr lang="it-IT" smtClean="0"/>
-              <a:t>19/11/20</a:t>
+              <a:t>20/11/20</a:t>
             </a:fld>
             <a:endParaRPr lang="it-IT"/>
           </a:p>
@@ -1963,7 +2868,7 @@
           <a:p>
             <a:fld id="{24E612C1-E274-2842-A0C2-757BE9233049}" type="datetimeFigureOut">
               <a:rPr lang="it-IT" smtClean="0"/>
-              <a:t>19/11/20</a:t>
+              <a:t>20/11/20</a:t>
             </a:fld>
             <a:endParaRPr lang="it-IT"/>
           </a:p>
@@ -2171,7 +3076,7 @@
           <a:p>
             <a:fld id="{24E612C1-E274-2842-A0C2-757BE9233049}" type="datetimeFigureOut">
               <a:rPr lang="it-IT" smtClean="0"/>
-              <a:t>19/11/20</a:t>
+              <a:t>20/11/20</a:t>
             </a:fld>
             <a:endParaRPr lang="it-IT"/>
           </a:p>
@@ -2369,7 +3274,7 @@
           <a:p>
             <a:fld id="{24E612C1-E274-2842-A0C2-757BE9233049}" type="datetimeFigureOut">
               <a:rPr lang="it-IT" smtClean="0"/>
-              <a:t>19/11/20</a:t>
+              <a:t>20/11/20</a:t>
             </a:fld>
             <a:endParaRPr lang="it-IT"/>
           </a:p>
@@ -2644,7 +3549,7 @@
           <a:p>
             <a:fld id="{24E612C1-E274-2842-A0C2-757BE9233049}" type="datetimeFigureOut">
               <a:rPr lang="it-IT" smtClean="0"/>
-              <a:t>19/11/20</a:t>
+              <a:t>20/11/20</a:t>
             </a:fld>
             <a:endParaRPr lang="it-IT"/>
           </a:p>
@@ -2909,7 +3814,7 @@
           <a:p>
             <a:fld id="{24E612C1-E274-2842-A0C2-757BE9233049}" type="datetimeFigureOut">
               <a:rPr lang="it-IT" smtClean="0"/>
-              <a:t>19/11/20</a:t>
+              <a:t>20/11/20</a:t>
             </a:fld>
             <a:endParaRPr lang="it-IT"/>
           </a:p>
@@ -3321,7 +4226,7 @@
           <a:p>
             <a:fld id="{24E612C1-E274-2842-A0C2-757BE9233049}" type="datetimeFigureOut">
               <a:rPr lang="it-IT" smtClean="0"/>
-              <a:t>19/11/20</a:t>
+              <a:t>20/11/20</a:t>
             </a:fld>
             <a:endParaRPr lang="it-IT"/>
           </a:p>
@@ -3462,7 +4367,7 @@
           <a:p>
             <a:fld id="{24E612C1-E274-2842-A0C2-757BE9233049}" type="datetimeFigureOut">
               <a:rPr lang="it-IT" smtClean="0"/>
-              <a:t>19/11/20</a:t>
+              <a:t>20/11/20</a:t>
             </a:fld>
             <a:endParaRPr lang="it-IT"/>
           </a:p>
@@ -3575,7 +4480,7 @@
           <a:p>
             <a:fld id="{24E612C1-E274-2842-A0C2-757BE9233049}" type="datetimeFigureOut">
               <a:rPr lang="it-IT" smtClean="0"/>
-              <a:t>19/11/20</a:t>
+              <a:t>20/11/20</a:t>
             </a:fld>
             <a:endParaRPr lang="it-IT"/>
           </a:p>
@@ -3886,7 +4791,7 @@
           <a:p>
             <a:fld id="{24E612C1-E274-2842-A0C2-757BE9233049}" type="datetimeFigureOut">
               <a:rPr lang="it-IT" smtClean="0"/>
-              <a:t>19/11/20</a:t>
+              <a:t>20/11/20</a:t>
             </a:fld>
             <a:endParaRPr lang="it-IT"/>
           </a:p>
@@ -4174,7 +5079,7 @@
           <a:p>
             <a:fld id="{24E612C1-E274-2842-A0C2-757BE9233049}" type="datetimeFigureOut">
               <a:rPr lang="it-IT" smtClean="0"/>
-              <a:t>19/11/20</a:t>
+              <a:t>20/11/20</a:t>
             </a:fld>
             <a:endParaRPr lang="it-IT"/>
           </a:p>
@@ -4415,7 +5320,7 @@
           <a:p>
             <a:fld id="{24E612C1-E274-2842-A0C2-757BE9233049}" type="datetimeFigureOut">
               <a:rPr lang="it-IT" smtClean="0"/>
-              <a:t>19/11/20</a:t>
+              <a:t>20/11/20</a:t>
             </a:fld>
             <a:endParaRPr lang="it-IT"/>
           </a:p>
@@ -6575,6 +7480,1113 @@
     <p:extLst>
       <p:ext uri="{BB962C8B-B14F-4D97-AF65-F5344CB8AC3E}">
         <p14:creationId xmlns:p14="http://schemas.microsoft.com/office/powerpoint/2010/main" val="1259173155"/>
+      </p:ext>
+    </p:extLst>
+  </p:cSld>
+  <p:clrMapOvr>
+    <a:masterClrMapping/>
+  </p:clrMapOvr>
+</p:sld>
+</file>
+
+<file path=ppt/slides/slide10.xml><?xml version="1.0" encoding="utf-8"?>
+<p:sld xmlns:a="http://schemas.openxmlformats.org/drawingml/2006/main" xmlns:r="http://schemas.openxmlformats.org/officeDocument/2006/relationships" xmlns:p="http://schemas.openxmlformats.org/presentationml/2006/main">
+  <p:cSld>
+    <p:spTree>
+      <p:nvGrpSpPr>
+        <p:cNvPr id="1" name=""/>
+        <p:cNvGrpSpPr/>
+        <p:nvPr/>
+      </p:nvGrpSpPr>
+      <p:grpSpPr>
+        <a:xfrm>
+          <a:off x="0" y="0"/>
+          <a:ext cx="0" cy="0"/>
+          <a:chOff x="0" y="0"/>
+          <a:chExt cx="0" cy="0"/>
+        </a:xfrm>
+      </p:grpSpPr>
+      <p:pic>
+        <p:nvPicPr>
+          <p:cNvPr id="3" name="Immagine 2">
+            <a:extLst>
+              <a:ext uri="{FF2B5EF4-FFF2-40B4-BE49-F238E27FC236}">
+                <a16:creationId xmlns:a16="http://schemas.microsoft.com/office/drawing/2014/main" id="{78BF80EB-2702-8149-93C3-7CE363C67C15}"/>
+              </a:ext>
+            </a:extLst>
+          </p:cNvPr>
+          <p:cNvPicPr>
+            <a:picLocks noChangeAspect="1"/>
+          </p:cNvPicPr>
+          <p:nvPr/>
+        </p:nvPicPr>
+        <p:blipFill>
+          <a:blip r:embed="rId2"/>
+          <a:stretch>
+            <a:fillRect/>
+          </a:stretch>
+        </p:blipFill>
+        <p:spPr>
+          <a:xfrm>
+            <a:off x="832644" y="3720659"/>
+            <a:ext cx="3690841" cy="2648609"/>
+          </a:xfrm>
+          <a:prstGeom prst="rect">
+            <a:avLst/>
+          </a:prstGeom>
+        </p:spPr>
+      </p:pic>
+      <p:pic>
+        <p:nvPicPr>
+          <p:cNvPr id="7" name="Immagine 6">
+            <a:extLst>
+              <a:ext uri="{FF2B5EF4-FFF2-40B4-BE49-F238E27FC236}">
+                <a16:creationId xmlns:a16="http://schemas.microsoft.com/office/drawing/2014/main" id="{03A4D1AE-66A4-2D49-B3C2-56725BBBDB3F}"/>
+              </a:ext>
+            </a:extLst>
+          </p:cNvPr>
+          <p:cNvPicPr>
+            <a:picLocks noChangeAspect="1"/>
+          </p:cNvPicPr>
+          <p:nvPr/>
+        </p:nvPicPr>
+        <p:blipFill>
+          <a:blip r:embed="rId3"/>
+          <a:stretch>
+            <a:fillRect/>
+          </a:stretch>
+        </p:blipFill>
+        <p:spPr>
+          <a:xfrm>
+            <a:off x="5938697" y="3053255"/>
+            <a:ext cx="3690841" cy="3843829"/>
+          </a:xfrm>
+          <a:prstGeom prst="rect">
+            <a:avLst/>
+          </a:prstGeom>
+        </p:spPr>
+      </p:pic>
+      <p:pic>
+        <p:nvPicPr>
+          <p:cNvPr id="11" name="Immagine 10">
+            <a:extLst>
+              <a:ext uri="{FF2B5EF4-FFF2-40B4-BE49-F238E27FC236}">
+                <a16:creationId xmlns:a16="http://schemas.microsoft.com/office/drawing/2014/main" id="{4A931C40-CC08-934A-BF0D-9947EAD3276C}"/>
+              </a:ext>
+            </a:extLst>
+          </p:cNvPr>
+          <p:cNvPicPr>
+            <a:picLocks noChangeAspect="1"/>
+          </p:cNvPicPr>
+          <p:nvPr/>
+        </p:nvPicPr>
+        <p:blipFill>
+          <a:blip r:embed="rId4"/>
+          <a:stretch>
+            <a:fillRect/>
+          </a:stretch>
+        </p:blipFill>
+        <p:spPr>
+          <a:xfrm>
+            <a:off x="5938090" y="-21018"/>
+            <a:ext cx="3750475" cy="2701119"/>
+          </a:xfrm>
+          <a:prstGeom prst="rect">
+            <a:avLst/>
+          </a:prstGeom>
+        </p:spPr>
+      </p:pic>
+      <p:pic>
+        <p:nvPicPr>
+          <p:cNvPr id="17" name="Immagine 16">
+            <a:extLst>
+              <a:ext uri="{FF2B5EF4-FFF2-40B4-BE49-F238E27FC236}">
+                <a16:creationId xmlns:a16="http://schemas.microsoft.com/office/drawing/2014/main" id="{4145B6A6-A890-624D-A83E-7AC25B08B116}"/>
+              </a:ext>
+            </a:extLst>
+          </p:cNvPr>
+          <p:cNvPicPr>
+            <a:picLocks noChangeAspect="1"/>
+          </p:cNvPicPr>
+          <p:nvPr/>
+        </p:nvPicPr>
+        <p:blipFill>
+          <a:blip r:embed="rId5"/>
+          <a:stretch>
+            <a:fillRect/>
+          </a:stretch>
+        </p:blipFill>
+        <p:spPr>
+          <a:xfrm>
+            <a:off x="842547" y="-21020"/>
+            <a:ext cx="3750475" cy="2701119"/>
+          </a:xfrm>
+          <a:prstGeom prst="rect">
+            <a:avLst/>
+          </a:prstGeom>
+        </p:spPr>
+      </p:pic>
+    </p:spTree>
+    <p:extLst>
+      <p:ext uri="{BB962C8B-B14F-4D97-AF65-F5344CB8AC3E}">
+        <p14:creationId xmlns:p14="http://schemas.microsoft.com/office/powerpoint/2010/main" val="2869491947"/>
+      </p:ext>
+    </p:extLst>
+  </p:cSld>
+  <p:clrMapOvr>
+    <a:masterClrMapping/>
+  </p:clrMapOvr>
+</p:sld>
+</file>
+
+<file path=ppt/slides/slide11.xml><?xml version="1.0" encoding="utf-8"?>
+<p:sld xmlns:a="http://schemas.openxmlformats.org/drawingml/2006/main" xmlns:r="http://schemas.openxmlformats.org/officeDocument/2006/relationships" xmlns:p="http://schemas.openxmlformats.org/presentationml/2006/main">
+  <p:cSld>
+    <p:spTree>
+      <p:nvGrpSpPr>
+        <p:cNvPr id="1" name=""/>
+        <p:cNvGrpSpPr/>
+        <p:nvPr/>
+      </p:nvGrpSpPr>
+      <p:grpSpPr>
+        <a:xfrm>
+          <a:off x="0" y="0"/>
+          <a:ext cx="0" cy="0"/>
+          <a:chOff x="0" y="0"/>
+          <a:chExt cx="0" cy="0"/>
+        </a:xfrm>
+      </p:grpSpPr>
+      <p:pic>
+        <p:nvPicPr>
+          <p:cNvPr id="3" name="Immagine 2">
+            <a:extLst>
+              <a:ext uri="{FF2B5EF4-FFF2-40B4-BE49-F238E27FC236}">
+                <a16:creationId xmlns:a16="http://schemas.microsoft.com/office/drawing/2014/main" id="{78BF80EB-2702-8149-93C3-7CE363C67C15}"/>
+              </a:ext>
+            </a:extLst>
+          </p:cNvPr>
+          <p:cNvPicPr>
+            <a:picLocks noChangeAspect="1"/>
+          </p:cNvPicPr>
+          <p:nvPr/>
+        </p:nvPicPr>
+        <p:blipFill>
+          <a:blip r:embed="rId2"/>
+          <a:stretch>
+            <a:fillRect/>
+          </a:stretch>
+        </p:blipFill>
+        <p:spPr>
+          <a:xfrm>
+            <a:off x="1232034" y="3489441"/>
+            <a:ext cx="3690841" cy="2648609"/>
+          </a:xfrm>
+          <a:prstGeom prst="rect">
+            <a:avLst/>
+          </a:prstGeom>
+        </p:spPr>
+      </p:pic>
+      <p:pic>
+        <p:nvPicPr>
+          <p:cNvPr id="11" name="Immagine 10">
+            <a:extLst>
+              <a:ext uri="{FF2B5EF4-FFF2-40B4-BE49-F238E27FC236}">
+                <a16:creationId xmlns:a16="http://schemas.microsoft.com/office/drawing/2014/main" id="{4A931C40-CC08-934A-BF0D-9947EAD3276C}"/>
+              </a:ext>
+            </a:extLst>
+          </p:cNvPr>
+          <p:cNvPicPr>
+            <a:picLocks noChangeAspect="1"/>
+          </p:cNvPicPr>
+          <p:nvPr/>
+        </p:nvPicPr>
+        <p:blipFill>
+          <a:blip r:embed="rId3"/>
+          <a:stretch>
+            <a:fillRect/>
+          </a:stretch>
+        </p:blipFill>
+        <p:spPr>
+          <a:xfrm>
+            <a:off x="5738396" y="3520973"/>
+            <a:ext cx="3750475" cy="2701119"/>
+          </a:xfrm>
+          <a:prstGeom prst="rect">
+            <a:avLst/>
+          </a:prstGeom>
+        </p:spPr>
+      </p:pic>
+      <p:pic>
+        <p:nvPicPr>
+          <p:cNvPr id="17" name="Immagine 16">
+            <a:extLst>
+              <a:ext uri="{FF2B5EF4-FFF2-40B4-BE49-F238E27FC236}">
+                <a16:creationId xmlns:a16="http://schemas.microsoft.com/office/drawing/2014/main" id="{4145B6A6-A890-624D-A83E-7AC25B08B116}"/>
+              </a:ext>
+            </a:extLst>
+          </p:cNvPr>
+          <p:cNvPicPr>
+            <a:picLocks noChangeAspect="1"/>
+          </p:cNvPicPr>
+          <p:nvPr/>
+        </p:nvPicPr>
+        <p:blipFill>
+          <a:blip r:embed="rId4"/>
+          <a:stretch>
+            <a:fillRect/>
+          </a:stretch>
+        </p:blipFill>
+        <p:spPr>
+          <a:xfrm>
+            <a:off x="1172400" y="273263"/>
+            <a:ext cx="3750475" cy="2701119"/>
+          </a:xfrm>
+          <a:prstGeom prst="rect">
+            <a:avLst/>
+          </a:prstGeom>
+        </p:spPr>
+      </p:pic>
+      <p:pic>
+        <p:nvPicPr>
+          <p:cNvPr id="6" name="Immagine 5">
+            <a:extLst>
+              <a:ext uri="{FF2B5EF4-FFF2-40B4-BE49-F238E27FC236}">
+                <a16:creationId xmlns:a16="http://schemas.microsoft.com/office/drawing/2014/main" id="{77C5D420-7990-3242-9417-8E501F0D4EF5}"/>
+              </a:ext>
+            </a:extLst>
+          </p:cNvPr>
+          <p:cNvPicPr>
+            <a:picLocks noChangeAspect="1"/>
+          </p:cNvPicPr>
+          <p:nvPr/>
+        </p:nvPicPr>
+        <p:blipFill>
+          <a:blip r:embed="rId5"/>
+          <a:stretch>
+            <a:fillRect/>
+          </a:stretch>
+        </p:blipFill>
+        <p:spPr>
+          <a:xfrm>
+            <a:off x="5769927" y="273264"/>
+            <a:ext cx="3750475" cy="2701119"/>
+          </a:xfrm>
+          <a:prstGeom prst="rect">
+            <a:avLst/>
+          </a:prstGeom>
+        </p:spPr>
+      </p:pic>
+    </p:spTree>
+    <p:extLst>
+      <p:ext uri="{BB962C8B-B14F-4D97-AF65-F5344CB8AC3E}">
+        <p14:creationId xmlns:p14="http://schemas.microsoft.com/office/powerpoint/2010/main" val="169795506"/>
+      </p:ext>
+    </p:extLst>
+  </p:cSld>
+  <p:clrMapOvr>
+    <a:masterClrMapping/>
+  </p:clrMapOvr>
+</p:sld>
+</file>
+
+<file path=ppt/slides/slide12.xml><?xml version="1.0" encoding="utf-8"?>
+<p:sld xmlns:a="http://schemas.openxmlformats.org/drawingml/2006/main" xmlns:r="http://schemas.openxmlformats.org/officeDocument/2006/relationships" xmlns:p="http://schemas.openxmlformats.org/presentationml/2006/main">
+  <p:cSld>
+    <p:spTree>
+      <p:nvGrpSpPr>
+        <p:cNvPr id="1" name=""/>
+        <p:cNvGrpSpPr/>
+        <p:nvPr/>
+      </p:nvGrpSpPr>
+      <p:grpSpPr>
+        <a:xfrm>
+          <a:off x="0" y="0"/>
+          <a:ext cx="0" cy="0"/>
+          <a:chOff x="0" y="0"/>
+          <a:chExt cx="0" cy="0"/>
+        </a:xfrm>
+      </p:grpSpPr>
+      <p:pic>
+        <p:nvPicPr>
+          <p:cNvPr id="3" name="Immagine 2" descr="Immagine che contiene tavolo&#10;&#10;Descrizione generata automaticamente">
+            <a:extLst>
+              <a:ext uri="{FF2B5EF4-FFF2-40B4-BE49-F238E27FC236}">
+                <a16:creationId xmlns:a16="http://schemas.microsoft.com/office/drawing/2014/main" id="{9E7D2C4F-35EA-9147-B93B-1E3EF355CC21}"/>
+              </a:ext>
+            </a:extLst>
+          </p:cNvPr>
+          <p:cNvPicPr>
+            <a:picLocks noChangeAspect="1"/>
+          </p:cNvPicPr>
+          <p:nvPr/>
+        </p:nvPicPr>
+        <p:blipFill rotWithShape="1">
+          <a:blip r:embed="rId2"/>
+          <a:srcRect t="3866" r="39270" b="16480"/>
+          <a:stretch/>
+        </p:blipFill>
+        <p:spPr>
+          <a:xfrm>
+            <a:off x="115614" y="0"/>
+            <a:ext cx="7157545" cy="3352801"/>
+          </a:xfrm>
+          <a:prstGeom prst="rect">
+            <a:avLst/>
+          </a:prstGeom>
+        </p:spPr>
+      </p:pic>
+      <p:pic>
+        <p:nvPicPr>
+          <p:cNvPr id="6" name="Immagine 5" descr="Immagine che contiene tavolo&#10;&#10;Descrizione generata automaticamente">
+            <a:extLst>
+              <a:ext uri="{FF2B5EF4-FFF2-40B4-BE49-F238E27FC236}">
+                <a16:creationId xmlns:a16="http://schemas.microsoft.com/office/drawing/2014/main" id="{42735B48-8493-F945-9EAA-8AF4A46F8EC3}"/>
+              </a:ext>
+            </a:extLst>
+          </p:cNvPr>
+          <p:cNvPicPr>
+            <a:picLocks noChangeAspect="1"/>
+          </p:cNvPicPr>
+          <p:nvPr/>
+        </p:nvPicPr>
+        <p:blipFill rotWithShape="1">
+          <a:blip r:embed="rId2"/>
+          <a:srcRect l="67552"/>
+          <a:stretch/>
+        </p:blipFill>
+        <p:spPr>
+          <a:xfrm>
+            <a:off x="7967217" y="0"/>
+            <a:ext cx="4224783" cy="4650068"/>
+          </a:xfrm>
+          <a:prstGeom prst="rect">
+            <a:avLst/>
+          </a:prstGeom>
+        </p:spPr>
+      </p:pic>
+    </p:spTree>
+    <p:extLst>
+      <p:ext uri="{BB962C8B-B14F-4D97-AF65-F5344CB8AC3E}">
+        <p14:creationId xmlns:p14="http://schemas.microsoft.com/office/powerpoint/2010/main" val="2217737069"/>
+      </p:ext>
+    </p:extLst>
+  </p:cSld>
+  <p:clrMapOvr>
+    <a:masterClrMapping/>
+  </p:clrMapOvr>
+</p:sld>
+</file>
+
+<file path=ppt/slides/slide13.xml><?xml version="1.0" encoding="utf-8"?>
+<p:sld xmlns:a="http://schemas.openxmlformats.org/drawingml/2006/main" xmlns:r="http://schemas.openxmlformats.org/officeDocument/2006/relationships" xmlns:p="http://schemas.openxmlformats.org/presentationml/2006/main">
+  <p:cSld>
+    <p:spTree>
+      <p:nvGrpSpPr>
+        <p:cNvPr id="1" name=""/>
+        <p:cNvGrpSpPr/>
+        <p:nvPr/>
+      </p:nvGrpSpPr>
+      <p:grpSpPr>
+        <a:xfrm>
+          <a:off x="0" y="0"/>
+          <a:ext cx="0" cy="0"/>
+          <a:chOff x="0" y="0"/>
+          <a:chExt cx="0" cy="0"/>
+        </a:xfrm>
+      </p:grpSpPr>
+      <p:pic>
+        <p:nvPicPr>
+          <p:cNvPr id="3" name="Immagine 2">
+            <a:extLst>
+              <a:ext uri="{FF2B5EF4-FFF2-40B4-BE49-F238E27FC236}">
+                <a16:creationId xmlns:a16="http://schemas.microsoft.com/office/drawing/2014/main" id="{F26582A1-4FC0-9A4D-A8B0-A3DAC779A0C1}"/>
+              </a:ext>
+            </a:extLst>
+          </p:cNvPr>
+          <p:cNvPicPr>
+            <a:picLocks noChangeAspect="1"/>
+          </p:cNvPicPr>
+          <p:nvPr/>
+        </p:nvPicPr>
+        <p:blipFill rotWithShape="1">
+          <a:blip r:embed="rId2"/>
+          <a:srcRect t="6415" r="48570" b="13361"/>
+          <a:stretch/>
+        </p:blipFill>
+        <p:spPr>
+          <a:xfrm>
+            <a:off x="0" y="420413"/>
+            <a:ext cx="8218224" cy="2163138"/>
+          </a:xfrm>
+          <a:prstGeom prst="rect">
+            <a:avLst/>
+          </a:prstGeom>
+        </p:spPr>
+      </p:pic>
+      <p:pic>
+        <p:nvPicPr>
+          <p:cNvPr id="6" name="Immagine 5">
+            <a:extLst>
+              <a:ext uri="{FF2B5EF4-FFF2-40B4-BE49-F238E27FC236}">
+                <a16:creationId xmlns:a16="http://schemas.microsoft.com/office/drawing/2014/main" id="{96B1AA77-5700-3345-B114-5B901950E585}"/>
+              </a:ext>
+            </a:extLst>
+          </p:cNvPr>
+          <p:cNvPicPr>
+            <a:picLocks noChangeAspect="1"/>
+          </p:cNvPicPr>
+          <p:nvPr/>
+        </p:nvPicPr>
+        <p:blipFill rotWithShape="1">
+          <a:blip r:embed="rId2"/>
+          <a:srcRect l="52752"/>
+          <a:stretch/>
+        </p:blipFill>
+        <p:spPr>
+          <a:xfrm>
+            <a:off x="8294227" y="0"/>
+            <a:ext cx="9010675" cy="3218074"/>
+          </a:xfrm>
+          <a:prstGeom prst="rect">
+            <a:avLst/>
+          </a:prstGeom>
+        </p:spPr>
+      </p:pic>
+    </p:spTree>
+    <p:extLst>
+      <p:ext uri="{BB962C8B-B14F-4D97-AF65-F5344CB8AC3E}">
+        <p14:creationId xmlns:p14="http://schemas.microsoft.com/office/powerpoint/2010/main" val="3203630581"/>
+      </p:ext>
+    </p:extLst>
+  </p:cSld>
+  <p:clrMapOvr>
+    <a:masterClrMapping/>
+  </p:clrMapOvr>
+</p:sld>
+</file>
+
+<file path=ppt/slides/slide14.xml><?xml version="1.0" encoding="utf-8"?>
+<p:sld xmlns:a="http://schemas.openxmlformats.org/drawingml/2006/main" xmlns:r="http://schemas.openxmlformats.org/officeDocument/2006/relationships" xmlns:p="http://schemas.openxmlformats.org/presentationml/2006/main">
+  <p:cSld>
+    <p:spTree>
+      <p:nvGrpSpPr>
+        <p:cNvPr id="1" name=""/>
+        <p:cNvGrpSpPr/>
+        <p:nvPr/>
+      </p:nvGrpSpPr>
+      <p:grpSpPr>
+        <a:xfrm>
+          <a:off x="0" y="0"/>
+          <a:ext cx="0" cy="0"/>
+          <a:chOff x="0" y="0"/>
+          <a:chExt cx="0" cy="0"/>
+        </a:xfrm>
+      </p:grpSpPr>
+      <p:pic>
+        <p:nvPicPr>
+          <p:cNvPr id="3" name="Immagine 2">
+            <a:extLst>
+              <a:ext uri="{FF2B5EF4-FFF2-40B4-BE49-F238E27FC236}">
+                <a16:creationId xmlns:a16="http://schemas.microsoft.com/office/drawing/2014/main" id="{C8B42D70-985A-5241-A3E1-1AA665BADBB7}"/>
+              </a:ext>
+            </a:extLst>
+          </p:cNvPr>
+          <p:cNvPicPr>
+            <a:picLocks noChangeAspect="1"/>
+          </p:cNvPicPr>
+          <p:nvPr/>
+        </p:nvPicPr>
+        <p:blipFill rotWithShape="1">
+          <a:blip r:embed="rId2"/>
+          <a:srcRect t="11590" r="72563" b="36580"/>
+          <a:stretch/>
+        </p:blipFill>
+        <p:spPr>
+          <a:xfrm>
+            <a:off x="0" y="893379"/>
+            <a:ext cx="3478924" cy="2070538"/>
+          </a:xfrm>
+          <a:prstGeom prst="rect">
+            <a:avLst/>
+          </a:prstGeom>
+        </p:spPr>
+      </p:pic>
+      <p:pic>
+        <p:nvPicPr>
+          <p:cNvPr id="6" name="Immagine 5">
+            <a:extLst>
+              <a:ext uri="{FF2B5EF4-FFF2-40B4-BE49-F238E27FC236}">
+                <a16:creationId xmlns:a16="http://schemas.microsoft.com/office/drawing/2014/main" id="{49F23A19-10EC-0E45-B683-4A1D0B74AC6C}"/>
+              </a:ext>
+            </a:extLst>
+          </p:cNvPr>
+          <p:cNvPicPr>
+            <a:picLocks noChangeAspect="1"/>
+          </p:cNvPicPr>
+          <p:nvPr/>
+        </p:nvPicPr>
+        <p:blipFill rotWithShape="1">
+          <a:blip r:embed="rId2"/>
+          <a:srcRect l="32078"/>
+          <a:stretch/>
+        </p:blipFill>
+        <p:spPr>
+          <a:xfrm>
+            <a:off x="3620518" y="199694"/>
+            <a:ext cx="8791830" cy="4078016"/>
+          </a:xfrm>
+          <a:prstGeom prst="rect">
+            <a:avLst/>
+          </a:prstGeom>
+        </p:spPr>
+      </p:pic>
+    </p:spTree>
+    <p:extLst>
+      <p:ext uri="{BB962C8B-B14F-4D97-AF65-F5344CB8AC3E}">
+        <p14:creationId xmlns:p14="http://schemas.microsoft.com/office/powerpoint/2010/main" val="30725143"/>
+      </p:ext>
+    </p:extLst>
+  </p:cSld>
+  <p:clrMapOvr>
+    <a:masterClrMapping/>
+  </p:clrMapOvr>
+</p:sld>
+</file>
+
+<file path=ppt/slides/slide15.xml><?xml version="1.0" encoding="utf-8"?>
+<p:sld xmlns:a="http://schemas.openxmlformats.org/drawingml/2006/main" xmlns:r="http://schemas.openxmlformats.org/officeDocument/2006/relationships" xmlns:p="http://schemas.openxmlformats.org/presentationml/2006/main">
+  <p:cSld>
+    <p:spTree>
+      <p:nvGrpSpPr>
+        <p:cNvPr id="1" name=""/>
+        <p:cNvGrpSpPr/>
+        <p:nvPr/>
+      </p:nvGrpSpPr>
+      <p:grpSpPr>
+        <a:xfrm>
+          <a:off x="0" y="0"/>
+          <a:ext cx="0" cy="0"/>
+          <a:chOff x="0" y="0"/>
+          <a:chExt cx="0" cy="0"/>
+        </a:xfrm>
+      </p:grpSpPr>
+      <p:pic>
+        <p:nvPicPr>
+          <p:cNvPr id="3" name="Immagine 2" descr="Immagine che contiene tavolo&#10;&#10;Descrizione generata automaticamente">
+            <a:extLst>
+              <a:ext uri="{FF2B5EF4-FFF2-40B4-BE49-F238E27FC236}">
+                <a16:creationId xmlns:a16="http://schemas.microsoft.com/office/drawing/2014/main" id="{8DD5C76B-532B-E54C-8F69-429672F10EED}"/>
+              </a:ext>
+            </a:extLst>
+          </p:cNvPr>
+          <p:cNvPicPr>
+            <a:picLocks noChangeAspect="1"/>
+          </p:cNvPicPr>
+          <p:nvPr/>
+        </p:nvPicPr>
+        <p:blipFill rotWithShape="1">
+          <a:blip r:embed="rId2"/>
+          <a:srcRect l="66356" t="13378"/>
+          <a:stretch/>
+        </p:blipFill>
+        <p:spPr>
+          <a:xfrm>
+            <a:off x="7540669" y="141244"/>
+            <a:ext cx="4722312" cy="3099866"/>
+          </a:xfrm>
+          <a:prstGeom prst="rect">
+            <a:avLst/>
+          </a:prstGeom>
+        </p:spPr>
+      </p:pic>
+      <p:pic>
+        <p:nvPicPr>
+          <p:cNvPr id="6" name="Immagine 5" descr="Immagine che contiene tavolo&#10;&#10;Descrizione generata automaticamente">
+            <a:extLst>
+              <a:ext uri="{FF2B5EF4-FFF2-40B4-BE49-F238E27FC236}">
+                <a16:creationId xmlns:a16="http://schemas.microsoft.com/office/drawing/2014/main" id="{F9481077-B28B-244C-80E6-8EA725AF21DF}"/>
+              </a:ext>
+            </a:extLst>
+          </p:cNvPr>
+          <p:cNvPicPr>
+            <a:picLocks noChangeAspect="1"/>
+          </p:cNvPicPr>
+          <p:nvPr/>
+        </p:nvPicPr>
+        <p:blipFill rotWithShape="1">
+          <a:blip r:embed="rId2"/>
+          <a:srcRect r="37778"/>
+          <a:stretch/>
+        </p:blipFill>
+        <p:spPr>
+          <a:xfrm>
+            <a:off x="-200417" y="339159"/>
+            <a:ext cx="7540669" cy="3089841"/>
+          </a:xfrm>
+          <a:prstGeom prst="rect">
+            <a:avLst/>
+          </a:prstGeom>
+        </p:spPr>
+      </p:pic>
+    </p:spTree>
+    <p:extLst>
+      <p:ext uri="{BB962C8B-B14F-4D97-AF65-F5344CB8AC3E}">
+        <p14:creationId xmlns:p14="http://schemas.microsoft.com/office/powerpoint/2010/main" val="1334726211"/>
+      </p:ext>
+    </p:extLst>
+  </p:cSld>
+  <p:clrMapOvr>
+    <a:masterClrMapping/>
+  </p:clrMapOvr>
+</p:sld>
+</file>
+
+<file path=ppt/slides/slide16.xml><?xml version="1.0" encoding="utf-8"?>
+<p:sld xmlns:a="http://schemas.openxmlformats.org/drawingml/2006/main" xmlns:r="http://schemas.openxmlformats.org/officeDocument/2006/relationships" xmlns:p="http://schemas.openxmlformats.org/presentationml/2006/main">
+  <p:cSld>
+    <p:spTree>
+      <p:nvGrpSpPr>
+        <p:cNvPr id="1" name=""/>
+        <p:cNvGrpSpPr/>
+        <p:nvPr/>
+      </p:nvGrpSpPr>
+      <p:grpSpPr>
+        <a:xfrm>
+          <a:off x="0" y="0"/>
+          <a:ext cx="0" cy="0"/>
+          <a:chOff x="0" y="0"/>
+          <a:chExt cx="0" cy="0"/>
+        </a:xfrm>
+      </p:grpSpPr>
+      <p:graphicFrame>
+        <p:nvGraphicFramePr>
+          <p:cNvPr id="2" name="Tabella 4">
+            <a:extLst>
+              <a:ext uri="{FF2B5EF4-FFF2-40B4-BE49-F238E27FC236}">
+                <a16:creationId xmlns:a16="http://schemas.microsoft.com/office/drawing/2014/main" id="{467042A2-4219-FF4E-BCF2-08B570D94678}"/>
+              </a:ext>
+            </a:extLst>
+          </p:cNvPr>
+          <p:cNvGraphicFramePr>
+            <a:graphicFrameLocks noGrp="1"/>
+          </p:cNvGraphicFramePr>
+          <p:nvPr>
+            <p:extLst>
+              <p:ext uri="{D42A27DB-BD31-4B8C-83A1-F6EECF244321}">
+                <p14:modId xmlns:p14="http://schemas.microsoft.com/office/powerpoint/2010/main" val="435155947"/>
+              </p:ext>
+            </p:extLst>
+          </p:nvPr>
+        </p:nvGraphicFramePr>
+        <p:xfrm>
+          <a:off x="998483" y="704193"/>
+          <a:ext cx="7791012" cy="1979196"/>
+        </p:xfrm>
+        <a:graphic>
+          <a:graphicData uri="http://schemas.openxmlformats.org/drawingml/2006/table">
+            <a:tbl>
+              <a:tblPr firstRow="1" bandRow="1">
+                <a:tableStyleId>{8799B23B-EC83-4686-B30A-512413B5E67A}</a:tableStyleId>
+              </a:tblPr>
+              <a:tblGrid>
+                <a:gridCol w="1609500">
+                  <a:extLst>
+                    <a:ext uri="{9D8B030D-6E8A-4147-A177-3AD203B41FA5}">
+                      <a16:colId xmlns:a16="http://schemas.microsoft.com/office/drawing/2014/main" val="958130683"/>
+                    </a:ext>
+                  </a:extLst>
+                </a:gridCol>
+                <a:gridCol w="1609500">
+                  <a:extLst>
+                    <a:ext uri="{9D8B030D-6E8A-4147-A177-3AD203B41FA5}">
+                      <a16:colId xmlns:a16="http://schemas.microsoft.com/office/drawing/2014/main" val="343763678"/>
+                    </a:ext>
+                  </a:extLst>
+                </a:gridCol>
+                <a:gridCol w="1398904">
+                  <a:extLst>
+                    <a:ext uri="{9D8B030D-6E8A-4147-A177-3AD203B41FA5}">
+                      <a16:colId xmlns:a16="http://schemas.microsoft.com/office/drawing/2014/main" val="3982942333"/>
+                    </a:ext>
+                  </a:extLst>
+                </a:gridCol>
+                <a:gridCol w="1542745">
+                  <a:extLst>
+                    <a:ext uri="{9D8B030D-6E8A-4147-A177-3AD203B41FA5}">
+                      <a16:colId xmlns:a16="http://schemas.microsoft.com/office/drawing/2014/main" val="3241222019"/>
+                    </a:ext>
+                  </a:extLst>
+                </a:gridCol>
+                <a:gridCol w="1630363">
+                  <a:extLst>
+                    <a:ext uri="{9D8B030D-6E8A-4147-A177-3AD203B41FA5}">
+                      <a16:colId xmlns:a16="http://schemas.microsoft.com/office/drawing/2014/main" val="356016346"/>
+                    </a:ext>
+                  </a:extLst>
+                </a:gridCol>
+              </a:tblGrid>
+              <a:tr h="446372">
+                <a:tc>
+                  <a:txBody>
+                    <a:bodyPr/>
+                    <a:lstStyle/>
+                    <a:p>
+                      <a:pPr algn="ctr"/>
+                      <a:r>
+                        <a:rPr lang="it-IT" dirty="0"/>
+                        <a:t>Clustering </a:t>
+                      </a:r>
+                      <a:r>
+                        <a:rPr lang="it-IT" dirty="0" err="1"/>
+                        <a:t>Technique</a:t>
+                      </a:r>
+                      <a:r>
+                        <a:rPr lang="it-IT" dirty="0"/>
+                        <a:t> </a:t>
+                      </a:r>
+                    </a:p>
+                  </a:txBody>
+                  <a:tcPr/>
+                </a:tc>
+                <a:tc>
+                  <a:txBody>
+                    <a:bodyPr/>
+                    <a:lstStyle/>
+                    <a:p>
+                      <a:pPr algn="ctr"/>
+                      <a:r>
+                        <a:rPr lang="it-IT" dirty="0"/>
+                        <a:t>Clustering </a:t>
+                      </a:r>
+                      <a:r>
+                        <a:rPr lang="it-IT" dirty="0" err="1"/>
+                        <a:t>Quality</a:t>
+                      </a:r>
+                      <a:endParaRPr lang="it-IT" dirty="0"/>
+                    </a:p>
+                  </a:txBody>
+                  <a:tcPr/>
+                </a:tc>
+                <a:tc>
+                  <a:txBody>
+                    <a:bodyPr/>
+                    <a:lstStyle/>
+                    <a:p>
+                      <a:pPr algn="ctr"/>
+                      <a:r>
+                        <a:rPr lang="it-IT" dirty="0"/>
+                        <a:t>Silhouette</a:t>
+                      </a:r>
+                    </a:p>
+                    <a:p>
+                      <a:pPr algn="ctr"/>
+                      <a:r>
+                        <a:rPr lang="it-IT" dirty="0"/>
+                        <a:t>Value</a:t>
+                      </a:r>
+                    </a:p>
+                  </a:txBody>
+                  <a:tcPr/>
+                </a:tc>
+                <a:tc>
+                  <a:txBody>
+                    <a:bodyPr/>
+                    <a:lstStyle/>
+                    <a:p>
+                      <a:pPr algn="ctr"/>
+                      <a:r>
+                        <a:rPr lang="it-IT" dirty="0" err="1"/>
+                        <a:t>Number</a:t>
+                      </a:r>
+                      <a:r>
+                        <a:rPr lang="it-IT" dirty="0"/>
+                        <a:t> of cluster</a:t>
+                      </a:r>
+                    </a:p>
+                  </a:txBody>
+                  <a:tcPr/>
+                </a:tc>
+                <a:tc>
+                  <a:txBody>
+                    <a:bodyPr/>
+                    <a:lstStyle/>
+                    <a:p>
+                      <a:pPr algn="ctr"/>
+                      <a:r>
+                        <a:rPr lang="it-IT" dirty="0" err="1"/>
+                        <a:t>Distance</a:t>
+                      </a:r>
+                      <a:r>
+                        <a:rPr lang="it-IT" dirty="0"/>
+                        <a:t> </a:t>
+                      </a:r>
+                      <a:r>
+                        <a:rPr lang="it-IT" dirty="0" err="1"/>
+                        <a:t>metric</a:t>
+                      </a:r>
+                      <a:endParaRPr lang="it-IT" dirty="0"/>
+                    </a:p>
+                  </a:txBody>
+                  <a:tcPr/>
+                </a:tc>
+                <a:extLst>
+                  <a:ext uri="{0D108BD9-81ED-4DB2-BD59-A6C34878D82A}">
+                    <a16:rowId xmlns:a16="http://schemas.microsoft.com/office/drawing/2014/main" val="3211650326"/>
+                  </a:ext>
+                </a:extLst>
+              </a:tr>
+              <a:tr h="446372">
+                <a:tc>
+                  <a:txBody>
+                    <a:bodyPr/>
+                    <a:lstStyle/>
+                    <a:p>
+                      <a:pPr algn="ctr"/>
+                      <a:r>
+                        <a:rPr lang="it-IT" dirty="0"/>
+                        <a:t>K-</a:t>
+                      </a:r>
+                      <a:r>
+                        <a:rPr lang="it-IT" dirty="0" err="1"/>
+                        <a:t>Means</a:t>
+                      </a:r>
+                      <a:endParaRPr lang="it-IT" dirty="0"/>
+                    </a:p>
+                  </a:txBody>
+                  <a:tcPr/>
+                </a:tc>
+                <a:tc>
+                  <a:txBody>
+                    <a:bodyPr/>
+                    <a:lstStyle/>
+                    <a:p>
+                      <a:pPr algn="ctr"/>
+                      <a:r>
+                        <a:rPr lang="it-IT" dirty="0" err="1"/>
+                        <a:t>Excellent</a:t>
+                      </a:r>
+                      <a:endParaRPr lang="it-IT" dirty="0"/>
+                    </a:p>
+                  </a:txBody>
+                  <a:tcPr/>
+                </a:tc>
+                <a:tc>
+                  <a:txBody>
+                    <a:bodyPr/>
+                    <a:lstStyle/>
+                    <a:p>
+                      <a:pPr algn="ctr"/>
+                      <a:r>
+                        <a:rPr lang="it-IT" dirty="0"/>
+                        <a:t>0.6489</a:t>
+                      </a:r>
+                    </a:p>
+                  </a:txBody>
+                  <a:tcPr/>
+                </a:tc>
+                <a:tc>
+                  <a:txBody>
+                    <a:bodyPr/>
+                    <a:lstStyle/>
+                    <a:p>
+                      <a:pPr algn="ctr"/>
+                      <a:r>
+                        <a:rPr lang="it-IT" dirty="0"/>
+                        <a:t>6</a:t>
+                      </a:r>
+                    </a:p>
+                  </a:txBody>
+                  <a:tcPr/>
+                </a:tc>
+                <a:tc>
+                  <a:txBody>
+                    <a:bodyPr/>
+                    <a:lstStyle/>
+                    <a:p>
+                      <a:pPr algn="ctr"/>
+                      <a:r>
+                        <a:rPr lang="it-IT" dirty="0" err="1"/>
+                        <a:t>euclidean</a:t>
+                      </a:r>
+                      <a:endParaRPr lang="it-IT" dirty="0"/>
+                    </a:p>
+                  </a:txBody>
+                  <a:tcPr/>
+                </a:tc>
+                <a:extLst>
+                  <a:ext uri="{0D108BD9-81ED-4DB2-BD59-A6C34878D82A}">
+                    <a16:rowId xmlns:a16="http://schemas.microsoft.com/office/drawing/2014/main" val="3294786535"/>
+                  </a:ext>
+                </a:extLst>
+              </a:tr>
+              <a:tr h="446372">
+                <a:tc>
+                  <a:txBody>
+                    <a:bodyPr/>
+                    <a:lstStyle/>
+                    <a:p>
+                      <a:pPr algn="ctr"/>
+                      <a:r>
+                        <a:rPr lang="it-IT" dirty="0" err="1"/>
+                        <a:t>DBScan</a:t>
+                      </a:r>
+                      <a:endParaRPr lang="it-IT" dirty="0"/>
+                    </a:p>
+                  </a:txBody>
+                  <a:tcPr/>
+                </a:tc>
+                <a:tc>
+                  <a:txBody>
+                    <a:bodyPr/>
+                    <a:lstStyle/>
+                    <a:p>
+                      <a:pPr algn="ctr"/>
+                      <a:r>
+                        <a:rPr lang="it-IT" dirty="0" err="1"/>
+                        <a:t>Poor</a:t>
+                      </a:r>
+                      <a:endParaRPr lang="it-IT" dirty="0"/>
+                    </a:p>
+                  </a:txBody>
+                  <a:tcPr/>
+                </a:tc>
+                <a:tc>
+                  <a:txBody>
+                    <a:bodyPr/>
+                    <a:lstStyle/>
+                    <a:p>
+                      <a:pPr algn="ctr"/>
+                      <a:r>
+                        <a:rPr lang="it-IT" dirty="0"/>
+                        <a:t>0.5859</a:t>
+                      </a:r>
+                    </a:p>
+                  </a:txBody>
+                  <a:tcPr/>
+                </a:tc>
+                <a:tc>
+                  <a:txBody>
+                    <a:bodyPr/>
+                    <a:lstStyle/>
+                    <a:p>
+                      <a:pPr algn="ctr"/>
+                      <a:r>
+                        <a:rPr lang="it-IT" dirty="0"/>
+                        <a:t>1</a:t>
+                      </a:r>
+                    </a:p>
+                  </a:txBody>
+                  <a:tcPr/>
+                </a:tc>
+                <a:tc>
+                  <a:txBody>
+                    <a:bodyPr/>
+                    <a:lstStyle/>
+                    <a:p>
+                      <a:pPr algn="ctr"/>
+                      <a:r>
+                        <a:rPr lang="it-IT" dirty="0" err="1"/>
+                        <a:t>euclidean</a:t>
+                      </a:r>
+                      <a:endParaRPr lang="it-IT" dirty="0"/>
+                    </a:p>
+                  </a:txBody>
+                  <a:tcPr/>
+                </a:tc>
+                <a:extLst>
+                  <a:ext uri="{0D108BD9-81ED-4DB2-BD59-A6C34878D82A}">
+                    <a16:rowId xmlns:a16="http://schemas.microsoft.com/office/drawing/2014/main" val="3255642635"/>
+                  </a:ext>
+                </a:extLst>
+              </a:tr>
+              <a:tr h="446372">
+                <a:tc>
+                  <a:txBody>
+                    <a:bodyPr/>
+                    <a:lstStyle/>
+                    <a:p>
+                      <a:pPr algn="ctr"/>
+                      <a:r>
+                        <a:rPr lang="it-IT" dirty="0" err="1"/>
+                        <a:t>Hierarchical</a:t>
+                      </a:r>
+                      <a:endParaRPr lang="it-IT" dirty="0"/>
+                    </a:p>
+                  </a:txBody>
+                  <a:tcPr/>
+                </a:tc>
+                <a:tc>
+                  <a:txBody>
+                    <a:bodyPr/>
+                    <a:lstStyle/>
+                    <a:p>
+                      <a:pPr algn="ctr"/>
+                      <a:r>
+                        <a:rPr lang="it-IT" dirty="0" err="1"/>
+                        <a:t>Good</a:t>
+                      </a:r>
+                      <a:endParaRPr lang="it-IT" dirty="0"/>
+                    </a:p>
+                  </a:txBody>
+                  <a:tcPr/>
+                </a:tc>
+                <a:tc>
+                  <a:txBody>
+                    <a:bodyPr/>
+                    <a:lstStyle/>
+                    <a:p>
+                      <a:pPr algn="ctr"/>
+                      <a:r>
+                        <a:rPr lang="it-IT" dirty="0"/>
+                        <a:t>0.5094</a:t>
+                      </a:r>
+                    </a:p>
+                  </a:txBody>
+                  <a:tcPr/>
+                </a:tc>
+                <a:tc>
+                  <a:txBody>
+                    <a:bodyPr/>
+                    <a:lstStyle/>
+                    <a:p>
+                      <a:pPr algn="ctr"/>
+                      <a:r>
+                        <a:rPr lang="it-IT" dirty="0"/>
+                        <a:t>3</a:t>
+                      </a:r>
+                    </a:p>
+                  </a:txBody>
+                  <a:tcPr/>
+                </a:tc>
+                <a:tc>
+                  <a:txBody>
+                    <a:bodyPr/>
+                    <a:lstStyle/>
+                    <a:p>
+                      <a:pPr algn="ctr"/>
+                      <a:r>
+                        <a:rPr lang="it-IT" dirty="0" err="1"/>
+                        <a:t>euclidean</a:t>
+                      </a:r>
+                      <a:endParaRPr lang="it-IT" dirty="0"/>
+                    </a:p>
+                  </a:txBody>
+                  <a:tcPr/>
+                </a:tc>
+                <a:extLst>
+                  <a:ext uri="{0D108BD9-81ED-4DB2-BD59-A6C34878D82A}">
+                    <a16:rowId xmlns:a16="http://schemas.microsoft.com/office/drawing/2014/main" val="530914676"/>
+                  </a:ext>
+                </a:extLst>
+              </a:tr>
+            </a:tbl>
+          </a:graphicData>
+        </a:graphic>
+      </p:graphicFrame>
+    </p:spTree>
+    <p:extLst>
+      <p:ext uri="{BB962C8B-B14F-4D97-AF65-F5344CB8AC3E}">
+        <p14:creationId xmlns:p14="http://schemas.microsoft.com/office/powerpoint/2010/main" val="1121773155"/>
       </p:ext>
     </p:extLst>
   </p:cSld>
@@ -13865,10 +15877,186 @@
       </p:grpSpPr>
       <p:pic>
         <p:nvPicPr>
+          <p:cNvPr id="4" name="Immagine 3">
+            <a:extLst>
+              <a:ext uri="{FF2B5EF4-FFF2-40B4-BE49-F238E27FC236}">
+                <a16:creationId xmlns:a16="http://schemas.microsoft.com/office/drawing/2014/main" id="{6F18BB7E-2233-1945-8E4B-383FA0072C5C}"/>
+              </a:ext>
+            </a:extLst>
+          </p:cNvPr>
+          <p:cNvPicPr>
+            <a:picLocks noChangeAspect="1"/>
+          </p:cNvPicPr>
+          <p:nvPr/>
+        </p:nvPicPr>
+        <p:blipFill rotWithShape="1">
+          <a:blip r:embed="rId2"/>
+          <a:srcRect r="85510" b="9622"/>
+          <a:stretch/>
+        </p:blipFill>
+        <p:spPr>
+          <a:xfrm>
+            <a:off x="0" y="0"/>
+            <a:ext cx="1866378" cy="3089841"/>
+          </a:xfrm>
+          <a:prstGeom prst="rect">
+            <a:avLst/>
+          </a:prstGeom>
+        </p:spPr>
+      </p:pic>
+      <p:pic>
+        <p:nvPicPr>
+          <p:cNvPr id="5" name="Immagine 4">
+            <a:extLst>
+              <a:ext uri="{FF2B5EF4-FFF2-40B4-BE49-F238E27FC236}">
+                <a16:creationId xmlns:a16="http://schemas.microsoft.com/office/drawing/2014/main" id="{97D841E2-D9D7-6F45-9F4E-53735F4717A5}"/>
+              </a:ext>
+            </a:extLst>
+          </p:cNvPr>
+          <p:cNvPicPr>
+            <a:picLocks noChangeAspect="1"/>
+          </p:cNvPicPr>
+          <p:nvPr/>
+        </p:nvPicPr>
+        <p:blipFill rotWithShape="1">
+          <a:blip r:embed="rId2"/>
+          <a:srcRect l="19434" b="377"/>
+          <a:stretch/>
+        </p:blipFill>
+        <p:spPr>
+          <a:xfrm>
+            <a:off x="1605922" y="438440"/>
+            <a:ext cx="9386170" cy="3080854"/>
+          </a:xfrm>
+          <a:prstGeom prst="rect">
+            <a:avLst/>
+          </a:prstGeom>
+        </p:spPr>
+      </p:pic>
+    </p:spTree>
+    <p:extLst>
+      <p:ext uri="{BB962C8B-B14F-4D97-AF65-F5344CB8AC3E}">
+        <p14:creationId xmlns:p14="http://schemas.microsoft.com/office/powerpoint/2010/main" val="4284197351"/>
+      </p:ext>
+    </p:extLst>
+  </p:cSld>
+  <p:clrMapOvr>
+    <a:masterClrMapping/>
+  </p:clrMapOvr>
+</p:sld>
+</file>
+
+<file path=ppt/slides/slide8.xml><?xml version="1.0" encoding="utf-8"?>
+<p:sld xmlns:a="http://schemas.openxmlformats.org/drawingml/2006/main" xmlns:r="http://schemas.openxmlformats.org/officeDocument/2006/relationships" xmlns:p="http://schemas.openxmlformats.org/presentationml/2006/main">
+  <p:cSld>
+    <p:spTree>
+      <p:nvGrpSpPr>
+        <p:cNvPr id="1" name=""/>
+        <p:cNvGrpSpPr/>
+        <p:nvPr/>
+      </p:nvGrpSpPr>
+      <p:grpSpPr>
+        <a:xfrm>
+          <a:off x="0" y="0"/>
+          <a:ext cx="0" cy="0"/>
+          <a:chOff x="0" y="0"/>
+          <a:chExt cx="0" cy="0"/>
+        </a:xfrm>
+      </p:grpSpPr>
+      <p:pic>
+        <p:nvPicPr>
           <p:cNvPr id="3" name="Immagine 2">
             <a:extLst>
               <a:ext uri="{FF2B5EF4-FFF2-40B4-BE49-F238E27FC236}">
-                <a16:creationId xmlns:a16="http://schemas.microsoft.com/office/drawing/2014/main" id="{EACCB206-CEDB-614D-BF9C-1191EBDB08FB}"/>
+                <a16:creationId xmlns:a16="http://schemas.microsoft.com/office/drawing/2014/main" id="{97265A5B-4603-3E4B-A707-4C4BE2424FC6}"/>
+              </a:ext>
+            </a:extLst>
+          </p:cNvPr>
+          <p:cNvPicPr>
+            <a:picLocks noChangeAspect="1"/>
+          </p:cNvPicPr>
+          <p:nvPr/>
+        </p:nvPicPr>
+        <p:blipFill rotWithShape="1">
+          <a:blip r:embed="rId2"/>
+          <a:srcRect l="29601" t="10977" b="7471"/>
+          <a:stretch/>
+        </p:blipFill>
+        <p:spPr>
+          <a:xfrm>
+            <a:off x="3025492" y="286212"/>
+            <a:ext cx="9166508" cy="2698732"/>
+          </a:xfrm>
+          <a:prstGeom prst="rect">
+            <a:avLst/>
+          </a:prstGeom>
+        </p:spPr>
+      </p:pic>
+      <p:pic>
+        <p:nvPicPr>
+          <p:cNvPr id="6" name="Immagine 5">
+            <a:extLst>
+              <a:ext uri="{FF2B5EF4-FFF2-40B4-BE49-F238E27FC236}">
+                <a16:creationId xmlns:a16="http://schemas.microsoft.com/office/drawing/2014/main" id="{FEA5F4FB-E5D8-254B-A1B3-8A02FB988C56}"/>
+              </a:ext>
+            </a:extLst>
+          </p:cNvPr>
+          <p:cNvPicPr>
+            <a:picLocks noChangeAspect="1"/>
+          </p:cNvPicPr>
+          <p:nvPr/>
+        </p:nvPicPr>
+        <p:blipFill rotWithShape="1">
+          <a:blip r:embed="rId2"/>
+          <a:srcRect r="76540"/>
+          <a:stretch/>
+        </p:blipFill>
+        <p:spPr>
+          <a:xfrm>
+            <a:off x="17073" y="0"/>
+            <a:ext cx="2852251" cy="3089841"/>
+          </a:xfrm>
+          <a:prstGeom prst="rect">
+            <a:avLst/>
+          </a:prstGeom>
+        </p:spPr>
+      </p:pic>
+    </p:spTree>
+    <p:extLst>
+      <p:ext uri="{BB962C8B-B14F-4D97-AF65-F5344CB8AC3E}">
+        <p14:creationId xmlns:p14="http://schemas.microsoft.com/office/powerpoint/2010/main" val="2519367403"/>
+      </p:ext>
+    </p:extLst>
+  </p:cSld>
+  <p:clrMapOvr>
+    <a:masterClrMapping/>
+  </p:clrMapOvr>
+</p:sld>
+</file>
+
+<file path=ppt/slides/slide9.xml><?xml version="1.0" encoding="utf-8"?>
+<p:sld xmlns:a="http://schemas.openxmlformats.org/drawingml/2006/main" xmlns:r="http://schemas.openxmlformats.org/officeDocument/2006/relationships" xmlns:p="http://schemas.openxmlformats.org/presentationml/2006/main">
+  <p:cSld>
+    <p:spTree>
+      <p:nvGrpSpPr>
+        <p:cNvPr id="1" name=""/>
+        <p:cNvGrpSpPr/>
+        <p:nvPr/>
+      </p:nvGrpSpPr>
+      <p:grpSpPr>
+        <a:xfrm>
+          <a:off x="0" y="0"/>
+          <a:ext cx="0" cy="0"/>
+          <a:chOff x="0" y="0"/>
+          <a:chExt cx="0" cy="0"/>
+        </a:xfrm>
+      </p:grpSpPr>
+      <p:pic>
+        <p:nvPicPr>
+          <p:cNvPr id="3" name="Immagine 2">
+            <a:extLst>
+              <a:ext uri="{FF2B5EF4-FFF2-40B4-BE49-F238E27FC236}">
+                <a16:creationId xmlns:a16="http://schemas.microsoft.com/office/drawing/2014/main" id="{DD0C2EAD-D689-8D46-B7EC-B6FFE6967DC9}"/>
               </a:ext>
             </a:extLst>
           </p:cNvPr>
@@ -13885,18 +16073,1797 @@
         </p:blipFill>
         <p:spPr>
           <a:xfrm>
-            <a:off x="1263650" y="2146300"/>
-            <a:ext cx="9664700" cy="2565400"/>
+            <a:off x="3472299" y="1978868"/>
+            <a:ext cx="10977217" cy="2579262"/>
           </a:xfrm>
           <a:prstGeom prst="rect">
             <a:avLst/>
           </a:prstGeom>
         </p:spPr>
       </p:pic>
+      <mc:AlternateContent xmlns:mc="http://schemas.openxmlformats.org/markup-compatibility/2006" xmlns:p14="http://schemas.microsoft.com/office/powerpoint/2010/main">
+        <mc:Choice Requires="p14">
+          <p:contentPart p14:bwMode="auto" r:id="rId3">
+            <p14:nvContentPartPr>
+              <p14:cNvPr id="6" name="Input penna 5">
+                <a:extLst>
+                  <a:ext uri="{FF2B5EF4-FFF2-40B4-BE49-F238E27FC236}">
+                    <a16:creationId xmlns:a16="http://schemas.microsoft.com/office/drawing/2014/main" id="{13FE5ED3-14CE-A34D-A791-59526C0FE830}"/>
+                  </a:ext>
+                </a:extLst>
+              </p14:cNvPr>
+              <p14:cNvContentPartPr/>
+              <p14:nvPr/>
+            </p14:nvContentPartPr>
+            <p14:xfrm>
+              <a:off x="3517659" y="4258692"/>
+              <a:ext cx="150120" cy="247320"/>
+            </p14:xfrm>
+          </p:contentPart>
+        </mc:Choice>
+        <mc:Fallback xmlns="">
+          <p:pic>
+            <p:nvPicPr>
+              <p:cNvPr id="6" name="Input penna 5">
+                <a:extLst>
+                  <a:ext uri="{FF2B5EF4-FFF2-40B4-BE49-F238E27FC236}">
+                    <a16:creationId xmlns:a16="http://schemas.microsoft.com/office/drawing/2014/main" id="{13FE5ED3-14CE-A34D-A791-59526C0FE830}"/>
+                  </a:ext>
+                </a:extLst>
+              </p:cNvPr>
+              <p:cNvPicPr/>
+              <p:nvPr/>
+            </p:nvPicPr>
+            <p:blipFill>
+              <a:blip r:embed="rId4"/>
+              <a:stretch>
+                <a:fillRect/>
+              </a:stretch>
+            </p:blipFill>
+            <p:spPr>
+              <a:xfrm>
+                <a:off x="3455019" y="4196052"/>
+                <a:ext cx="275760" cy="372960"/>
+              </a:xfrm>
+              <a:prstGeom prst="rect">
+                <a:avLst/>
+              </a:prstGeom>
+            </p:spPr>
+          </p:pic>
+        </mc:Fallback>
+      </mc:AlternateContent>
+      <mc:AlternateContent xmlns:mc="http://schemas.openxmlformats.org/markup-compatibility/2006" xmlns:p14="http://schemas.microsoft.com/office/powerpoint/2010/main">
+        <mc:Choice Requires="p14">
+          <p:contentPart p14:bwMode="auto" r:id="rId5">
+            <p14:nvContentPartPr>
+              <p14:cNvPr id="7" name="Input penna 6">
+                <a:extLst>
+                  <a:ext uri="{FF2B5EF4-FFF2-40B4-BE49-F238E27FC236}">
+                    <a16:creationId xmlns:a16="http://schemas.microsoft.com/office/drawing/2014/main" id="{C7D75B4C-52B2-D345-8FDC-09ED62F986D1}"/>
+                  </a:ext>
+                </a:extLst>
+              </p14:cNvPr>
+              <p14:cNvContentPartPr/>
+              <p14:nvPr/>
+            </p14:nvContentPartPr>
+            <p14:xfrm>
+              <a:off x="7244019" y="4410612"/>
+              <a:ext cx="314640" cy="45720"/>
+            </p14:xfrm>
+          </p:contentPart>
+        </mc:Choice>
+        <mc:Fallback xmlns="">
+          <p:pic>
+            <p:nvPicPr>
+              <p:cNvPr id="7" name="Input penna 6">
+                <a:extLst>
+                  <a:ext uri="{FF2B5EF4-FFF2-40B4-BE49-F238E27FC236}">
+                    <a16:creationId xmlns:a16="http://schemas.microsoft.com/office/drawing/2014/main" id="{C7D75B4C-52B2-D345-8FDC-09ED62F986D1}"/>
+                  </a:ext>
+                </a:extLst>
+              </p:cNvPr>
+              <p:cNvPicPr/>
+              <p:nvPr/>
+            </p:nvPicPr>
+            <p:blipFill>
+              <a:blip r:embed="rId6"/>
+              <a:stretch>
+                <a:fillRect/>
+              </a:stretch>
+            </p:blipFill>
+            <p:spPr>
+              <a:xfrm>
+                <a:off x="7181379" y="4347972"/>
+                <a:ext cx="440280" cy="171360"/>
+              </a:xfrm>
+              <a:prstGeom prst="rect">
+                <a:avLst/>
+              </a:prstGeom>
+            </p:spPr>
+          </p:pic>
+        </mc:Fallback>
+      </mc:AlternateContent>
+      <mc:AlternateContent xmlns:mc="http://schemas.openxmlformats.org/markup-compatibility/2006" xmlns:p14="http://schemas.microsoft.com/office/powerpoint/2010/main">
+        <mc:Choice Requires="p14">
+          <p:contentPart p14:bwMode="auto" r:id="rId7">
+            <p14:nvContentPartPr>
+              <p14:cNvPr id="8" name="Input penna 7">
+                <a:extLst>
+                  <a:ext uri="{FF2B5EF4-FFF2-40B4-BE49-F238E27FC236}">
+                    <a16:creationId xmlns:a16="http://schemas.microsoft.com/office/drawing/2014/main" id="{86AB8C3B-4003-C844-B65F-10D3758989BB}"/>
+                  </a:ext>
+                </a:extLst>
+              </p14:cNvPr>
+              <p14:cNvContentPartPr/>
+              <p14:nvPr/>
+            </p14:nvContentPartPr>
+            <p14:xfrm>
+              <a:off x="7688619" y="4461012"/>
+              <a:ext cx="360" cy="360"/>
+            </p14:xfrm>
+          </p:contentPart>
+        </mc:Choice>
+        <mc:Fallback xmlns="">
+          <p:pic>
+            <p:nvPicPr>
+              <p:cNvPr id="8" name="Input penna 7">
+                <a:extLst>
+                  <a:ext uri="{FF2B5EF4-FFF2-40B4-BE49-F238E27FC236}">
+                    <a16:creationId xmlns:a16="http://schemas.microsoft.com/office/drawing/2014/main" id="{86AB8C3B-4003-C844-B65F-10D3758989BB}"/>
+                  </a:ext>
+                </a:extLst>
+              </p:cNvPr>
+              <p:cNvPicPr/>
+              <p:nvPr/>
+            </p:nvPicPr>
+            <p:blipFill>
+              <a:blip r:embed="rId8"/>
+              <a:stretch>
+                <a:fillRect/>
+              </a:stretch>
+            </p:blipFill>
+            <p:spPr>
+              <a:xfrm>
+                <a:off x="7625619" y="4398012"/>
+                <a:ext cx="126000" cy="126000"/>
+              </a:xfrm>
+              <a:prstGeom prst="rect">
+                <a:avLst/>
+              </a:prstGeom>
+            </p:spPr>
+          </p:pic>
+        </mc:Fallback>
+      </mc:AlternateContent>
+      <p:grpSp>
+        <p:nvGrpSpPr>
+          <p:cNvPr id="11" name="Gruppo 10">
+            <a:extLst>
+              <a:ext uri="{FF2B5EF4-FFF2-40B4-BE49-F238E27FC236}">
+                <a16:creationId xmlns:a16="http://schemas.microsoft.com/office/drawing/2014/main" id="{DCF8F4E7-309A-8D42-A203-10C453ECC628}"/>
+              </a:ext>
+            </a:extLst>
+          </p:cNvPr>
+          <p:cNvGrpSpPr/>
+          <p:nvPr/>
+        </p:nvGrpSpPr>
+        <p:grpSpPr>
+          <a:xfrm>
+            <a:off x="7850619" y="4427532"/>
+            <a:ext cx="41400" cy="3240"/>
+            <a:chOff x="7850619" y="4427532"/>
+            <a:chExt cx="41400" cy="3240"/>
+          </a:xfrm>
+        </p:grpSpPr>
+        <mc:AlternateContent xmlns:mc="http://schemas.openxmlformats.org/markup-compatibility/2006" xmlns:p14="http://schemas.microsoft.com/office/powerpoint/2010/main">
+          <mc:Choice Requires="p14">
+            <p:contentPart p14:bwMode="auto" r:id="rId9">
+              <p14:nvContentPartPr>
+                <p14:cNvPr id="9" name="Input penna 8">
+                  <a:extLst>
+                    <a:ext uri="{FF2B5EF4-FFF2-40B4-BE49-F238E27FC236}">
+                      <a16:creationId xmlns:a16="http://schemas.microsoft.com/office/drawing/2014/main" id="{EFD9CECB-5C05-3348-ADDC-4FDA92846A6E}"/>
+                    </a:ext>
+                  </a:extLst>
+                </p14:cNvPr>
+                <p14:cNvContentPartPr/>
+                <p14:nvPr/>
+              </p14:nvContentPartPr>
+              <p14:xfrm>
+                <a:off x="7891659" y="4430412"/>
+                <a:ext cx="360" cy="360"/>
+              </p14:xfrm>
+            </p:contentPart>
+          </mc:Choice>
+          <mc:Fallback xmlns="">
+            <p:pic>
+              <p:nvPicPr>
+                <p:cNvPr id="9" name="Input penna 8">
+                  <a:extLst>
+                    <a:ext uri="{FF2B5EF4-FFF2-40B4-BE49-F238E27FC236}">
+                      <a16:creationId xmlns:a16="http://schemas.microsoft.com/office/drawing/2014/main" id="{EFD9CECB-5C05-3348-ADDC-4FDA92846A6E}"/>
+                    </a:ext>
+                  </a:extLst>
+                </p:cNvPr>
+                <p:cNvPicPr/>
+                <p:nvPr/>
+              </p:nvPicPr>
+              <p:blipFill>
+                <a:blip r:embed="rId8"/>
+                <a:stretch>
+                  <a:fillRect/>
+                </a:stretch>
+              </p:blipFill>
+              <p:spPr>
+                <a:xfrm>
+                  <a:off x="7828659" y="4367772"/>
+                  <a:ext cx="126000" cy="126000"/>
+                </a:xfrm>
+                <a:prstGeom prst="rect">
+                  <a:avLst/>
+                </a:prstGeom>
+              </p:spPr>
+            </p:pic>
+          </mc:Fallback>
+        </mc:AlternateContent>
+        <mc:AlternateContent xmlns:mc="http://schemas.openxmlformats.org/markup-compatibility/2006" xmlns:p14="http://schemas.microsoft.com/office/powerpoint/2010/main">
+          <mc:Choice Requires="p14">
+            <p:contentPart p14:bwMode="auto" r:id="rId10">
+              <p14:nvContentPartPr>
+                <p14:cNvPr id="10" name="Input penna 9">
+                  <a:extLst>
+                    <a:ext uri="{FF2B5EF4-FFF2-40B4-BE49-F238E27FC236}">
+                      <a16:creationId xmlns:a16="http://schemas.microsoft.com/office/drawing/2014/main" id="{C7FBE63D-CC84-324C-8CBE-EE47524B6787}"/>
+                    </a:ext>
+                  </a:extLst>
+                </p14:cNvPr>
+                <p14:cNvContentPartPr/>
+                <p14:nvPr/>
+              </p14:nvContentPartPr>
+              <p14:xfrm>
+                <a:off x="7850619" y="4427532"/>
+                <a:ext cx="360" cy="360"/>
+              </p14:xfrm>
+            </p:contentPart>
+          </mc:Choice>
+          <mc:Fallback xmlns="">
+            <p:pic>
+              <p:nvPicPr>
+                <p:cNvPr id="10" name="Input penna 9">
+                  <a:extLst>
+                    <a:ext uri="{FF2B5EF4-FFF2-40B4-BE49-F238E27FC236}">
+                      <a16:creationId xmlns:a16="http://schemas.microsoft.com/office/drawing/2014/main" id="{C7FBE63D-CC84-324C-8CBE-EE47524B6787}"/>
+                    </a:ext>
+                  </a:extLst>
+                </p:cNvPr>
+                <p:cNvPicPr/>
+                <p:nvPr/>
+              </p:nvPicPr>
+              <p:blipFill>
+                <a:blip r:embed="rId8"/>
+                <a:stretch>
+                  <a:fillRect/>
+                </a:stretch>
+              </p:blipFill>
+              <p:spPr>
+                <a:xfrm>
+                  <a:off x="7787619" y="4364532"/>
+                  <a:ext cx="126000" cy="126000"/>
+                </a:xfrm>
+                <a:prstGeom prst="rect">
+                  <a:avLst/>
+                </a:prstGeom>
+              </p:spPr>
+            </p:pic>
+          </mc:Fallback>
+        </mc:AlternateContent>
+      </p:grpSp>
+      <p:grpSp>
+        <p:nvGrpSpPr>
+          <p:cNvPr id="14" name="Gruppo 13">
+            <a:extLst>
+              <a:ext uri="{FF2B5EF4-FFF2-40B4-BE49-F238E27FC236}">
+                <a16:creationId xmlns:a16="http://schemas.microsoft.com/office/drawing/2014/main" id="{7CC063CB-6A1F-FE48-93C5-AA78731C67E7}"/>
+              </a:ext>
+            </a:extLst>
+          </p:cNvPr>
+          <p:cNvGrpSpPr/>
+          <p:nvPr/>
+        </p:nvGrpSpPr>
+        <p:grpSpPr>
+          <a:xfrm>
+            <a:off x="8452179" y="4427532"/>
+            <a:ext cx="231120" cy="126720"/>
+            <a:chOff x="8452179" y="4427532"/>
+            <a:chExt cx="231120" cy="126720"/>
+          </a:xfrm>
+        </p:grpSpPr>
+        <mc:AlternateContent xmlns:mc="http://schemas.openxmlformats.org/markup-compatibility/2006" xmlns:p14="http://schemas.microsoft.com/office/powerpoint/2010/main">
+          <mc:Choice Requires="p14">
+            <p:contentPart p14:bwMode="auto" r:id="rId11">
+              <p14:nvContentPartPr>
+                <p14:cNvPr id="12" name="Input penna 11">
+                  <a:extLst>
+                    <a:ext uri="{FF2B5EF4-FFF2-40B4-BE49-F238E27FC236}">
+                      <a16:creationId xmlns:a16="http://schemas.microsoft.com/office/drawing/2014/main" id="{298DB9F0-CDEB-A742-868C-9284F7787053}"/>
+                    </a:ext>
+                  </a:extLst>
+                </p14:cNvPr>
+                <p14:cNvContentPartPr/>
+                <p14:nvPr/>
+              </p14:nvContentPartPr>
+              <p14:xfrm>
+                <a:off x="8640819" y="4427532"/>
+                <a:ext cx="42480" cy="126720"/>
+              </p14:xfrm>
+            </p:contentPart>
+          </mc:Choice>
+          <mc:Fallback xmlns="">
+            <p:pic>
+              <p:nvPicPr>
+                <p:cNvPr id="12" name="Input penna 11">
+                  <a:extLst>
+                    <a:ext uri="{FF2B5EF4-FFF2-40B4-BE49-F238E27FC236}">
+                      <a16:creationId xmlns:a16="http://schemas.microsoft.com/office/drawing/2014/main" id="{298DB9F0-CDEB-A742-868C-9284F7787053}"/>
+                    </a:ext>
+                  </a:extLst>
+                </p:cNvPr>
+                <p:cNvPicPr/>
+                <p:nvPr/>
+              </p:nvPicPr>
+              <p:blipFill>
+                <a:blip r:embed="rId12"/>
+                <a:stretch>
+                  <a:fillRect/>
+                </a:stretch>
+              </p:blipFill>
+              <p:spPr>
+                <a:xfrm>
+                  <a:off x="8578179" y="4364892"/>
+                  <a:ext cx="168120" cy="252360"/>
+                </a:xfrm>
+                <a:prstGeom prst="rect">
+                  <a:avLst/>
+                </a:prstGeom>
+              </p:spPr>
+            </p:pic>
+          </mc:Fallback>
+        </mc:AlternateContent>
+        <mc:AlternateContent xmlns:mc="http://schemas.openxmlformats.org/markup-compatibility/2006" xmlns:p14="http://schemas.microsoft.com/office/powerpoint/2010/main">
+          <mc:Choice Requires="p14">
+            <p:contentPart p14:bwMode="auto" r:id="rId13">
+              <p14:nvContentPartPr>
+                <p14:cNvPr id="13" name="Input penna 12">
+                  <a:extLst>
+                    <a:ext uri="{FF2B5EF4-FFF2-40B4-BE49-F238E27FC236}">
+                      <a16:creationId xmlns:a16="http://schemas.microsoft.com/office/drawing/2014/main" id="{FE2939E9-93D7-8145-8D23-36668BC4FED6}"/>
+                    </a:ext>
+                  </a:extLst>
+                </p14:cNvPr>
+                <p14:cNvContentPartPr/>
+                <p14:nvPr/>
+              </p14:nvContentPartPr>
+              <p14:xfrm>
+                <a:off x="8452179" y="4466772"/>
+                <a:ext cx="360" cy="360"/>
+              </p14:xfrm>
+            </p:contentPart>
+          </mc:Choice>
+          <mc:Fallback xmlns="">
+            <p:pic>
+              <p:nvPicPr>
+                <p:cNvPr id="13" name="Input penna 12">
+                  <a:extLst>
+                    <a:ext uri="{FF2B5EF4-FFF2-40B4-BE49-F238E27FC236}">
+                      <a16:creationId xmlns:a16="http://schemas.microsoft.com/office/drawing/2014/main" id="{FE2939E9-93D7-8145-8D23-36668BC4FED6}"/>
+                    </a:ext>
+                  </a:extLst>
+                </p:cNvPr>
+                <p:cNvPicPr/>
+                <p:nvPr/>
+              </p:nvPicPr>
+              <p:blipFill>
+                <a:blip r:embed="rId8"/>
+                <a:stretch>
+                  <a:fillRect/>
+                </a:stretch>
+              </p:blipFill>
+              <p:spPr>
+                <a:xfrm>
+                  <a:off x="8389179" y="4403772"/>
+                  <a:ext cx="126000" cy="126000"/>
+                </a:xfrm>
+                <a:prstGeom prst="rect">
+                  <a:avLst/>
+                </a:prstGeom>
+              </p:spPr>
+            </p:pic>
+          </mc:Fallback>
+        </mc:AlternateContent>
+      </p:grpSp>
+      <mc:AlternateContent xmlns:mc="http://schemas.openxmlformats.org/markup-compatibility/2006" xmlns:p14="http://schemas.microsoft.com/office/powerpoint/2010/main">
+        <mc:Choice Requires="p14">
+          <p:contentPart p14:bwMode="auto" r:id="rId14">
+            <p14:nvContentPartPr>
+              <p14:cNvPr id="15" name="Input penna 14">
+                <a:extLst>
+                  <a:ext uri="{FF2B5EF4-FFF2-40B4-BE49-F238E27FC236}">
+                    <a16:creationId xmlns:a16="http://schemas.microsoft.com/office/drawing/2014/main" id="{186A9270-187E-5846-97E0-50113DDFEA86}"/>
+                  </a:ext>
+                </a:extLst>
+              </p14:cNvPr>
+              <p14:cNvContentPartPr/>
+              <p14:nvPr/>
+            </p14:nvContentPartPr>
+            <p14:xfrm>
+              <a:off x="9291339" y="4435092"/>
+              <a:ext cx="360" cy="360"/>
+            </p14:xfrm>
+          </p:contentPart>
+        </mc:Choice>
+        <mc:Fallback xmlns="">
+          <p:pic>
+            <p:nvPicPr>
+              <p:cNvPr id="15" name="Input penna 14">
+                <a:extLst>
+                  <a:ext uri="{FF2B5EF4-FFF2-40B4-BE49-F238E27FC236}">
+                    <a16:creationId xmlns:a16="http://schemas.microsoft.com/office/drawing/2014/main" id="{186A9270-187E-5846-97E0-50113DDFEA86}"/>
+                  </a:ext>
+                </a:extLst>
+              </p:cNvPr>
+              <p:cNvPicPr/>
+              <p:nvPr/>
+            </p:nvPicPr>
+            <p:blipFill>
+              <a:blip r:embed="rId8"/>
+              <a:stretch>
+                <a:fillRect/>
+              </a:stretch>
+            </p:blipFill>
+            <p:spPr>
+              <a:xfrm>
+                <a:off x="9228339" y="4372092"/>
+                <a:ext cx="126000" cy="126000"/>
+              </a:xfrm>
+              <a:prstGeom prst="rect">
+                <a:avLst/>
+              </a:prstGeom>
+            </p:spPr>
+          </p:pic>
+        </mc:Fallback>
+      </mc:AlternateContent>
+      <mc:AlternateContent xmlns:mc="http://schemas.openxmlformats.org/markup-compatibility/2006" xmlns:p14="http://schemas.microsoft.com/office/powerpoint/2010/main">
+        <mc:Choice Requires="p14">
+          <p:contentPart p14:bwMode="auto" r:id="rId15">
+            <p14:nvContentPartPr>
+              <p14:cNvPr id="16" name="Input penna 15">
+                <a:extLst>
+                  <a:ext uri="{FF2B5EF4-FFF2-40B4-BE49-F238E27FC236}">
+                    <a16:creationId xmlns:a16="http://schemas.microsoft.com/office/drawing/2014/main" id="{ADA9B42C-D44A-9C4F-A463-A21EBAEA598A}"/>
+                  </a:ext>
+                </a:extLst>
+              </p14:cNvPr>
+              <p14:cNvContentPartPr/>
+              <p14:nvPr/>
+            </p14:nvContentPartPr>
+            <p14:xfrm>
+              <a:off x="9614619" y="4459212"/>
+              <a:ext cx="360" cy="360"/>
+            </p14:xfrm>
+          </p:contentPart>
+        </mc:Choice>
+        <mc:Fallback xmlns="">
+          <p:pic>
+            <p:nvPicPr>
+              <p:cNvPr id="16" name="Input penna 15">
+                <a:extLst>
+                  <a:ext uri="{FF2B5EF4-FFF2-40B4-BE49-F238E27FC236}">
+                    <a16:creationId xmlns:a16="http://schemas.microsoft.com/office/drawing/2014/main" id="{ADA9B42C-D44A-9C4F-A463-A21EBAEA598A}"/>
+                  </a:ext>
+                </a:extLst>
+              </p:cNvPr>
+              <p:cNvPicPr/>
+              <p:nvPr/>
+            </p:nvPicPr>
+            <p:blipFill>
+              <a:blip r:embed="rId8"/>
+              <a:stretch>
+                <a:fillRect/>
+              </a:stretch>
+            </p:blipFill>
+            <p:spPr>
+              <a:xfrm>
+                <a:off x="9551619" y="4396212"/>
+                <a:ext cx="126000" cy="126000"/>
+              </a:xfrm>
+              <a:prstGeom prst="rect">
+                <a:avLst/>
+              </a:prstGeom>
+            </p:spPr>
+          </p:pic>
+        </mc:Fallback>
+      </mc:AlternateContent>
+      <mc:AlternateContent xmlns:mc="http://schemas.openxmlformats.org/markup-compatibility/2006" xmlns:p14="http://schemas.microsoft.com/office/powerpoint/2010/main">
+        <mc:Choice Requires="p14">
+          <p:contentPart p14:bwMode="auto" r:id="rId16">
+            <p14:nvContentPartPr>
+              <p14:cNvPr id="17" name="Input penna 16">
+                <a:extLst>
+                  <a:ext uri="{FF2B5EF4-FFF2-40B4-BE49-F238E27FC236}">
+                    <a16:creationId xmlns:a16="http://schemas.microsoft.com/office/drawing/2014/main" id="{9AC0AAB0-3FDC-184D-8CE7-153B5C5F684C}"/>
+                  </a:ext>
+                </a:extLst>
+              </p14:cNvPr>
+              <p14:cNvContentPartPr/>
+              <p14:nvPr/>
+            </p14:nvContentPartPr>
+            <p14:xfrm>
+              <a:off x="9814779" y="4454532"/>
+              <a:ext cx="158760" cy="97560"/>
+            </p14:xfrm>
+          </p:contentPart>
+        </mc:Choice>
+        <mc:Fallback xmlns="">
+          <p:pic>
+            <p:nvPicPr>
+              <p:cNvPr id="17" name="Input penna 16">
+                <a:extLst>
+                  <a:ext uri="{FF2B5EF4-FFF2-40B4-BE49-F238E27FC236}">
+                    <a16:creationId xmlns:a16="http://schemas.microsoft.com/office/drawing/2014/main" id="{9AC0AAB0-3FDC-184D-8CE7-153B5C5F684C}"/>
+                  </a:ext>
+                </a:extLst>
+              </p:cNvPr>
+              <p:cNvPicPr/>
+              <p:nvPr/>
+            </p:nvPicPr>
+            <p:blipFill>
+              <a:blip r:embed="rId17"/>
+              <a:stretch>
+                <a:fillRect/>
+              </a:stretch>
+            </p:blipFill>
+            <p:spPr>
+              <a:xfrm>
+                <a:off x="9751779" y="4391532"/>
+                <a:ext cx="284400" cy="223200"/>
+              </a:xfrm>
+              <a:prstGeom prst="rect">
+                <a:avLst/>
+              </a:prstGeom>
+            </p:spPr>
+          </p:pic>
+        </mc:Fallback>
+      </mc:AlternateContent>
+      <mc:AlternateContent xmlns:mc="http://schemas.openxmlformats.org/markup-compatibility/2006" xmlns:p14="http://schemas.microsoft.com/office/powerpoint/2010/main">
+        <mc:Choice Requires="p14">
+          <p:contentPart p14:bwMode="auto" r:id="rId18">
+            <p14:nvContentPartPr>
+              <p14:cNvPr id="18" name="Input penna 17">
+                <a:extLst>
+                  <a:ext uri="{FF2B5EF4-FFF2-40B4-BE49-F238E27FC236}">
+                    <a16:creationId xmlns:a16="http://schemas.microsoft.com/office/drawing/2014/main" id="{5478B076-4CE0-B14B-9540-6EBECCD654D9}"/>
+                  </a:ext>
+                </a:extLst>
+              </p14:cNvPr>
+              <p14:cNvContentPartPr/>
+              <p14:nvPr/>
+            </p14:nvContentPartPr>
+            <p14:xfrm>
+              <a:off x="10052019" y="4414572"/>
+              <a:ext cx="118800" cy="80640"/>
+            </p14:xfrm>
+          </p:contentPart>
+        </mc:Choice>
+        <mc:Fallback xmlns="">
+          <p:pic>
+            <p:nvPicPr>
+              <p:cNvPr id="18" name="Input penna 17">
+                <a:extLst>
+                  <a:ext uri="{FF2B5EF4-FFF2-40B4-BE49-F238E27FC236}">
+                    <a16:creationId xmlns:a16="http://schemas.microsoft.com/office/drawing/2014/main" id="{5478B076-4CE0-B14B-9540-6EBECCD654D9}"/>
+                  </a:ext>
+                </a:extLst>
+              </p:cNvPr>
+              <p:cNvPicPr/>
+              <p:nvPr/>
+            </p:nvPicPr>
+            <p:blipFill>
+              <a:blip r:embed="rId19"/>
+              <a:stretch>
+                <a:fillRect/>
+              </a:stretch>
+            </p:blipFill>
+            <p:spPr>
+              <a:xfrm>
+                <a:off x="9989379" y="4351932"/>
+                <a:ext cx="244440" cy="206280"/>
+              </a:xfrm>
+              <a:prstGeom prst="rect">
+                <a:avLst/>
+              </a:prstGeom>
+            </p:spPr>
+          </p:pic>
+        </mc:Fallback>
+      </mc:AlternateContent>
+      <p:grpSp>
+        <p:nvGrpSpPr>
+          <p:cNvPr id="29" name="Gruppo 28">
+            <a:extLst>
+              <a:ext uri="{FF2B5EF4-FFF2-40B4-BE49-F238E27FC236}">
+                <a16:creationId xmlns:a16="http://schemas.microsoft.com/office/drawing/2014/main" id="{9AD243AE-FE2A-4644-8FB1-390085938FDB}"/>
+              </a:ext>
+            </a:extLst>
+          </p:cNvPr>
+          <p:cNvGrpSpPr/>
+          <p:nvPr/>
+        </p:nvGrpSpPr>
+        <p:grpSpPr>
+          <a:xfrm>
+            <a:off x="10365219" y="4346172"/>
+            <a:ext cx="401400" cy="212400"/>
+            <a:chOff x="10365219" y="4346172"/>
+            <a:chExt cx="401400" cy="212400"/>
+          </a:xfrm>
+        </p:grpSpPr>
+        <mc:AlternateContent xmlns:mc="http://schemas.openxmlformats.org/markup-compatibility/2006" xmlns:p14="http://schemas.microsoft.com/office/powerpoint/2010/main">
+          <mc:Choice Requires="p14">
+            <p:contentPart p14:bwMode="auto" r:id="rId20">
+              <p14:nvContentPartPr>
+                <p14:cNvPr id="20" name="Input penna 19">
+                  <a:extLst>
+                    <a:ext uri="{FF2B5EF4-FFF2-40B4-BE49-F238E27FC236}">
+                      <a16:creationId xmlns:a16="http://schemas.microsoft.com/office/drawing/2014/main" id="{D00D3FFC-351E-EA4F-AF9F-2EFC98899FA5}"/>
+                    </a:ext>
+                  </a:extLst>
+                </p14:cNvPr>
+                <p14:cNvContentPartPr/>
+                <p14:nvPr/>
+              </p14:nvContentPartPr>
+              <p14:xfrm>
+                <a:off x="10580139" y="4346172"/>
+                <a:ext cx="186480" cy="212400"/>
+              </p14:xfrm>
+            </p:contentPart>
+          </mc:Choice>
+          <mc:Fallback xmlns="">
+            <p:pic>
+              <p:nvPicPr>
+                <p:cNvPr id="20" name="Input penna 19">
+                  <a:extLst>
+                    <a:ext uri="{FF2B5EF4-FFF2-40B4-BE49-F238E27FC236}">
+                      <a16:creationId xmlns:a16="http://schemas.microsoft.com/office/drawing/2014/main" id="{D00D3FFC-351E-EA4F-AF9F-2EFC98899FA5}"/>
+                    </a:ext>
+                  </a:extLst>
+                </p:cNvPr>
+                <p:cNvPicPr/>
+                <p:nvPr/>
+              </p:nvPicPr>
+              <p:blipFill>
+                <a:blip r:embed="rId21"/>
+                <a:stretch>
+                  <a:fillRect/>
+                </a:stretch>
+              </p:blipFill>
+              <p:spPr>
+                <a:xfrm>
+                  <a:off x="10517499" y="4283172"/>
+                  <a:ext cx="312120" cy="338040"/>
+                </a:xfrm>
+                <a:prstGeom prst="rect">
+                  <a:avLst/>
+                </a:prstGeom>
+              </p:spPr>
+            </p:pic>
+          </mc:Fallback>
+        </mc:AlternateContent>
+        <mc:AlternateContent xmlns:mc="http://schemas.openxmlformats.org/markup-compatibility/2006" xmlns:p14="http://schemas.microsoft.com/office/powerpoint/2010/main">
+          <mc:Choice Requires="p14">
+            <p:contentPart p14:bwMode="auto" r:id="rId22">
+              <p14:nvContentPartPr>
+                <p14:cNvPr id="21" name="Input penna 20">
+                  <a:extLst>
+                    <a:ext uri="{FF2B5EF4-FFF2-40B4-BE49-F238E27FC236}">
+                      <a16:creationId xmlns:a16="http://schemas.microsoft.com/office/drawing/2014/main" id="{1633408F-4E5D-814D-BD81-9D1ECB77CAAC}"/>
+                    </a:ext>
+                  </a:extLst>
+                </p14:cNvPr>
+                <p14:cNvContentPartPr/>
+                <p14:nvPr/>
+              </p14:nvContentPartPr>
+              <p14:xfrm>
+                <a:off x="10511379" y="4457412"/>
+                <a:ext cx="360" cy="360"/>
+              </p14:xfrm>
+            </p:contentPart>
+          </mc:Choice>
+          <mc:Fallback xmlns="">
+            <p:pic>
+              <p:nvPicPr>
+                <p:cNvPr id="21" name="Input penna 20">
+                  <a:extLst>
+                    <a:ext uri="{FF2B5EF4-FFF2-40B4-BE49-F238E27FC236}">
+                      <a16:creationId xmlns:a16="http://schemas.microsoft.com/office/drawing/2014/main" id="{1633408F-4E5D-814D-BD81-9D1ECB77CAAC}"/>
+                    </a:ext>
+                  </a:extLst>
+                </p:cNvPr>
+                <p:cNvPicPr/>
+                <p:nvPr/>
+              </p:nvPicPr>
+              <p:blipFill>
+                <a:blip r:embed="rId8"/>
+                <a:stretch>
+                  <a:fillRect/>
+                </a:stretch>
+              </p:blipFill>
+              <p:spPr>
+                <a:xfrm>
+                  <a:off x="10448379" y="4394412"/>
+                  <a:ext cx="126000" cy="126000"/>
+                </a:xfrm>
+                <a:prstGeom prst="rect">
+                  <a:avLst/>
+                </a:prstGeom>
+              </p:spPr>
+            </p:pic>
+          </mc:Fallback>
+        </mc:AlternateContent>
+        <mc:AlternateContent xmlns:mc="http://schemas.openxmlformats.org/markup-compatibility/2006" xmlns:p14="http://schemas.microsoft.com/office/powerpoint/2010/main">
+          <mc:Choice Requires="p14">
+            <p:contentPart p14:bwMode="auto" r:id="rId23">
+              <p14:nvContentPartPr>
+                <p14:cNvPr id="22" name="Input penna 21">
+                  <a:extLst>
+                    <a:ext uri="{FF2B5EF4-FFF2-40B4-BE49-F238E27FC236}">
+                      <a16:creationId xmlns:a16="http://schemas.microsoft.com/office/drawing/2014/main" id="{5B91324C-6EED-BA41-8084-5DEAA7E905EE}"/>
+                    </a:ext>
+                  </a:extLst>
+                </p14:cNvPr>
+                <p14:cNvContentPartPr/>
+                <p14:nvPr/>
+              </p14:nvContentPartPr>
+              <p14:xfrm>
+                <a:off x="10523259" y="4459572"/>
+                <a:ext cx="360" cy="360"/>
+              </p14:xfrm>
+            </p:contentPart>
+          </mc:Choice>
+          <mc:Fallback xmlns="">
+            <p:pic>
+              <p:nvPicPr>
+                <p:cNvPr id="22" name="Input penna 21">
+                  <a:extLst>
+                    <a:ext uri="{FF2B5EF4-FFF2-40B4-BE49-F238E27FC236}">
+                      <a16:creationId xmlns:a16="http://schemas.microsoft.com/office/drawing/2014/main" id="{5B91324C-6EED-BA41-8084-5DEAA7E905EE}"/>
+                    </a:ext>
+                  </a:extLst>
+                </p:cNvPr>
+                <p:cNvPicPr/>
+                <p:nvPr/>
+              </p:nvPicPr>
+              <p:blipFill>
+                <a:blip r:embed="rId8"/>
+                <a:stretch>
+                  <a:fillRect/>
+                </a:stretch>
+              </p:blipFill>
+              <p:spPr>
+                <a:xfrm>
+                  <a:off x="10460259" y="4396932"/>
+                  <a:ext cx="126000" cy="126000"/>
+                </a:xfrm>
+                <a:prstGeom prst="rect">
+                  <a:avLst/>
+                </a:prstGeom>
+              </p:spPr>
+            </p:pic>
+          </mc:Fallback>
+        </mc:AlternateContent>
+        <mc:AlternateContent xmlns:mc="http://schemas.openxmlformats.org/markup-compatibility/2006" xmlns:p14="http://schemas.microsoft.com/office/powerpoint/2010/main">
+          <mc:Choice Requires="p14">
+            <p:contentPart p14:bwMode="auto" r:id="rId24">
+              <p14:nvContentPartPr>
+                <p14:cNvPr id="24" name="Input penna 23">
+                  <a:extLst>
+                    <a:ext uri="{FF2B5EF4-FFF2-40B4-BE49-F238E27FC236}">
+                      <a16:creationId xmlns:a16="http://schemas.microsoft.com/office/drawing/2014/main" id="{25707B20-15BA-374C-861D-790993B28419}"/>
+                    </a:ext>
+                  </a:extLst>
+                </p14:cNvPr>
+                <p14:cNvContentPartPr/>
+                <p14:nvPr/>
+              </p14:nvContentPartPr>
+              <p14:xfrm>
+                <a:off x="10365219" y="4458132"/>
+                <a:ext cx="360" cy="360"/>
+              </p14:xfrm>
+            </p:contentPart>
+          </mc:Choice>
+          <mc:Fallback xmlns="">
+            <p:pic>
+              <p:nvPicPr>
+                <p:cNvPr id="24" name="Input penna 23">
+                  <a:extLst>
+                    <a:ext uri="{FF2B5EF4-FFF2-40B4-BE49-F238E27FC236}">
+                      <a16:creationId xmlns:a16="http://schemas.microsoft.com/office/drawing/2014/main" id="{25707B20-15BA-374C-861D-790993B28419}"/>
+                    </a:ext>
+                  </a:extLst>
+                </p:cNvPr>
+                <p:cNvPicPr/>
+                <p:nvPr/>
+              </p:nvPicPr>
+              <p:blipFill>
+                <a:blip r:embed="rId8"/>
+                <a:stretch>
+                  <a:fillRect/>
+                </a:stretch>
+              </p:blipFill>
+              <p:spPr>
+                <a:xfrm>
+                  <a:off x="10302579" y="4395492"/>
+                  <a:ext cx="126000" cy="126000"/>
+                </a:xfrm>
+                <a:prstGeom prst="rect">
+                  <a:avLst/>
+                </a:prstGeom>
+              </p:spPr>
+            </p:pic>
+          </mc:Fallback>
+        </mc:AlternateContent>
+        <mc:AlternateContent xmlns:mc="http://schemas.openxmlformats.org/markup-compatibility/2006" xmlns:p14="http://schemas.microsoft.com/office/powerpoint/2010/main">
+          <mc:Choice Requires="p14">
+            <p:contentPart p14:bwMode="auto" r:id="rId25">
+              <p14:nvContentPartPr>
+                <p14:cNvPr id="25" name="Input penna 24">
+                  <a:extLst>
+                    <a:ext uri="{FF2B5EF4-FFF2-40B4-BE49-F238E27FC236}">
+                      <a16:creationId xmlns:a16="http://schemas.microsoft.com/office/drawing/2014/main" id="{46F325BB-413E-464A-AE7D-95629DE11A30}"/>
+                    </a:ext>
+                  </a:extLst>
+                </p14:cNvPr>
+                <p14:cNvContentPartPr/>
+                <p14:nvPr/>
+              </p14:nvContentPartPr>
+              <p14:xfrm>
+                <a:off x="10365219" y="4458132"/>
+                <a:ext cx="360" cy="360"/>
+              </p14:xfrm>
+            </p:contentPart>
+          </mc:Choice>
+          <mc:Fallback xmlns="">
+            <p:pic>
+              <p:nvPicPr>
+                <p:cNvPr id="25" name="Input penna 24">
+                  <a:extLst>
+                    <a:ext uri="{FF2B5EF4-FFF2-40B4-BE49-F238E27FC236}">
+                      <a16:creationId xmlns:a16="http://schemas.microsoft.com/office/drawing/2014/main" id="{46F325BB-413E-464A-AE7D-95629DE11A30}"/>
+                    </a:ext>
+                  </a:extLst>
+                </p:cNvPr>
+                <p:cNvPicPr/>
+                <p:nvPr/>
+              </p:nvPicPr>
+              <p:blipFill>
+                <a:blip r:embed="rId8"/>
+                <a:stretch>
+                  <a:fillRect/>
+                </a:stretch>
+              </p:blipFill>
+              <p:spPr>
+                <a:xfrm>
+                  <a:off x="10302579" y="4395492"/>
+                  <a:ext cx="126000" cy="126000"/>
+                </a:xfrm>
+                <a:prstGeom prst="rect">
+                  <a:avLst/>
+                </a:prstGeom>
+              </p:spPr>
+            </p:pic>
+          </mc:Fallback>
+        </mc:AlternateContent>
+        <mc:AlternateContent xmlns:mc="http://schemas.openxmlformats.org/markup-compatibility/2006" xmlns:p14="http://schemas.microsoft.com/office/powerpoint/2010/main">
+          <mc:Choice Requires="p14">
+            <p:contentPart p14:bwMode="auto" r:id="rId26">
+              <p14:nvContentPartPr>
+                <p14:cNvPr id="27" name="Input penna 26">
+                  <a:extLst>
+                    <a:ext uri="{FF2B5EF4-FFF2-40B4-BE49-F238E27FC236}">
+                      <a16:creationId xmlns:a16="http://schemas.microsoft.com/office/drawing/2014/main" id="{177EFBEE-5864-A74A-AF03-62ACA2C7E581}"/>
+                    </a:ext>
+                  </a:extLst>
+                </p14:cNvPr>
+                <p14:cNvContentPartPr/>
+                <p14:nvPr/>
+              </p14:nvContentPartPr>
+              <p14:xfrm>
+                <a:off x="10602099" y="4457412"/>
+                <a:ext cx="360" cy="360"/>
+              </p14:xfrm>
+            </p:contentPart>
+          </mc:Choice>
+          <mc:Fallback xmlns="">
+            <p:pic>
+              <p:nvPicPr>
+                <p:cNvPr id="27" name="Input penna 26">
+                  <a:extLst>
+                    <a:ext uri="{FF2B5EF4-FFF2-40B4-BE49-F238E27FC236}">
+                      <a16:creationId xmlns:a16="http://schemas.microsoft.com/office/drawing/2014/main" id="{177EFBEE-5864-A74A-AF03-62ACA2C7E581}"/>
+                    </a:ext>
+                  </a:extLst>
+                </p:cNvPr>
+                <p:cNvPicPr/>
+                <p:nvPr/>
+              </p:nvPicPr>
+              <p:blipFill>
+                <a:blip r:embed="rId8"/>
+                <a:stretch>
+                  <a:fillRect/>
+                </a:stretch>
+              </p:blipFill>
+              <p:spPr>
+                <a:xfrm>
+                  <a:off x="10539099" y="4394772"/>
+                  <a:ext cx="126000" cy="126000"/>
+                </a:xfrm>
+                <a:prstGeom prst="rect">
+                  <a:avLst/>
+                </a:prstGeom>
+              </p:spPr>
+            </p:pic>
+          </mc:Fallback>
+        </mc:AlternateContent>
+        <mc:AlternateContent xmlns:mc="http://schemas.openxmlformats.org/markup-compatibility/2006" xmlns:p14="http://schemas.microsoft.com/office/powerpoint/2010/main">
+          <mc:Choice Requires="p14">
+            <p:contentPart p14:bwMode="auto" r:id="rId27">
+              <p14:nvContentPartPr>
+                <p14:cNvPr id="28" name="Input penna 27">
+                  <a:extLst>
+                    <a:ext uri="{FF2B5EF4-FFF2-40B4-BE49-F238E27FC236}">
+                      <a16:creationId xmlns:a16="http://schemas.microsoft.com/office/drawing/2014/main" id="{A6DEF47B-D1DC-974D-B4EA-B0D0ADA1CF82}"/>
+                    </a:ext>
+                  </a:extLst>
+                </p14:cNvPr>
+                <p14:cNvContentPartPr/>
+                <p14:nvPr/>
+              </p14:nvContentPartPr>
+              <p14:xfrm>
+                <a:off x="10602099" y="4457412"/>
+                <a:ext cx="360" cy="360"/>
+              </p14:xfrm>
+            </p:contentPart>
+          </mc:Choice>
+          <mc:Fallback xmlns="">
+            <p:pic>
+              <p:nvPicPr>
+                <p:cNvPr id="28" name="Input penna 27">
+                  <a:extLst>
+                    <a:ext uri="{FF2B5EF4-FFF2-40B4-BE49-F238E27FC236}">
+                      <a16:creationId xmlns:a16="http://schemas.microsoft.com/office/drawing/2014/main" id="{A6DEF47B-D1DC-974D-B4EA-B0D0ADA1CF82}"/>
+                    </a:ext>
+                  </a:extLst>
+                </p:cNvPr>
+                <p:cNvPicPr/>
+                <p:nvPr/>
+              </p:nvPicPr>
+              <p:blipFill>
+                <a:blip r:embed="rId8"/>
+                <a:stretch>
+                  <a:fillRect/>
+                </a:stretch>
+              </p:blipFill>
+              <p:spPr>
+                <a:xfrm>
+                  <a:off x="10539099" y="4394772"/>
+                  <a:ext cx="126000" cy="126000"/>
+                </a:xfrm>
+                <a:prstGeom prst="rect">
+                  <a:avLst/>
+                </a:prstGeom>
+              </p:spPr>
+            </p:pic>
+          </mc:Fallback>
+        </mc:AlternateContent>
+      </p:grpSp>
+      <p:grpSp>
+        <p:nvGrpSpPr>
+          <p:cNvPr id="38" name="Gruppo 37">
+            <a:extLst>
+              <a:ext uri="{FF2B5EF4-FFF2-40B4-BE49-F238E27FC236}">
+                <a16:creationId xmlns:a16="http://schemas.microsoft.com/office/drawing/2014/main" id="{931D1200-52C3-694C-B7E6-0C04365720F9}"/>
+              </a:ext>
+            </a:extLst>
+          </p:cNvPr>
+          <p:cNvGrpSpPr/>
+          <p:nvPr/>
+        </p:nvGrpSpPr>
+        <p:grpSpPr>
+          <a:xfrm>
+            <a:off x="9812979" y="4457772"/>
+            <a:ext cx="100080" cy="7560"/>
+            <a:chOff x="9812979" y="4457772"/>
+            <a:chExt cx="100080" cy="7560"/>
+          </a:xfrm>
+        </p:grpSpPr>
+        <mc:AlternateContent xmlns:mc="http://schemas.openxmlformats.org/markup-compatibility/2006" xmlns:p14="http://schemas.microsoft.com/office/powerpoint/2010/main">
+          <mc:Choice Requires="p14">
+            <p:contentPart p14:bwMode="auto" r:id="rId28">
+              <p14:nvContentPartPr>
+                <p14:cNvPr id="30" name="Input penna 29">
+                  <a:extLst>
+                    <a:ext uri="{FF2B5EF4-FFF2-40B4-BE49-F238E27FC236}">
+                      <a16:creationId xmlns:a16="http://schemas.microsoft.com/office/drawing/2014/main" id="{97F30865-CD75-A34F-B3E6-666AD8D02B59}"/>
+                    </a:ext>
+                  </a:extLst>
+                </p14:cNvPr>
+                <p14:cNvContentPartPr/>
+                <p14:nvPr/>
+              </p14:nvContentPartPr>
+              <p14:xfrm>
+                <a:off x="9814419" y="4464972"/>
+                <a:ext cx="360" cy="360"/>
+              </p14:xfrm>
+            </p:contentPart>
+          </mc:Choice>
+          <mc:Fallback xmlns="">
+            <p:pic>
+              <p:nvPicPr>
+                <p:cNvPr id="30" name="Input penna 29">
+                  <a:extLst>
+                    <a:ext uri="{FF2B5EF4-FFF2-40B4-BE49-F238E27FC236}">
+                      <a16:creationId xmlns:a16="http://schemas.microsoft.com/office/drawing/2014/main" id="{97F30865-CD75-A34F-B3E6-666AD8D02B59}"/>
+                    </a:ext>
+                  </a:extLst>
+                </p:cNvPr>
+                <p:cNvPicPr/>
+                <p:nvPr/>
+              </p:nvPicPr>
+              <p:blipFill>
+                <a:blip r:embed="rId8"/>
+                <a:stretch>
+                  <a:fillRect/>
+                </a:stretch>
+              </p:blipFill>
+              <p:spPr>
+                <a:xfrm>
+                  <a:off x="9751419" y="4401972"/>
+                  <a:ext cx="126000" cy="126000"/>
+                </a:xfrm>
+                <a:prstGeom prst="rect">
+                  <a:avLst/>
+                </a:prstGeom>
+              </p:spPr>
+            </p:pic>
+          </mc:Fallback>
+        </mc:AlternateContent>
+        <mc:AlternateContent xmlns:mc="http://schemas.openxmlformats.org/markup-compatibility/2006" xmlns:p14="http://schemas.microsoft.com/office/powerpoint/2010/main">
+          <mc:Choice Requires="p14">
+            <p:contentPart p14:bwMode="auto" r:id="rId29">
+              <p14:nvContentPartPr>
+                <p14:cNvPr id="31" name="Input penna 30">
+                  <a:extLst>
+                    <a:ext uri="{FF2B5EF4-FFF2-40B4-BE49-F238E27FC236}">
+                      <a16:creationId xmlns:a16="http://schemas.microsoft.com/office/drawing/2014/main" id="{88E22F73-D29C-9141-AD85-2D7939F67A92}"/>
+                    </a:ext>
+                  </a:extLst>
+                </p14:cNvPr>
+                <p14:cNvContentPartPr/>
+                <p14:nvPr/>
+              </p14:nvContentPartPr>
+              <p14:xfrm>
+                <a:off x="9817659" y="4464972"/>
+                <a:ext cx="360" cy="360"/>
+              </p14:xfrm>
+            </p:contentPart>
+          </mc:Choice>
+          <mc:Fallback xmlns="">
+            <p:pic>
+              <p:nvPicPr>
+                <p:cNvPr id="31" name="Input penna 30">
+                  <a:extLst>
+                    <a:ext uri="{FF2B5EF4-FFF2-40B4-BE49-F238E27FC236}">
+                      <a16:creationId xmlns:a16="http://schemas.microsoft.com/office/drawing/2014/main" id="{88E22F73-D29C-9141-AD85-2D7939F67A92}"/>
+                    </a:ext>
+                  </a:extLst>
+                </p:cNvPr>
+                <p:cNvPicPr/>
+                <p:nvPr/>
+              </p:nvPicPr>
+              <p:blipFill>
+                <a:blip r:embed="rId8"/>
+                <a:stretch>
+                  <a:fillRect/>
+                </a:stretch>
+              </p:blipFill>
+              <p:spPr>
+                <a:xfrm>
+                  <a:off x="9755019" y="4401972"/>
+                  <a:ext cx="126000" cy="126000"/>
+                </a:xfrm>
+                <a:prstGeom prst="rect">
+                  <a:avLst/>
+                </a:prstGeom>
+              </p:spPr>
+            </p:pic>
+          </mc:Fallback>
+        </mc:AlternateContent>
+        <mc:AlternateContent xmlns:mc="http://schemas.openxmlformats.org/markup-compatibility/2006" xmlns:p14="http://schemas.microsoft.com/office/powerpoint/2010/main">
+          <mc:Choice Requires="p14">
+            <p:contentPart p14:bwMode="auto" r:id="rId30">
+              <p14:nvContentPartPr>
+                <p14:cNvPr id="33" name="Input penna 32">
+                  <a:extLst>
+                    <a:ext uri="{FF2B5EF4-FFF2-40B4-BE49-F238E27FC236}">
+                      <a16:creationId xmlns:a16="http://schemas.microsoft.com/office/drawing/2014/main" id="{439674E4-3B6F-A046-9C7C-52702E3B80B4}"/>
+                    </a:ext>
+                  </a:extLst>
+                </p14:cNvPr>
+                <p14:cNvContentPartPr/>
+                <p14:nvPr/>
+              </p14:nvContentPartPr>
+              <p14:xfrm>
+                <a:off x="9905859" y="4457772"/>
+                <a:ext cx="360" cy="360"/>
+              </p14:xfrm>
+            </p:contentPart>
+          </mc:Choice>
+          <mc:Fallback xmlns="">
+            <p:pic>
+              <p:nvPicPr>
+                <p:cNvPr id="33" name="Input penna 32">
+                  <a:extLst>
+                    <a:ext uri="{FF2B5EF4-FFF2-40B4-BE49-F238E27FC236}">
+                      <a16:creationId xmlns:a16="http://schemas.microsoft.com/office/drawing/2014/main" id="{439674E4-3B6F-A046-9C7C-52702E3B80B4}"/>
+                    </a:ext>
+                  </a:extLst>
+                </p:cNvPr>
+                <p:cNvPicPr/>
+                <p:nvPr/>
+              </p:nvPicPr>
+              <p:blipFill>
+                <a:blip r:embed="rId8"/>
+                <a:stretch>
+                  <a:fillRect/>
+                </a:stretch>
+              </p:blipFill>
+              <p:spPr>
+                <a:xfrm>
+                  <a:off x="9842859" y="4394772"/>
+                  <a:ext cx="126000" cy="126000"/>
+                </a:xfrm>
+                <a:prstGeom prst="rect">
+                  <a:avLst/>
+                </a:prstGeom>
+              </p:spPr>
+            </p:pic>
+          </mc:Fallback>
+        </mc:AlternateContent>
+        <mc:AlternateContent xmlns:mc="http://schemas.openxmlformats.org/markup-compatibility/2006" xmlns:p14="http://schemas.microsoft.com/office/powerpoint/2010/main">
+          <mc:Choice Requires="p14">
+            <p:contentPart p14:bwMode="auto" r:id="rId31">
+              <p14:nvContentPartPr>
+                <p14:cNvPr id="34" name="Input penna 33">
+                  <a:extLst>
+                    <a:ext uri="{FF2B5EF4-FFF2-40B4-BE49-F238E27FC236}">
+                      <a16:creationId xmlns:a16="http://schemas.microsoft.com/office/drawing/2014/main" id="{B5D6E831-F232-7048-B904-BE5A012D99E8}"/>
+                    </a:ext>
+                  </a:extLst>
+                </p14:cNvPr>
+                <p14:cNvContentPartPr/>
+                <p14:nvPr/>
+              </p14:nvContentPartPr>
+              <p14:xfrm>
+                <a:off x="9912699" y="4461012"/>
+                <a:ext cx="360" cy="360"/>
+              </p14:xfrm>
+            </p:contentPart>
+          </mc:Choice>
+          <mc:Fallback xmlns="">
+            <p:pic>
+              <p:nvPicPr>
+                <p:cNvPr id="34" name="Input penna 33">
+                  <a:extLst>
+                    <a:ext uri="{FF2B5EF4-FFF2-40B4-BE49-F238E27FC236}">
+                      <a16:creationId xmlns:a16="http://schemas.microsoft.com/office/drawing/2014/main" id="{B5D6E831-F232-7048-B904-BE5A012D99E8}"/>
+                    </a:ext>
+                  </a:extLst>
+                </p:cNvPr>
+                <p:cNvPicPr/>
+                <p:nvPr/>
+              </p:nvPicPr>
+              <p:blipFill>
+                <a:blip r:embed="rId8"/>
+                <a:stretch>
+                  <a:fillRect/>
+                </a:stretch>
+              </p:blipFill>
+              <p:spPr>
+                <a:xfrm>
+                  <a:off x="9849699" y="4398372"/>
+                  <a:ext cx="126000" cy="126000"/>
+                </a:xfrm>
+                <a:prstGeom prst="rect">
+                  <a:avLst/>
+                </a:prstGeom>
+              </p:spPr>
+            </p:pic>
+          </mc:Fallback>
+        </mc:AlternateContent>
+        <mc:AlternateContent xmlns:mc="http://schemas.openxmlformats.org/markup-compatibility/2006" xmlns:p14="http://schemas.microsoft.com/office/powerpoint/2010/main">
+          <mc:Choice Requires="p14">
+            <p:contentPart p14:bwMode="auto" r:id="rId32">
+              <p14:nvContentPartPr>
+                <p14:cNvPr id="36" name="Input penna 35">
+                  <a:extLst>
+                    <a:ext uri="{FF2B5EF4-FFF2-40B4-BE49-F238E27FC236}">
+                      <a16:creationId xmlns:a16="http://schemas.microsoft.com/office/drawing/2014/main" id="{2B4EC886-AF19-DC42-B7B0-86CC294591D2}"/>
+                    </a:ext>
+                  </a:extLst>
+                </p14:cNvPr>
+                <p14:cNvContentPartPr/>
+                <p14:nvPr/>
+              </p14:nvContentPartPr>
+              <p14:xfrm>
+                <a:off x="9812979" y="4461012"/>
+                <a:ext cx="360" cy="360"/>
+              </p14:xfrm>
+            </p:contentPart>
+          </mc:Choice>
+          <mc:Fallback xmlns="">
+            <p:pic>
+              <p:nvPicPr>
+                <p:cNvPr id="36" name="Input penna 35">
+                  <a:extLst>
+                    <a:ext uri="{FF2B5EF4-FFF2-40B4-BE49-F238E27FC236}">
+                      <a16:creationId xmlns:a16="http://schemas.microsoft.com/office/drawing/2014/main" id="{2B4EC886-AF19-DC42-B7B0-86CC294591D2}"/>
+                    </a:ext>
+                  </a:extLst>
+                </p:cNvPr>
+                <p:cNvPicPr/>
+                <p:nvPr/>
+              </p:nvPicPr>
+              <p:blipFill>
+                <a:blip r:embed="rId8"/>
+                <a:stretch>
+                  <a:fillRect/>
+                </a:stretch>
+              </p:blipFill>
+              <p:spPr>
+                <a:xfrm>
+                  <a:off x="9750339" y="4398372"/>
+                  <a:ext cx="126000" cy="126000"/>
+                </a:xfrm>
+                <a:prstGeom prst="rect">
+                  <a:avLst/>
+                </a:prstGeom>
+              </p:spPr>
+            </p:pic>
+          </mc:Fallback>
+        </mc:AlternateContent>
+        <mc:AlternateContent xmlns:mc="http://schemas.openxmlformats.org/markup-compatibility/2006" xmlns:p14="http://schemas.microsoft.com/office/powerpoint/2010/main">
+          <mc:Choice Requires="p14">
+            <p:contentPart p14:bwMode="auto" r:id="rId33">
+              <p14:nvContentPartPr>
+                <p14:cNvPr id="37" name="Input penna 36">
+                  <a:extLst>
+                    <a:ext uri="{FF2B5EF4-FFF2-40B4-BE49-F238E27FC236}">
+                      <a16:creationId xmlns:a16="http://schemas.microsoft.com/office/drawing/2014/main" id="{FAFF5BA6-ED97-4540-8256-5F2472CAF863}"/>
+                    </a:ext>
+                  </a:extLst>
+                </p14:cNvPr>
+                <p14:cNvContentPartPr/>
+                <p14:nvPr/>
+              </p14:nvContentPartPr>
+              <p14:xfrm>
+                <a:off x="9821259" y="4464612"/>
+                <a:ext cx="360" cy="360"/>
+              </p14:xfrm>
+            </p:contentPart>
+          </mc:Choice>
+          <mc:Fallback xmlns="">
+            <p:pic>
+              <p:nvPicPr>
+                <p:cNvPr id="37" name="Input penna 36">
+                  <a:extLst>
+                    <a:ext uri="{FF2B5EF4-FFF2-40B4-BE49-F238E27FC236}">
+                      <a16:creationId xmlns:a16="http://schemas.microsoft.com/office/drawing/2014/main" id="{FAFF5BA6-ED97-4540-8256-5F2472CAF863}"/>
+                    </a:ext>
+                  </a:extLst>
+                </p:cNvPr>
+                <p:cNvPicPr/>
+                <p:nvPr/>
+              </p:nvPicPr>
+              <p:blipFill>
+                <a:blip r:embed="rId8"/>
+                <a:stretch>
+                  <a:fillRect/>
+                </a:stretch>
+              </p:blipFill>
+              <p:spPr>
+                <a:xfrm>
+                  <a:off x="9758259" y="4401612"/>
+                  <a:ext cx="126000" cy="126000"/>
+                </a:xfrm>
+                <a:prstGeom prst="rect">
+                  <a:avLst/>
+                </a:prstGeom>
+              </p:spPr>
+            </p:pic>
+          </mc:Fallback>
+        </mc:AlternateContent>
+      </p:grpSp>
+      <p:grpSp>
+        <p:nvGrpSpPr>
+          <p:cNvPr id="42" name="Gruppo 41">
+            <a:extLst>
+              <a:ext uri="{FF2B5EF4-FFF2-40B4-BE49-F238E27FC236}">
+                <a16:creationId xmlns:a16="http://schemas.microsoft.com/office/drawing/2014/main" id="{6CD63CC6-404D-D44A-B4BF-028CC5AA5788}"/>
+              </a:ext>
+            </a:extLst>
+          </p:cNvPr>
+          <p:cNvGrpSpPr/>
+          <p:nvPr/>
+        </p:nvGrpSpPr>
+        <p:grpSpPr>
+          <a:xfrm>
+            <a:off x="11542779" y="2214252"/>
+            <a:ext cx="1440" cy="1440"/>
+            <a:chOff x="11542779" y="2214252"/>
+            <a:chExt cx="1440" cy="1440"/>
+          </a:xfrm>
+        </p:grpSpPr>
+        <mc:AlternateContent xmlns:mc="http://schemas.openxmlformats.org/markup-compatibility/2006" xmlns:p14="http://schemas.microsoft.com/office/powerpoint/2010/main">
+          <mc:Choice Requires="p14">
+            <p:contentPart p14:bwMode="auto" r:id="rId34">
+              <p14:nvContentPartPr>
+                <p14:cNvPr id="40" name="Input penna 39">
+                  <a:extLst>
+                    <a:ext uri="{FF2B5EF4-FFF2-40B4-BE49-F238E27FC236}">
+                      <a16:creationId xmlns:a16="http://schemas.microsoft.com/office/drawing/2014/main" id="{695E538F-6F24-7846-BF10-79EBCB260E41}"/>
+                    </a:ext>
+                  </a:extLst>
+                </p14:cNvPr>
+                <p14:cNvContentPartPr/>
+                <p14:nvPr/>
+              </p14:nvContentPartPr>
+              <p14:xfrm>
+                <a:off x="11542779" y="2215332"/>
+                <a:ext cx="360" cy="360"/>
+              </p14:xfrm>
+            </p:contentPart>
+          </mc:Choice>
+          <mc:Fallback xmlns="">
+            <p:pic>
+              <p:nvPicPr>
+                <p:cNvPr id="40" name="Input penna 39">
+                  <a:extLst>
+                    <a:ext uri="{FF2B5EF4-FFF2-40B4-BE49-F238E27FC236}">
+                      <a16:creationId xmlns:a16="http://schemas.microsoft.com/office/drawing/2014/main" id="{695E538F-6F24-7846-BF10-79EBCB260E41}"/>
+                    </a:ext>
+                  </a:extLst>
+                </p:cNvPr>
+                <p:cNvPicPr/>
+                <p:nvPr/>
+              </p:nvPicPr>
+              <p:blipFill>
+                <a:blip r:embed="rId8"/>
+                <a:stretch>
+                  <a:fillRect/>
+                </a:stretch>
+              </p:blipFill>
+              <p:spPr>
+                <a:xfrm>
+                  <a:off x="11479779" y="2152332"/>
+                  <a:ext cx="126000" cy="126000"/>
+                </a:xfrm>
+                <a:prstGeom prst="rect">
+                  <a:avLst/>
+                </a:prstGeom>
+              </p:spPr>
+            </p:pic>
+          </mc:Fallback>
+        </mc:AlternateContent>
+        <mc:AlternateContent xmlns:mc="http://schemas.openxmlformats.org/markup-compatibility/2006" xmlns:p14="http://schemas.microsoft.com/office/powerpoint/2010/main">
+          <mc:Choice Requires="p14">
+            <p:contentPart p14:bwMode="auto" r:id="rId35">
+              <p14:nvContentPartPr>
+                <p14:cNvPr id="41" name="Input penna 40">
+                  <a:extLst>
+                    <a:ext uri="{FF2B5EF4-FFF2-40B4-BE49-F238E27FC236}">
+                      <a16:creationId xmlns:a16="http://schemas.microsoft.com/office/drawing/2014/main" id="{C98E75E2-1045-A640-9DF0-59599A1FA040}"/>
+                    </a:ext>
+                  </a:extLst>
+                </p14:cNvPr>
+                <p14:cNvContentPartPr/>
+                <p14:nvPr/>
+              </p14:nvContentPartPr>
+              <p14:xfrm>
+                <a:off x="11543859" y="2214252"/>
+                <a:ext cx="360" cy="360"/>
+              </p14:xfrm>
+            </p:contentPart>
+          </mc:Choice>
+          <mc:Fallback xmlns="">
+            <p:pic>
+              <p:nvPicPr>
+                <p:cNvPr id="41" name="Input penna 40">
+                  <a:extLst>
+                    <a:ext uri="{FF2B5EF4-FFF2-40B4-BE49-F238E27FC236}">
+                      <a16:creationId xmlns:a16="http://schemas.microsoft.com/office/drawing/2014/main" id="{C98E75E2-1045-A640-9DF0-59599A1FA040}"/>
+                    </a:ext>
+                  </a:extLst>
+                </p:cNvPr>
+                <p:cNvPicPr/>
+                <p:nvPr/>
+              </p:nvPicPr>
+              <p:blipFill>
+                <a:blip r:embed="rId8"/>
+                <a:stretch>
+                  <a:fillRect/>
+                </a:stretch>
+              </p:blipFill>
+              <p:spPr>
+                <a:xfrm>
+                  <a:off x="11480859" y="2151252"/>
+                  <a:ext cx="126000" cy="126000"/>
+                </a:xfrm>
+                <a:prstGeom prst="rect">
+                  <a:avLst/>
+                </a:prstGeom>
+              </p:spPr>
+            </p:pic>
+          </mc:Fallback>
+        </mc:AlternateContent>
+      </p:grpSp>
+      <p:grpSp>
+        <p:nvGrpSpPr>
+          <p:cNvPr id="45" name="Gruppo 44">
+            <a:extLst>
+              <a:ext uri="{FF2B5EF4-FFF2-40B4-BE49-F238E27FC236}">
+                <a16:creationId xmlns:a16="http://schemas.microsoft.com/office/drawing/2014/main" id="{B58754B5-6607-2547-BFB0-F30C6E4D4DB0}"/>
+              </a:ext>
+            </a:extLst>
+          </p:cNvPr>
+          <p:cNvGrpSpPr/>
+          <p:nvPr/>
+        </p:nvGrpSpPr>
+        <p:grpSpPr>
+          <a:xfrm>
+            <a:off x="12969819" y="2202372"/>
+            <a:ext cx="360" cy="360"/>
+            <a:chOff x="12969819" y="2202372"/>
+            <a:chExt cx="360" cy="360"/>
+          </a:xfrm>
+        </p:grpSpPr>
+        <mc:AlternateContent xmlns:mc="http://schemas.openxmlformats.org/markup-compatibility/2006" xmlns:p14="http://schemas.microsoft.com/office/powerpoint/2010/main">
+          <mc:Choice Requires="p14">
+            <p:contentPart p14:bwMode="auto" r:id="rId36">
+              <p14:nvContentPartPr>
+                <p14:cNvPr id="43" name="Input penna 42">
+                  <a:extLst>
+                    <a:ext uri="{FF2B5EF4-FFF2-40B4-BE49-F238E27FC236}">
+                      <a16:creationId xmlns:a16="http://schemas.microsoft.com/office/drawing/2014/main" id="{50E465C8-B14E-A441-8914-936E638A58C5}"/>
+                    </a:ext>
+                  </a:extLst>
+                </p14:cNvPr>
+                <p14:cNvContentPartPr/>
+                <p14:nvPr/>
+              </p14:nvContentPartPr>
+              <p14:xfrm>
+                <a:off x="12969819" y="2202372"/>
+                <a:ext cx="360" cy="360"/>
+              </p14:xfrm>
+            </p:contentPart>
+          </mc:Choice>
+          <mc:Fallback xmlns="">
+            <p:pic>
+              <p:nvPicPr>
+                <p:cNvPr id="43" name="Input penna 42">
+                  <a:extLst>
+                    <a:ext uri="{FF2B5EF4-FFF2-40B4-BE49-F238E27FC236}">
+                      <a16:creationId xmlns:a16="http://schemas.microsoft.com/office/drawing/2014/main" id="{50E465C8-B14E-A441-8914-936E638A58C5}"/>
+                    </a:ext>
+                  </a:extLst>
+                </p:cNvPr>
+                <p:cNvPicPr/>
+                <p:nvPr/>
+              </p:nvPicPr>
+              <p:blipFill>
+                <a:blip r:embed="rId8"/>
+                <a:stretch>
+                  <a:fillRect/>
+                </a:stretch>
+              </p:blipFill>
+              <p:spPr>
+                <a:xfrm>
+                  <a:off x="12907179" y="2139732"/>
+                  <a:ext cx="126000" cy="126000"/>
+                </a:xfrm>
+                <a:prstGeom prst="rect">
+                  <a:avLst/>
+                </a:prstGeom>
+              </p:spPr>
+            </p:pic>
+          </mc:Fallback>
+        </mc:AlternateContent>
+        <mc:AlternateContent xmlns:mc="http://schemas.openxmlformats.org/markup-compatibility/2006" xmlns:p14="http://schemas.microsoft.com/office/powerpoint/2010/main">
+          <mc:Choice Requires="p14">
+            <p:contentPart p14:bwMode="auto" r:id="rId37">
+              <p14:nvContentPartPr>
+                <p14:cNvPr id="44" name="Input penna 43">
+                  <a:extLst>
+                    <a:ext uri="{FF2B5EF4-FFF2-40B4-BE49-F238E27FC236}">
+                      <a16:creationId xmlns:a16="http://schemas.microsoft.com/office/drawing/2014/main" id="{C35DD7A1-BDF9-0246-BCD8-6F3899AF28AC}"/>
+                    </a:ext>
+                  </a:extLst>
+                </p14:cNvPr>
+                <p14:cNvContentPartPr/>
+                <p14:nvPr/>
+              </p14:nvContentPartPr>
+              <p14:xfrm>
+                <a:off x="12969819" y="2202372"/>
+                <a:ext cx="360" cy="360"/>
+              </p14:xfrm>
+            </p:contentPart>
+          </mc:Choice>
+          <mc:Fallback xmlns="">
+            <p:pic>
+              <p:nvPicPr>
+                <p:cNvPr id="44" name="Input penna 43">
+                  <a:extLst>
+                    <a:ext uri="{FF2B5EF4-FFF2-40B4-BE49-F238E27FC236}">
+                      <a16:creationId xmlns:a16="http://schemas.microsoft.com/office/drawing/2014/main" id="{C35DD7A1-BDF9-0246-BCD8-6F3899AF28AC}"/>
+                    </a:ext>
+                  </a:extLst>
+                </p:cNvPr>
+                <p:cNvPicPr/>
+                <p:nvPr/>
+              </p:nvPicPr>
+              <p:blipFill>
+                <a:blip r:embed="rId8"/>
+                <a:stretch>
+                  <a:fillRect/>
+                </a:stretch>
+              </p:blipFill>
+              <p:spPr>
+                <a:xfrm>
+                  <a:off x="12907179" y="2139732"/>
+                  <a:ext cx="126000" cy="126000"/>
+                </a:xfrm>
+                <a:prstGeom prst="rect">
+                  <a:avLst/>
+                </a:prstGeom>
+              </p:spPr>
+            </p:pic>
+          </mc:Fallback>
+        </mc:AlternateContent>
+      </p:grpSp>
+      <p:grpSp>
+        <p:nvGrpSpPr>
+          <p:cNvPr id="48" name="Gruppo 47">
+            <a:extLst>
+              <a:ext uri="{FF2B5EF4-FFF2-40B4-BE49-F238E27FC236}">
+                <a16:creationId xmlns:a16="http://schemas.microsoft.com/office/drawing/2014/main" id="{6CC17412-8ECE-1D4B-B82D-C4CB36318644}"/>
+              </a:ext>
+            </a:extLst>
+          </p:cNvPr>
+          <p:cNvGrpSpPr/>
+          <p:nvPr/>
+        </p:nvGrpSpPr>
+        <p:grpSpPr>
+          <a:xfrm>
+            <a:off x="13850019" y="2214972"/>
+            <a:ext cx="1440" cy="360"/>
+            <a:chOff x="13850019" y="2214972"/>
+            <a:chExt cx="1440" cy="360"/>
+          </a:xfrm>
+        </p:grpSpPr>
+        <mc:AlternateContent xmlns:mc="http://schemas.openxmlformats.org/markup-compatibility/2006" xmlns:p14="http://schemas.microsoft.com/office/powerpoint/2010/main">
+          <mc:Choice Requires="p14">
+            <p:contentPart p14:bwMode="auto" r:id="rId38">
+              <p14:nvContentPartPr>
+                <p14:cNvPr id="46" name="Input penna 45">
+                  <a:extLst>
+                    <a:ext uri="{FF2B5EF4-FFF2-40B4-BE49-F238E27FC236}">
+                      <a16:creationId xmlns:a16="http://schemas.microsoft.com/office/drawing/2014/main" id="{B9C42C4F-9023-354E-8D38-03A63C52BC13}"/>
+                    </a:ext>
+                  </a:extLst>
+                </p14:cNvPr>
+                <p14:cNvContentPartPr/>
+                <p14:nvPr/>
+              </p14:nvContentPartPr>
+              <p14:xfrm>
+                <a:off x="13850019" y="2214972"/>
+                <a:ext cx="360" cy="360"/>
+              </p14:xfrm>
+            </p:contentPart>
+          </mc:Choice>
+          <mc:Fallback xmlns="">
+            <p:pic>
+              <p:nvPicPr>
+                <p:cNvPr id="46" name="Input penna 45">
+                  <a:extLst>
+                    <a:ext uri="{FF2B5EF4-FFF2-40B4-BE49-F238E27FC236}">
+                      <a16:creationId xmlns:a16="http://schemas.microsoft.com/office/drawing/2014/main" id="{B9C42C4F-9023-354E-8D38-03A63C52BC13}"/>
+                    </a:ext>
+                  </a:extLst>
+                </p:cNvPr>
+                <p:cNvPicPr/>
+                <p:nvPr/>
+              </p:nvPicPr>
+              <p:blipFill>
+                <a:blip r:embed="rId8"/>
+                <a:stretch>
+                  <a:fillRect/>
+                </a:stretch>
+              </p:blipFill>
+              <p:spPr>
+                <a:xfrm>
+                  <a:off x="13787019" y="2151972"/>
+                  <a:ext cx="126000" cy="126000"/>
+                </a:xfrm>
+                <a:prstGeom prst="rect">
+                  <a:avLst/>
+                </a:prstGeom>
+              </p:spPr>
+            </p:pic>
+          </mc:Fallback>
+        </mc:AlternateContent>
+        <mc:AlternateContent xmlns:mc="http://schemas.openxmlformats.org/markup-compatibility/2006" xmlns:p14="http://schemas.microsoft.com/office/powerpoint/2010/main">
+          <mc:Choice Requires="p14">
+            <p:contentPart p14:bwMode="auto" r:id="rId39">
+              <p14:nvContentPartPr>
+                <p14:cNvPr id="47" name="Input penna 46">
+                  <a:extLst>
+                    <a:ext uri="{FF2B5EF4-FFF2-40B4-BE49-F238E27FC236}">
+                      <a16:creationId xmlns:a16="http://schemas.microsoft.com/office/drawing/2014/main" id="{45B64C1C-4126-734B-8DF7-94747735CC05}"/>
+                    </a:ext>
+                  </a:extLst>
+                </p14:cNvPr>
+                <p14:cNvContentPartPr/>
+                <p14:nvPr/>
+              </p14:nvContentPartPr>
+              <p14:xfrm>
+                <a:off x="13851099" y="2214972"/>
+                <a:ext cx="360" cy="360"/>
+              </p14:xfrm>
+            </p:contentPart>
+          </mc:Choice>
+          <mc:Fallback xmlns="">
+            <p:pic>
+              <p:nvPicPr>
+                <p:cNvPr id="47" name="Input penna 46">
+                  <a:extLst>
+                    <a:ext uri="{FF2B5EF4-FFF2-40B4-BE49-F238E27FC236}">
+                      <a16:creationId xmlns:a16="http://schemas.microsoft.com/office/drawing/2014/main" id="{45B64C1C-4126-734B-8DF7-94747735CC05}"/>
+                    </a:ext>
+                  </a:extLst>
+                </p:cNvPr>
+                <p:cNvPicPr/>
+                <p:nvPr/>
+              </p:nvPicPr>
+              <p:blipFill>
+                <a:blip r:embed="rId8"/>
+                <a:stretch>
+                  <a:fillRect/>
+                </a:stretch>
+              </p:blipFill>
+              <p:spPr>
+                <a:xfrm>
+                  <a:off x="13788099" y="2151972"/>
+                  <a:ext cx="126000" cy="126000"/>
+                </a:xfrm>
+                <a:prstGeom prst="rect">
+                  <a:avLst/>
+                </a:prstGeom>
+              </p:spPr>
+            </p:pic>
+          </mc:Fallback>
+        </mc:AlternateContent>
+      </p:grpSp>
+      <mc:AlternateContent xmlns:mc="http://schemas.openxmlformats.org/markup-compatibility/2006" xmlns:p14="http://schemas.microsoft.com/office/powerpoint/2010/main">
+        <mc:Choice Requires="p14">
+          <p:contentPart p14:bwMode="auto" r:id="rId40">
+            <p14:nvContentPartPr>
+              <p14:cNvPr id="49" name="Input penna 48">
+                <a:extLst>
+                  <a:ext uri="{FF2B5EF4-FFF2-40B4-BE49-F238E27FC236}">
+                    <a16:creationId xmlns:a16="http://schemas.microsoft.com/office/drawing/2014/main" id="{95B98188-26C6-AD43-990C-6391C63DEDF4}"/>
+                  </a:ext>
+                </a:extLst>
+              </p14:cNvPr>
+              <p14:cNvContentPartPr/>
+              <p14:nvPr/>
+            </p14:nvContentPartPr>
+            <p14:xfrm>
+              <a:off x="9503379" y="2463372"/>
+              <a:ext cx="360" cy="360"/>
+            </p14:xfrm>
+          </p:contentPart>
+        </mc:Choice>
+        <mc:Fallback xmlns="">
+          <p:pic>
+            <p:nvPicPr>
+              <p:cNvPr id="49" name="Input penna 48">
+                <a:extLst>
+                  <a:ext uri="{FF2B5EF4-FFF2-40B4-BE49-F238E27FC236}">
+                    <a16:creationId xmlns:a16="http://schemas.microsoft.com/office/drawing/2014/main" id="{95B98188-26C6-AD43-990C-6391C63DEDF4}"/>
+                  </a:ext>
+                </a:extLst>
+              </p:cNvPr>
+              <p:cNvPicPr/>
+              <p:nvPr/>
+            </p:nvPicPr>
+            <p:blipFill>
+              <a:blip r:embed="rId8"/>
+              <a:stretch>
+                <a:fillRect/>
+              </a:stretch>
+            </p:blipFill>
+            <p:spPr>
+              <a:xfrm>
+                <a:off x="9440739" y="2400732"/>
+                <a:ext cx="126000" cy="126000"/>
+              </a:xfrm>
+              <a:prstGeom prst="rect">
+                <a:avLst/>
+              </a:prstGeom>
+            </p:spPr>
+          </p:pic>
+        </mc:Fallback>
+      </mc:AlternateContent>
+      <mc:AlternateContent xmlns:mc="http://schemas.openxmlformats.org/markup-compatibility/2006" xmlns:p14="http://schemas.microsoft.com/office/powerpoint/2010/main">
+        <mc:Choice Requires="p14">
+          <p:contentPart p14:bwMode="auto" r:id="rId41">
+            <p14:nvContentPartPr>
+              <p14:cNvPr id="50" name="Input penna 49">
+                <a:extLst>
+                  <a:ext uri="{FF2B5EF4-FFF2-40B4-BE49-F238E27FC236}">
+                    <a16:creationId xmlns:a16="http://schemas.microsoft.com/office/drawing/2014/main" id="{6D2CC15D-CBA3-494C-B03B-300331A9647A}"/>
+                  </a:ext>
+                </a:extLst>
+              </p14:cNvPr>
+              <p14:cNvContentPartPr/>
+              <p14:nvPr/>
+            </p14:nvContentPartPr>
+            <p14:xfrm>
+              <a:off x="9155619" y="3402252"/>
+              <a:ext cx="360" cy="360"/>
+            </p14:xfrm>
+          </p:contentPart>
+        </mc:Choice>
+        <mc:Fallback xmlns="">
+          <p:pic>
+            <p:nvPicPr>
+              <p:cNvPr id="50" name="Input penna 49">
+                <a:extLst>
+                  <a:ext uri="{FF2B5EF4-FFF2-40B4-BE49-F238E27FC236}">
+                    <a16:creationId xmlns:a16="http://schemas.microsoft.com/office/drawing/2014/main" id="{6D2CC15D-CBA3-494C-B03B-300331A9647A}"/>
+                  </a:ext>
+                </a:extLst>
+              </p:cNvPr>
+              <p:cNvPicPr/>
+              <p:nvPr/>
+            </p:nvPicPr>
+            <p:blipFill>
+              <a:blip r:embed="rId8"/>
+              <a:stretch>
+                <a:fillRect/>
+              </a:stretch>
+            </p:blipFill>
+            <p:spPr>
+              <a:xfrm>
+                <a:off x="9092979" y="3339252"/>
+                <a:ext cx="126000" cy="126000"/>
+              </a:xfrm>
+              <a:prstGeom prst="rect">
+                <a:avLst/>
+              </a:prstGeom>
+            </p:spPr>
+          </p:pic>
+        </mc:Fallback>
+      </mc:AlternateContent>
     </p:spTree>
     <p:extLst>
       <p:ext uri="{BB962C8B-B14F-4D97-AF65-F5344CB8AC3E}">
-        <p14:creationId xmlns:p14="http://schemas.microsoft.com/office/powerpoint/2010/main" val="4284197351"/>
+        <p14:creationId xmlns:p14="http://schemas.microsoft.com/office/powerpoint/2010/main" val="3221518062"/>
       </p:ext>
     </p:extLst>
   </p:cSld>

--- a/Report/imgs/Presentazione standard1.pptx
+++ b/Report/imgs/Presentazione standard1.pptx
@@ -8173,7 +8173,7 @@
           <p:nvPr>
             <p:extLst>
               <p:ext uri="{D42A27DB-BD31-4B8C-83A1-F6EECF244321}">
-                <p14:modId xmlns:p14="http://schemas.microsoft.com/office/powerpoint/2010/main" val="435155947"/>
+                <p14:modId xmlns:p14="http://schemas.microsoft.com/office/powerpoint/2010/main" val="3672773887"/>
               </p:ext>
             </p:extLst>
           </p:nvPr>

--- a/Report/imgs/Presentazione standard1.pptx
+++ b/Report/imgs/Presentazione standard1.pptx
@@ -5,7 +5,7 @@
     <p:sldMasterId id="2147483648" r:id="rId1"/>
   </p:sldMasterIdLst>
   <p:notesMasterIdLst>
-    <p:notesMasterId r:id="rId28"/>
+    <p:notesMasterId r:id="rId29"/>
   </p:notesMasterIdLst>
   <p:sldIdLst>
     <p:sldId id="256" r:id="rId2"/>
@@ -30,10 +30,11 @@
     <p:sldId id="274" r:id="rId21"/>
     <p:sldId id="276" r:id="rId22"/>
     <p:sldId id="275" r:id="rId23"/>
-    <p:sldId id="280" r:id="rId24"/>
-    <p:sldId id="283" r:id="rId25"/>
-    <p:sldId id="282" r:id="rId26"/>
-    <p:sldId id="279" r:id="rId27"/>
+    <p:sldId id="284" r:id="rId24"/>
+    <p:sldId id="280" r:id="rId25"/>
+    <p:sldId id="283" r:id="rId26"/>
+    <p:sldId id="282" r:id="rId27"/>
+    <p:sldId id="279" r:id="rId28"/>
   </p:sldIdLst>
   <p:sldSz cx="12192000" cy="6858000"/>
   <p:notesSz cx="6858000" cy="9144000"/>
@@ -2182,7 +2183,7 @@
           <a:p>
             <a:fld id="{D6DC9C9C-EE79-784E-8586-1CA244E33F2D}" type="datetimeFigureOut">
               <a:rPr lang="it-IT" smtClean="0"/>
-              <a:t>23/12/20</a:t>
+              <a:t>24/12/20</a:t>
             </a:fld>
             <a:endParaRPr lang="it-IT" dirty="0"/>
           </a:p>
@@ -2598,7 +2599,7 @@
           <a:p>
             <a:fld id="{0F33EF6F-FE46-0C4F-93E5-E3A641400DBC}" type="slidenum">
               <a:rPr lang="it-IT" smtClean="0"/>
-              <a:t>23</a:t>
+              <a:t>24</a:t>
             </a:fld>
             <a:endParaRPr lang="it-IT" dirty="0"/>
           </a:p>
@@ -2682,7 +2683,7 @@
           <a:p>
             <a:fld id="{0F33EF6F-FE46-0C4F-93E5-E3A641400DBC}" type="slidenum">
               <a:rPr lang="it-IT" smtClean="0"/>
-              <a:t>24</a:t>
+              <a:t>25</a:t>
             </a:fld>
             <a:endParaRPr lang="it-IT" dirty="0"/>
           </a:p>
@@ -2766,7 +2767,7 @@
           <a:p>
             <a:fld id="{0F33EF6F-FE46-0C4F-93E5-E3A641400DBC}" type="slidenum">
               <a:rPr lang="it-IT" smtClean="0"/>
-              <a:t>25</a:t>
+              <a:t>26</a:t>
             </a:fld>
             <a:endParaRPr lang="it-IT" dirty="0"/>
           </a:p>
@@ -2932,7 +2933,7 @@
           <a:p>
             <a:fld id="{24E612C1-E274-2842-A0C2-757BE9233049}" type="datetimeFigureOut">
               <a:rPr lang="it-IT" smtClean="0"/>
-              <a:t>23/12/20</a:t>
+              <a:t>24/12/20</a:t>
             </a:fld>
             <a:endParaRPr lang="it-IT" dirty="0"/>
           </a:p>
@@ -3130,7 +3131,7 @@
           <a:p>
             <a:fld id="{24E612C1-E274-2842-A0C2-757BE9233049}" type="datetimeFigureOut">
               <a:rPr lang="it-IT" smtClean="0"/>
-              <a:t>23/12/20</a:t>
+              <a:t>24/12/20</a:t>
             </a:fld>
             <a:endParaRPr lang="it-IT" dirty="0"/>
           </a:p>
@@ -3338,7 +3339,7 @@
           <a:p>
             <a:fld id="{24E612C1-E274-2842-A0C2-757BE9233049}" type="datetimeFigureOut">
               <a:rPr lang="it-IT" smtClean="0"/>
-              <a:t>23/12/20</a:t>
+              <a:t>24/12/20</a:t>
             </a:fld>
             <a:endParaRPr lang="it-IT" dirty="0"/>
           </a:p>
@@ -3536,7 +3537,7 @@
           <a:p>
             <a:fld id="{24E612C1-E274-2842-A0C2-757BE9233049}" type="datetimeFigureOut">
               <a:rPr lang="it-IT" smtClean="0"/>
-              <a:t>23/12/20</a:t>
+              <a:t>24/12/20</a:t>
             </a:fld>
             <a:endParaRPr lang="it-IT" dirty="0"/>
           </a:p>
@@ -3811,7 +3812,7 @@
           <a:p>
             <a:fld id="{24E612C1-E274-2842-A0C2-757BE9233049}" type="datetimeFigureOut">
               <a:rPr lang="it-IT" smtClean="0"/>
-              <a:t>23/12/20</a:t>
+              <a:t>24/12/20</a:t>
             </a:fld>
             <a:endParaRPr lang="it-IT" dirty="0"/>
           </a:p>
@@ -4076,7 +4077,7 @@
           <a:p>
             <a:fld id="{24E612C1-E274-2842-A0C2-757BE9233049}" type="datetimeFigureOut">
               <a:rPr lang="it-IT" smtClean="0"/>
-              <a:t>23/12/20</a:t>
+              <a:t>24/12/20</a:t>
             </a:fld>
             <a:endParaRPr lang="it-IT" dirty="0"/>
           </a:p>
@@ -4488,7 +4489,7 @@
           <a:p>
             <a:fld id="{24E612C1-E274-2842-A0C2-757BE9233049}" type="datetimeFigureOut">
               <a:rPr lang="it-IT" smtClean="0"/>
-              <a:t>23/12/20</a:t>
+              <a:t>24/12/20</a:t>
             </a:fld>
             <a:endParaRPr lang="it-IT" dirty="0"/>
           </a:p>
@@ -4629,7 +4630,7 @@
           <a:p>
             <a:fld id="{24E612C1-E274-2842-A0C2-757BE9233049}" type="datetimeFigureOut">
               <a:rPr lang="it-IT" smtClean="0"/>
-              <a:t>23/12/20</a:t>
+              <a:t>24/12/20</a:t>
             </a:fld>
             <a:endParaRPr lang="it-IT" dirty="0"/>
           </a:p>
@@ -4742,7 +4743,7 @@
           <a:p>
             <a:fld id="{24E612C1-E274-2842-A0C2-757BE9233049}" type="datetimeFigureOut">
               <a:rPr lang="it-IT" smtClean="0"/>
-              <a:t>23/12/20</a:t>
+              <a:t>24/12/20</a:t>
             </a:fld>
             <a:endParaRPr lang="it-IT" dirty="0"/>
           </a:p>
@@ -5053,7 +5054,7 @@
           <a:p>
             <a:fld id="{24E612C1-E274-2842-A0C2-757BE9233049}" type="datetimeFigureOut">
               <a:rPr lang="it-IT" smtClean="0"/>
-              <a:t>23/12/20</a:t>
+              <a:t>24/12/20</a:t>
             </a:fld>
             <a:endParaRPr lang="it-IT" dirty="0"/>
           </a:p>
@@ -5341,7 +5342,7 @@
           <a:p>
             <a:fld id="{24E612C1-E274-2842-A0C2-757BE9233049}" type="datetimeFigureOut">
               <a:rPr lang="it-IT" smtClean="0"/>
-              <a:t>23/12/20</a:t>
+              <a:t>24/12/20</a:t>
             </a:fld>
             <a:endParaRPr lang="it-IT" dirty="0"/>
           </a:p>
@@ -5582,7 +5583,7 @@
           <a:p>
             <a:fld id="{24E612C1-E274-2842-A0C2-757BE9233049}" type="datetimeFigureOut">
               <a:rPr lang="it-IT" smtClean="0"/>
-              <a:t>23/12/20</a:t>
+              <a:t>24/12/20</a:t>
             </a:fld>
             <a:endParaRPr lang="it-IT" dirty="0"/>
           </a:p>
@@ -7105,9 +7106,33 @@
                     <a:p>
                       <a:pPr algn="ctr"/>
                       <a:r>
-                        <a:rPr lang="it-IT" dirty="0" err="1"/>
-                        <a:t>Satisfaction</a:t>
-                      </a:r>
+                        <a:rPr lang="it-IT" dirty="0"/>
+                        <a:t>Satisfaction(%)</a:t>
+                      </a:r>
+                    </a:p>
+                  </a:txBody>
+                  <a:tcPr/>
+                </a:tc>
+                <a:tc>
+                  <a:txBody>
+                    <a:bodyPr/>
+                    <a:lstStyle/>
+                    <a:p>
+                      <a:pPr algn="ctr"/>
+                      <a:r>
+                        <a:rPr lang="it-IT" dirty="0"/>
+                        <a:t>Job</a:t>
+                      </a:r>
+                    </a:p>
+                    <a:p>
+                      <a:pPr algn="ctr"/>
+                      <a:r>
+                        <a:rPr lang="it-IT" dirty="0"/>
+                        <a:t>Involvement</a:t>
+                      </a:r>
+                    </a:p>
+                    <a:p>
+                      <a:pPr algn="ctr"/>
                       <a:r>
                         <a:rPr lang="it-IT" dirty="0"/>
                         <a:t>(%)</a:t>
@@ -7123,21 +7148,21 @@
                     <a:p>
                       <a:pPr algn="ctr"/>
                       <a:r>
-                        <a:rPr lang="it-IT"/>
+                        <a:rPr lang="it-IT" dirty="0"/>
                         <a:t>Job</a:t>
                       </a:r>
                     </a:p>
                     <a:p>
                       <a:pPr algn="ctr"/>
                       <a:r>
-                        <a:rPr lang="it-IT"/>
-                        <a:t>Involvement</a:t>
-                      </a:r>
-                    </a:p>
-                    <a:p>
-                      <a:pPr algn="ctr"/>
-                      <a:r>
-                        <a:rPr lang="it-IT"/>
+                        <a:rPr lang="it-IT" dirty="0"/>
+                        <a:t>Satisfaction</a:t>
+                      </a:r>
+                    </a:p>
+                    <a:p>
+                      <a:pPr algn="ctr"/>
+                      <a:r>
+                        <a:rPr lang="it-IT" dirty="0"/>
                         <a:t>(%)</a:t>
                       </a:r>
                     </a:p>
@@ -7151,21 +7176,49 @@
                     <a:p>
                       <a:pPr algn="ctr"/>
                       <a:r>
-                        <a:rPr lang="it-IT"/>
-                        <a:t>Job</a:t>
-                      </a:r>
-                    </a:p>
-                    <a:p>
-                      <a:pPr algn="ctr"/>
-                      <a:r>
-                        <a:rPr lang="it-IT"/>
+                        <a:rPr lang="it-IT" dirty="0"/>
+                        <a:t>Performance</a:t>
+                      </a:r>
+                    </a:p>
+                    <a:p>
+                      <a:pPr algn="ctr"/>
+                      <a:r>
+                        <a:rPr lang="it-IT" dirty="0"/>
+                        <a:t>Rating</a:t>
+                      </a:r>
+                    </a:p>
+                    <a:p>
+                      <a:pPr algn="ctr"/>
+                      <a:r>
+                        <a:rPr lang="it-IT" dirty="0"/>
+                        <a:t>(%)</a:t>
+                      </a:r>
+                    </a:p>
+                  </a:txBody>
+                  <a:tcPr/>
+                </a:tc>
+                <a:tc>
+                  <a:txBody>
+                    <a:bodyPr/>
+                    <a:lstStyle/>
+                    <a:p>
+                      <a:pPr algn="ctr"/>
+                      <a:r>
+                        <a:rPr lang="it-IT" dirty="0"/>
+                        <a:t>Relationship</a:t>
+                      </a:r>
+                    </a:p>
+                    <a:p>
+                      <a:pPr algn="ctr"/>
+                      <a:r>
+                        <a:rPr lang="it-IT" dirty="0"/>
                         <a:t>Satisfaction</a:t>
                       </a:r>
                     </a:p>
                     <a:p>
                       <a:pPr algn="ctr"/>
                       <a:r>
-                        <a:rPr lang="it-IT"/>
+                        <a:rPr lang="it-IT" dirty="0"/>
                         <a:t>(%)</a:t>
                       </a:r>
                     </a:p>
@@ -7179,77 +7232,21 @@
                     <a:p>
                       <a:pPr algn="ctr"/>
                       <a:r>
-                        <a:rPr lang="it-IT"/>
-                        <a:t>Performance</a:t>
-                      </a:r>
-                    </a:p>
-                    <a:p>
-                      <a:pPr algn="ctr"/>
-                      <a:r>
-                        <a:rPr lang="it-IT"/>
-                        <a:t>Rating</a:t>
-                      </a:r>
-                    </a:p>
-                    <a:p>
-                      <a:pPr algn="ctr"/>
-                      <a:r>
-                        <a:rPr lang="it-IT"/>
-                        <a:t>(%)</a:t>
-                      </a:r>
-                    </a:p>
-                  </a:txBody>
-                  <a:tcPr/>
-                </a:tc>
-                <a:tc>
-                  <a:txBody>
-                    <a:bodyPr/>
-                    <a:lstStyle/>
-                    <a:p>
-                      <a:pPr algn="ctr"/>
-                      <a:r>
-                        <a:rPr lang="it-IT"/>
-                        <a:t>Relationship</a:t>
-                      </a:r>
-                    </a:p>
-                    <a:p>
-                      <a:pPr algn="ctr"/>
-                      <a:r>
-                        <a:rPr lang="it-IT"/>
-                        <a:t>Satisfaction</a:t>
-                      </a:r>
-                    </a:p>
-                    <a:p>
-                      <a:pPr algn="ctr"/>
-                      <a:r>
-                        <a:rPr lang="it-IT"/>
-                        <a:t>(%)</a:t>
-                      </a:r>
-                    </a:p>
-                  </a:txBody>
-                  <a:tcPr/>
-                </a:tc>
-                <a:tc>
-                  <a:txBody>
-                    <a:bodyPr/>
-                    <a:lstStyle/>
-                    <a:p>
-                      <a:pPr algn="ctr"/>
-                      <a:r>
-                        <a:rPr lang="it-IT"/>
+                        <a:rPr lang="it-IT" dirty="0"/>
                         <a:t>Worklife</a:t>
                       </a:r>
                     </a:p>
                     <a:p>
                       <a:pPr algn="ctr"/>
                       <a:r>
-                        <a:rPr lang="it-IT"/>
+                        <a:rPr lang="it-IT" dirty="0"/>
                         <a:t>Balance</a:t>
                       </a:r>
                     </a:p>
                     <a:p>
                       <a:pPr algn="ctr"/>
                       <a:r>
-                        <a:rPr lang="it-IT"/>
+                        <a:rPr lang="it-IT" dirty="0"/>
                         <a:t>(%)</a:t>
                       </a:r>
                     </a:p>
@@ -7270,7 +7267,7 @@
                     <a:p>
                       <a:pPr algn="ctr"/>
                       <a:r>
-                        <a:rPr lang="it-IT"/>
+                        <a:rPr lang="it-IT" dirty="0"/>
                         <a:t>Low</a:t>
                       </a:r>
                     </a:p>
@@ -7284,7 +7281,7 @@
                     <a:p>
                       <a:pPr algn="ctr"/>
                       <a:r>
-                        <a:rPr lang="it-IT"/>
+                        <a:rPr lang="it-IT" dirty="0"/>
                         <a:t>19.2177</a:t>
                       </a:r>
                     </a:p>
@@ -7298,7 +7295,7 @@
                     <a:p>
                       <a:pPr algn="ctr"/>
                       <a:r>
-                        <a:rPr lang="it-IT"/>
+                        <a:rPr lang="it-IT" dirty="0"/>
                         <a:t>5.5272</a:t>
                       </a:r>
                     </a:p>
@@ -7312,7 +7309,7 @@
                     <a:p>
                       <a:pPr algn="ctr"/>
                       <a:r>
-                        <a:rPr lang="it-IT"/>
+                        <a:rPr lang="it-IT" dirty="0"/>
                         <a:t>19.9830</a:t>
                       </a:r>
                     </a:p>
@@ -7326,7 +7323,7 @@
                     <a:p>
                       <a:pPr algn="ctr"/>
                       <a:r>
-                        <a:rPr lang="it-IT"/>
+                        <a:rPr lang="it-IT" dirty="0"/>
                         <a:t>00.0000</a:t>
                       </a:r>
                     </a:p>
@@ -7340,7 +7337,7 @@
                     <a:p>
                       <a:pPr algn="ctr"/>
                       <a:r>
-                        <a:rPr lang="it-IT"/>
+                        <a:rPr lang="it-IT" dirty="0"/>
                         <a:t>19.3878</a:t>
                       </a:r>
                     </a:p>
@@ -7354,7 +7351,7 @@
                     <a:p>
                       <a:pPr algn="ctr"/>
                       <a:r>
-                        <a:rPr lang="it-IT"/>
+                        <a:rPr lang="it-IT" dirty="0"/>
                         <a:t>5.6973</a:t>
                       </a:r>
                     </a:p>
@@ -7375,7 +7372,7 @@
                     <a:p>
                       <a:pPr algn="ctr"/>
                       <a:r>
-                        <a:rPr lang="it-IT"/>
+                        <a:rPr lang="it-IT" dirty="0"/>
                         <a:t>Medium</a:t>
                       </a:r>
                     </a:p>
@@ -7389,7 +7386,7 @@
                     <a:p>
                       <a:pPr algn="ctr"/>
                       <a:r>
-                        <a:rPr lang="it-IT"/>
+                        <a:rPr lang="it-IT" dirty="0"/>
                         <a:t>19.8129</a:t>
                       </a:r>
                     </a:p>
@@ -7403,7 +7400,7 @@
                     <a:p>
                       <a:pPr algn="ctr"/>
                       <a:r>
-                        <a:rPr lang="it-IT"/>
+                        <a:rPr lang="it-IT" dirty="0"/>
                         <a:t>25.7653</a:t>
                       </a:r>
                     </a:p>
@@ -7417,7 +7414,7 @@
                     <a:p>
                       <a:pPr algn="ctr"/>
                       <a:r>
-                        <a:rPr lang="it-IT"/>
+                        <a:rPr lang="it-IT" dirty="0"/>
                         <a:t>19.9830</a:t>
                       </a:r>
                     </a:p>
@@ -7447,7 +7444,7 @@
                         <a:defRPr/>
                       </a:pPr>
                       <a:r>
-                        <a:rPr lang="it-IT"/>
+                        <a:rPr lang="it-IT" dirty="0"/>
                         <a:t>00.0000</a:t>
                       </a:r>
                     </a:p>
@@ -7461,7 +7458,7 @@
                     <a:p>
                       <a:pPr algn="ctr"/>
                       <a:r>
-                        <a:rPr lang="it-IT"/>
+                        <a:rPr lang="it-IT" dirty="0"/>
                         <a:t>20.7483</a:t>
                       </a:r>
                     </a:p>
@@ -7475,7 +7472,7 @@
                     <a:p>
                       <a:pPr algn="ctr"/>
                       <a:r>
-                        <a:rPr lang="it-IT"/>
+                        <a:rPr lang="it-IT" dirty="0"/>
                         <a:t>23.1293</a:t>
                       </a:r>
                     </a:p>
@@ -7496,7 +7493,7 @@
                     <a:p>
                       <a:pPr algn="ctr"/>
                       <a:r>
-                        <a:rPr lang="it-IT"/>
+                        <a:rPr lang="it-IT" dirty="0"/>
                         <a:t>High</a:t>
                       </a:r>
                     </a:p>
@@ -7510,7 +7507,7 @@
                     <a:p>
                       <a:pPr algn="ctr"/>
                       <a:r>
-                        <a:rPr lang="it-IT"/>
+                        <a:rPr lang="it-IT" dirty="0"/>
                         <a:t>29.8469</a:t>
                       </a:r>
                     </a:p>
@@ -7524,7 +7521,7 @@
                     <a:p>
                       <a:pPr algn="ctr"/>
                       <a:r>
-                        <a:rPr lang="it-IT"/>
+                        <a:rPr lang="it-IT" dirty="0"/>
                         <a:t>58.3333</a:t>
                       </a:r>
                     </a:p>
@@ -7538,7 +7535,7 @@
                     <a:p>
                       <a:pPr algn="ctr"/>
                       <a:r>
-                        <a:rPr lang="it-IT"/>
+                        <a:rPr lang="it-IT" dirty="0"/>
                         <a:t>29.8469</a:t>
                       </a:r>
                     </a:p>
@@ -7552,7 +7549,7 @@
                     <a:p>
                       <a:pPr algn="ctr"/>
                       <a:r>
-                        <a:rPr lang="it-IT"/>
+                        <a:rPr lang="it-IT" dirty="0"/>
                         <a:t>84.7784</a:t>
                       </a:r>
                     </a:p>
@@ -7566,7 +7563,7 @@
                     <a:p>
                       <a:pPr algn="ctr"/>
                       <a:r>
-                        <a:rPr lang="it-IT"/>
+                        <a:rPr lang="it-IT" dirty="0"/>
                         <a:t>30.1020</a:t>
                       </a:r>
                     </a:p>
@@ -7580,7 +7577,7 @@
                     <a:p>
                       <a:pPr algn="ctr"/>
                       <a:r>
-                        <a:rPr lang="it-IT"/>
+                        <a:rPr lang="it-IT" dirty="0"/>
                         <a:t>61.0544</a:t>
                       </a:r>
                     </a:p>
@@ -7601,7 +7598,7 @@
                     <a:p>
                       <a:pPr algn="ctr"/>
                       <a:r>
-                        <a:rPr lang="it-IT"/>
+                        <a:rPr lang="it-IT" dirty="0"/>
                         <a:t>Excellent</a:t>
                       </a:r>
                     </a:p>
@@ -7615,7 +7612,7 @@
                     <a:p>
                       <a:pPr algn="ctr"/>
                       <a:r>
-                        <a:rPr lang="it-IT"/>
+                        <a:rPr lang="it-IT" dirty="0"/>
                         <a:t>31.1224</a:t>
                       </a:r>
                     </a:p>
@@ -7629,7 +7626,7 @@
                     <a:p>
                       <a:pPr algn="ctr"/>
                       <a:r>
-                        <a:rPr lang="it-IT"/>
+                        <a:rPr lang="it-IT" dirty="0"/>
                         <a:t>10.3741</a:t>
                       </a:r>
                     </a:p>
@@ -7643,7 +7640,7 @@
                     <a:p>
                       <a:pPr algn="ctr"/>
                       <a:r>
-                        <a:rPr lang="it-IT"/>
+                        <a:rPr lang="it-IT" dirty="0"/>
                         <a:t>30.1871</a:t>
                       </a:r>
                     </a:p>
@@ -7657,7 +7654,7 @@
                     <a:p>
                       <a:pPr algn="ctr"/>
                       <a:r>
-                        <a:rPr lang="it-IT"/>
+                        <a:rPr lang="it-IT" dirty="0"/>
                         <a:t>15.2216</a:t>
                       </a:r>
                     </a:p>
@@ -7671,7 +7668,7 @@
                     <a:p>
                       <a:pPr algn="ctr"/>
                       <a:r>
-                        <a:rPr lang="it-IT"/>
+                        <a:rPr lang="it-IT" dirty="0"/>
                         <a:t>29.7619</a:t>
                       </a:r>
                     </a:p>
@@ -7685,7 +7682,7 @@
                     <a:p>
                       <a:pPr algn="ctr"/>
                       <a:r>
-                        <a:rPr lang="it-IT"/>
+                        <a:rPr lang="it-IT" dirty="0"/>
                         <a:t>10.1190</a:t>
                       </a:r>
                     </a:p>
@@ -8557,7 +8554,7 @@
                     <a:p>
                       <a:pPr algn="ctr"/>
                       <a:r>
-                        <a:rPr lang="it-IT"/>
+                        <a:rPr lang="it-IT" dirty="0"/>
                         <a:t>Excellent</a:t>
                       </a:r>
                     </a:p>
@@ -8955,7 +8952,7 @@
                     <a:p>
                       <a:pPr algn="ctr"/>
                       <a:r>
-                        <a:rPr lang="it-IT" sz="1100"/>
+                        <a:rPr lang="it-IT" sz="1100" dirty="0"/>
                         <a:t>Class = ‘No’</a:t>
                       </a:r>
                     </a:p>
@@ -8969,7 +8966,7 @@
                     <a:p>
                       <a:pPr algn="ctr"/>
                       <a:r>
-                        <a:rPr lang="it-IT" sz="1100"/>
+                        <a:rPr lang="it-IT" sz="1100" dirty="0"/>
                         <a:t>Class = ‘Yes’</a:t>
                       </a:r>
                     </a:p>
@@ -9016,7 +9013,7 @@
                         <a:defRPr/>
                       </a:pPr>
                       <a:r>
-                        <a:rPr lang="it-IT" sz="1100"/>
+                        <a:rPr lang="it-IT" sz="1100" dirty="0"/>
                         <a:t>Class = ‘No’</a:t>
                       </a:r>
                     </a:p>
@@ -9105,7 +9102,7 @@
                         <a:defRPr/>
                       </a:pPr>
                       <a:r>
-                        <a:rPr lang="it-IT" sz="1100"/>
+                        <a:rPr lang="it-IT" sz="1100" dirty="0"/>
                         <a:t>Class = ‘Yes’</a:t>
                       </a:r>
                     </a:p>
@@ -9319,7 +9316,7 @@
                     <a:p>
                       <a:pPr algn="ctr"/>
                       <a:r>
-                        <a:rPr lang="it-IT" sz="1100"/>
+                        <a:rPr lang="it-IT" sz="1100" dirty="0"/>
                         <a:t>Class = ‘No’</a:t>
                       </a:r>
                     </a:p>
@@ -9333,7 +9330,7 @@
                     <a:p>
                       <a:pPr algn="ctr"/>
                       <a:r>
-                        <a:rPr lang="it-IT" sz="1100"/>
+                        <a:rPr lang="it-IT" sz="1100" dirty="0"/>
                         <a:t>Class = ‘Yes’</a:t>
                       </a:r>
                     </a:p>
@@ -9380,7 +9377,7 @@
                         <a:defRPr/>
                       </a:pPr>
                       <a:r>
-                        <a:rPr lang="it-IT" sz="1100"/>
+                        <a:rPr lang="it-IT" sz="1100" dirty="0"/>
                         <a:t>Class = ‘No’</a:t>
                       </a:r>
                     </a:p>
@@ -9469,7 +9466,7 @@
                         <a:defRPr/>
                       </a:pPr>
                       <a:r>
-                        <a:rPr lang="it-IT" sz="1100"/>
+                        <a:rPr lang="it-IT" sz="1100" dirty="0"/>
                         <a:t>Class = ‘Yes’</a:t>
                       </a:r>
                     </a:p>
@@ -9655,8 +9652,13 @@
                       <a:pPr algn="ctr"/>
                       <a:r>
                         <a:rPr lang="it-IT" sz="1200" dirty="0"/>
-                        <a:t>max depth</a:t>
-                      </a:r>
+                        <a:t>max </a:t>
+                      </a:r>
+                      <a:r>
+                        <a:rPr lang="it-IT" sz="1200" dirty="0" err="1"/>
+                        <a:t>depth</a:t>
+                      </a:r>
+                      <a:endParaRPr lang="it-IT" sz="1200" dirty="0"/>
                     </a:p>
                   </a:txBody>
                   <a:tcPr/>
@@ -9669,21 +9671,42 @@
                       <a:pPr algn="ctr"/>
                       <a:r>
                         <a:rPr lang="it-IT" sz="1200" dirty="0"/>
-                        <a:t>min samples leaf</a:t>
-                      </a:r>
-                    </a:p>
-                  </a:txBody>
-                  <a:tcPr/>
-                </a:tc>
-                <a:tc>
-                  <a:txBody>
-                    <a:bodyPr/>
-                    <a:lstStyle/>
-                    <a:p>
-                      <a:pPr algn="ctr"/>
+                        <a:t>min </a:t>
+                      </a:r>
+                      <a:r>
+                        <a:rPr lang="it-IT" sz="1200" dirty="0" err="1"/>
+                        <a:t>samples</a:t>
+                      </a:r>
                       <a:r>
                         <a:rPr lang="it-IT" sz="1200" dirty="0"/>
-                        <a:t>min samples split</a:t>
+                        <a:t> </a:t>
+                      </a:r>
+                      <a:r>
+                        <a:rPr lang="it-IT" sz="1200" dirty="0" err="1"/>
+                        <a:t>leaf</a:t>
+                      </a:r>
+                      <a:endParaRPr lang="it-IT" sz="1200" dirty="0"/>
+                    </a:p>
+                  </a:txBody>
+                  <a:tcPr/>
+                </a:tc>
+                <a:tc>
+                  <a:txBody>
+                    <a:bodyPr/>
+                    <a:lstStyle/>
+                    <a:p>
+                      <a:pPr algn="ctr"/>
+                      <a:r>
+                        <a:rPr lang="it-IT" sz="1200" dirty="0"/>
+                        <a:t>min </a:t>
+                      </a:r>
+                      <a:r>
+                        <a:rPr lang="it-IT" sz="1200" dirty="0" err="1"/>
+                        <a:t>samples</a:t>
+                      </a:r>
+                      <a:r>
+                        <a:rPr lang="it-IT" sz="1200" dirty="0"/>
+                        <a:t> split</a:t>
                       </a:r>
                     </a:p>
                   </a:txBody>
@@ -10229,8 +10252,13 @@
                       <a:pPr algn="l"/>
                       <a:r>
                         <a:rPr lang="it-IT" sz="1200" dirty="0"/>
-                        <a:t>max depth</a:t>
-                      </a:r>
+                        <a:t>max </a:t>
+                      </a:r>
+                      <a:r>
+                        <a:rPr lang="it-IT" sz="1200" dirty="0" err="1"/>
+                        <a:t>depth</a:t>
+                      </a:r>
+                      <a:endParaRPr lang="it-IT" sz="1200" dirty="0"/>
                     </a:p>
                   </a:txBody>
                   <a:tcPr/>
@@ -10243,8 +10271,21 @@
                       <a:pPr algn="l"/>
                       <a:r>
                         <a:rPr lang="it-IT" sz="1200" dirty="0"/>
-                        <a:t>min samples leaf</a:t>
-                      </a:r>
+                        <a:t>min </a:t>
+                      </a:r>
+                      <a:r>
+                        <a:rPr lang="it-IT" sz="1200" dirty="0" err="1"/>
+                        <a:t>samples</a:t>
+                      </a:r>
+                      <a:r>
+                        <a:rPr lang="it-IT" sz="1200" dirty="0"/>
+                        <a:t> </a:t>
+                      </a:r>
+                      <a:r>
+                        <a:rPr lang="it-IT" sz="1200" dirty="0" err="1"/>
+                        <a:t>leaf</a:t>
+                      </a:r>
+                      <a:endParaRPr lang="it-IT" sz="1200" dirty="0"/>
                     </a:p>
                   </a:txBody>
                   <a:tcPr/>
@@ -10257,7 +10298,15 @@
                       <a:pPr algn="l"/>
                       <a:r>
                         <a:rPr lang="it-IT" sz="1200" dirty="0"/>
-                        <a:t>min samples split</a:t>
+                        <a:t>min </a:t>
+                      </a:r>
+                      <a:r>
+                        <a:rPr lang="it-IT" sz="1200" dirty="0" err="1"/>
+                        <a:t>samples</a:t>
+                      </a:r>
+                      <a:r>
+                        <a:rPr lang="it-IT" sz="1200" dirty="0"/>
+                        <a:t> split</a:t>
                       </a:r>
                     </a:p>
                     <a:p>
@@ -10302,7 +10351,7 @@
                     <a:p>
                       <a:pPr algn="ctr"/>
                       <a:r>
-                        <a:rPr lang="it-IT" sz="1200" dirty="0"/>
+                        <a:rPr lang="it-IT" sz="1200"/>
                         <a:t>Precision</a:t>
                       </a:r>
                     </a:p>
@@ -10330,7 +10379,7 @@
                     <a:p>
                       <a:pPr algn="ctr"/>
                       <a:r>
-                        <a:rPr lang="it-IT" sz="1200" dirty="0"/>
+                        <a:rPr lang="it-IT" sz="1200"/>
                         <a:t>F-Score</a:t>
                       </a:r>
                     </a:p>
@@ -10351,7 +10400,7 @@
                     <a:p>
                       <a:pPr algn="ctr"/>
                       <a:r>
-                        <a:rPr lang="it-IT" sz="1100" dirty="0"/>
+                        <a:rPr lang="it-IT" sz="1100"/>
                         <a:t>46</a:t>
                       </a:r>
                     </a:p>
@@ -10365,7 +10414,7 @@
                     <a:p>
                       <a:pPr algn="ctr"/>
                       <a:r>
-                        <a:rPr lang="it-IT" sz="1100" dirty="0"/>
+                        <a:rPr lang="it-IT" sz="1100"/>
                         <a:t>1</a:t>
                       </a:r>
                     </a:p>
@@ -10379,7 +10428,7 @@
                     <a:p>
                       <a:pPr algn="ctr"/>
                       <a:r>
-                        <a:rPr lang="it-IT" sz="1100" dirty="0"/>
+                        <a:rPr lang="it-IT" sz="1100"/>
                         <a:t>10</a:t>
                       </a:r>
                     </a:p>
@@ -10393,7 +10442,7 @@
                     <a:p>
                       <a:pPr algn="ctr"/>
                       <a:r>
-                        <a:rPr lang="it-IT" sz="1100" dirty="0"/>
+                        <a:rPr lang="it-IT" sz="1100"/>
                         <a:t>Training (4-fold cv)</a:t>
                       </a:r>
                     </a:p>
@@ -10407,7 +10456,7 @@
                     <a:p>
                       <a:pPr algn="ctr"/>
                       <a:r>
-                        <a:rPr lang="it-IT" sz="1100" dirty="0"/>
+                        <a:rPr lang="it-IT" sz="1100"/>
                         <a:t>0.8512 (+/- 0.01)</a:t>
                       </a:r>
                     </a:p>
@@ -10421,7 +10470,7 @@
                     <a:p>
                       <a:pPr algn="ctr"/>
                       <a:r>
-                        <a:rPr lang="it-IT" sz="1100" dirty="0"/>
+                        <a:rPr lang="it-IT" sz="1100"/>
                         <a:t>0.8520 (+/- 0.04)</a:t>
                       </a:r>
                     </a:p>
@@ -10435,7 +10484,7 @@
                     <a:p>
                       <a:pPr algn="ctr"/>
                       <a:r>
-                        <a:rPr lang="it-IT" sz="1100" dirty="0"/>
+                        <a:rPr lang="it-IT" sz="1100"/>
                         <a:t>0.8529 (+/- 0.02) </a:t>
                       </a:r>
                     </a:p>
@@ -10449,7 +10498,7 @@
                     <a:p>
                       <a:pPr algn="ctr"/>
                       <a:r>
-                        <a:rPr lang="it-IT" sz="1100" dirty="0"/>
+                        <a:rPr lang="it-IT" sz="1100"/>
                         <a:t>0.7984 (+/- 0.02)</a:t>
                       </a:r>
                     </a:p>
@@ -10500,7 +10549,7 @@
                     <a:p>
                       <a:pPr algn="ctr"/>
                       <a:r>
-                        <a:rPr lang="it-IT" sz="1100" dirty="0"/>
+                        <a:rPr lang="it-IT" sz="1100"/>
                         <a:t>Training</a:t>
                       </a:r>
                     </a:p>
@@ -10514,7 +10563,7 @@
                     <a:p>
                       <a:pPr algn="ctr"/>
                       <a:r>
-                        <a:rPr lang="it-IT" sz="1100" dirty="0"/>
+                        <a:rPr lang="it-IT" sz="1100"/>
                         <a:t>0.9404</a:t>
                       </a:r>
                     </a:p>
@@ -10528,7 +10577,7 @@
                     <a:p>
                       <a:pPr algn="ctr"/>
                       <a:r>
-                        <a:rPr lang="it-IT" sz="1100" dirty="0"/>
+                        <a:rPr lang="it-IT" sz="1100"/>
                         <a:t>0.9335</a:t>
                       </a:r>
                     </a:p>
@@ -10542,7 +10591,7 @@
                     <a:p>
                       <a:pPr algn="ctr"/>
                       <a:r>
-                        <a:rPr lang="it-IT" sz="1100" dirty="0"/>
+                        <a:rPr lang="it-IT" sz="1100"/>
                         <a:t>1.0</a:t>
                       </a:r>
                     </a:p>
@@ -10556,7 +10605,7 @@
                     <a:p>
                       <a:pPr algn="ctr"/>
                       <a:r>
-                        <a:rPr lang="it-IT" sz="1100" dirty="0"/>
+                        <a:rPr lang="it-IT" sz="1100"/>
                         <a:t>0.9656</a:t>
                       </a:r>
                     </a:p>
@@ -10607,7 +10656,7 @@
                     <a:p>
                       <a:pPr algn="ctr"/>
                       <a:r>
-                        <a:rPr lang="it-IT" sz="1100" dirty="0"/>
+                        <a:rPr lang="it-IT" sz="1100"/>
                         <a:t>Test</a:t>
                       </a:r>
                     </a:p>
@@ -10637,7 +10686,7 @@
                         <a:defRPr/>
                       </a:pPr>
                       <a:r>
-                        <a:rPr lang="it-IT" sz="1100" dirty="0"/>
+                        <a:rPr lang="it-IT" sz="1100"/>
                         <a:t>0.8503</a:t>
                       </a:r>
                     </a:p>
@@ -10667,7 +10716,7 @@
                         <a:defRPr/>
                       </a:pPr>
                       <a:r>
-                        <a:rPr lang="it-IT" sz="1100" dirty="0"/>
+                        <a:rPr lang="it-IT" sz="1100"/>
                         <a:t>0.8596</a:t>
                       </a:r>
                     </a:p>
@@ -10697,7 +10746,7 @@
                         <a:defRPr/>
                       </a:pPr>
                       <a:r>
-                        <a:rPr lang="it-IT" sz="1100" dirty="0"/>
+                        <a:rPr lang="it-IT" sz="1100"/>
                         <a:t>0.9839</a:t>
                       </a:r>
                     </a:p>
@@ -10727,7 +10776,7 @@
                         <a:defRPr/>
                       </a:pPr>
                       <a:r>
-                        <a:rPr lang="it-IT" sz="1100" dirty="0"/>
+                        <a:rPr lang="it-IT" sz="1100"/>
                         <a:t>0.9176</a:t>
                       </a:r>
                     </a:p>
@@ -10812,14 +10861,14 @@
                     <a:p>
                       <a:pPr algn="ctr"/>
                       <a:r>
-                        <a:rPr lang="it-IT" sz="1200" dirty="0"/>
+                        <a:rPr lang="it-IT" sz="1200"/>
                         <a:t>KNN k=6</a:t>
                       </a:r>
                     </a:p>
                     <a:p>
                       <a:pPr algn="ctr"/>
                       <a:r>
-                        <a:rPr lang="it-IT" sz="1200" dirty="0"/>
+                        <a:rPr lang="it-IT" sz="1200"/>
                         <a:t>Test set</a:t>
                       </a:r>
                     </a:p>
@@ -10887,7 +10936,7 @@
                     <a:lstStyle/>
                     <a:p>
                       <a:pPr algn="ctr"/>
-                      <a:endParaRPr lang="it-IT" sz="1100" dirty="0"/>
+                      <a:endParaRPr lang="it-IT" sz="1100"/>
                     </a:p>
                   </a:txBody>
                   <a:tcPr anchor="ctr"/>
@@ -10974,14 +11023,14 @@
                     <a:p>
                       <a:pPr algn="ctr"/>
                       <a:r>
-                        <a:rPr lang="it-IT" sz="1100" dirty="0"/>
+                        <a:rPr lang="it-IT" sz="1100"/>
                         <a:t>247</a:t>
                       </a:r>
                     </a:p>
                     <a:p>
                       <a:pPr algn="ctr"/>
                       <a:r>
-                        <a:rPr lang="it-IT" sz="1100" dirty="0"/>
+                        <a:rPr lang="it-IT" sz="1100"/>
                         <a:t>(TP)</a:t>
                       </a:r>
                     </a:p>
@@ -10995,14 +11044,14 @@
                     <a:p>
                       <a:pPr algn="ctr"/>
                       <a:r>
-                        <a:rPr lang="it-IT" sz="1100" dirty="0"/>
+                        <a:rPr lang="it-IT" sz="1100"/>
                         <a:t>2</a:t>
                       </a:r>
                     </a:p>
                     <a:p>
                       <a:pPr algn="ctr"/>
                       <a:r>
-                        <a:rPr lang="it-IT" sz="1100" dirty="0"/>
+                        <a:rPr lang="it-IT" sz="1100"/>
                         <a:t>(FN)</a:t>
                       </a:r>
                     </a:p>
@@ -11063,14 +11112,14 @@
                     <a:p>
                       <a:pPr algn="ctr"/>
                       <a:r>
-                        <a:rPr lang="it-IT" sz="1100" dirty="0"/>
+                        <a:rPr lang="it-IT" sz="1100"/>
                         <a:t>43</a:t>
                       </a:r>
                     </a:p>
                     <a:p>
                       <a:pPr algn="ctr"/>
                       <a:r>
-                        <a:rPr lang="it-IT" sz="1100" dirty="0"/>
+                        <a:rPr lang="it-IT" sz="1100"/>
                         <a:t>(FP)</a:t>
                       </a:r>
                     </a:p>
@@ -11084,14 +11133,14 @@
                     <a:p>
                       <a:pPr algn="ctr"/>
                       <a:r>
-                        <a:rPr lang="it-IT" sz="1100" dirty="0"/>
+                        <a:rPr lang="it-IT" sz="1100"/>
                         <a:t>2</a:t>
                       </a:r>
                     </a:p>
                     <a:p>
                       <a:pPr algn="ctr"/>
                       <a:r>
-                        <a:rPr lang="it-IT" sz="1100" dirty="0"/>
+                        <a:rPr lang="it-IT" sz="1100"/>
                         <a:t>(TN)</a:t>
                       </a:r>
                     </a:p>
@@ -11289,7 +11338,7 @@
                     <a:p>
                       <a:pPr algn="ctr"/>
                       <a:r>
-                        <a:rPr lang="it-IT"/>
+                        <a:rPr lang="it-IT" dirty="0"/>
                         <a:t> val</a:t>
                       </a:r>
                     </a:p>
@@ -11303,7 +11352,7 @@
                     <a:p>
                       <a:pPr algn="ctr"/>
                       <a:r>
-                        <a:rPr lang="it-IT"/>
+                        <a:rPr lang="it-IT" dirty="0"/>
                         <a:t>class</a:t>
                       </a:r>
                     </a:p>
@@ -11317,7 +11366,7 @@
                     <a:p>
                       <a:pPr algn="ctr"/>
                       <a:r>
-                        <a:rPr lang="it-IT"/>
+                        <a:rPr lang="it-IT" dirty="0"/>
                         <a:t>Distribution (%)</a:t>
                       </a:r>
                     </a:p>
@@ -11338,7 +11387,7 @@
                     <a:p>
                       <a:pPr algn="ctr"/>
                       <a:r>
-                        <a:rPr lang="it-IT"/>
+                        <a:rPr lang="it-IT" dirty="0"/>
                         <a:t>1</a:t>
                       </a:r>
                     </a:p>
@@ -11352,7 +11401,7 @@
                     <a:p>
                       <a:pPr algn="ctr"/>
                       <a:r>
-                        <a:rPr lang="it-IT"/>
+                        <a:rPr lang="it-IT" dirty="0"/>
                         <a:t>Below college</a:t>
                       </a:r>
                     </a:p>
@@ -11366,7 +11415,7 @@
                     <a:p>
                       <a:pPr algn="ctr"/>
                       <a:r>
-                        <a:rPr lang="it-IT"/>
+                        <a:rPr lang="it-IT" dirty="0"/>
                         <a:t>11.8197</a:t>
                       </a:r>
                     </a:p>
@@ -11387,7 +11436,7 @@
                     <a:p>
                       <a:pPr algn="ctr"/>
                       <a:r>
-                        <a:rPr lang="it-IT"/>
+                        <a:rPr lang="it-IT" dirty="0"/>
                         <a:t>2</a:t>
                       </a:r>
                     </a:p>
@@ -11401,7 +11450,7 @@
                     <a:p>
                       <a:pPr algn="ctr"/>
                       <a:r>
-                        <a:rPr lang="it-IT"/>
+                        <a:rPr lang="it-IT" dirty="0"/>
                         <a:t>College</a:t>
                       </a:r>
                     </a:p>
@@ -11415,7 +11464,7 @@
                     <a:p>
                       <a:pPr algn="ctr"/>
                       <a:r>
-                        <a:rPr lang="it-IT"/>
+                        <a:rPr lang="it-IT" dirty="0"/>
                         <a:t>19.8980</a:t>
                       </a:r>
                     </a:p>
@@ -11436,7 +11485,7 @@
                     <a:p>
                       <a:pPr algn="ctr"/>
                       <a:r>
-                        <a:rPr lang="it-IT"/>
+                        <a:rPr lang="it-IT" dirty="0"/>
                         <a:t>3</a:t>
                       </a:r>
                     </a:p>
@@ -11450,7 +11499,7 @@
                     <a:p>
                       <a:pPr algn="ctr"/>
                       <a:r>
-                        <a:rPr lang="it-IT"/>
+                        <a:rPr lang="it-IT" dirty="0"/>
                         <a:t>Bachelor</a:t>
                       </a:r>
                     </a:p>
@@ -11464,7 +11513,7 @@
                     <a:p>
                       <a:pPr algn="ctr"/>
                       <a:r>
-                        <a:rPr lang="it-IT"/>
+                        <a:rPr lang="it-IT" dirty="0"/>
                         <a:t>39.0306</a:t>
                       </a:r>
                     </a:p>
@@ -11485,7 +11534,7 @@
                     <a:p>
                       <a:pPr algn="ctr"/>
                       <a:r>
-                        <a:rPr lang="it-IT"/>
+                        <a:rPr lang="it-IT" dirty="0"/>
                         <a:t>4</a:t>
                       </a:r>
                     </a:p>
@@ -11499,7 +11548,7 @@
                     <a:p>
                       <a:pPr algn="ctr"/>
                       <a:r>
-                        <a:rPr lang="it-IT"/>
+                        <a:rPr lang="it-IT" dirty="0"/>
                         <a:t>Master</a:t>
                       </a:r>
                     </a:p>
@@ -11513,7 +11562,7 @@
                     <a:p>
                       <a:pPr algn="ctr"/>
                       <a:r>
-                        <a:rPr lang="it-IT"/>
+                        <a:rPr lang="it-IT" dirty="0"/>
                         <a:t>26.5306</a:t>
                       </a:r>
                     </a:p>
@@ -11534,7 +11583,7 @@
                     <a:p>
                       <a:pPr algn="ctr"/>
                       <a:r>
-                        <a:rPr lang="it-IT"/>
+                        <a:rPr lang="it-IT" dirty="0"/>
                         <a:t>5</a:t>
                       </a:r>
                     </a:p>
@@ -11548,7 +11597,7 @@
                     <a:p>
                       <a:pPr algn="ctr"/>
                       <a:r>
-                        <a:rPr lang="it-IT"/>
+                        <a:rPr lang="it-IT" dirty="0"/>
                         <a:t>Doctor</a:t>
                       </a:r>
                     </a:p>
@@ -11562,7 +11611,7 @@
                     <a:p>
                       <a:pPr algn="ctr"/>
                       <a:r>
-                        <a:rPr lang="it-IT"/>
+                        <a:rPr lang="it-IT" dirty="0"/>
                         <a:t>2.7211</a:t>
                       </a:r>
                     </a:p>
@@ -11633,7 +11682,7 @@
                     <a:p>
                       <a:pPr algn="ctr"/>
                       <a:r>
-                        <a:rPr lang="it-IT"/>
+                        <a:rPr lang="it-IT" dirty="0"/>
                         <a:t> JobLevel</a:t>
                       </a:r>
                     </a:p>
@@ -11647,7 +11696,7 @@
                     <a:p>
                       <a:pPr algn="ctr"/>
                       <a:r>
-                        <a:rPr lang="it-IT"/>
+                        <a:rPr lang="it-IT" dirty="0"/>
                         <a:t>Distribution (%)</a:t>
                       </a:r>
                     </a:p>
@@ -11668,7 +11717,7 @@
                     <a:p>
                       <a:pPr algn="ctr"/>
                       <a:r>
-                        <a:rPr lang="it-IT"/>
+                        <a:rPr lang="it-IT" dirty="0"/>
                         <a:t>1</a:t>
                       </a:r>
                     </a:p>
@@ -11682,7 +11731,7 @@
                     <a:p>
                       <a:pPr algn="ctr"/>
                       <a:r>
-                        <a:rPr lang="it-IT"/>
+                        <a:rPr lang="it-IT" dirty="0"/>
                         <a:t>37.925</a:t>
                       </a:r>
                     </a:p>
@@ -11703,7 +11752,7 @@
                     <a:p>
                       <a:pPr algn="ctr"/>
                       <a:r>
-                        <a:rPr lang="it-IT"/>
+                        <a:rPr lang="it-IT" dirty="0"/>
                         <a:t>2</a:t>
                       </a:r>
                     </a:p>
@@ -11717,7 +11766,7 @@
                     <a:p>
                       <a:pPr algn="ctr"/>
                       <a:r>
-                        <a:rPr lang="it-IT"/>
+                        <a:rPr lang="it-IT" dirty="0"/>
                         <a:t>36.479</a:t>
                       </a:r>
                     </a:p>
@@ -11738,7 +11787,7 @@
                     <a:p>
                       <a:pPr algn="ctr"/>
                       <a:r>
-                        <a:rPr lang="it-IT"/>
+                        <a:rPr lang="it-IT" dirty="0"/>
                         <a:t>3</a:t>
                       </a:r>
                     </a:p>
@@ -11752,7 +11801,7 @@
                     <a:p>
                       <a:pPr algn="ctr"/>
                       <a:r>
-                        <a:rPr lang="it-IT"/>
+                        <a:rPr lang="it-IT" dirty="0"/>
                         <a:t>14.881</a:t>
                       </a:r>
                     </a:p>
@@ -11773,7 +11822,7 @@
                     <a:p>
                       <a:pPr algn="ctr"/>
                       <a:r>
-                        <a:rPr lang="it-IT"/>
+                        <a:rPr lang="it-IT" dirty="0"/>
                         <a:t>4</a:t>
                       </a:r>
                     </a:p>
@@ -11787,7 +11836,7 @@
                     <a:p>
                       <a:pPr algn="ctr"/>
                       <a:r>
-                        <a:rPr lang="it-IT"/>
+                        <a:rPr lang="it-IT" dirty="0"/>
                         <a:t>6.972</a:t>
                       </a:r>
                     </a:p>
@@ -11808,7 +11857,7 @@
                     <a:p>
                       <a:pPr algn="ctr"/>
                       <a:r>
-                        <a:rPr lang="it-IT"/>
+                        <a:rPr lang="it-IT" dirty="0"/>
                         <a:t>5</a:t>
                       </a:r>
                     </a:p>
@@ -11822,7 +11871,7 @@
                     <a:p>
                       <a:pPr algn="ctr"/>
                       <a:r>
-                        <a:rPr lang="it-IT"/>
+                        <a:rPr lang="it-IT" dirty="0"/>
                         <a:t>3.741</a:t>
                       </a:r>
                     </a:p>
@@ -11893,7 +11942,7 @@
                     <a:p>
                       <a:pPr algn="ctr"/>
                       <a:r>
-                        <a:rPr lang="it-IT"/>
+                        <a:rPr lang="it-IT" dirty="0"/>
                         <a:t> JobRole</a:t>
                       </a:r>
                     </a:p>
@@ -11907,7 +11956,7 @@
                     <a:p>
                       <a:pPr algn="ctr"/>
                       <a:r>
-                        <a:rPr lang="it-IT"/>
+                        <a:rPr lang="it-IT" dirty="0"/>
                         <a:t>Distribution (%)</a:t>
                       </a:r>
                     </a:p>
@@ -11928,7 +11977,7 @@
                     <a:p>
                       <a:pPr algn="ctr"/>
                       <a:r>
-                        <a:rPr lang="it-IT"/>
+                        <a:rPr lang="it-IT" dirty="0"/>
                         <a:t>Sales Executive</a:t>
                       </a:r>
                     </a:p>
@@ -11942,7 +11991,7 @@
                     <a:p>
                       <a:pPr algn="ctr"/>
                       <a:r>
-                        <a:rPr lang="it-IT"/>
+                        <a:rPr lang="it-IT" dirty="0"/>
                         <a:t>22.1939</a:t>
                       </a:r>
                     </a:p>
@@ -11963,7 +12012,7 @@
                     <a:p>
                       <a:pPr algn="ctr"/>
                       <a:r>
-                        <a:rPr lang="it-IT"/>
+                        <a:rPr lang="it-IT" dirty="0"/>
                         <a:t>Research Scientist</a:t>
                       </a:r>
                     </a:p>
@@ -11977,7 +12026,7 @@
                     <a:p>
                       <a:pPr algn="ctr"/>
                       <a:r>
-                        <a:rPr lang="it-IT"/>
+                        <a:rPr lang="it-IT" dirty="0"/>
                         <a:t>20.4082</a:t>
                       </a:r>
                     </a:p>
@@ -11998,7 +12047,7 @@
                     <a:p>
                       <a:pPr algn="ctr"/>
                       <a:r>
-                        <a:rPr lang="it-IT"/>
+                        <a:rPr lang="it-IT" dirty="0"/>
                         <a:t>Laboratory Technician</a:t>
                       </a:r>
                     </a:p>
@@ -12012,7 +12061,7 @@
                     <a:p>
                       <a:pPr algn="ctr"/>
                       <a:r>
-                        <a:rPr lang="it-IT"/>
+                        <a:rPr lang="it-IT" dirty="0"/>
                         <a:t>18.0272</a:t>
                       </a:r>
                     </a:p>
@@ -12033,7 +12082,7 @@
                     <a:p>
                       <a:pPr algn="ctr"/>
                       <a:r>
-                        <a:rPr lang="it-IT"/>
+                        <a:rPr lang="it-IT" dirty="0"/>
                         <a:t>Manufacturing Director</a:t>
                       </a:r>
                     </a:p>
@@ -12047,7 +12096,7 @@
                     <a:p>
                       <a:pPr algn="ctr"/>
                       <a:r>
-                        <a:rPr lang="it-IT"/>
+                        <a:rPr lang="it-IT" dirty="0"/>
                         <a:t>9.7789</a:t>
                       </a:r>
                     </a:p>
@@ -12068,7 +12117,7 @@
                     <a:p>
                       <a:pPr algn="ctr"/>
                       <a:r>
-                        <a:rPr lang="it-IT"/>
+                        <a:rPr lang="it-IT" dirty="0"/>
                         <a:t>Healtcare Rapresentative</a:t>
                       </a:r>
                     </a:p>
@@ -12082,7 +12131,7 @@
                     <a:p>
                       <a:pPr algn="ctr"/>
                       <a:r>
-                        <a:rPr lang="it-IT"/>
+                        <a:rPr lang="it-IT" dirty="0"/>
                         <a:t>9.0136</a:t>
                       </a:r>
                     </a:p>
@@ -12103,7 +12152,7 @@
                     <a:p>
                       <a:pPr algn="ctr"/>
                       <a:r>
-                        <a:rPr lang="it-IT"/>
+                        <a:rPr lang="it-IT" dirty="0"/>
                         <a:t>Manager</a:t>
                       </a:r>
                     </a:p>
@@ -12117,7 +12166,7 @@
                     <a:p>
                       <a:pPr algn="ctr"/>
                       <a:r>
-                        <a:rPr lang="it-IT"/>
+                        <a:rPr lang="it-IT" dirty="0"/>
                         <a:t>6.8878</a:t>
                       </a:r>
                     </a:p>
@@ -12138,7 +12187,7 @@
                     <a:p>
                       <a:pPr algn="ctr"/>
                       <a:r>
-                        <a:rPr lang="it-IT"/>
+                        <a:rPr lang="it-IT" dirty="0"/>
                         <a:t>Sales Rapresentative</a:t>
                       </a:r>
                     </a:p>
@@ -12152,7 +12201,7 @@
                     <a:p>
                       <a:pPr algn="ctr"/>
                       <a:r>
-                        <a:rPr lang="it-IT"/>
+                        <a:rPr lang="it-IT" dirty="0"/>
                         <a:t>5.8673</a:t>
                       </a:r>
                     </a:p>
@@ -12173,7 +12222,7 @@
                     <a:p>
                       <a:pPr algn="ctr"/>
                       <a:r>
-                        <a:rPr lang="it-IT"/>
+                        <a:rPr lang="it-IT" dirty="0"/>
                         <a:t>Research Director</a:t>
                       </a:r>
                     </a:p>
@@ -12187,7 +12236,7 @@
                     <a:p>
                       <a:pPr algn="ctr"/>
                       <a:r>
-                        <a:rPr lang="it-IT"/>
+                        <a:rPr lang="it-IT" dirty="0"/>
                         <a:t>4.3367</a:t>
                       </a:r>
                     </a:p>
@@ -12208,7 +12257,7 @@
                     <a:p>
                       <a:pPr algn="ctr"/>
                       <a:r>
-                        <a:rPr lang="it-IT"/>
+                        <a:rPr lang="it-IT" dirty="0"/>
                         <a:t>Human Resource</a:t>
                       </a:r>
                     </a:p>
@@ -12222,7 +12271,7 @@
                     <a:p>
                       <a:pPr algn="ctr"/>
                       <a:r>
-                        <a:rPr lang="it-IT"/>
+                        <a:rPr lang="it-IT" dirty="0"/>
                         <a:t>3.4864</a:t>
                       </a:r>
                     </a:p>
@@ -12330,7 +12379,7 @@
                     <a:p>
                       <a:pPr algn="ctr"/>
                       <a:r>
-                        <a:rPr lang="it-IT" sz="1200" dirty="0"/>
+                        <a:rPr lang="it-IT" sz="1200"/>
                         <a:t>Algorithm</a:t>
                       </a:r>
                     </a:p>
@@ -12344,7 +12393,7 @@
                     <a:p>
                       <a:pPr algn="ctr"/>
                       <a:r>
-                        <a:rPr lang="it-IT" sz="1200" dirty="0"/>
+                        <a:rPr lang="it-IT" sz="1200"/>
                         <a:t>Parameters</a:t>
                       </a:r>
                     </a:p>
@@ -12376,7 +12425,7 @@
                     <a:p>
                       <a:pPr algn="ctr"/>
                       <a:r>
-                        <a:rPr lang="it-IT" sz="1100" b="1" dirty="0"/>
+                        <a:rPr lang="it-IT" sz="1100" b="1"/>
                         <a:t>Grid Search</a:t>
                       </a:r>
                     </a:p>
@@ -12390,21 +12439,22 @@
                     <a:p>
                       <a:pPr algn="ctr"/>
                       <a:r>
-                        <a:rPr lang="it-IT" sz="1100" dirty="0"/>
+                        <a:rPr lang="it-IT" sz="1100" dirty="0" err="1"/>
                         <a:t>max_depth</a:t>
                       </a:r>
-                    </a:p>
-                  </a:txBody>
-                  <a:tcPr anchor="ctr"/>
-                </a:tc>
-                <a:tc>
-                  <a:txBody>
-                    <a:bodyPr/>
-                    <a:lstStyle/>
-                    <a:p>
-                      <a:pPr algn="ctr"/>
-                      <a:r>
-                        <a:rPr lang="it-IT" sz="1100" dirty="0"/>
+                      <a:endParaRPr lang="it-IT" sz="1100" dirty="0"/>
+                    </a:p>
+                  </a:txBody>
+                  <a:tcPr anchor="ctr"/>
+                </a:tc>
+                <a:tc>
+                  <a:txBody>
+                    <a:bodyPr/>
+                    <a:lstStyle/>
+                    <a:p>
+                      <a:pPr algn="ctr"/>
+                      <a:r>
+                        <a:rPr lang="it-IT" sz="1100"/>
                         <a:t>[2:10]</a:t>
                       </a:r>
                     </a:p>
@@ -12435,21 +12485,22 @@
                     <a:p>
                       <a:pPr algn="ctr"/>
                       <a:r>
-                        <a:rPr lang="it-IT" sz="1100" dirty="0"/>
+                        <a:rPr lang="it-IT" sz="1100" dirty="0" err="1"/>
                         <a:t>min_samples_leaf</a:t>
                       </a:r>
-                    </a:p>
-                  </a:txBody>
-                  <a:tcPr anchor="ctr"/>
-                </a:tc>
-                <a:tc>
-                  <a:txBody>
-                    <a:bodyPr/>
-                    <a:lstStyle/>
-                    <a:p>
-                      <a:pPr algn="ctr"/>
-                      <a:r>
-                        <a:rPr lang="it-IT" sz="1100" dirty="0"/>
+                      <a:endParaRPr lang="it-IT" sz="1100" dirty="0"/>
+                    </a:p>
+                  </a:txBody>
+                  <a:tcPr anchor="ctr"/>
+                </a:tc>
+                <a:tc>
+                  <a:txBody>
+                    <a:bodyPr/>
+                    <a:lstStyle/>
+                    <a:p>
+                      <a:pPr algn="ctr"/>
+                      <a:r>
+                        <a:rPr lang="it-IT" sz="1100"/>
                         <a:t>[2, 5, 10, 20, 30, 40, 50, 100]</a:t>
                       </a:r>
                     </a:p>
@@ -12480,21 +12531,22 @@
                     <a:p>
                       <a:pPr algn="ctr"/>
                       <a:r>
-                        <a:rPr lang="it-IT" sz="1100" dirty="0"/>
+                        <a:rPr lang="it-IT" sz="1100" dirty="0" err="1"/>
                         <a:t>min_samples_split</a:t>
                       </a:r>
-                    </a:p>
-                  </a:txBody>
-                  <a:tcPr anchor="ctr"/>
-                </a:tc>
-                <a:tc>
-                  <a:txBody>
-                    <a:bodyPr/>
-                    <a:lstStyle/>
-                    <a:p>
-                      <a:pPr algn="ctr"/>
-                      <a:r>
-                        <a:rPr lang="it-IT" sz="1100" dirty="0"/>
+                      <a:endParaRPr lang="it-IT" sz="1100" dirty="0"/>
+                    </a:p>
+                  </a:txBody>
+                  <a:tcPr anchor="ctr"/>
+                </a:tc>
+                <a:tc>
+                  <a:txBody>
+                    <a:bodyPr/>
+                    <a:lstStyle/>
+                    <a:p>
+                      <a:pPr algn="ctr"/>
+                      <a:r>
+                        <a:rPr lang="it-IT" sz="1100"/>
                         <a:t>[1, 5, 10, 20, 30, 40, 50, 100]</a:t>
                       </a:r>
                     </a:p>
@@ -12515,7 +12567,7 @@
                     <a:p>
                       <a:pPr algn="ctr"/>
                       <a:r>
-                        <a:rPr lang="it-IT" sz="1100" b="1" dirty="0"/>
+                        <a:rPr lang="it-IT" sz="1100" b="1"/>
                         <a:t>Randomized Search</a:t>
                       </a:r>
                     </a:p>
@@ -12529,21 +12581,22 @@
                     <a:p>
                       <a:pPr algn="ctr"/>
                       <a:r>
-                        <a:rPr lang="it-IT" sz="1100" dirty="0"/>
+                        <a:rPr lang="it-IT" sz="1100" dirty="0" err="1"/>
                         <a:t>max_depth</a:t>
                       </a:r>
-                    </a:p>
-                  </a:txBody>
-                  <a:tcPr anchor="ctr"/>
-                </a:tc>
-                <a:tc>
-                  <a:txBody>
-                    <a:bodyPr/>
-                    <a:lstStyle/>
-                    <a:p>
-                      <a:pPr algn="ctr"/>
-                      <a:r>
-                        <a:rPr lang="it-IT" sz="1100" dirty="0"/>
+                      <a:endParaRPr lang="it-IT" sz="1100" dirty="0"/>
+                    </a:p>
+                  </a:txBody>
+                  <a:tcPr anchor="ctr"/>
+                </a:tc>
+                <a:tc>
+                  <a:txBody>
+                    <a:bodyPr/>
+                    <a:lstStyle/>
+                    <a:p>
+                      <a:pPr algn="ctr"/>
+                      <a:r>
+                        <a:rPr lang="it-IT" sz="1100"/>
                         <a:t>[2:100]</a:t>
                       </a:r>
                     </a:p>
@@ -12574,9 +12627,10 @@
                     <a:p>
                       <a:pPr algn="ctr"/>
                       <a:r>
-                        <a:rPr lang="it-IT" sz="1100" dirty="0"/>
+                        <a:rPr lang="it-IT" sz="1100" dirty="0" err="1"/>
                         <a:t>min_samples_leaf</a:t>
                       </a:r>
+                      <a:endParaRPr lang="it-IT" sz="1100" dirty="0"/>
                     </a:p>
                   </a:txBody>
                   <a:tcPr anchor="ctr"/>
@@ -12604,7 +12658,7 @@
                         <a:defRPr/>
                       </a:pPr>
                       <a:r>
-                        <a:rPr lang="it-IT" sz="1100" dirty="0"/>
+                        <a:rPr lang="it-IT" sz="1100"/>
                         <a:t>[2, 5, 10, 20, 30, 40, 50, 100, 150, 200]</a:t>
                       </a:r>
                     </a:p>
@@ -12635,9 +12689,10 @@
                     <a:p>
                       <a:pPr algn="ctr"/>
                       <a:r>
-                        <a:rPr lang="it-IT" sz="1100" dirty="0"/>
+                        <a:rPr lang="it-IT" sz="1100" dirty="0" err="1"/>
                         <a:t>min_samples_split</a:t>
                       </a:r>
+                      <a:endParaRPr lang="it-IT" sz="1100" dirty="0"/>
                     </a:p>
                   </a:txBody>
                   <a:tcPr anchor="ctr"/>
@@ -12665,7 +12720,7 @@
                         <a:defRPr/>
                       </a:pPr>
                       <a:r>
-                        <a:rPr lang="it-IT" sz="1100" dirty="0"/>
+                        <a:rPr lang="it-IT" sz="1100"/>
                         <a:t>[1, 5, 10, 20, 30, 40, 50, 100, 150, 200]</a:t>
                       </a:r>
                     </a:p>
@@ -12743,7 +12798,7 @@
                     <a:p>
                       <a:pPr algn="ctr"/>
                       <a:r>
-                        <a:rPr lang="it-IT" sz="1200" dirty="0"/>
+                        <a:rPr lang="it-IT" sz="1200"/>
                         <a:t>Algorithm</a:t>
                       </a:r>
                     </a:p>
@@ -12757,7 +12812,7 @@
                     <a:p>
                       <a:pPr algn="ctr"/>
                       <a:r>
-                        <a:rPr lang="it-IT" sz="1200" dirty="0"/>
+                        <a:rPr lang="it-IT" sz="1200"/>
                         <a:t>Parameters</a:t>
                       </a:r>
                     </a:p>
@@ -12803,21 +12858,22 @@
                     <a:p>
                       <a:pPr algn="ctr"/>
                       <a:r>
-                        <a:rPr lang="it-IT" sz="1100" dirty="0"/>
+                        <a:rPr lang="it-IT" sz="1100" dirty="0" err="1"/>
                         <a:t>max_depth</a:t>
                       </a:r>
-                    </a:p>
-                  </a:txBody>
-                  <a:tcPr anchor="ctr"/>
-                </a:tc>
-                <a:tc>
-                  <a:txBody>
-                    <a:bodyPr/>
-                    <a:lstStyle/>
-                    <a:p>
-                      <a:pPr algn="ctr"/>
-                      <a:r>
-                        <a:rPr lang="it-IT" sz="1100" dirty="0"/>
+                      <a:endParaRPr lang="it-IT" sz="1100" dirty="0"/>
+                    </a:p>
+                  </a:txBody>
+                  <a:tcPr anchor="ctr"/>
+                </a:tc>
+                <a:tc>
+                  <a:txBody>
+                    <a:bodyPr/>
+                    <a:lstStyle/>
+                    <a:p>
+                      <a:pPr algn="ctr"/>
+                      <a:r>
+                        <a:rPr lang="it-IT" sz="1100"/>
                         <a:t>[2:200]</a:t>
                       </a:r>
                     </a:p>
@@ -12848,21 +12904,22 @@
                     <a:p>
                       <a:pPr algn="ctr"/>
                       <a:r>
-                        <a:rPr lang="it-IT" sz="1100" dirty="0"/>
+                        <a:rPr lang="it-IT" sz="1100" dirty="0" err="1"/>
                         <a:t>min_samples_leaf</a:t>
                       </a:r>
-                    </a:p>
-                  </a:txBody>
-                  <a:tcPr anchor="ctr"/>
-                </a:tc>
-                <a:tc>
-                  <a:txBody>
-                    <a:bodyPr/>
-                    <a:lstStyle/>
-                    <a:p>
-                      <a:pPr algn="ctr"/>
-                      <a:r>
-                        <a:rPr lang="it-IT" sz="1100" dirty="0"/>
+                      <a:endParaRPr lang="it-IT" sz="1100" dirty="0"/>
+                    </a:p>
+                  </a:txBody>
+                  <a:tcPr anchor="ctr"/>
+                </a:tc>
+                <a:tc>
+                  <a:txBody>
+                    <a:bodyPr/>
+                    <a:lstStyle/>
+                    <a:p>
+                      <a:pPr algn="ctr"/>
+                      <a:r>
+                        <a:rPr lang="it-IT" sz="1100"/>
                         <a:t>[2, 5, 10, 20, 30, 40, 50, 100, 150]</a:t>
                       </a:r>
                     </a:p>
@@ -12893,21 +12950,22 @@
                     <a:p>
                       <a:pPr algn="ctr"/>
                       <a:r>
-                        <a:rPr lang="it-IT" sz="1100" dirty="0"/>
+                        <a:rPr lang="it-IT" sz="1100" dirty="0" err="1"/>
                         <a:t>min_samples_split</a:t>
                       </a:r>
-                    </a:p>
-                  </a:txBody>
-                  <a:tcPr anchor="ctr"/>
-                </a:tc>
-                <a:tc>
-                  <a:txBody>
-                    <a:bodyPr/>
-                    <a:lstStyle/>
-                    <a:p>
-                      <a:pPr algn="ctr"/>
-                      <a:r>
-                        <a:rPr lang="it-IT" sz="1100" dirty="0"/>
+                      <a:endParaRPr lang="it-IT" sz="1100" dirty="0"/>
+                    </a:p>
+                  </a:txBody>
+                  <a:tcPr anchor="ctr"/>
+                </a:tc>
+                <a:tc>
+                  <a:txBody>
+                    <a:bodyPr/>
+                    <a:lstStyle/>
+                    <a:p>
+                      <a:pPr algn="ctr"/>
+                      <a:r>
+                        <a:rPr lang="it-IT" sz="1100"/>
                         <a:t>[1, 5, 10, 15, 20, 30, 50, 100, 150]</a:t>
                       </a:r>
                     </a:p>
@@ -12939,7 +12997,7 @@
                     <a:p>
                       <a:pPr algn="ctr"/>
                       <a:r>
-                        <a:rPr lang="it-IT" sz="1100" dirty="0"/>
+                        <a:rPr lang="it-IT" sz="1100"/>
                         <a:t>criterion</a:t>
                       </a:r>
                     </a:p>
@@ -12953,7 +13011,7 @@
                     <a:p>
                       <a:pPr algn="ctr"/>
                       <a:r>
-                        <a:rPr lang="it-IT" sz="1100" dirty="0"/>
+                        <a:rPr lang="it-IT" sz="1100"/>
                         <a:t>[‘gini’, ‘entropy’]</a:t>
                       </a:r>
                     </a:p>
@@ -13097,8 +13155,13 @@
                       <a:pPr algn="ctr"/>
                       <a:r>
                         <a:rPr lang="it-IT" sz="1200" dirty="0"/>
-                        <a:t>Max depth</a:t>
-                      </a:r>
+                        <a:t>Max </a:t>
+                      </a:r>
+                      <a:r>
+                        <a:rPr lang="it-IT" sz="1200" dirty="0" err="1"/>
+                        <a:t>depth</a:t>
+                      </a:r>
+                      <a:endParaRPr lang="it-IT" sz="1200" dirty="0"/>
                     </a:p>
                   </a:txBody>
                   <a:tcPr/>
@@ -13111,21 +13174,42 @@
                       <a:pPr algn="ctr"/>
                       <a:r>
                         <a:rPr lang="it-IT" sz="1200" dirty="0"/>
-                        <a:t>Min simples leaf</a:t>
-                      </a:r>
-                    </a:p>
-                  </a:txBody>
-                  <a:tcPr/>
-                </a:tc>
-                <a:tc>
-                  <a:txBody>
-                    <a:bodyPr/>
-                    <a:lstStyle/>
-                    <a:p>
-                      <a:pPr algn="ctr"/>
+                        <a:t>Min </a:t>
+                      </a:r>
+                      <a:r>
+                        <a:rPr lang="it-IT" sz="1200" dirty="0" err="1"/>
+                        <a:t>simples</a:t>
+                      </a:r>
                       <a:r>
                         <a:rPr lang="it-IT" sz="1200" dirty="0"/>
-                        <a:t>Min samples split</a:t>
+                        <a:t> </a:t>
+                      </a:r>
+                      <a:r>
+                        <a:rPr lang="it-IT" sz="1200" dirty="0" err="1"/>
+                        <a:t>leaf</a:t>
+                      </a:r>
+                      <a:endParaRPr lang="it-IT" sz="1200" dirty="0"/>
+                    </a:p>
+                  </a:txBody>
+                  <a:tcPr/>
+                </a:tc>
+                <a:tc>
+                  <a:txBody>
+                    <a:bodyPr/>
+                    <a:lstStyle/>
+                    <a:p>
+                      <a:pPr algn="ctr"/>
+                      <a:r>
+                        <a:rPr lang="it-IT" sz="1200" dirty="0"/>
+                        <a:t>Min </a:t>
+                      </a:r>
+                      <a:r>
+                        <a:rPr lang="it-IT" sz="1200" dirty="0" err="1"/>
+                        <a:t>samples</a:t>
+                      </a:r>
+                      <a:r>
+                        <a:rPr lang="it-IT" sz="1200" dirty="0"/>
+                        <a:t> split</a:t>
                       </a:r>
                     </a:p>
                   </a:txBody>
@@ -13166,7 +13250,7 @@
                     <a:p>
                       <a:pPr algn="ctr"/>
                       <a:r>
-                        <a:rPr lang="it-IT" sz="1200" dirty="0"/>
+                        <a:rPr lang="it-IT" sz="1200"/>
                         <a:t>Precision</a:t>
                       </a:r>
                     </a:p>
@@ -13194,7 +13278,7 @@
                     <a:p>
                       <a:pPr algn="ctr"/>
                       <a:r>
-                        <a:rPr lang="it-IT" sz="1200" dirty="0"/>
+                        <a:rPr lang="it-IT" sz="1200"/>
                         <a:t>F-Score</a:t>
                       </a:r>
                     </a:p>
@@ -13215,35 +13299,35 @@
                     <a:p>
                       <a:pPr algn="ctr"/>
                       <a:r>
-                        <a:rPr lang="it-IT" sz="1100" dirty="0"/>
+                        <a:rPr lang="it-IT" sz="1100"/>
                         <a:t>5</a:t>
                       </a:r>
                     </a:p>
                     <a:p>
                       <a:pPr algn="ctr"/>
                       <a:r>
-                        <a:rPr lang="it-IT" sz="1100" dirty="0"/>
+                        <a:rPr lang="it-IT" sz="1100"/>
                         <a:t>6</a:t>
                       </a:r>
                     </a:p>
                     <a:p>
                       <a:pPr algn="ctr"/>
                       <a:r>
-                        <a:rPr lang="it-IT" sz="1100" dirty="0"/>
+                        <a:rPr lang="it-IT" sz="1100"/>
                         <a:t>7</a:t>
                       </a:r>
                     </a:p>
                     <a:p>
                       <a:pPr algn="ctr"/>
                       <a:r>
-                        <a:rPr lang="it-IT" sz="1100" dirty="0"/>
+                        <a:rPr lang="it-IT" sz="1100"/>
                         <a:t>8</a:t>
                       </a:r>
                     </a:p>
                     <a:p>
                       <a:pPr algn="ctr"/>
                       <a:r>
-                        <a:rPr lang="it-IT" sz="1100" dirty="0"/>
+                        <a:rPr lang="it-IT" sz="1100"/>
                         <a:t>9</a:t>
                       </a:r>
                     </a:p>
@@ -13257,35 +13341,35 @@
                     <a:p>
                       <a:pPr algn="ctr"/>
                       <a:r>
-                        <a:rPr lang="it-IT" sz="1100" dirty="0"/>
+                        <a:rPr lang="it-IT" sz="1100"/>
                         <a:t>20</a:t>
                       </a:r>
                     </a:p>
                     <a:p>
                       <a:pPr algn="ctr"/>
                       <a:r>
-                        <a:rPr lang="it-IT" sz="1100" dirty="0"/>
+                        <a:rPr lang="it-IT" sz="1100"/>
                         <a:t>20</a:t>
                       </a:r>
                     </a:p>
                     <a:p>
                       <a:pPr algn="ctr"/>
                       <a:r>
-                        <a:rPr lang="it-IT" sz="1100" dirty="0"/>
+                        <a:rPr lang="it-IT" sz="1100"/>
                         <a:t>20</a:t>
                       </a:r>
                     </a:p>
                     <a:p>
                       <a:pPr algn="ctr"/>
                       <a:r>
-                        <a:rPr lang="it-IT" sz="1100" dirty="0"/>
+                        <a:rPr lang="it-IT" sz="1100"/>
                         <a:t>20</a:t>
                       </a:r>
                     </a:p>
                     <a:p>
                       <a:pPr algn="ctr"/>
                       <a:r>
-                        <a:rPr lang="it-IT" sz="1100" dirty="0"/>
+                        <a:rPr lang="it-IT" sz="1100"/>
                         <a:t>20</a:t>
                       </a:r>
                     </a:p>
@@ -13299,7 +13383,7 @@
                     <a:p>
                       <a:pPr algn="ctr"/>
                       <a:r>
-                        <a:rPr lang="it-IT" sz="1100" dirty="0"/>
+                        <a:rPr lang="it-IT" sz="1100"/>
                         <a:t>[2, 5, 10, 20, 30, 40]</a:t>
                       </a:r>
                     </a:p>
@@ -13322,7 +13406,7 @@
                         <a:defRPr/>
                       </a:pPr>
                       <a:r>
-                        <a:rPr lang="it-IT" sz="1100" dirty="0"/>
+                        <a:rPr lang="it-IT" sz="1100"/>
                         <a:t>[2, 5, 10, 20, 30, 40]</a:t>
                       </a:r>
                     </a:p>
@@ -13345,7 +13429,7 @@
                         <a:defRPr/>
                       </a:pPr>
                       <a:r>
-                        <a:rPr lang="it-IT" sz="1100" dirty="0"/>
+                        <a:rPr lang="it-IT" sz="1100"/>
                         <a:t>[2, 5, 10, 20, 30, 40]</a:t>
                       </a:r>
                     </a:p>
@@ -13368,7 +13452,7 @@
                         <a:defRPr/>
                       </a:pPr>
                       <a:r>
-                        <a:rPr lang="it-IT" sz="1100" dirty="0"/>
+                        <a:rPr lang="it-IT" sz="1100"/>
                         <a:t>[2, 5, 10, 20, 30, 40]</a:t>
                       </a:r>
                     </a:p>
@@ -13391,7 +13475,7 @@
                         <a:defRPr/>
                       </a:pPr>
                       <a:r>
-                        <a:rPr lang="it-IT" sz="1100" dirty="0"/>
+                        <a:rPr lang="it-IT" sz="1100"/>
                         <a:t>[2, 5, 10, 20, 30, 40]</a:t>
                       </a:r>
                     </a:p>
@@ -13405,7 +13489,7 @@
                     <a:p>
                       <a:pPr algn="ctr"/>
                       <a:r>
-                        <a:rPr lang="it-IT" sz="1100" dirty="0"/>
+                        <a:rPr lang="it-IT" sz="1100"/>
                         <a:t>Training (4-fold cv)</a:t>
                       </a:r>
                     </a:p>
@@ -13419,7 +13503,7 @@
                     <a:p>
                       <a:pPr algn="ctr"/>
                       <a:r>
-                        <a:rPr lang="it-IT" sz="1100" dirty="0"/>
+                        <a:rPr lang="it-IT" sz="1100"/>
                         <a:t>0.8401 (+/- 0.00)</a:t>
                       </a:r>
                     </a:p>
@@ -13433,7 +13517,7 @@
                     <a:p>
                       <a:pPr algn="ctr"/>
                       <a:r>
-                        <a:rPr lang="it-IT" sz="1100" dirty="0"/>
+                        <a:rPr lang="it-IT" sz="1100"/>
                         <a:t>0.8186 (+/- 0.03)</a:t>
                       </a:r>
                     </a:p>
@@ -13447,7 +13531,7 @@
                     <a:p>
                       <a:pPr algn="ctr"/>
                       <a:r>
-                        <a:rPr lang="it-IT" sz="1100" dirty="0"/>
+                        <a:rPr lang="it-IT" sz="1100"/>
                         <a:t>0.8401 (+/- 0.00)</a:t>
                       </a:r>
                     </a:p>
@@ -13461,7 +13545,7 @@
                     <a:p>
                       <a:pPr algn="ctr"/>
                       <a:r>
-                        <a:rPr lang="it-IT" sz="1100" dirty="0"/>
+                        <a:rPr lang="it-IT" sz="1100"/>
                         <a:t>0.8215 (+/- 0.03)</a:t>
                       </a:r>
                     </a:p>
@@ -13512,7 +13596,7 @@
                     <a:p>
                       <a:pPr algn="ctr"/>
                       <a:r>
-                        <a:rPr lang="it-IT" sz="1100" dirty="0"/>
+                        <a:rPr lang="it-IT" sz="1100"/>
                         <a:t>Training</a:t>
                       </a:r>
                     </a:p>
@@ -13526,7 +13610,7 @@
                     <a:p>
                       <a:pPr algn="ctr"/>
                       <a:r>
-                        <a:rPr lang="it-IT" sz="1100" dirty="0"/>
+                        <a:rPr lang="it-IT" sz="1100"/>
                         <a:t>0.8707</a:t>
                       </a:r>
                     </a:p>
@@ -13540,7 +13624,7 @@
                     <a:p>
                       <a:pPr algn="ctr"/>
                       <a:r>
-                        <a:rPr lang="it-IT" sz="1100" dirty="0"/>
+                        <a:rPr lang="it-IT" sz="1100"/>
                         <a:t>0.8902</a:t>
                       </a:r>
                     </a:p>
@@ -13554,7 +13638,7 @@
                     <a:p>
                       <a:pPr algn="ctr"/>
                       <a:r>
-                        <a:rPr lang="it-IT" sz="1100" dirty="0"/>
+                        <a:rPr lang="it-IT" sz="1100"/>
                         <a:t>0.9644</a:t>
                       </a:r>
                     </a:p>
@@ -13568,7 +13652,7 @@
                     <a:p>
                       <a:pPr algn="ctr"/>
                       <a:r>
-                        <a:rPr lang="it-IT" sz="1100" dirty="0"/>
+                        <a:rPr lang="it-IT" sz="1100"/>
                         <a:t>0.9258</a:t>
                       </a:r>
                     </a:p>
@@ -13619,7 +13703,7 @@
                     <a:p>
                       <a:pPr algn="ctr"/>
                       <a:r>
-                        <a:rPr lang="it-IT" sz="1100" dirty="0"/>
+                        <a:rPr lang="it-IT" sz="1100"/>
                         <a:t>Test</a:t>
                       </a:r>
                     </a:p>
@@ -13633,7 +13717,7 @@
                     <a:p>
                       <a:pPr algn="ctr"/>
                       <a:r>
-                        <a:rPr lang="it-IT" sz="1100" dirty="0"/>
+                        <a:rPr lang="it-IT" sz="1100"/>
                         <a:t>0.8503</a:t>
                       </a:r>
                     </a:p>
@@ -13647,7 +13731,7 @@
                     <a:p>
                       <a:pPr algn="ctr"/>
                       <a:r>
-                        <a:rPr lang="it-IT" sz="1100" dirty="0"/>
+                        <a:rPr lang="it-IT" sz="1100"/>
                         <a:t>0.8897</a:t>
                       </a:r>
                     </a:p>
@@ -13661,7 +13745,7 @@
                     <a:p>
                       <a:pPr algn="ctr"/>
                       <a:r>
-                        <a:rPr lang="it-IT" sz="1100" dirty="0"/>
+                        <a:rPr lang="it-IT" sz="1100"/>
                         <a:t>0.9397</a:t>
                       </a:r>
                     </a:p>
@@ -13675,7 +13759,7 @@
                     <a:p>
                       <a:pPr algn="ctr"/>
                       <a:r>
-                        <a:rPr lang="it-IT" sz="1100" dirty="0"/>
+                        <a:rPr lang="it-IT" sz="1100"/>
                         <a:t>0.9140</a:t>
                       </a:r>
                     </a:p>
@@ -13696,14 +13780,14 @@
                     <a:p>
                       <a:pPr algn="ctr"/>
                       <a:r>
-                        <a:rPr lang="it-IT" sz="1100" dirty="0"/>
+                        <a:rPr lang="it-IT" sz="1100"/>
                         <a:t>2</a:t>
                       </a:r>
                     </a:p>
                     <a:p>
                       <a:pPr algn="ctr"/>
                       <a:r>
-                        <a:rPr lang="it-IT" sz="1100" dirty="0"/>
+                        <a:rPr lang="it-IT" sz="1100"/>
                         <a:t>2</a:t>
                       </a:r>
                     </a:p>
@@ -13717,14 +13801,14 @@
                     <a:p>
                       <a:pPr algn="ctr"/>
                       <a:r>
-                        <a:rPr lang="it-IT" sz="1100" dirty="0"/>
+                        <a:rPr lang="it-IT" sz="1100"/>
                         <a:t>5</a:t>
                       </a:r>
                     </a:p>
                     <a:p>
                       <a:pPr algn="ctr"/>
                       <a:r>
-                        <a:rPr lang="it-IT" sz="1100" dirty="0"/>
+                        <a:rPr lang="it-IT" sz="1100"/>
                         <a:t>40</a:t>
                       </a:r>
                     </a:p>
@@ -13738,14 +13822,14 @@
                     <a:p>
                       <a:pPr algn="ctr"/>
                       <a:r>
-                        <a:rPr lang="it-IT" sz="1100" dirty="0"/>
+                        <a:rPr lang="it-IT" sz="1100"/>
                         <a:t>150</a:t>
                       </a:r>
                     </a:p>
                     <a:p>
                       <a:pPr algn="ctr"/>
                       <a:r>
-                        <a:rPr lang="it-IT" sz="1100" dirty="0"/>
+                        <a:rPr lang="it-IT" sz="1100"/>
                         <a:t>10</a:t>
                       </a:r>
                     </a:p>
@@ -13759,7 +13843,7 @@
                     <a:p>
                       <a:pPr algn="ctr"/>
                       <a:r>
-                        <a:rPr lang="it-IT" sz="1100" dirty="0"/>
+                        <a:rPr lang="it-IT" sz="1100"/>
                         <a:t>Training (4-fold cv)</a:t>
                       </a:r>
                     </a:p>
@@ -13773,7 +13857,7 @@
                     <a:p>
                       <a:pPr algn="ctr"/>
                       <a:r>
-                        <a:rPr lang="it-IT" sz="1100" dirty="0"/>
+                        <a:rPr lang="it-IT" sz="1100"/>
                         <a:t>0.8495 (+/- 0.03)</a:t>
                       </a:r>
                     </a:p>
@@ -13787,7 +13871,7 @@
                     <a:p>
                       <a:pPr algn="ctr"/>
                       <a:r>
-                        <a:rPr lang="it-IT" sz="1100" dirty="0"/>
+                        <a:rPr lang="it-IT" sz="1100"/>
                         <a:t>0.8020 (+/- 0.12)</a:t>
                       </a:r>
                     </a:p>
@@ -13801,7 +13885,7 @@
                     <a:p>
                       <a:pPr algn="ctr"/>
                       <a:r>
-                        <a:rPr lang="it-IT" sz="1100" dirty="0"/>
+                        <a:rPr lang="it-IT" sz="1100"/>
                         <a:t>0.8495 (+/- 0.03)</a:t>
                       </a:r>
                     </a:p>
@@ -13815,7 +13899,7 @@
                     <a:p>
                       <a:pPr algn="ctr"/>
                       <a:r>
-                        <a:rPr lang="it-IT" sz="1100" dirty="0"/>
+                        <a:rPr lang="it-IT" sz="1100"/>
                         <a:t>0.8212 (+/- 0.07)</a:t>
                       </a:r>
                     </a:p>
@@ -13866,7 +13950,7 @@
                     <a:p>
                       <a:pPr algn="ctr"/>
                       <a:r>
-                        <a:rPr lang="it-IT" sz="1100" dirty="0"/>
+                        <a:rPr lang="it-IT" sz="1100"/>
                         <a:t>Training</a:t>
                       </a:r>
                     </a:p>
@@ -13880,7 +13964,7 @@
                     <a:p>
                       <a:pPr algn="ctr"/>
                       <a:r>
-                        <a:rPr lang="it-IT" sz="1100" dirty="0"/>
+                        <a:rPr lang="it-IT" sz="1100"/>
                         <a:t>0.8494</a:t>
                       </a:r>
                     </a:p>
@@ -13894,7 +13978,7 @@
                     <a:p>
                       <a:pPr algn="ctr"/>
                       <a:r>
-                        <a:rPr lang="it-IT" sz="1100" dirty="0"/>
+                        <a:rPr lang="it-IT" sz="1100"/>
                         <a:t>0.8831</a:t>
                       </a:r>
                     </a:p>
@@ -13908,7 +13992,7 @@
                     <a:p>
                       <a:pPr algn="ctr"/>
                       <a:r>
-                        <a:rPr lang="it-IT" sz="1100" dirty="0"/>
+                        <a:rPr lang="it-IT" sz="1100"/>
                         <a:t>0.9451</a:t>
                       </a:r>
                     </a:p>
@@ -13922,7 +14006,7 @@
                     <a:p>
                       <a:pPr algn="ctr"/>
                       <a:r>
-                        <a:rPr lang="it-IT" sz="1100" dirty="0"/>
+                        <a:rPr lang="it-IT" sz="1100"/>
                         <a:t>0.9131</a:t>
                       </a:r>
                     </a:p>
@@ -13973,7 +14057,7 @@
                     <a:p>
                       <a:pPr algn="ctr"/>
                       <a:r>
-                        <a:rPr lang="it-IT" sz="1100" dirty="0"/>
+                        <a:rPr lang="it-IT" sz="1100"/>
                         <a:t>Test</a:t>
                       </a:r>
                     </a:p>
@@ -13987,7 +14071,7 @@
                     <a:p>
                       <a:pPr algn="ctr"/>
                       <a:r>
-                        <a:rPr lang="it-IT" sz="1100" dirty="0"/>
+                        <a:rPr lang="it-IT" sz="1100"/>
                         <a:t>0.8231</a:t>
                       </a:r>
                     </a:p>
@@ -14001,7 +14085,7 @@
                     <a:p>
                       <a:pPr algn="ctr"/>
                       <a:r>
-                        <a:rPr lang="it-IT" sz="1100" dirty="0"/>
+                        <a:rPr lang="it-IT" sz="1100"/>
                         <a:t>0.8773</a:t>
                       </a:r>
                     </a:p>
@@ -14015,7 +14099,7 @@
                     <a:p>
                       <a:pPr algn="ctr"/>
                       <a:r>
-                        <a:rPr lang="it-IT" sz="1100" dirty="0"/>
+                        <a:rPr lang="it-IT" sz="1100"/>
                         <a:t>0.9196</a:t>
                       </a:r>
                     </a:p>
@@ -14029,7 +14113,7 @@
                     <a:p>
                       <a:pPr algn="ctr"/>
                       <a:r>
-                        <a:rPr lang="it-IT" sz="1100" dirty="0"/>
+                        <a:rPr lang="it-IT" sz="1100"/>
                         <a:t>0.8980</a:t>
                       </a:r>
                     </a:p>
@@ -14050,28 +14134,28 @@
                     <a:p>
                       <a:pPr algn="ctr"/>
                       <a:r>
-                        <a:rPr lang="it-IT" sz="1100" dirty="0"/>
+                        <a:rPr lang="it-IT" sz="1100"/>
                         <a:t>11</a:t>
                       </a:r>
                     </a:p>
                     <a:p>
                       <a:pPr algn="ctr"/>
                       <a:r>
-                        <a:rPr lang="it-IT" sz="1100" dirty="0"/>
+                        <a:rPr lang="it-IT" sz="1100"/>
                         <a:t>14</a:t>
                       </a:r>
                     </a:p>
                     <a:p>
                       <a:pPr algn="ctr"/>
                       <a:r>
-                        <a:rPr lang="it-IT" sz="1100" dirty="0"/>
+                        <a:rPr lang="it-IT" sz="1100"/>
                         <a:t>15</a:t>
                       </a:r>
                     </a:p>
                     <a:p>
                       <a:pPr algn="ctr"/>
                       <a:r>
-                        <a:rPr lang="it-IT" sz="1100" dirty="0"/>
+                        <a:rPr lang="it-IT" sz="1100"/>
                         <a:t>39</a:t>
                       </a:r>
                     </a:p>
@@ -14085,28 +14169,28 @@
                     <a:p>
                       <a:pPr algn="ctr"/>
                       <a:r>
-                        <a:rPr lang="it-IT" sz="1100" dirty="0"/>
+                        <a:rPr lang="it-IT" sz="1100"/>
                         <a:t>50</a:t>
                       </a:r>
                     </a:p>
                     <a:p>
                       <a:pPr algn="ctr"/>
                       <a:r>
-                        <a:rPr lang="it-IT" sz="1100" dirty="0"/>
+                        <a:rPr lang="it-IT" sz="1100"/>
                         <a:t>50</a:t>
                       </a:r>
                     </a:p>
                     <a:p>
                       <a:pPr algn="ctr"/>
                       <a:r>
-                        <a:rPr lang="it-IT" sz="1100" dirty="0"/>
+                        <a:rPr lang="it-IT" sz="1100"/>
                         <a:t>50</a:t>
                       </a:r>
                     </a:p>
                     <a:p>
                       <a:pPr algn="ctr"/>
                       <a:r>
-                        <a:rPr lang="it-IT" sz="1100" dirty="0"/>
+                        <a:rPr lang="it-IT" sz="1100"/>
                         <a:t>50</a:t>
                       </a:r>
                     </a:p>
@@ -14136,7 +14220,7 @@
                         <a:defRPr/>
                       </a:pPr>
                       <a:r>
-                        <a:rPr lang="it-IT" sz="1100" dirty="0"/>
+                        <a:rPr lang="it-IT" sz="1100"/>
                         <a:t>30</a:t>
                       </a:r>
                     </a:p>
@@ -14159,7 +14243,7 @@
                         <a:defRPr/>
                       </a:pPr>
                       <a:r>
-                        <a:rPr lang="it-IT" sz="1100" dirty="0"/>
+                        <a:rPr lang="it-IT" sz="1100"/>
                         <a:t>50</a:t>
                       </a:r>
                     </a:p>
@@ -14182,7 +14266,7 @@
                         <a:defRPr/>
                       </a:pPr>
                       <a:r>
-                        <a:rPr lang="it-IT" sz="1100" dirty="0"/>
+                        <a:rPr lang="it-IT" sz="1100"/>
                         <a:t>50</a:t>
                       </a:r>
                     </a:p>
@@ -14205,7 +14289,7 @@
                         <a:defRPr/>
                       </a:pPr>
                       <a:r>
-                        <a:rPr lang="it-IT" sz="1100" dirty="0"/>
+                        <a:rPr lang="it-IT" sz="1100"/>
                         <a:t>20</a:t>
                       </a:r>
                     </a:p>
@@ -14219,7 +14303,7 @@
                     <a:p>
                       <a:pPr algn="ctr"/>
                       <a:r>
-                        <a:rPr lang="it-IT" sz="1100" dirty="0"/>
+                        <a:rPr lang="it-IT" sz="1100"/>
                         <a:t>Training (4-fold cv)</a:t>
                       </a:r>
                     </a:p>
@@ -14233,7 +14317,7 @@
                     <a:p>
                       <a:pPr algn="ctr"/>
                       <a:r>
-                        <a:rPr lang="it-IT" sz="1100" dirty="0"/>
+                        <a:rPr lang="it-IT" sz="1100"/>
                         <a:t>0.8469 (+/- 0.03)</a:t>
                       </a:r>
                     </a:p>
@@ -14247,7 +14331,7 @@
                     <a:p>
                       <a:pPr algn="ctr"/>
                       <a:r>
-                        <a:rPr lang="it-IT" sz="1100" dirty="0"/>
+                        <a:rPr lang="it-IT" sz="1100"/>
                         <a:t>0.8246 (+/- 0.05)</a:t>
                       </a:r>
                     </a:p>
@@ -14261,7 +14345,7 @@
                     <a:p>
                       <a:pPr algn="ctr"/>
                       <a:r>
-                        <a:rPr lang="it-IT" sz="1100" dirty="0"/>
+                        <a:rPr lang="it-IT" sz="1100"/>
                         <a:t>0.8469 (+/- 0.03)</a:t>
                       </a:r>
                     </a:p>
@@ -14275,7 +14359,7 @@
                     <a:p>
                       <a:pPr algn="ctr"/>
                       <a:r>
-                        <a:rPr lang="it-IT" sz="1100" dirty="0"/>
+                        <a:rPr lang="it-IT" sz="1100"/>
                         <a:t>0.8306 (+/- 0.05)</a:t>
                       </a:r>
                     </a:p>
@@ -14326,7 +14410,7 @@
                     <a:p>
                       <a:pPr algn="ctr"/>
                       <a:r>
-                        <a:rPr lang="it-IT" sz="1100" dirty="0"/>
+                        <a:rPr lang="it-IT" sz="1100"/>
                         <a:t>Training</a:t>
                       </a:r>
                     </a:p>
@@ -14340,7 +14424,7 @@
                     <a:p>
                       <a:pPr algn="ctr"/>
                       <a:r>
-                        <a:rPr lang="it-IT" sz="1100" dirty="0"/>
+                        <a:rPr lang="it-IT" sz="1100"/>
                         <a:t>0.8545</a:t>
                       </a:r>
                     </a:p>
@@ -14354,7 +14438,7 @@
                     <a:p>
                       <a:pPr algn="ctr"/>
                       <a:r>
-                        <a:rPr lang="it-IT" sz="1100" dirty="0"/>
+                        <a:rPr lang="it-IT" sz="1100"/>
                         <a:t>0.8613</a:t>
                       </a:r>
                     </a:p>
@@ -14368,7 +14452,7 @@
                     <a:p>
                       <a:pPr algn="ctr"/>
                       <a:r>
-                        <a:rPr lang="it-IT" sz="1100" dirty="0"/>
+                        <a:rPr lang="it-IT" sz="1100"/>
                         <a:t>0.9847</a:t>
                       </a:r>
                     </a:p>
@@ -14382,7 +14466,7 @@
                     <a:p>
                       <a:pPr algn="ctr"/>
                       <a:r>
-                        <a:rPr lang="it-IT" sz="1100" dirty="0"/>
+                        <a:rPr lang="it-IT" sz="1100"/>
                         <a:t>0.9189</a:t>
                       </a:r>
                     </a:p>
@@ -14433,7 +14517,7 @@
                     <a:p>
                       <a:pPr algn="ctr"/>
                       <a:r>
-                        <a:rPr lang="it-IT" sz="1100" dirty="0"/>
+                        <a:rPr lang="it-IT" sz="1100"/>
                         <a:t>Test</a:t>
                       </a:r>
                     </a:p>
@@ -14447,7 +14531,7 @@
                     <a:p>
                       <a:pPr algn="ctr"/>
                       <a:r>
-                        <a:rPr lang="it-IT" sz="1100" dirty="0"/>
+                        <a:rPr lang="it-IT" sz="1100"/>
                         <a:t>0.8401</a:t>
                       </a:r>
                     </a:p>
@@ -14461,7 +14545,7 @@
                     <a:p>
                       <a:pPr algn="ctr"/>
                       <a:r>
-                        <a:rPr lang="it-IT" sz="1100" dirty="0"/>
+                        <a:rPr lang="it-IT" sz="1100"/>
                         <a:t>0.8633</a:t>
                       </a:r>
                     </a:p>
@@ -14475,7 +14559,7 @@
                     <a:p>
                       <a:pPr algn="ctr"/>
                       <a:r>
-                        <a:rPr lang="it-IT" sz="1100" dirty="0"/>
+                        <a:rPr lang="it-IT" sz="1100"/>
                         <a:t>0.9638</a:t>
                       </a:r>
                     </a:p>
@@ -14489,7 +14573,7 @@
                     <a:p>
                       <a:pPr algn="ctr"/>
                       <a:r>
-                        <a:rPr lang="it-IT" sz="1100" dirty="0"/>
+                        <a:rPr lang="it-IT" sz="1100"/>
                         <a:t>0.9108</a:t>
                       </a:r>
                     </a:p>
@@ -14551,14 +14635,14 @@
           <p:nvPr>
             <p:extLst>
               <p:ext uri="{D42A27DB-BD31-4B8C-83A1-F6EECF244321}">
-                <p14:modId xmlns:p14="http://schemas.microsoft.com/office/powerpoint/2010/main" val="4107993048"/>
+                <p14:modId xmlns:p14="http://schemas.microsoft.com/office/powerpoint/2010/main" val="3680324836"/>
               </p:ext>
             </p:extLst>
           </p:nvPr>
         </p:nvGraphicFramePr>
         <p:xfrm>
           <a:off x="935420" y="189185"/>
-          <a:ext cx="5257452" cy="6127545"/>
+          <a:ext cx="6428296" cy="2199474"/>
         </p:xfrm>
         <a:graphic>
           <a:graphicData uri="http://schemas.openxmlformats.org/drawingml/2006/table">
@@ -14567,17 +14651,10 @@
                 <a:tableStyleId>{8799B23B-EC83-4686-B30A-512413B5E67A}</a:tableStyleId>
               </a:tblPr>
               <a:tblGrid>
-                <a:gridCol w="893922">
+                <a:gridCol w="2854071">
                   <a:extLst>
                     <a:ext uri="{9D8B030D-6E8A-4147-A177-3AD203B41FA5}">
                       <a16:colId xmlns:a16="http://schemas.microsoft.com/office/drawing/2014/main" val="2461092584"/>
-                    </a:ext>
-                  </a:extLst>
-                </a:gridCol>
-                <a:gridCol w="789305">
-                  <a:extLst>
-                    <a:ext uri="{9D8B030D-6E8A-4147-A177-3AD203B41FA5}">
-                      <a16:colId xmlns:a16="http://schemas.microsoft.com/office/drawing/2014/main" val="3273297179"/>
                     </a:ext>
                   </a:extLst>
                 </a:gridCol>
@@ -14610,115 +14687,80 @@
                   </a:extLst>
                 </a:gridCol>
               </a:tblGrid>
-              <a:tr h="1519100">
-                <a:tc>
-                  <a:txBody>
-                    <a:bodyPr/>
-                    <a:lstStyle/>
-                    <a:p>
-                      <a:pPr algn="l"/>
-                      <a:r>
-                        <a:rPr lang="it-IT" sz="1600" dirty="0"/>
-                        <a:t>min</a:t>
-                      </a:r>
-                    </a:p>
-                    <a:p>
-                      <a:pPr algn="l"/>
-                      <a:r>
-                        <a:rPr lang="it-IT" sz="1600" dirty="0"/>
-                        <a:t>samples</a:t>
-                      </a:r>
-                    </a:p>
-                    <a:p>
-                      <a:pPr algn="l"/>
-                      <a:r>
-                        <a:rPr lang="it-IT" sz="1600" dirty="0"/>
-                        <a:t>split</a:t>
-                      </a:r>
-                    </a:p>
-                    <a:p>
-                      <a:pPr algn="l"/>
-                      <a:endParaRPr lang="it-IT" sz="1600" dirty="0"/>
-                    </a:p>
-                  </a:txBody>
-                  <a:tcPr/>
-                </a:tc>
-                <a:tc>
-                  <a:txBody>
-                    <a:bodyPr/>
-                    <a:lstStyle/>
-                    <a:p>
-                      <a:pPr algn="l"/>
-                      <a:r>
-                        <a:rPr lang="it-IT" sz="1600" dirty="0"/>
-                        <a:t>Data </a:t>
-                      </a:r>
-                    </a:p>
-                    <a:p>
-                      <a:pPr algn="l"/>
-                      <a:r>
-                        <a:rPr lang="it-IT" sz="1600" dirty="0"/>
-                        <a:t>Type</a:t>
-                      </a:r>
-                    </a:p>
-                  </a:txBody>
-                  <a:tcPr/>
-                </a:tc>
-                <a:tc>
-                  <a:txBody>
-                    <a:bodyPr/>
-                    <a:lstStyle/>
-                    <a:p>
-                      <a:pPr algn="ctr"/>
-                      <a:r>
-                        <a:rPr lang="it-IT" sz="1600" dirty="0"/>
+              <a:tr h="0">
+                <a:tc>
+                  <a:txBody>
+                    <a:bodyPr/>
+                    <a:lstStyle/>
+                    <a:p>
+                      <a:pPr algn="ctr"/>
+                      <a:r>
+                        <a:rPr lang="it-IT" sz="1200" dirty="0"/>
+                        <a:t>Model</a:t>
+                      </a:r>
+                    </a:p>
+                    <a:p>
+                      <a:pPr algn="ctr"/>
+                      <a:endParaRPr lang="it-IT" sz="1200" dirty="0"/>
+                    </a:p>
+                  </a:txBody>
+                  <a:tcPr anchor="ctr"/>
+                </a:tc>
+                <a:tc>
+                  <a:txBody>
+                    <a:bodyPr/>
+                    <a:lstStyle/>
+                    <a:p>
+                      <a:pPr algn="ctr"/>
+                      <a:r>
+                        <a:rPr lang="it-IT" sz="1200" dirty="0"/>
                         <a:t>Accuracy</a:t>
                       </a:r>
                     </a:p>
                   </a:txBody>
-                  <a:tcPr/>
-                </a:tc>
-                <a:tc>
-                  <a:txBody>
-                    <a:bodyPr/>
-                    <a:lstStyle/>
-                    <a:p>
-                      <a:pPr algn="ctr"/>
-                      <a:r>
-                        <a:rPr lang="it-IT" sz="1600" dirty="0"/>
+                  <a:tcPr anchor="ctr"/>
+                </a:tc>
+                <a:tc>
+                  <a:txBody>
+                    <a:bodyPr/>
+                    <a:lstStyle/>
+                    <a:p>
+                      <a:pPr algn="ctr"/>
+                      <a:r>
+                        <a:rPr lang="it-IT" sz="1200"/>
                         <a:t>Precision</a:t>
                       </a:r>
                     </a:p>
                   </a:txBody>
-                  <a:tcPr/>
-                </a:tc>
-                <a:tc>
-                  <a:txBody>
-                    <a:bodyPr/>
-                    <a:lstStyle/>
-                    <a:p>
-                      <a:pPr algn="ctr"/>
-                      <a:r>
-                        <a:rPr lang="it-IT" sz="1600" dirty="0"/>
+                  <a:tcPr anchor="ctr"/>
+                </a:tc>
+                <a:tc>
+                  <a:txBody>
+                    <a:bodyPr/>
+                    <a:lstStyle/>
+                    <a:p>
+                      <a:pPr algn="ctr"/>
+                      <a:r>
+                        <a:rPr lang="it-IT" sz="1200" dirty="0"/>
                         <a:t>Recall</a:t>
                       </a:r>
                     </a:p>
                   </a:txBody>
-                  <a:tcPr/>
-                </a:tc>
-                <a:tc>
-                  <a:txBody>
-                    <a:bodyPr/>
-                    <a:lstStyle/>
-                    <a:p>
-                      <a:pPr algn="ctr"/>
-                      <a:r>
-                        <a:rPr lang="it-IT" sz="1600" dirty="0"/>
+                  <a:tcPr anchor="ctr"/>
+                </a:tc>
+                <a:tc>
+                  <a:txBody>
+                    <a:bodyPr/>
+                    <a:lstStyle/>
+                    <a:p>
+                      <a:pPr algn="ctr"/>
+                      <a:r>
+                        <a:rPr lang="it-IT" sz="1200" dirty="0"/>
                         <a:t>F-Score</a:t>
                       </a:r>
                     </a:p>
                   </a:txBody>
-                  <a:tcPr/>
+                  <a:tcPr anchor="ctr"/>
                 </a:tc>
                 <a:extLst>
                   <a:ext uri="{0D108BD9-81ED-4DB2-BD59-A6C34878D82A}">
@@ -14726,8 +14768,22 @@
                   </a:ext>
                 </a:extLst>
               </a:tr>
-              <a:tr h="290844">
-                <a:tc rowSpan="3">
+              <a:tr h="428358">
+                <a:tc>
+                  <a:txBody>
+                    <a:bodyPr/>
+                    <a:lstStyle/>
+                    <a:p>
+                      <a:pPr algn="ctr"/>
+                      <a:r>
+                        <a:rPr lang="it-IT" sz="1200" dirty="0"/>
+                        <a:t>Simple Decision Tree</a:t>
+                      </a:r>
+                    </a:p>
+                  </a:txBody>
+                  <a:tcPr anchor="ctr"/>
+                </a:tc>
+                <a:tc>
                   <a:txBody>
                     <a:bodyPr/>
                     <a:lstStyle/>
@@ -14735,11 +14791,11 @@
                       <a:pPr algn="ctr"/>
                       <a:r>
                         <a:rPr lang="it-IT" sz="1100" dirty="0"/>
-                        <a:t>1</a:t>
-                      </a:r>
-                    </a:p>
-                  </a:txBody>
-                  <a:tcPr/>
+                        <a:t>82.31%</a:t>
+                      </a:r>
+                    </a:p>
+                  </a:txBody>
+                  <a:tcPr anchor="ctr"/>
                 </a:tc>
                 <a:tc>
                   <a:txBody>
@@ -14749,22 +14805,25 @@
                       <a:pPr algn="ctr"/>
                       <a:r>
                         <a:rPr lang="it-IT" sz="1100" dirty="0"/>
-                        <a:t>Training</a:t>
-                      </a:r>
-                    </a:p>
+                        <a:t>87.73%</a:t>
+                      </a:r>
+                    </a:p>
+                  </a:txBody>
+                  <a:tcPr anchor="ctr"/>
+                </a:tc>
+                <a:tc>
+                  <a:txBody>
+                    <a:bodyPr/>
+                    <a:lstStyle/>
                     <a:p>
                       <a:pPr algn="ctr"/>
                       <a:r>
                         <a:rPr lang="it-IT" sz="1100" dirty="0"/>
-                        <a:t>(4-fold cv)</a:t>
-                      </a:r>
-                    </a:p>
-                    <a:p>
-                      <a:pPr algn="ctr"/>
-                      <a:endParaRPr lang="it-IT" sz="1100" dirty="0"/>
-                    </a:p>
-                  </a:txBody>
-                  <a:tcPr/>
+                        <a:t>91.96%</a:t>
+                      </a:r>
+                    </a:p>
+                  </a:txBody>
+                  <a:tcPr anchor="ctr"/>
                 </a:tc>
                 <a:tc>
                   <a:txBody>
@@ -14774,255 +14833,11 @@
                       <a:pPr algn="ctr"/>
                       <a:r>
                         <a:rPr lang="it-IT" sz="1100" dirty="0"/>
-                        <a:t>0.8512</a:t>
-                      </a:r>
-                    </a:p>
-                    <a:p>
-                      <a:pPr algn="ctr"/>
-                      <a:r>
-                        <a:rPr lang="it-IT" sz="1100" dirty="0"/>
-                        <a:t>(+/- 0.03)</a:t>
-                      </a:r>
-                    </a:p>
-                  </a:txBody>
-                  <a:tcPr/>
-                </a:tc>
-                <a:tc>
-                  <a:txBody>
-                    <a:bodyPr/>
-                    <a:lstStyle/>
-                    <a:p>
-                      <a:pPr algn="ctr"/>
-                      <a:r>
-                        <a:rPr lang="it-IT" sz="1100" dirty="0"/>
-                        <a:t>0.6182 </a:t>
-                      </a:r>
-                    </a:p>
-                    <a:p>
-                      <a:pPr algn="ctr"/>
-                      <a:r>
-                        <a:rPr lang="it-IT" sz="1100" dirty="0"/>
-                        <a:t>(+/- 0.18)</a:t>
-                      </a:r>
-                    </a:p>
-                  </a:txBody>
-                  <a:tcPr/>
-                </a:tc>
-                <a:tc>
-                  <a:txBody>
-                    <a:bodyPr/>
-                    <a:lstStyle/>
-                    <a:p>
-                      <a:pPr algn="ctr"/>
-                      <a:r>
-                        <a:rPr lang="it-IT" sz="1100" dirty="0"/>
-                        <a:t>0.3021 </a:t>
-                      </a:r>
-                    </a:p>
-                    <a:p>
-                      <a:pPr algn="ctr"/>
-                      <a:r>
-                        <a:rPr lang="it-IT" sz="1100" dirty="0"/>
-                        <a:t>(+/- 0.30)</a:t>
-                      </a:r>
-                    </a:p>
-                  </a:txBody>
-                  <a:tcPr/>
-                </a:tc>
-                <a:tc>
-                  <a:txBody>
-                    <a:bodyPr/>
-                    <a:lstStyle/>
-                    <a:p>
-                      <a:pPr algn="ctr"/>
-                      <a:r>
-                        <a:rPr lang="it-IT" sz="1100" dirty="0"/>
-                        <a:t>0.6438 </a:t>
-                      </a:r>
-                    </a:p>
-                    <a:p>
-                      <a:pPr algn="ctr"/>
-                      <a:r>
-                        <a:rPr lang="it-IT" sz="1100" dirty="0"/>
-                        <a:t>(+/- 0.16)</a:t>
-                      </a:r>
-                    </a:p>
-                  </a:txBody>
-                  <a:tcPr/>
-                </a:tc>
-                <a:extLst>
-                  <a:ext uri="{0D108BD9-81ED-4DB2-BD59-A6C34878D82A}">
-                    <a16:rowId xmlns:a16="http://schemas.microsoft.com/office/drawing/2014/main" val="3294786535"/>
-                  </a:ext>
-                </a:extLst>
-              </a:tr>
-              <a:tr h="428359">
-                <a:tc vMerge="1">
-                  <a:txBody>
-                    <a:bodyPr/>
-                    <a:lstStyle/>
-                    <a:p>
-                      <a:endParaRPr lang="it-IT"/>
-                    </a:p>
-                  </a:txBody>
-                  <a:tcPr/>
-                </a:tc>
-                <a:tc>
-                  <a:txBody>
-                    <a:bodyPr/>
-                    <a:lstStyle/>
-                    <a:p>
-                      <a:pPr algn="ctr"/>
-                      <a:r>
-                        <a:rPr lang="it-IT" sz="1100" dirty="0"/>
-                        <a:t>Training</a:t>
-                      </a:r>
-                    </a:p>
-                  </a:txBody>
-                  <a:tcPr/>
-                </a:tc>
-                <a:tc>
-                  <a:txBody>
-                    <a:bodyPr/>
-                    <a:lstStyle/>
-                    <a:p>
-                      <a:pPr algn="ctr"/>
-                      <a:r>
-                        <a:rPr lang="it-IT" sz="1100" dirty="0"/>
-                        <a:t>0.8494</a:t>
-                      </a:r>
-                    </a:p>
-                  </a:txBody>
-                  <a:tcPr/>
-                </a:tc>
-                <a:tc>
-                  <a:txBody>
-                    <a:bodyPr/>
-                    <a:lstStyle/>
-                    <a:p>
-                      <a:pPr algn="ctr"/>
-                      <a:r>
-                        <a:rPr lang="it-IT" sz="1100" dirty="0"/>
-                        <a:t>0.5609</a:t>
-                      </a:r>
-                    </a:p>
-                  </a:txBody>
-                  <a:tcPr/>
-                </a:tc>
-                <a:tc>
-                  <a:txBody>
-                    <a:bodyPr/>
-                    <a:lstStyle/>
-                    <a:p>
-                      <a:pPr algn="ctr"/>
-                      <a:r>
-                        <a:rPr lang="it-IT" sz="1100" dirty="0"/>
-                        <a:t>0.3593</a:t>
-                      </a:r>
-                    </a:p>
-                  </a:txBody>
-                  <a:tcPr/>
-                </a:tc>
-                <a:tc>
-                  <a:txBody>
-                    <a:bodyPr/>
-                    <a:lstStyle/>
-                    <a:p>
-                      <a:pPr algn="ctr"/>
-                      <a:r>
-                        <a:rPr lang="it-IT" sz="1100" dirty="0"/>
-                        <a:t>0.4380</a:t>
-                      </a:r>
-                    </a:p>
-                  </a:txBody>
-                  <a:tcPr/>
-                </a:tc>
-                <a:extLst>
-                  <a:ext uri="{0D108BD9-81ED-4DB2-BD59-A6C34878D82A}">
-                    <a16:rowId xmlns:a16="http://schemas.microsoft.com/office/drawing/2014/main" val="3031214670"/>
-                  </a:ext>
-                </a:extLst>
-              </a:tr>
-              <a:tr h="428358">
-                <a:tc vMerge="1">
-                  <a:txBody>
-                    <a:bodyPr/>
-                    <a:lstStyle/>
-                    <a:p>
-                      <a:endParaRPr lang="it-IT"/>
-                    </a:p>
-                  </a:txBody>
-                  <a:tcPr/>
-                </a:tc>
-                <a:tc>
-                  <a:txBody>
-                    <a:bodyPr/>
-                    <a:lstStyle/>
-                    <a:p>
-                      <a:pPr algn="ctr"/>
-                      <a:r>
-                        <a:rPr lang="it-IT" sz="1100" dirty="0"/>
-                        <a:t>Test</a:t>
-                      </a:r>
-                    </a:p>
-                  </a:txBody>
-                  <a:tcPr/>
-                </a:tc>
-                <a:tc>
-                  <a:txBody>
-                    <a:bodyPr/>
-                    <a:lstStyle/>
-                    <a:p>
-                      <a:pPr algn="ctr"/>
-                      <a:r>
-                        <a:rPr lang="it-IT" sz="1100" dirty="0"/>
-                        <a:t>0.8231</a:t>
-                      </a:r>
-                    </a:p>
-                  </a:txBody>
-                  <a:tcPr/>
-                </a:tc>
-                <a:tc>
-                  <a:txBody>
-                    <a:bodyPr/>
-                    <a:lstStyle/>
-                    <a:p>
-                      <a:pPr algn="ctr"/>
-                      <a:r>
-                        <a:rPr lang="it-IT" sz="1100" dirty="0"/>
-                        <a:t>0.8231</a:t>
-                      </a:r>
-                    </a:p>
-                  </a:txBody>
-                  <a:tcPr/>
-                </a:tc>
-                <a:tc>
-                  <a:txBody>
-                    <a:bodyPr/>
-                    <a:lstStyle/>
-                    <a:p>
-                      <a:pPr algn="ctr"/>
-                      <a:r>
-                        <a:rPr lang="it-IT" sz="1100" dirty="0"/>
-                        <a:t>0.3939</a:t>
-                      </a:r>
-                    </a:p>
-                  </a:txBody>
-                  <a:tcPr/>
-                </a:tc>
-                <a:tc>
-                  <a:txBody>
-                    <a:bodyPr/>
-                    <a:lstStyle/>
-                    <a:p>
-                      <a:pPr algn="ctr"/>
-                      <a:r>
-                        <a:rPr lang="it-IT" sz="1100" dirty="0"/>
-                        <a:t>0.3333</a:t>
-                      </a:r>
-                    </a:p>
-                  </a:txBody>
-                  <a:tcPr/>
+                        <a:t>89.80%</a:t>
+                      </a:r>
+                    </a:p>
+                  </a:txBody>
+                  <a:tcPr anchor="ctr"/>
                 </a:tc>
                 <a:extLst>
                   <a:ext uri="{0D108BD9-81ED-4DB2-BD59-A6C34878D82A}">
@@ -15030,8 +14845,22 @@
                   </a:ext>
                 </a:extLst>
               </a:tr>
-              <a:tr h="396688">
-                <a:tc rowSpan="3">
+              <a:tr h="428358">
+                <a:tc>
+                  <a:txBody>
+                    <a:bodyPr/>
+                    <a:lstStyle/>
+                    <a:p>
+                      <a:pPr algn="ctr"/>
+                      <a:r>
+                        <a:rPr lang="it-IT" sz="1200" dirty="0"/>
+                        <a:t>Optimized Decision Tree</a:t>
+                      </a:r>
+                    </a:p>
+                  </a:txBody>
+                  <a:tcPr anchor="ctr"/>
+                </a:tc>
+                <a:tc>
                   <a:txBody>
                     <a:bodyPr/>
                     <a:lstStyle/>
@@ -15039,654 +14868,218 @@
                       <a:pPr algn="ctr"/>
                       <a:r>
                         <a:rPr lang="it-IT" sz="1100" dirty="0"/>
-                        <a:t>2</a:t>
-                      </a:r>
-                    </a:p>
-                  </a:txBody>
-                  <a:tcPr/>
-                </a:tc>
-                <a:tc>
-                  <a:txBody>
-                    <a:bodyPr/>
-                    <a:lstStyle/>
-                    <a:p>
-                      <a:pPr algn="ctr"/>
-                      <a:endParaRPr lang="it-IT" sz="1100" dirty="0"/>
-                    </a:p>
-                  </a:txBody>
-                  <a:tcPr/>
-                </a:tc>
-                <a:tc>
-                  <a:txBody>
-                    <a:bodyPr/>
-                    <a:lstStyle/>
-                    <a:p>
-                      <a:pPr algn="ctr"/>
-                      <a:endParaRPr lang="it-IT" sz="1100" dirty="0"/>
-                    </a:p>
-                  </a:txBody>
-                  <a:tcPr/>
-                </a:tc>
-                <a:tc>
-                  <a:txBody>
-                    <a:bodyPr/>
-                    <a:lstStyle/>
-                    <a:p>
-                      <a:pPr algn="ctr"/>
-                      <a:endParaRPr lang="it-IT" sz="1100" dirty="0"/>
-                    </a:p>
-                  </a:txBody>
-                  <a:tcPr/>
-                </a:tc>
-                <a:tc>
-                  <a:txBody>
-                    <a:bodyPr/>
-                    <a:lstStyle/>
-                    <a:p>
-                      <a:pPr algn="ctr"/>
-                      <a:endParaRPr lang="it-IT" sz="1100" dirty="0"/>
-                    </a:p>
-                  </a:txBody>
-                  <a:tcPr/>
-                </a:tc>
-                <a:tc>
-                  <a:txBody>
-                    <a:bodyPr/>
-                    <a:lstStyle/>
-                    <a:p>
-                      <a:pPr algn="ctr"/>
-                      <a:endParaRPr lang="it-IT" sz="1100" dirty="0"/>
-                    </a:p>
-                  </a:txBody>
-                  <a:tcPr/>
+                        <a:t>85.03%</a:t>
+                      </a:r>
+                    </a:p>
+                  </a:txBody>
+                  <a:tcPr anchor="ctr"/>
+                </a:tc>
+                <a:tc>
+                  <a:txBody>
+                    <a:bodyPr/>
+                    <a:lstStyle/>
+                    <a:p>
+                      <a:pPr algn="ctr"/>
+                      <a:r>
+                        <a:rPr lang="it-IT" sz="1100" dirty="0"/>
+                        <a:t>88.97%</a:t>
+                      </a:r>
+                    </a:p>
+                  </a:txBody>
+                  <a:tcPr anchor="ctr"/>
+                </a:tc>
+                <a:tc>
+                  <a:txBody>
+                    <a:bodyPr/>
+                    <a:lstStyle/>
+                    <a:p>
+                      <a:pPr algn="ctr"/>
+                      <a:r>
+                        <a:rPr lang="it-IT" sz="1100" dirty="0"/>
+                        <a:t>93.97%</a:t>
+                      </a:r>
+                    </a:p>
+                  </a:txBody>
+                  <a:tcPr anchor="ctr"/>
+                </a:tc>
+                <a:tc>
+                  <a:txBody>
+                    <a:bodyPr/>
+                    <a:lstStyle/>
+                    <a:p>
+                      <a:pPr algn="ctr"/>
+                      <a:r>
+                        <a:rPr lang="it-IT" sz="1100" dirty="0"/>
+                        <a:t>91.40%</a:t>
+                      </a:r>
+                    </a:p>
+                  </a:txBody>
+                  <a:tcPr anchor="ctr"/>
                 </a:tc>
                 <a:extLst>
                   <a:ext uri="{0D108BD9-81ED-4DB2-BD59-A6C34878D82A}">
-                    <a16:rowId xmlns:a16="http://schemas.microsoft.com/office/drawing/2014/main" val="3255642635"/>
+                    <a16:rowId xmlns:a16="http://schemas.microsoft.com/office/drawing/2014/main" val="3335296031"/>
                   </a:ext>
                 </a:extLst>
               </a:tr>
-              <a:tr h="396688">
-                <a:tc vMerge="1">
-                  <a:txBody>
-                    <a:bodyPr/>
-                    <a:lstStyle/>
-                    <a:p>
-                      <a:endParaRPr lang="it-IT"/>
-                    </a:p>
-                  </a:txBody>
-                  <a:tcPr/>
-                </a:tc>
-                <a:tc>
-                  <a:txBody>
-                    <a:bodyPr/>
-                    <a:lstStyle/>
-                    <a:p>
-                      <a:pPr algn="ctr"/>
-                      <a:endParaRPr lang="it-IT" sz="1100" dirty="0"/>
-                    </a:p>
-                  </a:txBody>
-                  <a:tcPr/>
-                </a:tc>
-                <a:tc>
-                  <a:txBody>
-                    <a:bodyPr/>
-                    <a:lstStyle/>
-                    <a:p>
-                      <a:pPr algn="ctr"/>
-                      <a:endParaRPr lang="it-IT" sz="1100" dirty="0"/>
-                    </a:p>
-                  </a:txBody>
-                  <a:tcPr/>
-                </a:tc>
-                <a:tc>
-                  <a:txBody>
-                    <a:bodyPr/>
-                    <a:lstStyle/>
-                    <a:p>
-                      <a:pPr algn="ctr"/>
-                      <a:endParaRPr lang="it-IT" sz="1100" dirty="0"/>
-                    </a:p>
-                  </a:txBody>
-                  <a:tcPr/>
-                </a:tc>
-                <a:tc>
-                  <a:txBody>
-                    <a:bodyPr/>
-                    <a:lstStyle/>
-                    <a:p>
-                      <a:pPr algn="ctr"/>
-                      <a:endParaRPr lang="it-IT" sz="1100" dirty="0"/>
-                    </a:p>
-                  </a:txBody>
-                  <a:tcPr/>
-                </a:tc>
-                <a:tc>
-                  <a:txBody>
-                    <a:bodyPr/>
-                    <a:lstStyle/>
-                    <a:p>
-                      <a:pPr algn="ctr"/>
-                      <a:endParaRPr lang="it-IT" sz="1100" dirty="0"/>
-                    </a:p>
-                  </a:txBody>
-                  <a:tcPr/>
+              <a:tr h="428358">
+                <a:tc>
+                  <a:txBody>
+                    <a:bodyPr/>
+                    <a:lstStyle/>
+                    <a:p>
+                      <a:pPr algn="ctr"/>
+                      <a:r>
+                        <a:rPr lang="it-IT" sz="1200" dirty="0"/>
+                        <a:t>Random Forest Model</a:t>
+                      </a:r>
+                    </a:p>
+                  </a:txBody>
+                  <a:tcPr anchor="ctr"/>
+                </a:tc>
+                <a:tc>
+                  <a:txBody>
+                    <a:bodyPr/>
+                    <a:lstStyle/>
+                    <a:p>
+                      <a:pPr algn="ctr"/>
+                      <a:r>
+                        <a:rPr lang="it-IT" sz="1100" dirty="0"/>
+                        <a:t>85.03%</a:t>
+                      </a:r>
+                    </a:p>
+                  </a:txBody>
+                  <a:tcPr anchor="ctr"/>
+                </a:tc>
+                <a:tc>
+                  <a:txBody>
+                    <a:bodyPr/>
+                    <a:lstStyle/>
+                    <a:p>
+                      <a:pPr algn="ctr"/>
+                      <a:r>
+                        <a:rPr lang="it-IT" sz="1100" dirty="0"/>
+                        <a:t>85.96%</a:t>
+                      </a:r>
+                    </a:p>
+                  </a:txBody>
+                  <a:tcPr anchor="ctr"/>
+                </a:tc>
+                <a:tc>
+                  <a:txBody>
+                    <a:bodyPr/>
+                    <a:lstStyle/>
+                    <a:p>
+                      <a:pPr algn="ctr"/>
+                      <a:r>
+                        <a:rPr lang="it-IT" sz="1100" dirty="0"/>
+                        <a:t>98.39%</a:t>
+                      </a:r>
+                    </a:p>
+                  </a:txBody>
+                  <a:tcPr anchor="ctr"/>
+                </a:tc>
+                <a:tc>
+                  <a:txBody>
+                    <a:bodyPr/>
+                    <a:lstStyle/>
+                    <a:p>
+                      <a:pPr algn="ctr"/>
+                      <a:r>
+                        <a:rPr lang="it-IT" sz="1100" dirty="0"/>
+                        <a:t>91.76%</a:t>
+                      </a:r>
+                    </a:p>
+                  </a:txBody>
+                  <a:tcPr anchor="ctr"/>
                 </a:tc>
                 <a:extLst>
                   <a:ext uri="{0D108BD9-81ED-4DB2-BD59-A6C34878D82A}">
-                    <a16:rowId xmlns:a16="http://schemas.microsoft.com/office/drawing/2014/main" val="3444671461"/>
+                    <a16:rowId xmlns:a16="http://schemas.microsoft.com/office/drawing/2014/main" val="1182403500"/>
                   </a:ext>
                 </a:extLst>
               </a:tr>
-              <a:tr h="396688">
-                <a:tc vMerge="1">
-                  <a:txBody>
-                    <a:bodyPr/>
-                    <a:lstStyle/>
-                    <a:p>
-                      <a:endParaRPr lang="it-IT"/>
-                    </a:p>
-                  </a:txBody>
-                  <a:tcPr/>
-                </a:tc>
-                <a:tc>
-                  <a:txBody>
-                    <a:bodyPr/>
-                    <a:lstStyle/>
-                    <a:p>
-                      <a:pPr algn="ctr"/>
-                      <a:endParaRPr lang="it-IT" sz="1100" dirty="0"/>
-                    </a:p>
-                  </a:txBody>
-                  <a:tcPr/>
-                </a:tc>
-                <a:tc>
-                  <a:txBody>
-                    <a:bodyPr/>
-                    <a:lstStyle/>
-                    <a:p>
-                      <a:pPr algn="ctr"/>
-                      <a:endParaRPr lang="it-IT" sz="1100" dirty="0"/>
-                    </a:p>
-                  </a:txBody>
-                  <a:tcPr/>
-                </a:tc>
-                <a:tc>
-                  <a:txBody>
-                    <a:bodyPr/>
-                    <a:lstStyle/>
-                    <a:p>
-                      <a:pPr algn="ctr"/>
-                      <a:endParaRPr lang="it-IT" sz="1100" dirty="0"/>
-                    </a:p>
-                  </a:txBody>
-                  <a:tcPr/>
-                </a:tc>
-                <a:tc>
-                  <a:txBody>
-                    <a:bodyPr/>
-                    <a:lstStyle/>
-                    <a:p>
-                      <a:pPr algn="ctr"/>
-                      <a:endParaRPr lang="it-IT" sz="1100" dirty="0"/>
-                    </a:p>
-                  </a:txBody>
-                  <a:tcPr/>
-                </a:tc>
-                <a:tc>
-                  <a:txBody>
-                    <a:bodyPr/>
-                    <a:lstStyle/>
-                    <a:p>
-                      <a:pPr algn="ctr"/>
-                      <a:endParaRPr lang="it-IT" sz="1100" dirty="0"/>
-                    </a:p>
-                  </a:txBody>
-                  <a:tcPr/>
+              <a:tr h="428358">
+                <a:tc>
+                  <a:txBody>
+                    <a:bodyPr/>
+                    <a:lstStyle/>
+                    <a:p>
+                      <a:pPr algn="ctr"/>
+                      <a:r>
+                        <a:rPr lang="it-IT" sz="1200" dirty="0"/>
+                        <a:t>K-Nearest Neighbors Model </a:t>
+                      </a:r>
+                    </a:p>
+                    <a:p>
+                      <a:pPr algn="ctr"/>
+                      <a:r>
+                        <a:rPr lang="it-IT" sz="1200" dirty="0"/>
+                        <a:t>with k=5</a:t>
+                      </a:r>
+                    </a:p>
+                  </a:txBody>
+                  <a:tcPr anchor="ctr"/>
+                </a:tc>
+                <a:tc>
+                  <a:txBody>
+                    <a:bodyPr/>
+                    <a:lstStyle/>
+                    <a:p>
+                      <a:pPr algn="ctr"/>
+                      <a:r>
+                        <a:rPr lang="it-IT" sz="1100" dirty="0"/>
+                        <a:t>83.33%</a:t>
+                      </a:r>
+                    </a:p>
+                  </a:txBody>
+                  <a:tcPr anchor="ctr"/>
+                </a:tc>
+                <a:tc>
+                  <a:txBody>
+                    <a:bodyPr/>
+                    <a:lstStyle/>
+                    <a:p>
+                      <a:pPr algn="ctr"/>
+                      <a:r>
+                        <a:rPr lang="it-IT" sz="1100" dirty="0"/>
+                        <a:t>85.97%</a:t>
+                      </a:r>
+                    </a:p>
+                  </a:txBody>
+                  <a:tcPr anchor="ctr"/>
+                </a:tc>
+                <a:tc>
+                  <a:txBody>
+                    <a:bodyPr/>
+                    <a:lstStyle/>
+                    <a:p>
+                      <a:pPr algn="ctr"/>
+                      <a:r>
+                        <a:rPr lang="it-IT" sz="1100" dirty="0"/>
+                        <a:t>95.98%</a:t>
+                      </a:r>
+                    </a:p>
+                  </a:txBody>
+                  <a:tcPr anchor="ctr"/>
+                </a:tc>
+                <a:tc>
+                  <a:txBody>
+                    <a:bodyPr/>
+                    <a:lstStyle/>
+                    <a:p>
+                      <a:pPr algn="ctr"/>
+                      <a:r>
+                        <a:rPr lang="it-IT" sz="1100" dirty="0"/>
+                        <a:t>90.70%</a:t>
+                      </a:r>
+                    </a:p>
+                  </a:txBody>
+                  <a:tcPr anchor="ctr"/>
                 </a:tc>
                 <a:extLst>
                   <a:ext uri="{0D108BD9-81ED-4DB2-BD59-A6C34878D82A}">
-                    <a16:rowId xmlns:a16="http://schemas.microsoft.com/office/drawing/2014/main" val="2981312169"/>
-                  </a:ext>
-                </a:extLst>
-              </a:tr>
-              <a:tr h="396688">
-                <a:tc rowSpan="3">
-                  <a:txBody>
-                    <a:bodyPr/>
-                    <a:lstStyle/>
-                    <a:p>
-                      <a:pPr algn="ctr"/>
-                      <a:r>
-                        <a:rPr lang="it-IT" sz="1100" dirty="0"/>
-                        <a:t>3</a:t>
-                      </a:r>
-                    </a:p>
-                  </a:txBody>
-                  <a:tcPr/>
-                </a:tc>
-                <a:tc>
-                  <a:txBody>
-                    <a:bodyPr/>
-                    <a:lstStyle/>
-                    <a:p>
-                      <a:pPr algn="ctr"/>
-                      <a:endParaRPr lang="it-IT" sz="1100" dirty="0"/>
-                    </a:p>
-                  </a:txBody>
-                  <a:tcPr/>
-                </a:tc>
-                <a:tc>
-                  <a:txBody>
-                    <a:bodyPr/>
-                    <a:lstStyle/>
-                    <a:p>
-                      <a:pPr algn="ctr"/>
-                      <a:endParaRPr lang="it-IT" sz="1100" dirty="0"/>
-                    </a:p>
-                  </a:txBody>
-                  <a:tcPr/>
-                </a:tc>
-                <a:tc>
-                  <a:txBody>
-                    <a:bodyPr/>
-                    <a:lstStyle/>
-                    <a:p>
-                      <a:pPr algn="ctr"/>
-                      <a:endParaRPr lang="it-IT" sz="1100" dirty="0"/>
-                    </a:p>
-                  </a:txBody>
-                  <a:tcPr/>
-                </a:tc>
-                <a:tc>
-                  <a:txBody>
-                    <a:bodyPr/>
-                    <a:lstStyle/>
-                    <a:p>
-                      <a:pPr algn="ctr"/>
-                      <a:endParaRPr lang="it-IT" sz="1100" dirty="0"/>
-                    </a:p>
-                  </a:txBody>
-                  <a:tcPr/>
-                </a:tc>
-                <a:tc>
-                  <a:txBody>
-                    <a:bodyPr/>
-                    <a:lstStyle/>
-                    <a:p>
-                      <a:pPr algn="ctr"/>
-                      <a:endParaRPr lang="it-IT" sz="1100" dirty="0"/>
-                    </a:p>
-                  </a:txBody>
-                  <a:tcPr/>
-                </a:tc>
-                <a:extLst>
-                  <a:ext uri="{0D108BD9-81ED-4DB2-BD59-A6C34878D82A}">
-                    <a16:rowId xmlns:a16="http://schemas.microsoft.com/office/drawing/2014/main" val="530914676"/>
-                  </a:ext>
-                </a:extLst>
-              </a:tr>
-              <a:tr h="396688">
-                <a:tc vMerge="1">
-                  <a:txBody>
-                    <a:bodyPr/>
-                    <a:lstStyle/>
-                    <a:p>
-                      <a:endParaRPr lang="it-IT"/>
-                    </a:p>
-                  </a:txBody>
-                  <a:tcPr/>
-                </a:tc>
-                <a:tc>
-                  <a:txBody>
-                    <a:bodyPr/>
-                    <a:lstStyle/>
-                    <a:p>
-                      <a:pPr algn="ctr"/>
-                      <a:endParaRPr lang="it-IT" sz="1100" dirty="0"/>
-                    </a:p>
-                  </a:txBody>
-                  <a:tcPr/>
-                </a:tc>
-                <a:tc>
-                  <a:txBody>
-                    <a:bodyPr/>
-                    <a:lstStyle/>
-                    <a:p>
-                      <a:pPr algn="ctr"/>
-                      <a:endParaRPr lang="it-IT" sz="1100" dirty="0"/>
-                    </a:p>
-                  </a:txBody>
-                  <a:tcPr/>
-                </a:tc>
-                <a:tc>
-                  <a:txBody>
-                    <a:bodyPr/>
-                    <a:lstStyle/>
-                    <a:p>
-                      <a:pPr algn="ctr"/>
-                      <a:endParaRPr lang="it-IT" sz="1100" dirty="0"/>
-                    </a:p>
-                  </a:txBody>
-                  <a:tcPr/>
-                </a:tc>
-                <a:tc>
-                  <a:txBody>
-                    <a:bodyPr/>
-                    <a:lstStyle/>
-                    <a:p>
-                      <a:pPr algn="ctr"/>
-                      <a:endParaRPr lang="it-IT" sz="1100" dirty="0"/>
-                    </a:p>
-                  </a:txBody>
-                  <a:tcPr/>
-                </a:tc>
-                <a:tc>
-                  <a:txBody>
-                    <a:bodyPr/>
-                    <a:lstStyle/>
-                    <a:p>
-                      <a:pPr algn="ctr"/>
-                      <a:endParaRPr lang="it-IT" sz="1100" dirty="0"/>
-                    </a:p>
-                  </a:txBody>
-                  <a:tcPr/>
-                </a:tc>
-                <a:extLst>
-                  <a:ext uri="{0D108BD9-81ED-4DB2-BD59-A6C34878D82A}">
-                    <a16:rowId xmlns:a16="http://schemas.microsoft.com/office/drawing/2014/main" val="628990528"/>
-                  </a:ext>
-                </a:extLst>
-              </a:tr>
-              <a:tr h="396688">
-                <a:tc vMerge="1">
-                  <a:txBody>
-                    <a:bodyPr/>
-                    <a:lstStyle/>
-                    <a:p>
-                      <a:endParaRPr lang="it-IT"/>
-                    </a:p>
-                  </a:txBody>
-                  <a:tcPr/>
-                </a:tc>
-                <a:tc>
-                  <a:txBody>
-                    <a:bodyPr/>
-                    <a:lstStyle/>
-                    <a:p>
-                      <a:pPr algn="ctr"/>
-                      <a:endParaRPr lang="it-IT" sz="1100" dirty="0"/>
-                    </a:p>
-                  </a:txBody>
-                  <a:tcPr/>
-                </a:tc>
-                <a:tc>
-                  <a:txBody>
-                    <a:bodyPr/>
-                    <a:lstStyle/>
-                    <a:p>
-                      <a:pPr algn="ctr"/>
-                      <a:endParaRPr lang="it-IT" sz="1100" dirty="0"/>
-                    </a:p>
-                  </a:txBody>
-                  <a:tcPr/>
-                </a:tc>
-                <a:tc>
-                  <a:txBody>
-                    <a:bodyPr/>
-                    <a:lstStyle/>
-                    <a:p>
-                      <a:pPr algn="ctr"/>
-                      <a:endParaRPr lang="it-IT" sz="1100" dirty="0"/>
-                    </a:p>
-                  </a:txBody>
-                  <a:tcPr/>
-                </a:tc>
-                <a:tc>
-                  <a:txBody>
-                    <a:bodyPr/>
-                    <a:lstStyle/>
-                    <a:p>
-                      <a:pPr algn="ctr"/>
-                      <a:endParaRPr lang="it-IT" sz="1100" dirty="0"/>
-                    </a:p>
-                  </a:txBody>
-                  <a:tcPr/>
-                </a:tc>
-                <a:tc>
-                  <a:txBody>
-                    <a:bodyPr/>
-                    <a:lstStyle/>
-                    <a:p>
-                      <a:pPr algn="ctr"/>
-                      <a:endParaRPr lang="it-IT" sz="1100" dirty="0"/>
-                    </a:p>
-                  </a:txBody>
-                  <a:tcPr/>
-                </a:tc>
-                <a:extLst>
-                  <a:ext uri="{0D108BD9-81ED-4DB2-BD59-A6C34878D82A}">
-                    <a16:rowId xmlns:a16="http://schemas.microsoft.com/office/drawing/2014/main" val="1552624855"/>
-                  </a:ext>
-                </a:extLst>
-              </a:tr>
-              <a:tr h="132229">
-                <a:tc rowSpan="3">
-                  <a:txBody>
-                    <a:bodyPr/>
-                    <a:lstStyle/>
-                    <a:p>
-                      <a:pPr algn="ctr"/>
-                      <a:r>
-                        <a:rPr lang="it-IT" sz="1100" dirty="0"/>
-                        <a:t>4</a:t>
-                      </a:r>
-                    </a:p>
-                  </a:txBody>
-                  <a:tcPr/>
-                </a:tc>
-                <a:tc>
-                  <a:txBody>
-                    <a:bodyPr/>
-                    <a:lstStyle/>
-                    <a:p>
-                      <a:pPr algn="ctr"/>
-                      <a:endParaRPr lang="it-IT" sz="1100" dirty="0"/>
-                    </a:p>
-                  </a:txBody>
-                  <a:tcPr/>
-                </a:tc>
-                <a:tc>
-                  <a:txBody>
-                    <a:bodyPr/>
-                    <a:lstStyle/>
-                    <a:p>
-                      <a:pPr algn="ctr"/>
-                      <a:endParaRPr lang="it-IT" sz="1100" dirty="0"/>
-                    </a:p>
-                  </a:txBody>
-                  <a:tcPr/>
-                </a:tc>
-                <a:tc>
-                  <a:txBody>
-                    <a:bodyPr/>
-                    <a:lstStyle/>
-                    <a:p>
-                      <a:pPr algn="ctr"/>
-                      <a:endParaRPr lang="it-IT" sz="1100" dirty="0"/>
-                    </a:p>
-                  </a:txBody>
-                  <a:tcPr/>
-                </a:tc>
-                <a:tc>
-                  <a:txBody>
-                    <a:bodyPr/>
-                    <a:lstStyle/>
-                    <a:p>
-                      <a:pPr algn="ctr"/>
-                      <a:endParaRPr lang="it-IT" sz="1100" dirty="0"/>
-                    </a:p>
-                  </a:txBody>
-                  <a:tcPr/>
-                </a:tc>
-                <a:tc>
-                  <a:txBody>
-                    <a:bodyPr/>
-                    <a:lstStyle/>
-                    <a:p>
-                      <a:pPr algn="ctr"/>
-                      <a:endParaRPr lang="it-IT" sz="1100" dirty="0"/>
-                    </a:p>
-                  </a:txBody>
-                  <a:tcPr/>
-                </a:tc>
-                <a:extLst>
-                  <a:ext uri="{0D108BD9-81ED-4DB2-BD59-A6C34878D82A}">
-                    <a16:rowId xmlns:a16="http://schemas.microsoft.com/office/drawing/2014/main" val="682134986"/>
-                  </a:ext>
-                </a:extLst>
-              </a:tr>
-              <a:tr h="233531">
-                <a:tc vMerge="1">
-                  <a:txBody>
-                    <a:bodyPr/>
-                    <a:lstStyle/>
-                    <a:p>
-                      <a:endParaRPr lang="it-IT"/>
-                    </a:p>
-                  </a:txBody>
-                  <a:tcPr/>
-                </a:tc>
-                <a:tc>
-                  <a:txBody>
-                    <a:bodyPr/>
-                    <a:lstStyle/>
-                    <a:p>
-                      <a:pPr algn="ctr"/>
-                      <a:endParaRPr lang="it-IT" sz="1100" dirty="0"/>
-                    </a:p>
-                  </a:txBody>
-                  <a:tcPr/>
-                </a:tc>
-                <a:tc>
-                  <a:txBody>
-                    <a:bodyPr/>
-                    <a:lstStyle/>
-                    <a:p>
-                      <a:pPr algn="ctr"/>
-                      <a:endParaRPr lang="it-IT" sz="1100" dirty="0"/>
-                    </a:p>
-                  </a:txBody>
-                  <a:tcPr/>
-                </a:tc>
-                <a:tc>
-                  <a:txBody>
-                    <a:bodyPr/>
-                    <a:lstStyle/>
-                    <a:p>
-                      <a:pPr algn="ctr"/>
-                      <a:endParaRPr lang="it-IT" sz="1100" dirty="0"/>
-                    </a:p>
-                  </a:txBody>
-                  <a:tcPr/>
-                </a:tc>
-                <a:tc>
-                  <a:txBody>
-                    <a:bodyPr/>
-                    <a:lstStyle/>
-                    <a:p>
-                      <a:pPr algn="ctr"/>
-                      <a:endParaRPr lang="it-IT" sz="1100" dirty="0"/>
-                    </a:p>
-                  </a:txBody>
-                  <a:tcPr/>
-                </a:tc>
-                <a:tc>
-                  <a:txBody>
-                    <a:bodyPr/>
-                    <a:lstStyle/>
-                    <a:p>
-                      <a:pPr algn="ctr"/>
-                      <a:endParaRPr lang="it-IT" sz="1100" dirty="0"/>
-                    </a:p>
-                  </a:txBody>
-                  <a:tcPr/>
-                </a:tc>
-                <a:extLst>
-                  <a:ext uri="{0D108BD9-81ED-4DB2-BD59-A6C34878D82A}">
-                    <a16:rowId xmlns:a16="http://schemas.microsoft.com/office/drawing/2014/main" val="4016770480"/>
-                  </a:ext>
-                </a:extLst>
-              </a:tr>
-              <a:tr h="132229">
-                <a:tc vMerge="1">
-                  <a:txBody>
-                    <a:bodyPr/>
-                    <a:lstStyle/>
-                    <a:p>
-                      <a:endParaRPr lang="it-IT"/>
-                    </a:p>
-                  </a:txBody>
-                  <a:tcPr/>
-                </a:tc>
-                <a:tc>
-                  <a:txBody>
-                    <a:bodyPr/>
-                    <a:lstStyle/>
-                    <a:p>
-                      <a:pPr algn="ctr"/>
-                      <a:endParaRPr lang="it-IT" sz="1100" dirty="0"/>
-                    </a:p>
-                  </a:txBody>
-                  <a:tcPr/>
-                </a:tc>
-                <a:tc>
-                  <a:txBody>
-                    <a:bodyPr/>
-                    <a:lstStyle/>
-                    <a:p>
-                      <a:pPr algn="ctr"/>
-                      <a:endParaRPr lang="it-IT" sz="1100" dirty="0"/>
-                    </a:p>
-                  </a:txBody>
-                  <a:tcPr/>
-                </a:tc>
-                <a:tc>
-                  <a:txBody>
-                    <a:bodyPr/>
-                    <a:lstStyle/>
-                    <a:p>
-                      <a:pPr algn="ctr"/>
-                      <a:endParaRPr lang="it-IT" sz="1100" dirty="0"/>
-                    </a:p>
-                  </a:txBody>
-                  <a:tcPr/>
-                </a:tc>
-                <a:tc>
-                  <a:txBody>
-                    <a:bodyPr/>
-                    <a:lstStyle/>
-                    <a:p>
-                      <a:pPr algn="ctr"/>
-                      <a:endParaRPr lang="it-IT" sz="1100" dirty="0"/>
-                    </a:p>
-                  </a:txBody>
-                  <a:tcPr/>
-                </a:tc>
-                <a:tc>
-                  <a:txBody>
-                    <a:bodyPr/>
-                    <a:lstStyle/>
-                    <a:p>
-                      <a:pPr algn="ctr"/>
-                      <a:endParaRPr lang="it-IT" sz="1100" dirty="0"/>
-                    </a:p>
-                  </a:txBody>
-                  <a:tcPr/>
-                </a:tc>
-                <a:extLst>
-                  <a:ext uri="{0D108BD9-81ED-4DB2-BD59-A6C34878D82A}">
-                    <a16:rowId xmlns:a16="http://schemas.microsoft.com/office/drawing/2014/main" val="273521132"/>
+                    <a16:rowId xmlns:a16="http://schemas.microsoft.com/office/drawing/2014/main" val="1582948310"/>
                   </a:ext>
                 </a:extLst>
               </a:tr>
@@ -15724,3935 +15117,130 @@
           <a:chExt cx="0" cy="0"/>
         </a:xfrm>
       </p:grpSpPr>
-      <p:graphicFrame>
-        <p:nvGraphicFramePr>
-          <p:cNvPr id="2" name="Tabella 4">
+      <p:pic>
+        <p:nvPicPr>
+          <p:cNvPr id="13" name="Immagine 12">
             <a:extLst>
               <a:ext uri="{FF2B5EF4-FFF2-40B4-BE49-F238E27FC236}">
-                <a16:creationId xmlns:a16="http://schemas.microsoft.com/office/drawing/2014/main" id="{467042A2-4219-FF4E-BCF2-08B570D94678}"/>
+                <a16:creationId xmlns:a16="http://schemas.microsoft.com/office/drawing/2014/main" id="{8C76D232-7F9C-0F48-9667-8DE3148BC517}"/>
               </a:ext>
             </a:extLst>
           </p:cNvPr>
-          <p:cNvGraphicFramePr>
-            <a:graphicFrameLocks noGrp="1"/>
-          </p:cNvGraphicFramePr>
-          <p:nvPr>
-            <p:extLst>
-              <p:ext uri="{D42A27DB-BD31-4B8C-83A1-F6EECF244321}">
-                <p14:modId xmlns:p14="http://schemas.microsoft.com/office/powerpoint/2010/main" val="1735667388"/>
-              </p:ext>
-            </p:extLst>
-          </p:nvPr>
-        </p:nvGraphicFramePr>
-        <p:xfrm>
-          <a:off x="1592778" y="166364"/>
-          <a:ext cx="4503222" cy="6126480"/>
-        </p:xfrm>
-        <a:graphic>
-          <a:graphicData uri="http://schemas.openxmlformats.org/drawingml/2006/table">
-            <a:tbl>
-              <a:tblPr firstRow="1" bandRow="1">
-                <a:tableStyleId>{8799B23B-EC83-4686-B30A-512413B5E67A}</a:tableStyleId>
-              </a:tblPr>
-              <a:tblGrid>
-                <a:gridCol w="589424">
-                  <a:extLst>
-                    <a:ext uri="{9D8B030D-6E8A-4147-A177-3AD203B41FA5}">
-                      <a16:colId xmlns:a16="http://schemas.microsoft.com/office/drawing/2014/main" val="2461092584"/>
-                    </a:ext>
-                  </a:extLst>
-                </a:gridCol>
-                <a:gridCol w="822954">
-                  <a:extLst>
-                    <a:ext uri="{9D8B030D-6E8A-4147-A177-3AD203B41FA5}">
-                      <a16:colId xmlns:a16="http://schemas.microsoft.com/office/drawing/2014/main" val="3273297179"/>
-                    </a:ext>
-                  </a:extLst>
-                </a:gridCol>
-                <a:gridCol w="772711">
-                  <a:extLst>
-                    <a:ext uri="{9D8B030D-6E8A-4147-A177-3AD203B41FA5}">
-                      <a16:colId xmlns:a16="http://schemas.microsoft.com/office/drawing/2014/main" val="3364013020"/>
-                    </a:ext>
-                  </a:extLst>
-                </a:gridCol>
-                <a:gridCol w="772711">
-                  <a:extLst>
-                    <a:ext uri="{9D8B030D-6E8A-4147-A177-3AD203B41FA5}">
-                      <a16:colId xmlns:a16="http://schemas.microsoft.com/office/drawing/2014/main" val="1405640257"/>
-                    </a:ext>
-                  </a:extLst>
-                </a:gridCol>
-                <a:gridCol w="772711">
-                  <a:extLst>
-                    <a:ext uri="{9D8B030D-6E8A-4147-A177-3AD203B41FA5}">
-                      <a16:colId xmlns:a16="http://schemas.microsoft.com/office/drawing/2014/main" val="188676759"/>
-                    </a:ext>
-                  </a:extLst>
-                </a:gridCol>
-                <a:gridCol w="772711">
-                  <a:extLst>
-                    <a:ext uri="{9D8B030D-6E8A-4147-A177-3AD203B41FA5}">
-                      <a16:colId xmlns:a16="http://schemas.microsoft.com/office/drawing/2014/main" val="466163775"/>
-                    </a:ext>
-                  </a:extLst>
-                </a:gridCol>
-              </a:tblGrid>
-              <a:tr h="441263">
-                <a:tc>
-                  <a:txBody>
-                    <a:bodyPr/>
-                    <a:lstStyle/>
-                    <a:p>
-                      <a:pPr algn="ctr"/>
-                      <a:r>
-                        <a:rPr lang="it-IT" sz="1200" dirty="0"/>
-                        <a:t>K</a:t>
-                      </a:r>
-                    </a:p>
-                    <a:p>
-                      <a:pPr algn="ctr"/>
-                      <a:endParaRPr lang="it-IT" sz="1200" dirty="0"/>
-                    </a:p>
-                  </a:txBody>
-                  <a:tcPr/>
-                </a:tc>
-                <a:tc>
-                  <a:txBody>
-                    <a:bodyPr/>
-                    <a:lstStyle/>
-                    <a:p>
-                      <a:pPr algn="ctr"/>
-                      <a:r>
-                        <a:rPr lang="it-IT" sz="1200" dirty="0"/>
-                        <a:t>Data Type</a:t>
-                      </a:r>
-                    </a:p>
-                  </a:txBody>
-                  <a:tcPr/>
-                </a:tc>
-                <a:tc>
-                  <a:txBody>
-                    <a:bodyPr/>
-                    <a:lstStyle/>
-                    <a:p>
-                      <a:pPr algn="ctr"/>
-                      <a:r>
-                        <a:rPr lang="it-IT" sz="1200" dirty="0"/>
-                        <a:t>Accuracy</a:t>
-                      </a:r>
-                    </a:p>
-                  </a:txBody>
-                  <a:tcPr/>
-                </a:tc>
-                <a:tc>
-                  <a:txBody>
-                    <a:bodyPr/>
-                    <a:lstStyle/>
-                    <a:p>
-                      <a:pPr algn="ctr"/>
-                      <a:r>
-                        <a:rPr lang="it-IT" sz="1200" dirty="0"/>
-                        <a:t>Precision</a:t>
-                      </a:r>
-                    </a:p>
-                  </a:txBody>
-                  <a:tcPr/>
-                </a:tc>
-                <a:tc>
-                  <a:txBody>
-                    <a:bodyPr/>
-                    <a:lstStyle/>
-                    <a:p>
-                      <a:pPr algn="ctr"/>
-                      <a:r>
-                        <a:rPr lang="it-IT" sz="1200" dirty="0"/>
-                        <a:t>Recall</a:t>
-                      </a:r>
-                    </a:p>
-                  </a:txBody>
-                  <a:tcPr/>
-                </a:tc>
-                <a:tc>
-                  <a:txBody>
-                    <a:bodyPr/>
-                    <a:lstStyle/>
-                    <a:p>
-                      <a:pPr algn="ctr"/>
-                      <a:r>
-                        <a:rPr lang="it-IT" sz="1200" dirty="0"/>
-                        <a:t>F-Score</a:t>
-                      </a:r>
-                    </a:p>
-                  </a:txBody>
-                  <a:tcPr/>
-                </a:tc>
-                <a:extLst>
-                  <a:ext uri="{0D108BD9-81ED-4DB2-BD59-A6C34878D82A}">
-                    <a16:rowId xmlns:a16="http://schemas.microsoft.com/office/drawing/2014/main" val="3211650326"/>
-                  </a:ext>
-                </a:extLst>
-              </a:tr>
-              <a:tr h="410867">
-                <a:tc rowSpan="3">
-                  <a:txBody>
-                    <a:bodyPr/>
-                    <a:lstStyle/>
-                    <a:p>
-                      <a:pPr algn="ctr"/>
-                      <a:r>
-                        <a:rPr lang="it-IT" sz="1100" b="1" dirty="0"/>
-                        <a:t>1</a:t>
-                      </a:r>
-                    </a:p>
-                  </a:txBody>
-                  <a:tcPr anchor="ctr"/>
-                </a:tc>
-                <a:tc>
-                  <a:txBody>
-                    <a:bodyPr/>
-                    <a:lstStyle/>
-                    <a:p>
-                      <a:pPr algn="ctr"/>
-                      <a:r>
-                        <a:rPr lang="it-IT" sz="1100" dirty="0"/>
-                        <a:t>Training </a:t>
-                      </a:r>
-                    </a:p>
-                    <a:p>
-                      <a:pPr algn="ctr"/>
-                      <a:r>
-                        <a:rPr lang="it-IT" sz="1100" dirty="0"/>
-                        <a:t>(4-fold cv)</a:t>
-                      </a:r>
-                    </a:p>
-                  </a:txBody>
-                  <a:tcPr anchor="ctr"/>
-                </a:tc>
-                <a:tc>
-                  <a:txBody>
-                    <a:bodyPr/>
-                    <a:lstStyle/>
-                    <a:p>
-                      <a:pPr algn="ctr"/>
-                      <a:r>
-                        <a:rPr lang="it-IT" sz="1100" dirty="0"/>
-                        <a:t>0.7355 </a:t>
-                      </a:r>
-                    </a:p>
-                    <a:p>
-                      <a:pPr algn="ctr"/>
-                      <a:r>
-                        <a:rPr lang="it-IT" sz="1100" dirty="0"/>
-                        <a:t>(+/- 0.05)</a:t>
-                      </a:r>
-                    </a:p>
-                  </a:txBody>
-                  <a:tcPr anchor="ctr"/>
-                </a:tc>
-                <a:tc>
-                  <a:txBody>
-                    <a:bodyPr/>
-                    <a:lstStyle/>
-                    <a:p>
-                      <a:pPr algn="ctr"/>
-                      <a:r>
-                        <a:rPr lang="it-IT" sz="1100" dirty="0"/>
-                        <a:t>0.7407 </a:t>
-                      </a:r>
-                    </a:p>
-                    <a:p>
-                      <a:pPr algn="ctr"/>
-                      <a:r>
-                        <a:rPr lang="it-IT" sz="1100" dirty="0"/>
-                        <a:t>(+/- 0.04)</a:t>
-                      </a:r>
-                    </a:p>
-                  </a:txBody>
-                  <a:tcPr anchor="ctr"/>
-                </a:tc>
-                <a:tc>
-                  <a:txBody>
-                    <a:bodyPr/>
-                    <a:lstStyle/>
-                    <a:p>
-                      <a:pPr algn="ctr"/>
-                      <a:r>
-                        <a:rPr lang="it-IT" sz="1100" dirty="0"/>
-                        <a:t>0.7355 </a:t>
-                      </a:r>
-                    </a:p>
-                    <a:p>
-                      <a:pPr algn="ctr"/>
-                      <a:r>
-                        <a:rPr lang="it-IT" sz="1100" dirty="0"/>
-                        <a:t>(+/- 0.05)</a:t>
-                      </a:r>
-                    </a:p>
-                  </a:txBody>
-                  <a:tcPr anchor="ctr"/>
-                </a:tc>
-                <a:tc>
-                  <a:txBody>
-                    <a:bodyPr/>
-                    <a:lstStyle/>
-                    <a:p>
-                      <a:pPr algn="ctr"/>
-                      <a:r>
-                        <a:rPr lang="it-IT" sz="1100" dirty="0"/>
-                        <a:t>0.7378 </a:t>
-                      </a:r>
-                    </a:p>
-                    <a:p>
-                      <a:pPr algn="ctr"/>
-                      <a:r>
-                        <a:rPr lang="it-IT" sz="1100" dirty="0"/>
-                        <a:t>(+/- 0.04)</a:t>
-                      </a:r>
-                    </a:p>
-                  </a:txBody>
-                  <a:tcPr anchor="ctr"/>
-                </a:tc>
-                <a:extLst>
-                  <a:ext uri="{0D108BD9-81ED-4DB2-BD59-A6C34878D82A}">
-                    <a16:rowId xmlns:a16="http://schemas.microsoft.com/office/drawing/2014/main" val="3294786535"/>
-                  </a:ext>
-                </a:extLst>
-              </a:tr>
-              <a:tr h="250049">
-                <a:tc vMerge="1">
-                  <a:txBody>
-                    <a:bodyPr/>
-                    <a:lstStyle/>
-                    <a:p>
-                      <a:endParaRPr lang="it-IT"/>
-                    </a:p>
-                  </a:txBody>
-                  <a:tcPr/>
-                </a:tc>
-                <a:tc>
-                  <a:txBody>
-                    <a:bodyPr/>
-                    <a:lstStyle/>
-                    <a:p>
-                      <a:pPr algn="ctr"/>
-                      <a:r>
-                        <a:rPr lang="it-IT" sz="1100" dirty="0"/>
-                        <a:t>Training</a:t>
-                      </a:r>
-                    </a:p>
-                  </a:txBody>
-                  <a:tcPr anchor="ctr"/>
-                </a:tc>
-                <a:tc>
-                  <a:txBody>
-                    <a:bodyPr/>
-                    <a:lstStyle/>
-                    <a:p>
-                      <a:pPr algn="ctr"/>
-                      <a:r>
-                        <a:rPr lang="it-IT" sz="1100" dirty="0"/>
-                        <a:t>1.0</a:t>
-                      </a:r>
-                    </a:p>
-                  </a:txBody>
-                  <a:tcPr anchor="ctr"/>
-                </a:tc>
-                <a:tc>
-                  <a:txBody>
-                    <a:bodyPr/>
-                    <a:lstStyle/>
-                    <a:p>
-                      <a:pPr algn="ctr"/>
-                      <a:r>
-                        <a:rPr lang="it-IT" sz="1100" dirty="0"/>
-                        <a:t>1.0</a:t>
-                      </a:r>
-                    </a:p>
-                  </a:txBody>
-                  <a:tcPr anchor="ctr"/>
-                </a:tc>
-                <a:tc>
-                  <a:txBody>
-                    <a:bodyPr/>
-                    <a:lstStyle/>
-                    <a:p>
-                      <a:pPr algn="ctr"/>
-                      <a:r>
-                        <a:rPr lang="it-IT" sz="1100" dirty="0"/>
-                        <a:t>1.0</a:t>
-                      </a:r>
-                    </a:p>
-                  </a:txBody>
-                  <a:tcPr anchor="ctr"/>
-                </a:tc>
-                <a:tc>
-                  <a:txBody>
-                    <a:bodyPr/>
-                    <a:lstStyle/>
-                    <a:p>
-                      <a:pPr algn="ctr"/>
-                      <a:r>
-                        <a:rPr lang="it-IT" sz="1100" dirty="0"/>
-                        <a:t>1.0</a:t>
-                      </a:r>
-                    </a:p>
-                  </a:txBody>
-                  <a:tcPr anchor="ctr"/>
-                </a:tc>
-                <a:extLst>
-                  <a:ext uri="{0D108BD9-81ED-4DB2-BD59-A6C34878D82A}">
-                    <a16:rowId xmlns:a16="http://schemas.microsoft.com/office/drawing/2014/main" val="3031214670"/>
-                  </a:ext>
-                </a:extLst>
-              </a:tr>
-              <a:tr h="250049">
-                <a:tc vMerge="1">
-                  <a:txBody>
-                    <a:bodyPr/>
-                    <a:lstStyle/>
-                    <a:p>
-                      <a:endParaRPr lang="it-IT"/>
-                    </a:p>
-                  </a:txBody>
-                  <a:tcPr/>
-                </a:tc>
-                <a:tc>
-                  <a:txBody>
-                    <a:bodyPr/>
-                    <a:lstStyle/>
-                    <a:p>
-                      <a:pPr algn="ctr"/>
-                      <a:r>
-                        <a:rPr lang="it-IT" sz="1100" dirty="0"/>
-                        <a:t>Test</a:t>
-                      </a:r>
-                    </a:p>
-                  </a:txBody>
-                  <a:tcPr anchor="ctr"/>
-                </a:tc>
-                <a:tc>
-                  <a:txBody>
-                    <a:bodyPr/>
-                    <a:lstStyle/>
-                    <a:p>
-                      <a:pPr algn="ctr"/>
-                      <a:r>
-                        <a:rPr lang="it-IT" sz="1100" dirty="0"/>
-                        <a:t>0.7619</a:t>
-                      </a:r>
-                    </a:p>
-                  </a:txBody>
-                  <a:tcPr anchor="ctr"/>
-                </a:tc>
-                <a:tc>
-                  <a:txBody>
-                    <a:bodyPr/>
-                    <a:lstStyle/>
-                    <a:p>
-                      <a:pPr algn="ctr"/>
-                      <a:r>
-                        <a:rPr lang="it-IT" sz="1100" dirty="0"/>
-                        <a:t>0.8565</a:t>
-                      </a:r>
-                    </a:p>
-                  </a:txBody>
-                  <a:tcPr anchor="ctr"/>
-                </a:tc>
-                <a:tc>
-                  <a:txBody>
-                    <a:bodyPr/>
-                    <a:lstStyle/>
-                    <a:p>
-                      <a:pPr algn="ctr"/>
-                      <a:r>
-                        <a:rPr lang="it-IT" sz="1100" dirty="0"/>
-                        <a:t>0.8634</a:t>
-                      </a:r>
-                    </a:p>
-                  </a:txBody>
-                  <a:tcPr anchor="ctr"/>
-                </a:tc>
-                <a:tc>
-                  <a:txBody>
-                    <a:bodyPr/>
-                    <a:lstStyle/>
-                    <a:p>
-                      <a:pPr algn="ctr"/>
-                      <a:r>
-                        <a:rPr lang="it-IT" sz="1100" dirty="0"/>
-                        <a:t>0.86</a:t>
-                      </a:r>
-                    </a:p>
-                  </a:txBody>
-                  <a:tcPr anchor="ctr"/>
-                </a:tc>
-                <a:extLst>
-                  <a:ext uri="{0D108BD9-81ED-4DB2-BD59-A6C34878D82A}">
-                    <a16:rowId xmlns:a16="http://schemas.microsoft.com/office/drawing/2014/main" val="2659678278"/>
-                  </a:ext>
-                </a:extLst>
-              </a:tr>
-              <a:tr h="410867">
-                <a:tc rowSpan="3">
-                  <a:txBody>
-                    <a:bodyPr/>
-                    <a:lstStyle/>
-                    <a:p>
-                      <a:pPr algn="ctr"/>
-                      <a:r>
-                        <a:rPr lang="it-IT" sz="1100" b="1" dirty="0"/>
-                        <a:t>2</a:t>
-                      </a:r>
-                    </a:p>
-                  </a:txBody>
-                  <a:tcPr anchor="ctr"/>
-                </a:tc>
-                <a:tc>
-                  <a:txBody>
-                    <a:bodyPr/>
-                    <a:lstStyle/>
-                    <a:p>
-                      <a:pPr algn="ctr"/>
-                      <a:r>
-                        <a:rPr lang="it-IT" sz="1100" dirty="0"/>
-                        <a:t>Training (4-fold cv)</a:t>
-                      </a:r>
-                    </a:p>
-                  </a:txBody>
-                  <a:tcPr anchor="ctr"/>
-                </a:tc>
-                <a:tc>
-                  <a:txBody>
-                    <a:bodyPr/>
-                    <a:lstStyle/>
-                    <a:p>
-                      <a:pPr algn="ctr"/>
-                      <a:r>
-                        <a:rPr lang="it-IT" sz="1100" dirty="0"/>
-                        <a:t>0.8189</a:t>
-                      </a:r>
-                    </a:p>
-                    <a:p>
-                      <a:pPr algn="ctr"/>
-                      <a:r>
-                        <a:rPr lang="it-IT" sz="1100" dirty="0"/>
-                        <a:t> (+/- 0.02)</a:t>
-                      </a:r>
-                    </a:p>
-                  </a:txBody>
-                  <a:tcPr anchor="ctr"/>
-                </a:tc>
-                <a:tc>
-                  <a:txBody>
-                    <a:bodyPr/>
-                    <a:lstStyle/>
-                    <a:p>
-                      <a:pPr algn="ctr"/>
-                      <a:r>
-                        <a:rPr lang="it-IT" sz="1100" dirty="0"/>
-                        <a:t>0.7404</a:t>
-                      </a:r>
-                    </a:p>
-                    <a:p>
-                      <a:pPr algn="ctr"/>
-                      <a:r>
-                        <a:rPr lang="it-IT" sz="1100" dirty="0"/>
-                        <a:t> (+/- 0.06)</a:t>
-                      </a:r>
-                    </a:p>
-                  </a:txBody>
-                  <a:tcPr anchor="ctr"/>
-                </a:tc>
-                <a:tc>
-                  <a:txBody>
-                    <a:bodyPr/>
-                    <a:lstStyle/>
-                    <a:p>
-                      <a:pPr algn="ctr"/>
-                      <a:r>
-                        <a:rPr lang="it-IT" sz="1100" dirty="0"/>
-                        <a:t>0.8189</a:t>
-                      </a:r>
-                    </a:p>
-                    <a:p>
-                      <a:pPr algn="ctr"/>
-                      <a:r>
-                        <a:rPr lang="it-IT" sz="1100" dirty="0"/>
-                        <a:t> (+/- 0.02)</a:t>
-                      </a:r>
-                    </a:p>
-                  </a:txBody>
-                  <a:tcPr anchor="ctr"/>
-                </a:tc>
-                <a:tc>
-                  <a:txBody>
-                    <a:bodyPr/>
-                    <a:lstStyle/>
-                    <a:p>
-                      <a:pPr algn="ctr"/>
-                      <a:r>
-                        <a:rPr lang="it-IT" sz="1100" dirty="0"/>
-                        <a:t>0.7629 </a:t>
-                      </a:r>
-                    </a:p>
-                    <a:p>
-                      <a:pPr algn="ctr"/>
-                      <a:r>
-                        <a:rPr lang="it-IT" sz="1100" dirty="0"/>
-                        <a:t>(+/- 0.02)</a:t>
-                      </a:r>
-                    </a:p>
-                  </a:txBody>
-                  <a:tcPr anchor="ctr"/>
-                </a:tc>
-                <a:extLst>
-                  <a:ext uri="{0D108BD9-81ED-4DB2-BD59-A6C34878D82A}">
-                    <a16:rowId xmlns:a16="http://schemas.microsoft.com/office/drawing/2014/main" val="3255642635"/>
-                  </a:ext>
-                </a:extLst>
-              </a:tr>
-              <a:tr h="250049">
-                <a:tc vMerge="1">
-                  <a:txBody>
-                    <a:bodyPr/>
-                    <a:lstStyle/>
-                    <a:p>
-                      <a:endParaRPr lang="it-IT"/>
-                    </a:p>
-                  </a:txBody>
-                  <a:tcPr/>
-                </a:tc>
-                <a:tc>
-                  <a:txBody>
-                    <a:bodyPr/>
-                    <a:lstStyle/>
-                    <a:p>
-                      <a:pPr algn="ctr"/>
-                      <a:r>
-                        <a:rPr lang="it-IT" sz="1100" dirty="0"/>
-                        <a:t>Training</a:t>
-                      </a:r>
-                    </a:p>
-                  </a:txBody>
-                  <a:tcPr anchor="ctr"/>
-                </a:tc>
-                <a:tc>
-                  <a:txBody>
-                    <a:bodyPr/>
-                    <a:lstStyle/>
-                    <a:p>
-                      <a:pPr algn="ctr"/>
-                      <a:r>
-                        <a:rPr lang="it-IT" sz="1100" dirty="0"/>
-                        <a:t>0.8724</a:t>
-                      </a:r>
-                    </a:p>
-                  </a:txBody>
-                  <a:tcPr anchor="ctr"/>
-                </a:tc>
-                <a:tc>
-                  <a:txBody>
-                    <a:bodyPr/>
-                    <a:lstStyle/>
-                    <a:p>
-                      <a:pPr algn="ctr"/>
-                      <a:r>
-                        <a:rPr lang="it-IT" sz="1100" dirty="0"/>
-                        <a:t>0.8677</a:t>
-                      </a:r>
-                    </a:p>
-                  </a:txBody>
-                  <a:tcPr anchor="ctr"/>
-                </a:tc>
-                <a:tc>
-                  <a:txBody>
-                    <a:bodyPr/>
-                    <a:lstStyle/>
-                    <a:p>
-                      <a:pPr algn="ctr"/>
-                      <a:r>
-                        <a:rPr lang="it-IT" sz="1100" dirty="0"/>
-                        <a:t>1.0</a:t>
-                      </a:r>
-                    </a:p>
-                  </a:txBody>
-                  <a:tcPr anchor="ctr"/>
-                </a:tc>
-                <a:tc>
-                  <a:txBody>
-                    <a:bodyPr/>
-                    <a:lstStyle/>
-                    <a:p>
-                      <a:pPr algn="ctr"/>
-                      <a:r>
-                        <a:rPr lang="it-IT" sz="1100" dirty="0"/>
-                        <a:t>0.9291</a:t>
-                      </a:r>
-                    </a:p>
-                  </a:txBody>
-                  <a:tcPr anchor="ctr"/>
-                </a:tc>
-                <a:extLst>
-                  <a:ext uri="{0D108BD9-81ED-4DB2-BD59-A6C34878D82A}">
-                    <a16:rowId xmlns:a16="http://schemas.microsoft.com/office/drawing/2014/main" val="3444671461"/>
-                  </a:ext>
-                </a:extLst>
-              </a:tr>
-              <a:tr h="250049">
-                <a:tc vMerge="1">
-                  <a:txBody>
-                    <a:bodyPr/>
-                    <a:lstStyle/>
-                    <a:p>
-                      <a:endParaRPr lang="it-IT"/>
-                    </a:p>
-                  </a:txBody>
-                  <a:tcPr/>
-                </a:tc>
-                <a:tc>
-                  <a:txBody>
-                    <a:bodyPr/>
-                    <a:lstStyle/>
-                    <a:p>
-                      <a:pPr algn="ctr"/>
-                      <a:r>
-                        <a:rPr lang="it-IT" sz="1100" dirty="0"/>
-                        <a:t>Test</a:t>
-                      </a:r>
-                    </a:p>
-                  </a:txBody>
-                  <a:tcPr anchor="ctr"/>
-                </a:tc>
-                <a:tc>
-                  <a:txBody>
-                    <a:bodyPr/>
-                    <a:lstStyle/>
-                    <a:p>
-                      <a:pPr algn="ctr"/>
-                      <a:r>
-                        <a:rPr lang="it-IT" sz="1100" dirty="0"/>
-                        <a:t>0.8299</a:t>
-                      </a:r>
-                    </a:p>
-                  </a:txBody>
-                  <a:tcPr anchor="ctr"/>
-                </a:tc>
-                <a:tc>
-                  <a:txBody>
-                    <a:bodyPr/>
-                    <a:lstStyle/>
-                    <a:p>
-                      <a:pPr algn="ctr"/>
-                      <a:r>
-                        <a:rPr lang="it-IT" sz="1100" dirty="0"/>
-                        <a:t>0.8515</a:t>
-                      </a:r>
-                    </a:p>
-                  </a:txBody>
-                  <a:tcPr anchor="ctr"/>
-                </a:tc>
-                <a:tc>
-                  <a:txBody>
-                    <a:bodyPr/>
-                    <a:lstStyle/>
-                    <a:p>
-                      <a:pPr algn="ctr"/>
-                      <a:r>
-                        <a:rPr lang="it-IT" sz="1100" dirty="0"/>
-                        <a:t>0.9678</a:t>
-                      </a:r>
-                    </a:p>
-                  </a:txBody>
-                  <a:tcPr anchor="ctr"/>
-                </a:tc>
-                <a:tc>
-                  <a:txBody>
-                    <a:bodyPr/>
-                    <a:lstStyle/>
-                    <a:p>
-                      <a:pPr algn="ctr"/>
-                      <a:r>
-                        <a:rPr lang="it-IT" sz="1100" dirty="0"/>
-                        <a:t>0.9060</a:t>
-                      </a:r>
-                    </a:p>
-                  </a:txBody>
-                  <a:tcPr anchor="ctr"/>
-                </a:tc>
-                <a:extLst>
-                  <a:ext uri="{0D108BD9-81ED-4DB2-BD59-A6C34878D82A}">
-                    <a16:rowId xmlns:a16="http://schemas.microsoft.com/office/drawing/2014/main" val="2981312169"/>
-                  </a:ext>
-                </a:extLst>
-              </a:tr>
-              <a:tr h="410867">
-                <a:tc rowSpan="3">
-                  <a:txBody>
-                    <a:bodyPr/>
-                    <a:lstStyle/>
-                    <a:p>
-                      <a:pPr algn="ctr"/>
-                      <a:r>
-                        <a:rPr lang="it-IT" sz="1100" b="1" dirty="0"/>
-                        <a:t>3</a:t>
-                      </a:r>
-                    </a:p>
-                  </a:txBody>
-                  <a:tcPr anchor="ctr"/>
-                </a:tc>
-                <a:tc>
-                  <a:txBody>
-                    <a:bodyPr/>
-                    <a:lstStyle/>
-                    <a:p>
-                      <a:pPr algn="ctr"/>
-                      <a:r>
-                        <a:rPr lang="it-IT" sz="1100" dirty="0"/>
-                        <a:t>Training (4-fold cv)</a:t>
-                      </a:r>
-                    </a:p>
-                  </a:txBody>
-                  <a:tcPr anchor="ctr"/>
-                </a:tc>
-                <a:tc>
-                  <a:txBody>
-                    <a:bodyPr/>
-                    <a:lstStyle/>
-                    <a:p>
-                      <a:pPr algn="ctr"/>
-                      <a:r>
-                        <a:rPr lang="it-IT" sz="1100" dirty="0"/>
-                        <a:t>0.7951</a:t>
-                      </a:r>
-                    </a:p>
-                    <a:p>
-                      <a:pPr algn="ctr"/>
-                      <a:r>
-                        <a:rPr lang="it-IT" sz="1100" dirty="0"/>
-                        <a:t> (+/- 0.04)</a:t>
-                      </a:r>
-                    </a:p>
-                  </a:txBody>
-                  <a:tcPr anchor="ctr"/>
-                </a:tc>
-                <a:tc>
-                  <a:txBody>
-                    <a:bodyPr/>
-                    <a:lstStyle/>
-                    <a:p>
-                      <a:pPr algn="ctr"/>
-                      <a:r>
-                        <a:rPr lang="it-IT" sz="1100" dirty="0"/>
-                        <a:t>0.7457</a:t>
-                      </a:r>
-                    </a:p>
-                    <a:p>
-                      <a:pPr algn="ctr"/>
-                      <a:r>
-                        <a:rPr lang="it-IT" sz="1100" dirty="0"/>
-                        <a:t> (+/- 0.04)</a:t>
-                      </a:r>
-                    </a:p>
-                  </a:txBody>
-                  <a:tcPr anchor="ctr"/>
-                </a:tc>
-                <a:tc>
-                  <a:txBody>
-                    <a:bodyPr/>
-                    <a:lstStyle/>
-                    <a:p>
-                      <a:pPr algn="ctr"/>
-                      <a:r>
-                        <a:rPr lang="it-IT" sz="1100" dirty="0"/>
-                        <a:t>0.7951</a:t>
-                      </a:r>
-                    </a:p>
-                    <a:p>
-                      <a:pPr algn="ctr"/>
-                      <a:r>
-                        <a:rPr lang="it-IT" sz="1100" dirty="0"/>
-                        <a:t> (+/- 0.04)</a:t>
-                      </a:r>
-                    </a:p>
-                  </a:txBody>
-                  <a:tcPr anchor="ctr"/>
-                </a:tc>
-                <a:tc>
-                  <a:txBody>
-                    <a:bodyPr/>
-                    <a:lstStyle/>
-                    <a:p>
-                      <a:pPr algn="ctr"/>
-                      <a:r>
-                        <a:rPr lang="it-IT" sz="1100" dirty="0"/>
-                        <a:t>0.7624</a:t>
-                      </a:r>
-                    </a:p>
-                    <a:p>
-                      <a:pPr algn="ctr"/>
-                      <a:r>
-                        <a:rPr lang="it-IT" sz="1100" dirty="0"/>
-                        <a:t> (+/- 0.03)</a:t>
-                      </a:r>
-                    </a:p>
-                  </a:txBody>
-                  <a:tcPr anchor="ctr"/>
-                </a:tc>
-                <a:extLst>
-                  <a:ext uri="{0D108BD9-81ED-4DB2-BD59-A6C34878D82A}">
-                    <a16:rowId xmlns:a16="http://schemas.microsoft.com/office/drawing/2014/main" val="530914676"/>
-                  </a:ext>
-                </a:extLst>
-              </a:tr>
-              <a:tr h="250049">
-                <a:tc vMerge="1">
-                  <a:txBody>
-                    <a:bodyPr/>
-                    <a:lstStyle/>
-                    <a:p>
-                      <a:endParaRPr lang="it-IT"/>
-                    </a:p>
-                  </a:txBody>
-                  <a:tcPr/>
-                </a:tc>
-                <a:tc>
-                  <a:txBody>
-                    <a:bodyPr/>
-                    <a:lstStyle/>
-                    <a:p>
-                      <a:pPr algn="ctr"/>
-                      <a:r>
-                        <a:rPr lang="it-IT" sz="1100" dirty="0"/>
-                        <a:t>Training</a:t>
-                      </a:r>
-                    </a:p>
-                  </a:txBody>
-                  <a:tcPr anchor="ctr"/>
-                </a:tc>
-                <a:tc>
-                  <a:txBody>
-                    <a:bodyPr/>
-                    <a:lstStyle/>
-                    <a:p>
-                      <a:pPr algn="ctr"/>
-                      <a:r>
-                        <a:rPr lang="it-IT" sz="1100" dirty="0"/>
-                        <a:t>0.8741</a:t>
-                      </a:r>
-                    </a:p>
-                  </a:txBody>
-                  <a:tcPr anchor="ctr"/>
-                </a:tc>
-                <a:tc>
-                  <a:txBody>
-                    <a:bodyPr/>
-                    <a:lstStyle/>
-                    <a:p>
-                      <a:pPr algn="ctr"/>
-                      <a:r>
-                        <a:rPr lang="it-IT" sz="1100" dirty="0"/>
-                        <a:t>0.8884</a:t>
-                      </a:r>
-                    </a:p>
-                  </a:txBody>
-                  <a:tcPr anchor="ctr"/>
-                </a:tc>
-                <a:tc>
-                  <a:txBody>
-                    <a:bodyPr/>
-                    <a:lstStyle/>
-                    <a:p>
-                      <a:pPr algn="ctr"/>
-                      <a:r>
-                        <a:rPr lang="it-IT" sz="1100" dirty="0"/>
-                        <a:t>0.9715</a:t>
-                      </a:r>
-                    </a:p>
-                  </a:txBody>
-                  <a:tcPr anchor="ctr"/>
-                </a:tc>
-                <a:tc>
-                  <a:txBody>
-                    <a:bodyPr/>
-                    <a:lstStyle/>
-                    <a:p>
-                      <a:pPr algn="ctr"/>
-                      <a:r>
-                        <a:rPr lang="it-IT" sz="1100" dirty="0"/>
-                        <a:t>0.9281</a:t>
-                      </a:r>
-                    </a:p>
-                  </a:txBody>
-                  <a:tcPr anchor="ctr"/>
-                </a:tc>
-                <a:extLst>
-                  <a:ext uri="{0D108BD9-81ED-4DB2-BD59-A6C34878D82A}">
-                    <a16:rowId xmlns:a16="http://schemas.microsoft.com/office/drawing/2014/main" val="628990528"/>
-                  </a:ext>
-                </a:extLst>
-              </a:tr>
-              <a:tr h="250049">
-                <a:tc vMerge="1">
-                  <a:txBody>
-                    <a:bodyPr/>
-                    <a:lstStyle/>
-                    <a:p>
-                      <a:endParaRPr lang="it-IT"/>
-                    </a:p>
-                  </a:txBody>
-                  <a:tcPr/>
-                </a:tc>
-                <a:tc>
-                  <a:txBody>
-                    <a:bodyPr/>
-                    <a:lstStyle/>
-                    <a:p>
-                      <a:pPr algn="ctr"/>
-                      <a:r>
-                        <a:rPr lang="it-IT" sz="1100" dirty="0"/>
-                        <a:t>Test</a:t>
-                      </a:r>
-                    </a:p>
-                  </a:txBody>
-                  <a:tcPr anchor="ctr"/>
-                </a:tc>
-                <a:tc>
-                  <a:txBody>
-                    <a:bodyPr/>
-                    <a:lstStyle/>
-                    <a:p>
-                      <a:pPr algn="ctr"/>
-                      <a:r>
-                        <a:rPr lang="it-IT" sz="1100" dirty="0"/>
-                        <a:t>0.8095</a:t>
-                      </a:r>
-                    </a:p>
-                  </a:txBody>
-                  <a:tcPr anchor="ctr"/>
-                </a:tc>
-                <a:tc>
-                  <a:txBody>
-                    <a:bodyPr/>
-                    <a:lstStyle/>
-                    <a:p>
-                      <a:pPr algn="ctr"/>
-                      <a:r>
-                        <a:rPr lang="it-IT" sz="1100" dirty="0"/>
-                        <a:t>0.8534</a:t>
-                      </a:r>
-                    </a:p>
-                  </a:txBody>
-                  <a:tcPr anchor="ctr"/>
-                </a:tc>
-                <a:tc>
-                  <a:txBody>
-                    <a:bodyPr/>
-                    <a:lstStyle/>
-                    <a:p>
-                      <a:pPr algn="ctr"/>
-                      <a:r>
-                        <a:rPr lang="it-IT" sz="1100" dirty="0"/>
-                        <a:t>0.9357</a:t>
-                      </a:r>
-                    </a:p>
-                  </a:txBody>
-                  <a:tcPr anchor="ctr"/>
-                </a:tc>
-                <a:tc>
-                  <a:txBody>
-                    <a:bodyPr/>
-                    <a:lstStyle/>
-                    <a:p>
-                      <a:pPr algn="ctr"/>
-                      <a:r>
-                        <a:rPr lang="it-IT" sz="1100" dirty="0"/>
-                        <a:t>0.8927</a:t>
-                      </a:r>
-                    </a:p>
-                  </a:txBody>
-                  <a:tcPr anchor="ctr"/>
-                </a:tc>
-                <a:extLst>
-                  <a:ext uri="{0D108BD9-81ED-4DB2-BD59-A6C34878D82A}">
-                    <a16:rowId xmlns:a16="http://schemas.microsoft.com/office/drawing/2014/main" val="1552624855"/>
-                  </a:ext>
-                </a:extLst>
-              </a:tr>
-              <a:tr h="410867">
-                <a:tc rowSpan="3">
-                  <a:txBody>
-                    <a:bodyPr/>
-                    <a:lstStyle/>
-                    <a:p>
-                      <a:pPr algn="ctr"/>
-                      <a:r>
-                        <a:rPr lang="it-IT" sz="1100" b="1" dirty="0"/>
-                        <a:t>4</a:t>
-                      </a:r>
-                    </a:p>
-                  </a:txBody>
-                  <a:tcPr anchor="ctr"/>
-                </a:tc>
-                <a:tc>
-                  <a:txBody>
-                    <a:bodyPr/>
-                    <a:lstStyle/>
-                    <a:p>
-                      <a:pPr algn="ctr"/>
-                      <a:r>
-                        <a:rPr lang="it-IT" sz="1100" dirty="0"/>
-                        <a:t>Training (4-fold cv)</a:t>
-                      </a:r>
-                    </a:p>
-                  </a:txBody>
-                  <a:tcPr anchor="ctr"/>
-                </a:tc>
-                <a:tc>
-                  <a:txBody>
-                    <a:bodyPr/>
-                    <a:lstStyle/>
-                    <a:p>
-                      <a:pPr algn="ctr"/>
-                      <a:r>
-                        <a:rPr lang="it-IT" sz="1100" dirty="0"/>
-                        <a:t>0.8240</a:t>
-                      </a:r>
-                    </a:p>
-                    <a:p>
-                      <a:pPr algn="ctr"/>
-                      <a:r>
-                        <a:rPr lang="it-IT" sz="1100" dirty="0"/>
-                        <a:t> (+/- 0.02)</a:t>
-                      </a:r>
-                    </a:p>
-                  </a:txBody>
-                  <a:tcPr anchor="ctr"/>
-                </a:tc>
-                <a:tc>
-                  <a:txBody>
-                    <a:bodyPr/>
-                    <a:lstStyle/>
-                    <a:p>
-                      <a:pPr algn="ctr"/>
-                      <a:r>
-                        <a:rPr lang="it-IT" sz="1100" dirty="0"/>
-                        <a:t>0.7338</a:t>
-                      </a:r>
-                    </a:p>
-                    <a:p>
-                      <a:pPr algn="ctr"/>
-                      <a:r>
-                        <a:rPr lang="it-IT" sz="1100" dirty="0"/>
-                        <a:t> (+/- 0.08)</a:t>
-                      </a:r>
-                    </a:p>
-                  </a:txBody>
-                  <a:tcPr anchor="ctr"/>
-                </a:tc>
-                <a:tc>
-                  <a:txBody>
-                    <a:bodyPr/>
-                    <a:lstStyle/>
-                    <a:p>
-                      <a:pPr algn="ctr"/>
-                      <a:r>
-                        <a:rPr lang="it-IT" sz="1100" dirty="0"/>
-                        <a:t>0.8240</a:t>
-                      </a:r>
-                    </a:p>
-                    <a:p>
-                      <a:pPr algn="ctr"/>
-                      <a:r>
-                        <a:rPr lang="it-IT" sz="1100" dirty="0"/>
-                        <a:t> (+/- 0.02)</a:t>
-                      </a:r>
-                    </a:p>
-                  </a:txBody>
-                  <a:tcPr anchor="ctr"/>
-                </a:tc>
-                <a:tc>
-                  <a:txBody>
-                    <a:bodyPr/>
-                    <a:lstStyle/>
-                    <a:p>
-                      <a:pPr algn="ctr"/>
-                      <a:r>
-                        <a:rPr lang="it-IT" sz="1100" dirty="0"/>
-                        <a:t>0.7604</a:t>
-                      </a:r>
-                    </a:p>
-                    <a:p>
-                      <a:pPr algn="ctr"/>
-                      <a:r>
-                        <a:rPr lang="it-IT" sz="1100" dirty="0"/>
-                        <a:t> (+/- 0.02)</a:t>
-                      </a:r>
-                    </a:p>
-                  </a:txBody>
-                  <a:tcPr anchor="ctr"/>
-                </a:tc>
-                <a:extLst>
-                  <a:ext uri="{0D108BD9-81ED-4DB2-BD59-A6C34878D82A}">
-                    <a16:rowId xmlns:a16="http://schemas.microsoft.com/office/drawing/2014/main" val="682134986"/>
-                  </a:ext>
-                </a:extLst>
-              </a:tr>
-              <a:tr h="250049">
-                <a:tc vMerge="1">
-                  <a:txBody>
-                    <a:bodyPr/>
-                    <a:lstStyle/>
-                    <a:p>
-                      <a:endParaRPr lang="it-IT"/>
-                    </a:p>
-                  </a:txBody>
-                  <a:tcPr/>
-                </a:tc>
-                <a:tc>
-                  <a:txBody>
-                    <a:bodyPr/>
-                    <a:lstStyle/>
-                    <a:p>
-                      <a:pPr algn="ctr"/>
-                      <a:r>
-                        <a:rPr lang="it-IT" sz="1100" dirty="0"/>
-                        <a:t>Training</a:t>
-                      </a:r>
-                    </a:p>
-                  </a:txBody>
-                  <a:tcPr anchor="ctr"/>
-                </a:tc>
-                <a:tc>
-                  <a:txBody>
-                    <a:bodyPr/>
-                    <a:lstStyle/>
-                    <a:p>
-                      <a:pPr algn="ctr"/>
-                      <a:r>
-                        <a:rPr lang="it-IT" sz="1100" dirty="0"/>
-                        <a:t>0.8511</a:t>
-                      </a:r>
-                    </a:p>
-                  </a:txBody>
-                  <a:tcPr anchor="ctr"/>
-                </a:tc>
-                <a:tc>
-                  <a:txBody>
-                    <a:bodyPr/>
-                    <a:lstStyle/>
-                    <a:p>
-                      <a:pPr algn="ctr"/>
-                      <a:r>
-                        <a:rPr lang="it-IT" sz="1100" dirty="0"/>
-                        <a:t>0.8538</a:t>
-                      </a:r>
-                    </a:p>
-                  </a:txBody>
-                  <a:tcPr anchor="ctr"/>
-                </a:tc>
-                <a:tc>
-                  <a:txBody>
-                    <a:bodyPr/>
-                    <a:lstStyle/>
-                    <a:p>
-                      <a:pPr algn="ctr"/>
-                      <a:r>
-                        <a:rPr lang="it-IT" sz="1100" dirty="0"/>
-                        <a:t>0.9918</a:t>
-                      </a:r>
-                    </a:p>
-                  </a:txBody>
-                  <a:tcPr anchor="ctr"/>
-                </a:tc>
-                <a:tc>
-                  <a:txBody>
-                    <a:bodyPr/>
-                    <a:lstStyle/>
-                    <a:p>
-                      <a:pPr algn="ctr"/>
-                      <a:r>
-                        <a:rPr lang="it-IT" sz="1100" dirty="0"/>
-                        <a:t>0.9177</a:t>
-                      </a:r>
-                    </a:p>
-                  </a:txBody>
-                  <a:tcPr anchor="ctr"/>
-                </a:tc>
-                <a:extLst>
-                  <a:ext uri="{0D108BD9-81ED-4DB2-BD59-A6C34878D82A}">
-                    <a16:rowId xmlns:a16="http://schemas.microsoft.com/office/drawing/2014/main" val="4016770480"/>
-                  </a:ext>
-                </a:extLst>
-              </a:tr>
-              <a:tr h="250049">
-                <a:tc vMerge="1">
-                  <a:txBody>
-                    <a:bodyPr/>
-                    <a:lstStyle/>
-                    <a:p>
-                      <a:endParaRPr lang="it-IT"/>
-                    </a:p>
-                  </a:txBody>
-                  <a:tcPr/>
-                </a:tc>
-                <a:tc>
-                  <a:txBody>
-                    <a:bodyPr/>
-                    <a:lstStyle/>
-                    <a:p>
-                      <a:pPr algn="ctr"/>
-                      <a:r>
-                        <a:rPr lang="it-IT" sz="1100" dirty="0"/>
-                        <a:t>Test</a:t>
-                      </a:r>
-                    </a:p>
-                  </a:txBody>
-                  <a:tcPr anchor="ctr"/>
-                </a:tc>
-                <a:tc>
-                  <a:txBody>
-                    <a:bodyPr/>
-                    <a:lstStyle/>
-                    <a:p>
-                      <a:pPr algn="ctr"/>
-                      <a:r>
-                        <a:rPr lang="it-IT" sz="1100" dirty="0"/>
-                        <a:t>0.8299</a:t>
-                      </a:r>
-                    </a:p>
-                  </a:txBody>
-                  <a:tcPr anchor="ctr"/>
-                </a:tc>
-                <a:tc>
-                  <a:txBody>
-                    <a:bodyPr/>
-                    <a:lstStyle/>
-                    <a:p>
-                      <a:pPr algn="ctr"/>
-                      <a:r>
-                        <a:rPr lang="it-IT" sz="1100" dirty="0"/>
-                        <a:t>0.8515</a:t>
-                      </a:r>
-                    </a:p>
-                  </a:txBody>
-                  <a:tcPr anchor="ctr"/>
-                </a:tc>
-                <a:tc>
-                  <a:txBody>
-                    <a:bodyPr/>
-                    <a:lstStyle/>
-                    <a:p>
-                      <a:pPr algn="ctr"/>
-                      <a:r>
-                        <a:rPr lang="it-IT" sz="1100" dirty="0"/>
-                        <a:t>0.9678</a:t>
-                      </a:r>
-                    </a:p>
-                  </a:txBody>
-                  <a:tcPr anchor="ctr"/>
-                </a:tc>
-                <a:tc>
-                  <a:txBody>
-                    <a:bodyPr/>
-                    <a:lstStyle/>
-                    <a:p>
-                      <a:pPr algn="ctr"/>
-                      <a:r>
-                        <a:rPr lang="it-IT" sz="1100" dirty="0"/>
-                        <a:t>0.9060</a:t>
-                      </a:r>
-                    </a:p>
-                  </a:txBody>
-                  <a:tcPr anchor="ctr"/>
-                </a:tc>
-                <a:extLst>
-                  <a:ext uri="{0D108BD9-81ED-4DB2-BD59-A6C34878D82A}">
-                    <a16:rowId xmlns:a16="http://schemas.microsoft.com/office/drawing/2014/main" val="273521132"/>
-                  </a:ext>
-                </a:extLst>
-              </a:tr>
-              <a:tr h="410867">
-                <a:tc rowSpan="3">
-                  <a:txBody>
-                    <a:bodyPr/>
-                    <a:lstStyle/>
-                    <a:p>
-                      <a:pPr algn="ctr"/>
-                      <a:r>
-                        <a:rPr lang="it-IT" sz="1100" b="1" dirty="0"/>
-                        <a:t>5</a:t>
-                      </a:r>
-                    </a:p>
-                  </a:txBody>
-                  <a:tcPr anchor="ctr"/>
-                </a:tc>
-                <a:tc>
-                  <a:txBody>
-                    <a:bodyPr/>
-                    <a:lstStyle/>
-                    <a:p>
-                      <a:pPr algn="ctr"/>
-                      <a:r>
-                        <a:rPr lang="it-IT" sz="1100" b="0" dirty="0"/>
-                        <a:t>Training (4-fold cv)</a:t>
-                      </a:r>
-                    </a:p>
-                  </a:txBody>
-                  <a:tcPr anchor="ctr"/>
-                </a:tc>
-                <a:tc>
-                  <a:txBody>
-                    <a:bodyPr/>
-                    <a:lstStyle/>
-                    <a:p>
-                      <a:pPr algn="ctr"/>
-                      <a:r>
-                        <a:rPr lang="it-IT" sz="1100" b="0" dirty="0"/>
-                        <a:t>0.8129</a:t>
-                      </a:r>
-                    </a:p>
-                    <a:p>
-                      <a:pPr algn="ctr"/>
-                      <a:r>
-                        <a:rPr lang="it-IT" sz="1100" b="0" dirty="0"/>
-                        <a:t> (+/- 0.04)</a:t>
-                      </a:r>
-                    </a:p>
-                  </a:txBody>
-                  <a:tcPr anchor="ctr"/>
-                </a:tc>
-                <a:tc>
-                  <a:txBody>
-                    <a:bodyPr/>
-                    <a:lstStyle/>
-                    <a:p>
-                      <a:pPr algn="ctr"/>
-                      <a:r>
-                        <a:rPr lang="it-IT" sz="1100" b="0" dirty="0"/>
-                        <a:t>0.7350 </a:t>
-                      </a:r>
-                    </a:p>
-                    <a:p>
-                      <a:pPr algn="ctr"/>
-                      <a:r>
-                        <a:rPr lang="it-IT" sz="1100" b="0" dirty="0"/>
-                        <a:t>(+/- 0.04)</a:t>
-                      </a:r>
-                    </a:p>
-                  </a:txBody>
-                  <a:tcPr anchor="ctr"/>
-                </a:tc>
-                <a:tc>
-                  <a:txBody>
-                    <a:bodyPr/>
-                    <a:lstStyle/>
-                    <a:p>
-                      <a:pPr algn="ctr"/>
-                      <a:r>
-                        <a:rPr lang="it-IT" sz="1100" b="0" dirty="0"/>
-                        <a:t>0.8129 </a:t>
-                      </a:r>
-                    </a:p>
-                    <a:p>
-                      <a:pPr algn="ctr"/>
-                      <a:r>
-                        <a:rPr lang="it-IT" sz="1100" b="0" dirty="0"/>
-                        <a:t>(+/- 0.04)</a:t>
-                      </a:r>
-                    </a:p>
-                  </a:txBody>
-                  <a:tcPr anchor="ctr"/>
-                </a:tc>
-                <a:tc>
-                  <a:txBody>
-                    <a:bodyPr/>
-                    <a:lstStyle/>
-                    <a:p>
-                      <a:pPr algn="ctr"/>
-                      <a:r>
-                        <a:rPr lang="it-IT" sz="1100" b="0" dirty="0"/>
-                        <a:t>0.7606</a:t>
-                      </a:r>
-                    </a:p>
-                    <a:p>
-                      <a:pPr algn="ctr"/>
-                      <a:r>
-                        <a:rPr lang="it-IT" sz="1100" b="0" dirty="0"/>
-                        <a:t> (+/- 0.03)</a:t>
-                      </a:r>
-                    </a:p>
-                  </a:txBody>
-                  <a:tcPr anchor="ctr"/>
-                </a:tc>
-                <a:extLst>
-                  <a:ext uri="{0D108BD9-81ED-4DB2-BD59-A6C34878D82A}">
-                    <a16:rowId xmlns:a16="http://schemas.microsoft.com/office/drawing/2014/main" val="876650962"/>
-                  </a:ext>
-                </a:extLst>
-              </a:tr>
-              <a:tr h="250049">
-                <a:tc vMerge="1">
-                  <a:txBody>
-                    <a:bodyPr/>
-                    <a:lstStyle/>
-                    <a:p>
-                      <a:endParaRPr lang="it-IT"/>
-                    </a:p>
-                  </a:txBody>
-                  <a:tcPr/>
-                </a:tc>
-                <a:tc>
-                  <a:txBody>
-                    <a:bodyPr/>
-                    <a:lstStyle/>
-                    <a:p>
-                      <a:pPr algn="ctr"/>
-                      <a:r>
-                        <a:rPr lang="it-IT" sz="1100" b="0" dirty="0"/>
-                        <a:t>Training</a:t>
-                      </a:r>
-                    </a:p>
-                  </a:txBody>
-                  <a:tcPr anchor="ctr"/>
-                </a:tc>
-                <a:tc>
-                  <a:txBody>
-                    <a:bodyPr/>
-                    <a:lstStyle/>
-                    <a:p>
-                      <a:pPr algn="ctr"/>
-                      <a:r>
-                        <a:rPr lang="it-IT" sz="1100" b="0" dirty="0"/>
-                        <a:t>0.8596</a:t>
-                      </a:r>
-                    </a:p>
-                  </a:txBody>
-                  <a:tcPr anchor="ctr"/>
-                </a:tc>
-                <a:tc>
-                  <a:txBody>
-                    <a:bodyPr/>
-                    <a:lstStyle/>
-                    <a:p>
-                      <a:pPr algn="ctr"/>
-                      <a:r>
-                        <a:rPr lang="it-IT" sz="1100" b="0" dirty="0"/>
-                        <a:t>0.8666</a:t>
-                      </a:r>
-                    </a:p>
-                  </a:txBody>
-                  <a:tcPr anchor="ctr"/>
-                </a:tc>
-                <a:tc>
-                  <a:txBody>
-                    <a:bodyPr/>
-                    <a:lstStyle/>
-                    <a:p>
-                      <a:pPr algn="ctr"/>
-                      <a:r>
-                        <a:rPr lang="it-IT" sz="1100" b="0" dirty="0"/>
-                        <a:t>0.9837</a:t>
-                      </a:r>
-                    </a:p>
-                  </a:txBody>
-                  <a:tcPr anchor="ctr"/>
-                </a:tc>
-                <a:tc>
-                  <a:txBody>
-                    <a:bodyPr/>
-                    <a:lstStyle/>
-                    <a:p>
-                      <a:pPr algn="ctr"/>
-                      <a:r>
-                        <a:rPr lang="it-IT" sz="1100" b="0" dirty="0"/>
-                        <a:t>0.9214</a:t>
-                      </a:r>
-                    </a:p>
-                  </a:txBody>
-                  <a:tcPr anchor="ctr"/>
-                </a:tc>
-                <a:extLst>
-                  <a:ext uri="{0D108BD9-81ED-4DB2-BD59-A6C34878D82A}">
-                    <a16:rowId xmlns:a16="http://schemas.microsoft.com/office/drawing/2014/main" val="145671023"/>
-                  </a:ext>
-                </a:extLst>
-              </a:tr>
-              <a:tr h="250049">
-                <a:tc vMerge="1">
-                  <a:txBody>
-                    <a:bodyPr/>
-                    <a:lstStyle/>
-                    <a:p>
-                      <a:endParaRPr lang="it-IT"/>
-                    </a:p>
-                  </a:txBody>
-                  <a:tcPr/>
-                </a:tc>
-                <a:tc>
-                  <a:txBody>
-                    <a:bodyPr/>
-                    <a:lstStyle/>
-                    <a:p>
-                      <a:pPr algn="ctr"/>
-                      <a:r>
-                        <a:rPr lang="it-IT" sz="1100" b="0" dirty="0"/>
-                        <a:t>Test</a:t>
-                      </a:r>
-                    </a:p>
-                  </a:txBody>
-                  <a:tcPr anchor="ctr"/>
-                </a:tc>
-                <a:tc>
-                  <a:txBody>
-                    <a:bodyPr/>
-                    <a:lstStyle/>
-                    <a:p>
-                      <a:pPr algn="ctr"/>
-                      <a:r>
-                        <a:rPr lang="it-IT" sz="1100" b="0" dirty="0"/>
-                        <a:t>0.8333</a:t>
-                      </a:r>
-                    </a:p>
-                  </a:txBody>
-                  <a:tcPr anchor="ctr"/>
-                </a:tc>
-                <a:tc>
-                  <a:txBody>
-                    <a:bodyPr/>
-                    <a:lstStyle/>
-                    <a:p>
-                      <a:pPr algn="ctr"/>
-                      <a:r>
-                        <a:rPr lang="it-IT" sz="1100" b="0" dirty="0"/>
-                        <a:t>0.8597</a:t>
-                      </a:r>
-                    </a:p>
-                  </a:txBody>
-                  <a:tcPr anchor="ctr"/>
-                </a:tc>
-                <a:tc>
-                  <a:txBody>
-                    <a:bodyPr/>
-                    <a:lstStyle/>
-                    <a:p>
-                      <a:pPr algn="ctr"/>
-                      <a:r>
-                        <a:rPr lang="it-IT" sz="1100" b="0" dirty="0"/>
-                        <a:t>0.9598</a:t>
-                      </a:r>
-                    </a:p>
-                  </a:txBody>
-                  <a:tcPr anchor="ctr"/>
-                </a:tc>
-                <a:tc>
-                  <a:txBody>
-                    <a:bodyPr/>
-                    <a:lstStyle/>
-                    <a:p>
-                      <a:pPr algn="ctr"/>
-                      <a:r>
-                        <a:rPr lang="it-IT" sz="1100" b="0" dirty="0"/>
-                        <a:t>0.9070</a:t>
-                      </a:r>
-                    </a:p>
-                  </a:txBody>
-                  <a:tcPr anchor="ctr"/>
-                </a:tc>
-                <a:extLst>
-                  <a:ext uri="{0D108BD9-81ED-4DB2-BD59-A6C34878D82A}">
-                    <a16:rowId xmlns:a16="http://schemas.microsoft.com/office/drawing/2014/main" val="1023623817"/>
-                  </a:ext>
-                </a:extLst>
-              </a:tr>
-              <a:tr h="410867">
-                <a:tc rowSpan="3">
-                  <a:txBody>
-                    <a:bodyPr/>
-                    <a:lstStyle/>
-                    <a:p>
-                      <a:pPr algn="ctr"/>
-                      <a:r>
-                        <a:rPr lang="it-IT" sz="1100" b="1" dirty="0"/>
-                        <a:t>6</a:t>
-                      </a:r>
-                    </a:p>
-                  </a:txBody>
-                  <a:tcPr anchor="ctr"/>
-                </a:tc>
-                <a:tc>
-                  <a:txBody>
-                    <a:bodyPr/>
-                    <a:lstStyle/>
-                    <a:p>
-                      <a:pPr algn="ctr"/>
-                      <a:r>
-                        <a:rPr lang="it-IT" sz="1100" b="0" dirty="0"/>
-                        <a:t>Training (4-fold cv)</a:t>
-                      </a:r>
-                    </a:p>
-                  </a:txBody>
-                  <a:tcPr anchor="ctr"/>
-                </a:tc>
-                <a:tc>
-                  <a:txBody>
-                    <a:bodyPr/>
-                    <a:lstStyle/>
-                    <a:p>
-                      <a:pPr algn="ctr"/>
-                      <a:r>
-                        <a:rPr lang="it-IT" sz="1100" b="0" dirty="0"/>
-                        <a:t>0.8342</a:t>
-                      </a:r>
-                    </a:p>
-                    <a:p>
-                      <a:pPr algn="ctr"/>
-                      <a:r>
-                        <a:rPr lang="it-IT" sz="1100" b="0" dirty="0"/>
-                        <a:t> (+/- 0.01)</a:t>
-                      </a:r>
-                    </a:p>
-                  </a:txBody>
-                  <a:tcPr anchor="ctr"/>
-                </a:tc>
-                <a:tc>
-                  <a:txBody>
-                    <a:bodyPr/>
-                    <a:lstStyle/>
-                    <a:p>
-                      <a:pPr algn="ctr"/>
-                      <a:r>
-                        <a:rPr lang="it-IT" sz="1100" b="0" dirty="0"/>
-                        <a:t>0.7503</a:t>
-                      </a:r>
-                    </a:p>
-                    <a:p>
-                      <a:pPr algn="ctr"/>
-                      <a:r>
-                        <a:rPr lang="it-IT" sz="1100" b="0" dirty="0"/>
-                        <a:t> (+/- 0.07)</a:t>
-                      </a:r>
-                    </a:p>
-                  </a:txBody>
-                  <a:tcPr anchor="ctr"/>
-                </a:tc>
-                <a:tc>
-                  <a:txBody>
-                    <a:bodyPr/>
-                    <a:lstStyle/>
-                    <a:p>
-                      <a:pPr algn="ctr"/>
-                      <a:r>
-                        <a:rPr lang="it-IT" sz="1100" b="0" dirty="0"/>
-                        <a:t>0.8342</a:t>
-                      </a:r>
-                    </a:p>
-                    <a:p>
-                      <a:pPr algn="ctr"/>
-                      <a:r>
-                        <a:rPr lang="it-IT" sz="1100" b="0" dirty="0"/>
-                        <a:t> (+/- 0.01)</a:t>
-                      </a:r>
-                    </a:p>
-                  </a:txBody>
-                  <a:tcPr anchor="ctr"/>
-                </a:tc>
-                <a:tc>
-                  <a:txBody>
-                    <a:bodyPr/>
-                    <a:lstStyle/>
-                    <a:p>
-                      <a:pPr algn="ctr"/>
-                      <a:r>
-                        <a:rPr lang="it-IT" sz="1100" b="1" dirty="0"/>
-                        <a:t>0.7684 </a:t>
-                      </a:r>
-                    </a:p>
-                    <a:p>
-                      <a:pPr algn="ctr"/>
-                      <a:r>
-                        <a:rPr lang="it-IT" sz="1100" b="1" dirty="0"/>
-                        <a:t>(+/- 0.01)</a:t>
-                      </a:r>
-                    </a:p>
-                  </a:txBody>
-                  <a:tcPr anchor="ctr"/>
-                </a:tc>
-                <a:extLst>
-                  <a:ext uri="{0D108BD9-81ED-4DB2-BD59-A6C34878D82A}">
-                    <a16:rowId xmlns:a16="http://schemas.microsoft.com/office/drawing/2014/main" val="3478841796"/>
-                  </a:ext>
-                </a:extLst>
-              </a:tr>
-              <a:tr h="250049">
-                <a:tc vMerge="1">
-                  <a:txBody>
-                    <a:bodyPr/>
-                    <a:lstStyle/>
-                    <a:p>
-                      <a:endParaRPr lang="it-IT"/>
-                    </a:p>
-                  </a:txBody>
-                  <a:tcPr/>
-                </a:tc>
-                <a:tc>
-                  <a:txBody>
-                    <a:bodyPr/>
-                    <a:lstStyle/>
-                    <a:p>
-                      <a:pPr algn="ctr"/>
-                      <a:r>
-                        <a:rPr lang="it-IT" sz="1100" b="0" dirty="0"/>
-                        <a:t>Training</a:t>
-                      </a:r>
-                    </a:p>
-                  </a:txBody>
-                  <a:tcPr anchor="ctr"/>
-                </a:tc>
-                <a:tc>
-                  <a:txBody>
-                    <a:bodyPr/>
-                    <a:lstStyle/>
-                    <a:p>
-                      <a:pPr algn="ctr"/>
-                      <a:r>
-                        <a:rPr lang="it-IT" sz="1100" b="0" dirty="0"/>
-                        <a:t>0.8392</a:t>
-                      </a:r>
-                    </a:p>
-                  </a:txBody>
-                  <a:tcPr anchor="ctr"/>
-                </a:tc>
-                <a:tc>
-                  <a:txBody>
-                    <a:bodyPr/>
-                    <a:lstStyle/>
-                    <a:p>
-                      <a:pPr algn="ctr"/>
-                      <a:r>
-                        <a:rPr lang="it-IT" sz="1100" b="0" dirty="0"/>
-                        <a:t>0.8417</a:t>
-                      </a:r>
-                    </a:p>
-                  </a:txBody>
-                  <a:tcPr anchor="ctr"/>
-                </a:tc>
-                <a:tc>
-                  <a:txBody>
-                    <a:bodyPr/>
-                    <a:lstStyle/>
-                    <a:p>
-                      <a:pPr algn="ctr"/>
-                      <a:r>
-                        <a:rPr lang="it-IT" sz="1100" b="0" dirty="0"/>
-                        <a:t>0.9949</a:t>
-                      </a:r>
-                    </a:p>
-                  </a:txBody>
-                  <a:tcPr anchor="ctr"/>
-                </a:tc>
-                <a:tc>
-                  <a:txBody>
-                    <a:bodyPr/>
-                    <a:lstStyle/>
-                    <a:p>
-                      <a:pPr algn="ctr"/>
-                      <a:r>
-                        <a:rPr lang="it-IT" sz="1100" b="0" dirty="0"/>
-                        <a:t>0.9119</a:t>
-                      </a:r>
-                    </a:p>
-                  </a:txBody>
-                  <a:tcPr anchor="ctr"/>
-                </a:tc>
-                <a:extLst>
-                  <a:ext uri="{0D108BD9-81ED-4DB2-BD59-A6C34878D82A}">
-                    <a16:rowId xmlns:a16="http://schemas.microsoft.com/office/drawing/2014/main" val="2492147848"/>
-                  </a:ext>
-                </a:extLst>
-              </a:tr>
-              <a:tr h="250049">
-                <a:tc vMerge="1">
-                  <a:txBody>
-                    <a:bodyPr/>
-                    <a:lstStyle/>
-                    <a:p>
-                      <a:endParaRPr lang="it-IT"/>
-                    </a:p>
-                  </a:txBody>
-                  <a:tcPr/>
-                </a:tc>
-                <a:tc>
-                  <a:txBody>
-                    <a:bodyPr/>
-                    <a:lstStyle/>
-                    <a:p>
-                      <a:pPr algn="ctr"/>
-                      <a:r>
-                        <a:rPr lang="it-IT" sz="1100" b="0" dirty="0"/>
-                        <a:t>Test</a:t>
-                      </a:r>
-                    </a:p>
-                  </a:txBody>
-                  <a:tcPr anchor="ctr"/>
-                </a:tc>
-                <a:tc>
-                  <a:txBody>
-                    <a:bodyPr/>
-                    <a:lstStyle/>
-                    <a:p>
-                      <a:pPr algn="ctr"/>
-                      <a:r>
-                        <a:rPr lang="it-IT" sz="1100" b="0" dirty="0"/>
-                        <a:t>0.8469</a:t>
-                      </a:r>
-                    </a:p>
-                  </a:txBody>
-                  <a:tcPr anchor="ctr"/>
-                </a:tc>
-                <a:tc>
-                  <a:txBody>
-                    <a:bodyPr/>
-                    <a:lstStyle/>
-                    <a:p>
-                      <a:pPr algn="ctr"/>
-                      <a:r>
-                        <a:rPr lang="it-IT" sz="1100" b="0" dirty="0"/>
-                        <a:t>0.8517</a:t>
-                      </a:r>
-                    </a:p>
-                  </a:txBody>
-                  <a:tcPr anchor="ctr"/>
-                </a:tc>
-                <a:tc>
-                  <a:txBody>
-                    <a:bodyPr/>
-                    <a:lstStyle/>
-                    <a:p>
-                      <a:pPr algn="ctr"/>
-                      <a:r>
-                        <a:rPr lang="it-IT" sz="1100" b="0" dirty="0"/>
-                        <a:t>0.9919</a:t>
-                      </a:r>
-                    </a:p>
-                  </a:txBody>
-                  <a:tcPr anchor="ctr"/>
-                </a:tc>
-                <a:tc>
-                  <a:txBody>
-                    <a:bodyPr/>
-                    <a:lstStyle/>
-                    <a:p>
-                      <a:pPr algn="ctr"/>
-                      <a:r>
-                        <a:rPr lang="it-IT" sz="1100" b="0" dirty="0"/>
-                        <a:t>0.9165</a:t>
-                      </a:r>
-                    </a:p>
-                  </a:txBody>
-                  <a:tcPr anchor="ctr"/>
-                </a:tc>
-                <a:extLst>
-                  <a:ext uri="{0D108BD9-81ED-4DB2-BD59-A6C34878D82A}">
-                    <a16:rowId xmlns:a16="http://schemas.microsoft.com/office/drawing/2014/main" val="3625483143"/>
-                  </a:ext>
-                </a:extLst>
-              </a:tr>
-            </a:tbl>
-          </a:graphicData>
-        </a:graphic>
-      </p:graphicFrame>
-      <p:graphicFrame>
-        <p:nvGraphicFramePr>
-          <p:cNvPr id="7" name="Tabella 4">
+          <p:cNvPicPr>
+            <a:picLocks noChangeAspect="1"/>
+          </p:cNvPicPr>
+          <p:nvPr/>
+        </p:nvPicPr>
+        <p:blipFill>
+          <a:blip r:embed="rId2"/>
+          <a:stretch>
+            <a:fillRect/>
+          </a:stretch>
+        </p:blipFill>
+        <p:spPr>
+          <a:xfrm>
+            <a:off x="407963" y="210363"/>
+            <a:ext cx="4895557" cy="3238306"/>
+          </a:xfrm>
+          <a:prstGeom prst="rect">
+            <a:avLst/>
+          </a:prstGeom>
+        </p:spPr>
+      </p:pic>
+      <p:pic>
+        <p:nvPicPr>
+          <p:cNvPr id="15" name="Immagine 14">
             <a:extLst>
               <a:ext uri="{FF2B5EF4-FFF2-40B4-BE49-F238E27FC236}">
-                <a16:creationId xmlns:a16="http://schemas.microsoft.com/office/drawing/2014/main" id="{729658F2-E88C-6E4F-B2E9-F6E3940577D0}"/>
+                <a16:creationId xmlns:a16="http://schemas.microsoft.com/office/drawing/2014/main" id="{DBD9EACB-A01F-7A4C-BACA-820756249EF5}"/>
               </a:ext>
             </a:extLst>
           </p:cNvPr>
-          <p:cNvGraphicFramePr>
-            <a:graphicFrameLocks noGrp="1"/>
-          </p:cNvGraphicFramePr>
-          <p:nvPr>
-            <p:extLst>
-              <p:ext uri="{D42A27DB-BD31-4B8C-83A1-F6EECF244321}">
-                <p14:modId xmlns:p14="http://schemas.microsoft.com/office/powerpoint/2010/main" val="2549278664"/>
-              </p:ext>
-            </p:extLst>
-          </p:nvPr>
-        </p:nvGraphicFramePr>
-        <p:xfrm>
-          <a:off x="6358270" y="166364"/>
-          <a:ext cx="4494029" cy="6126480"/>
-        </p:xfrm>
-        <a:graphic>
-          <a:graphicData uri="http://schemas.openxmlformats.org/drawingml/2006/table">
-            <a:tbl>
-              <a:tblPr firstRow="1" bandRow="1">
-                <a:tableStyleId>{8799B23B-EC83-4686-B30A-512413B5E67A}</a:tableStyleId>
-              </a:tblPr>
-              <a:tblGrid>
-                <a:gridCol w="588222">
-                  <a:extLst>
-                    <a:ext uri="{9D8B030D-6E8A-4147-A177-3AD203B41FA5}">
-                      <a16:colId xmlns:a16="http://schemas.microsoft.com/office/drawing/2014/main" val="2461092584"/>
-                    </a:ext>
-                  </a:extLst>
-                </a:gridCol>
-                <a:gridCol w="821275">
-                  <a:extLst>
-                    <a:ext uri="{9D8B030D-6E8A-4147-A177-3AD203B41FA5}">
-                      <a16:colId xmlns:a16="http://schemas.microsoft.com/office/drawing/2014/main" val="3273297179"/>
-                    </a:ext>
-                  </a:extLst>
-                </a:gridCol>
-                <a:gridCol w="771133">
-                  <a:extLst>
-                    <a:ext uri="{9D8B030D-6E8A-4147-A177-3AD203B41FA5}">
-                      <a16:colId xmlns:a16="http://schemas.microsoft.com/office/drawing/2014/main" val="3364013020"/>
-                    </a:ext>
-                  </a:extLst>
-                </a:gridCol>
-                <a:gridCol w="771133">
-                  <a:extLst>
-                    <a:ext uri="{9D8B030D-6E8A-4147-A177-3AD203B41FA5}">
-                      <a16:colId xmlns:a16="http://schemas.microsoft.com/office/drawing/2014/main" val="1405640257"/>
-                    </a:ext>
-                  </a:extLst>
-                </a:gridCol>
-                <a:gridCol w="771133">
-                  <a:extLst>
-                    <a:ext uri="{9D8B030D-6E8A-4147-A177-3AD203B41FA5}">
-                      <a16:colId xmlns:a16="http://schemas.microsoft.com/office/drawing/2014/main" val="188676759"/>
-                    </a:ext>
-                  </a:extLst>
-                </a:gridCol>
-                <a:gridCol w="771133">
-                  <a:extLst>
-                    <a:ext uri="{9D8B030D-6E8A-4147-A177-3AD203B41FA5}">
-                      <a16:colId xmlns:a16="http://schemas.microsoft.com/office/drawing/2014/main" val="466163775"/>
-                    </a:ext>
-                  </a:extLst>
-                </a:gridCol>
-              </a:tblGrid>
-              <a:tr h="438934">
-                <a:tc>
-                  <a:txBody>
-                    <a:bodyPr/>
-                    <a:lstStyle/>
-                    <a:p>
-                      <a:pPr algn="ctr"/>
-                      <a:r>
-                        <a:rPr lang="it-IT" sz="1200" dirty="0"/>
-                        <a:t>K</a:t>
-                      </a:r>
-                    </a:p>
-                    <a:p>
-                      <a:pPr algn="ctr"/>
-                      <a:endParaRPr lang="it-IT" sz="1200" dirty="0"/>
-                    </a:p>
-                  </a:txBody>
-                  <a:tcPr/>
-                </a:tc>
-                <a:tc>
-                  <a:txBody>
-                    <a:bodyPr/>
-                    <a:lstStyle/>
-                    <a:p>
-                      <a:pPr algn="ctr"/>
-                      <a:r>
-                        <a:rPr lang="it-IT" sz="1200" dirty="0"/>
-                        <a:t>Data Type</a:t>
-                      </a:r>
-                    </a:p>
-                  </a:txBody>
-                  <a:tcPr/>
-                </a:tc>
-                <a:tc>
-                  <a:txBody>
-                    <a:bodyPr/>
-                    <a:lstStyle/>
-                    <a:p>
-                      <a:pPr algn="ctr"/>
-                      <a:r>
-                        <a:rPr lang="it-IT" sz="1200" dirty="0"/>
-                        <a:t>Accuracy</a:t>
-                      </a:r>
-                    </a:p>
-                  </a:txBody>
-                  <a:tcPr/>
-                </a:tc>
-                <a:tc>
-                  <a:txBody>
-                    <a:bodyPr/>
-                    <a:lstStyle/>
-                    <a:p>
-                      <a:pPr algn="ctr"/>
-                      <a:r>
-                        <a:rPr lang="it-IT" sz="1200" dirty="0"/>
-                        <a:t>Precision</a:t>
-                      </a:r>
-                    </a:p>
-                  </a:txBody>
-                  <a:tcPr/>
-                </a:tc>
-                <a:tc>
-                  <a:txBody>
-                    <a:bodyPr/>
-                    <a:lstStyle/>
-                    <a:p>
-                      <a:pPr algn="ctr"/>
-                      <a:r>
-                        <a:rPr lang="it-IT" sz="1200" dirty="0"/>
-                        <a:t>Recall</a:t>
-                      </a:r>
-                    </a:p>
-                  </a:txBody>
-                  <a:tcPr/>
-                </a:tc>
-                <a:tc>
-                  <a:txBody>
-                    <a:bodyPr/>
-                    <a:lstStyle/>
-                    <a:p>
-                      <a:pPr algn="ctr"/>
-                      <a:r>
-                        <a:rPr lang="it-IT" sz="1200" dirty="0"/>
-                        <a:t>F-Score</a:t>
-                      </a:r>
-                    </a:p>
-                  </a:txBody>
-                  <a:tcPr/>
-                </a:tc>
-                <a:extLst>
-                  <a:ext uri="{0D108BD9-81ED-4DB2-BD59-A6C34878D82A}">
-                    <a16:rowId xmlns:a16="http://schemas.microsoft.com/office/drawing/2014/main" val="3211650326"/>
-                  </a:ext>
-                </a:extLst>
-              </a:tr>
-              <a:tr h="409672">
-                <a:tc rowSpan="3">
-                  <a:txBody>
-                    <a:bodyPr/>
-                    <a:lstStyle/>
-                    <a:p>
-                      <a:pPr algn="ctr"/>
-                      <a:r>
-                        <a:rPr lang="it-IT" sz="1100" b="1" dirty="0"/>
-                        <a:t>7</a:t>
-                      </a:r>
-                    </a:p>
-                  </a:txBody>
-                  <a:tcPr anchor="ctr"/>
-                </a:tc>
-                <a:tc>
-                  <a:txBody>
-                    <a:bodyPr/>
-                    <a:lstStyle/>
-                    <a:p>
-                      <a:pPr algn="ctr"/>
-                      <a:r>
-                        <a:rPr lang="it-IT" sz="1100" dirty="0"/>
-                        <a:t>Training (4-fold cv)</a:t>
-                      </a:r>
-                    </a:p>
-                  </a:txBody>
-                  <a:tcPr anchor="ctr"/>
-                </a:tc>
-                <a:tc>
-                  <a:txBody>
-                    <a:bodyPr/>
-                    <a:lstStyle/>
-                    <a:p>
-                      <a:pPr algn="ctr"/>
-                      <a:r>
-                        <a:rPr lang="it-IT" sz="1100" b="0" dirty="0"/>
-                        <a:t>0.8299</a:t>
-                      </a:r>
-                    </a:p>
-                    <a:p>
-                      <a:pPr algn="ctr"/>
-                      <a:r>
-                        <a:rPr lang="it-IT" sz="1100" b="0" dirty="0"/>
-                        <a:t> (+/- 0.02)</a:t>
-                      </a:r>
-                    </a:p>
-                  </a:txBody>
-                  <a:tcPr anchor="ctr"/>
-                </a:tc>
-                <a:tc>
-                  <a:txBody>
-                    <a:bodyPr/>
-                    <a:lstStyle/>
-                    <a:p>
-                      <a:pPr algn="ctr"/>
-                      <a:r>
-                        <a:rPr lang="it-IT" sz="1100" b="0" dirty="0"/>
-                        <a:t>0.7814</a:t>
-                      </a:r>
-                    </a:p>
-                    <a:p>
-                      <a:pPr algn="ctr"/>
-                      <a:r>
-                        <a:rPr lang="it-IT" sz="1100" b="0" dirty="0"/>
-                        <a:t> (+/- 0.11)</a:t>
-                      </a:r>
-                    </a:p>
-                  </a:txBody>
-                  <a:tcPr anchor="ctr"/>
-                </a:tc>
-                <a:tc>
-                  <a:txBody>
-                    <a:bodyPr/>
-                    <a:lstStyle/>
-                    <a:p>
-                      <a:pPr algn="ctr"/>
-                      <a:r>
-                        <a:rPr lang="it-IT" sz="1100" b="0" dirty="0"/>
-                        <a:t>0.8299</a:t>
-                      </a:r>
-                    </a:p>
-                    <a:p>
-                      <a:pPr algn="ctr"/>
-                      <a:r>
-                        <a:rPr lang="it-IT" sz="1100" b="0" dirty="0"/>
-                        <a:t> (+/- 0.02)</a:t>
-                      </a:r>
-                    </a:p>
-                  </a:txBody>
-                  <a:tcPr anchor="ctr"/>
-                </a:tc>
-                <a:tc>
-                  <a:txBody>
-                    <a:bodyPr/>
-                    <a:lstStyle/>
-                    <a:p>
-                      <a:pPr algn="ctr"/>
-                      <a:r>
-                        <a:rPr lang="it-IT" sz="1100" b="0" dirty="0"/>
-                        <a:t>0.7675 </a:t>
-                      </a:r>
-                    </a:p>
-                    <a:p>
-                      <a:pPr algn="ctr"/>
-                      <a:r>
-                        <a:rPr lang="it-IT" sz="1100" b="0" dirty="0"/>
-                        <a:t>(+/- 0.01)</a:t>
-                      </a:r>
-                    </a:p>
-                  </a:txBody>
-                  <a:tcPr anchor="ctr"/>
-                </a:tc>
-                <a:extLst>
-                  <a:ext uri="{0D108BD9-81ED-4DB2-BD59-A6C34878D82A}">
-                    <a16:rowId xmlns:a16="http://schemas.microsoft.com/office/drawing/2014/main" val="3294786535"/>
-                  </a:ext>
-                </a:extLst>
-              </a:tr>
-              <a:tr h="248729">
-                <a:tc vMerge="1">
-                  <a:txBody>
-                    <a:bodyPr/>
-                    <a:lstStyle/>
-                    <a:p>
-                      <a:endParaRPr lang="it-IT"/>
-                    </a:p>
-                  </a:txBody>
-                  <a:tcPr/>
-                </a:tc>
-                <a:tc>
-                  <a:txBody>
-                    <a:bodyPr/>
-                    <a:lstStyle/>
-                    <a:p>
-                      <a:pPr algn="ctr"/>
-                      <a:r>
-                        <a:rPr lang="it-IT" sz="1100" dirty="0"/>
-                        <a:t>Training</a:t>
-                      </a:r>
-                    </a:p>
-                  </a:txBody>
-                  <a:tcPr anchor="ctr"/>
-                </a:tc>
-                <a:tc>
-                  <a:txBody>
-                    <a:bodyPr/>
-                    <a:lstStyle/>
-                    <a:p>
-                      <a:pPr algn="ctr"/>
-                      <a:r>
-                        <a:rPr lang="it-IT" sz="1100" b="0" dirty="0"/>
-                        <a:t>0.8460</a:t>
-                      </a:r>
-                    </a:p>
-                  </a:txBody>
-                  <a:tcPr anchor="ctr"/>
-                </a:tc>
-                <a:tc>
-                  <a:txBody>
-                    <a:bodyPr/>
-                    <a:lstStyle/>
-                    <a:p>
-                      <a:pPr algn="ctr"/>
-                      <a:r>
-                        <a:rPr lang="it-IT" sz="1100" b="0" dirty="0"/>
-                        <a:t>0.8482</a:t>
-                      </a:r>
-                    </a:p>
-                  </a:txBody>
-                  <a:tcPr anchor="ctr"/>
-                </a:tc>
-                <a:tc>
-                  <a:txBody>
-                    <a:bodyPr/>
-                    <a:lstStyle/>
-                    <a:p>
-                      <a:pPr algn="ctr"/>
-                      <a:r>
-                        <a:rPr lang="it-IT" sz="1100" b="0" dirty="0"/>
-                        <a:t>0.9939</a:t>
-                      </a:r>
-                    </a:p>
-                  </a:txBody>
-                  <a:tcPr anchor="ctr"/>
-                </a:tc>
-                <a:tc>
-                  <a:txBody>
-                    <a:bodyPr/>
-                    <a:lstStyle/>
-                    <a:p>
-                      <a:pPr algn="ctr"/>
-                      <a:r>
-                        <a:rPr lang="it-IT" sz="1100" b="0" dirty="0"/>
-                        <a:t>0.9153</a:t>
-                      </a:r>
-                    </a:p>
-                  </a:txBody>
-                  <a:tcPr anchor="ctr"/>
-                </a:tc>
-                <a:extLst>
-                  <a:ext uri="{0D108BD9-81ED-4DB2-BD59-A6C34878D82A}">
-                    <a16:rowId xmlns:a16="http://schemas.microsoft.com/office/drawing/2014/main" val="3031214670"/>
-                  </a:ext>
-                </a:extLst>
-              </a:tr>
-              <a:tr h="248729">
-                <a:tc vMerge="1">
-                  <a:txBody>
-                    <a:bodyPr/>
-                    <a:lstStyle/>
-                    <a:p>
-                      <a:endParaRPr lang="it-IT"/>
-                    </a:p>
-                  </a:txBody>
-                  <a:tcPr/>
-                </a:tc>
-                <a:tc>
-                  <a:txBody>
-                    <a:bodyPr/>
-                    <a:lstStyle/>
-                    <a:p>
-                      <a:pPr algn="ctr"/>
-                      <a:r>
-                        <a:rPr lang="it-IT" sz="1100" dirty="0"/>
-                        <a:t>Test</a:t>
-                      </a:r>
-                    </a:p>
-                  </a:txBody>
-                  <a:tcPr anchor="ctr"/>
-                </a:tc>
-                <a:tc>
-                  <a:txBody>
-                    <a:bodyPr/>
-                    <a:lstStyle/>
-                    <a:p>
-                      <a:pPr algn="ctr"/>
-                      <a:r>
-                        <a:rPr lang="it-IT" sz="1100" b="0" dirty="0"/>
-                        <a:t>0.8367</a:t>
-                      </a:r>
-                    </a:p>
-                  </a:txBody>
-                  <a:tcPr anchor="ctr"/>
-                </a:tc>
-                <a:tc>
-                  <a:txBody>
-                    <a:bodyPr/>
-                    <a:lstStyle/>
-                    <a:p>
-                      <a:pPr algn="ctr"/>
-                      <a:r>
-                        <a:rPr lang="it-IT" sz="1100" b="0" dirty="0"/>
-                        <a:t>0.8501</a:t>
-                      </a:r>
-                    </a:p>
-                  </a:txBody>
-                  <a:tcPr anchor="ctr"/>
-                </a:tc>
-                <a:tc>
-                  <a:txBody>
-                    <a:bodyPr/>
-                    <a:lstStyle/>
-                    <a:p>
-                      <a:pPr algn="ctr"/>
-                      <a:r>
-                        <a:rPr lang="it-IT" sz="1100" b="0" dirty="0"/>
-                        <a:t>0.9799</a:t>
-                      </a:r>
-                    </a:p>
-                  </a:txBody>
-                  <a:tcPr anchor="ctr"/>
-                </a:tc>
-                <a:tc>
-                  <a:txBody>
-                    <a:bodyPr/>
-                    <a:lstStyle/>
-                    <a:p>
-                      <a:pPr algn="ctr"/>
-                      <a:r>
-                        <a:rPr lang="it-IT" sz="1100" b="0" dirty="0"/>
-                        <a:t>0.9104</a:t>
-                      </a:r>
-                    </a:p>
-                  </a:txBody>
-                  <a:tcPr anchor="ctr"/>
-                </a:tc>
-                <a:extLst>
-                  <a:ext uri="{0D108BD9-81ED-4DB2-BD59-A6C34878D82A}">
-                    <a16:rowId xmlns:a16="http://schemas.microsoft.com/office/drawing/2014/main" val="2659678278"/>
-                  </a:ext>
-                </a:extLst>
-              </a:tr>
-              <a:tr h="409672">
-                <a:tc rowSpan="3">
-                  <a:txBody>
-                    <a:bodyPr/>
-                    <a:lstStyle/>
-                    <a:p>
-                      <a:pPr algn="ctr"/>
-                      <a:r>
-                        <a:rPr lang="it-IT" sz="1100" b="1" dirty="0"/>
-                        <a:t>8</a:t>
-                      </a:r>
-                    </a:p>
-                  </a:txBody>
-                  <a:tcPr anchor="ctr"/>
-                </a:tc>
-                <a:tc>
-                  <a:txBody>
-                    <a:bodyPr/>
-                    <a:lstStyle/>
-                    <a:p>
-                      <a:pPr algn="ctr"/>
-                      <a:r>
-                        <a:rPr lang="it-IT" sz="1100" dirty="0"/>
-                        <a:t>Training (4-fold cv)</a:t>
-                      </a:r>
-                    </a:p>
-                  </a:txBody>
-                  <a:tcPr anchor="ctr"/>
-                </a:tc>
-                <a:tc>
-                  <a:txBody>
-                    <a:bodyPr/>
-                    <a:lstStyle/>
-                    <a:p>
-                      <a:pPr algn="ctr"/>
-                      <a:r>
-                        <a:rPr lang="it-IT" sz="1100" dirty="0"/>
-                        <a:t>0.8333 </a:t>
-                      </a:r>
-                    </a:p>
-                    <a:p>
-                      <a:pPr algn="ctr"/>
-                      <a:r>
-                        <a:rPr lang="it-IT" sz="1100" dirty="0"/>
-                        <a:t>(+/- 0.01)</a:t>
-                      </a:r>
-                      <a:endParaRPr lang="it-IT" sz="1100" b="1" dirty="0"/>
-                    </a:p>
-                  </a:txBody>
-                  <a:tcPr anchor="ctr"/>
-                </a:tc>
-                <a:tc>
-                  <a:txBody>
-                    <a:bodyPr/>
-                    <a:lstStyle/>
-                    <a:p>
-                      <a:pPr algn="ctr"/>
-                      <a:r>
-                        <a:rPr lang="it-IT" sz="1100" dirty="0"/>
-                        <a:t>0.6997</a:t>
-                      </a:r>
-                    </a:p>
-                    <a:p>
-                      <a:pPr algn="ctr"/>
-                      <a:r>
-                        <a:rPr lang="it-IT" sz="1100" dirty="0"/>
-                        <a:t> (+/- 0.00)</a:t>
-                      </a:r>
-                      <a:endParaRPr lang="it-IT" sz="1100" b="1" dirty="0"/>
-                    </a:p>
-                  </a:txBody>
-                  <a:tcPr anchor="ctr"/>
-                </a:tc>
-                <a:tc>
-                  <a:txBody>
-                    <a:bodyPr/>
-                    <a:lstStyle/>
-                    <a:p>
-                      <a:pPr algn="ctr"/>
-                      <a:r>
-                        <a:rPr lang="it-IT" sz="1100" dirty="0"/>
-                        <a:t>0.8333 </a:t>
-                      </a:r>
-                    </a:p>
-                    <a:p>
-                      <a:pPr algn="ctr"/>
-                      <a:r>
-                        <a:rPr lang="it-IT" sz="1100" dirty="0"/>
-                        <a:t>(+/- 0.01)</a:t>
-                      </a:r>
-                      <a:endParaRPr lang="it-IT" sz="1100" b="1" dirty="0"/>
-                    </a:p>
-                  </a:txBody>
-                  <a:tcPr anchor="ctr"/>
-                </a:tc>
-                <a:tc>
-                  <a:txBody>
-                    <a:bodyPr/>
-                    <a:lstStyle/>
-                    <a:p>
-                      <a:pPr algn="ctr"/>
-                      <a:r>
-                        <a:rPr lang="it-IT" sz="1100" dirty="0"/>
-                        <a:t>0.7607</a:t>
-                      </a:r>
-                    </a:p>
-                    <a:p>
-                      <a:pPr algn="ctr"/>
-                      <a:r>
-                        <a:rPr lang="it-IT" sz="1100" dirty="0"/>
-                        <a:t> (+/- 0.00)</a:t>
-                      </a:r>
-                      <a:endParaRPr lang="it-IT" sz="1100" b="1" dirty="0"/>
-                    </a:p>
-                  </a:txBody>
-                  <a:tcPr anchor="ctr"/>
-                </a:tc>
-                <a:extLst>
-                  <a:ext uri="{0D108BD9-81ED-4DB2-BD59-A6C34878D82A}">
-                    <a16:rowId xmlns:a16="http://schemas.microsoft.com/office/drawing/2014/main" val="3255642635"/>
-                  </a:ext>
-                </a:extLst>
-              </a:tr>
-              <a:tr h="248729">
-                <a:tc vMerge="1">
-                  <a:txBody>
-                    <a:bodyPr/>
-                    <a:lstStyle/>
-                    <a:p>
-                      <a:endParaRPr lang="it-IT"/>
-                    </a:p>
-                  </a:txBody>
-                  <a:tcPr/>
-                </a:tc>
-                <a:tc>
-                  <a:txBody>
-                    <a:bodyPr/>
-                    <a:lstStyle/>
-                    <a:p>
-                      <a:pPr algn="ctr"/>
-                      <a:r>
-                        <a:rPr lang="it-IT" sz="1100" dirty="0"/>
-                        <a:t>Training</a:t>
-                      </a:r>
-                    </a:p>
-                  </a:txBody>
-                  <a:tcPr anchor="ctr"/>
-                </a:tc>
-                <a:tc>
-                  <a:txBody>
-                    <a:bodyPr/>
-                    <a:lstStyle/>
-                    <a:p>
-                      <a:pPr algn="ctr"/>
-                      <a:r>
-                        <a:rPr lang="it-IT" sz="1100" dirty="0"/>
-                        <a:t>0.8375</a:t>
-                      </a:r>
-                      <a:endParaRPr lang="it-IT" sz="1100" b="1" dirty="0"/>
-                    </a:p>
-                  </a:txBody>
-                  <a:tcPr anchor="ctr"/>
-                </a:tc>
-                <a:tc>
-                  <a:txBody>
-                    <a:bodyPr/>
-                    <a:lstStyle/>
-                    <a:p>
-                      <a:pPr algn="ctr"/>
-                      <a:r>
-                        <a:rPr lang="it-IT" sz="1100" dirty="0"/>
-                        <a:t>0.8385</a:t>
-                      </a:r>
-                      <a:endParaRPr lang="it-IT" sz="1100" b="1" dirty="0"/>
-                    </a:p>
-                  </a:txBody>
-                  <a:tcPr anchor="ctr"/>
-                </a:tc>
-                <a:tc>
-                  <a:txBody>
-                    <a:bodyPr/>
-                    <a:lstStyle/>
-                    <a:p>
-                      <a:pPr algn="ctr"/>
-                      <a:r>
-                        <a:rPr lang="it-IT" sz="1100" dirty="0"/>
-                        <a:t>0.9979</a:t>
-                      </a:r>
-                      <a:endParaRPr lang="it-IT" sz="1100" b="1" dirty="0"/>
-                    </a:p>
-                  </a:txBody>
-                  <a:tcPr anchor="ctr"/>
-                </a:tc>
-                <a:tc>
-                  <a:txBody>
-                    <a:bodyPr/>
-                    <a:lstStyle/>
-                    <a:p>
-                      <a:pPr algn="ctr"/>
-                      <a:r>
-                        <a:rPr lang="it-IT" sz="1100" dirty="0"/>
-                        <a:t>0.9113</a:t>
-                      </a:r>
-                      <a:endParaRPr lang="it-IT" sz="1100" b="1" dirty="0"/>
-                    </a:p>
-                  </a:txBody>
-                  <a:tcPr anchor="ctr"/>
-                </a:tc>
-                <a:extLst>
-                  <a:ext uri="{0D108BD9-81ED-4DB2-BD59-A6C34878D82A}">
-                    <a16:rowId xmlns:a16="http://schemas.microsoft.com/office/drawing/2014/main" val="3444671461"/>
-                  </a:ext>
-                </a:extLst>
-              </a:tr>
-              <a:tr h="248729">
-                <a:tc vMerge="1">
-                  <a:txBody>
-                    <a:bodyPr/>
-                    <a:lstStyle/>
-                    <a:p>
-                      <a:endParaRPr lang="it-IT"/>
-                    </a:p>
-                  </a:txBody>
-                  <a:tcPr/>
-                </a:tc>
-                <a:tc>
-                  <a:txBody>
-                    <a:bodyPr/>
-                    <a:lstStyle/>
-                    <a:p>
-                      <a:pPr algn="ctr"/>
-                      <a:r>
-                        <a:rPr lang="it-IT" sz="1100" dirty="0"/>
-                        <a:t>Test</a:t>
-                      </a:r>
-                    </a:p>
-                  </a:txBody>
-                  <a:tcPr anchor="ctr"/>
-                </a:tc>
-                <a:tc>
-                  <a:txBody>
-                    <a:bodyPr/>
-                    <a:lstStyle/>
-                    <a:p>
-                      <a:pPr algn="ctr"/>
-                      <a:r>
-                        <a:rPr lang="it-IT" sz="1100" dirty="0"/>
-                        <a:t>0.8469</a:t>
-                      </a:r>
-                      <a:endParaRPr lang="it-IT" sz="1100" b="1" dirty="0"/>
-                    </a:p>
-                  </a:txBody>
-                  <a:tcPr anchor="ctr"/>
-                </a:tc>
-                <a:tc>
-                  <a:txBody>
-                    <a:bodyPr/>
-                    <a:lstStyle/>
-                    <a:p>
-                      <a:pPr algn="ctr"/>
-                      <a:r>
-                        <a:rPr lang="it-IT" sz="1100" dirty="0"/>
-                        <a:t>0.8493</a:t>
-                      </a:r>
-                      <a:endParaRPr lang="it-IT" sz="1100" b="1" dirty="0"/>
-                    </a:p>
-                  </a:txBody>
-                  <a:tcPr anchor="ctr"/>
-                </a:tc>
-                <a:tc>
-                  <a:txBody>
-                    <a:bodyPr/>
-                    <a:lstStyle/>
-                    <a:p>
-                      <a:pPr algn="ctr"/>
-                      <a:r>
-                        <a:rPr lang="it-IT" sz="1100" dirty="0"/>
-                        <a:t>0.9959</a:t>
-                      </a:r>
-                      <a:endParaRPr lang="it-IT" sz="1100" b="1" dirty="0"/>
-                    </a:p>
-                  </a:txBody>
-                  <a:tcPr anchor="ctr"/>
-                </a:tc>
-                <a:tc>
-                  <a:txBody>
-                    <a:bodyPr/>
-                    <a:lstStyle/>
-                    <a:p>
-                      <a:pPr algn="ctr"/>
-                      <a:r>
-                        <a:rPr lang="it-IT" sz="1100" dirty="0"/>
-                        <a:t>0.9168</a:t>
-                      </a:r>
-                      <a:endParaRPr lang="it-IT" sz="1100" b="1" dirty="0"/>
-                    </a:p>
-                  </a:txBody>
-                  <a:tcPr anchor="ctr"/>
-                </a:tc>
-                <a:extLst>
-                  <a:ext uri="{0D108BD9-81ED-4DB2-BD59-A6C34878D82A}">
-                    <a16:rowId xmlns:a16="http://schemas.microsoft.com/office/drawing/2014/main" val="2981312169"/>
-                  </a:ext>
-                </a:extLst>
-              </a:tr>
-              <a:tr h="409672">
-                <a:tc rowSpan="3">
-                  <a:txBody>
-                    <a:bodyPr/>
-                    <a:lstStyle/>
-                    <a:p>
-                      <a:pPr algn="ctr"/>
-                      <a:r>
-                        <a:rPr lang="it-IT" sz="1100" b="1" dirty="0"/>
-                        <a:t>9</a:t>
-                      </a:r>
-                    </a:p>
-                  </a:txBody>
-                  <a:tcPr anchor="ctr"/>
-                </a:tc>
-                <a:tc>
-                  <a:txBody>
-                    <a:bodyPr/>
-                    <a:lstStyle/>
-                    <a:p>
-                      <a:pPr algn="ctr"/>
-                      <a:r>
-                        <a:rPr lang="it-IT" sz="1100" dirty="0"/>
-                        <a:t>Training (4-fold cv)</a:t>
-                      </a:r>
-                    </a:p>
-                  </a:txBody>
-                  <a:tcPr anchor="ctr"/>
-                </a:tc>
-                <a:tc>
-                  <a:txBody>
-                    <a:bodyPr/>
-                    <a:lstStyle/>
-                    <a:p>
-                      <a:pPr algn="ctr"/>
-                      <a:r>
-                        <a:rPr lang="it-IT" sz="1100" dirty="0"/>
-                        <a:t>0.8316 </a:t>
-                      </a:r>
-                    </a:p>
-                    <a:p>
-                      <a:pPr algn="ctr"/>
-                      <a:r>
-                        <a:rPr lang="it-IT" sz="1100" dirty="0"/>
-                        <a:t>(+/- 0.01)</a:t>
-                      </a:r>
-                      <a:endParaRPr lang="it-IT" sz="1100" b="1" dirty="0"/>
-                    </a:p>
-                  </a:txBody>
-                  <a:tcPr anchor="ctr"/>
-                </a:tc>
-                <a:tc>
-                  <a:txBody>
-                    <a:bodyPr/>
-                    <a:lstStyle/>
-                    <a:p>
-                      <a:pPr algn="ctr"/>
-                      <a:r>
-                        <a:rPr lang="it-IT" sz="1100" dirty="0"/>
-                        <a:t>0.7514</a:t>
-                      </a:r>
-                    </a:p>
-                    <a:p>
-                      <a:pPr algn="ctr"/>
-                      <a:r>
-                        <a:rPr lang="it-IT" sz="1100" dirty="0"/>
-                        <a:t> (+/- 0.14)</a:t>
-                      </a:r>
-                      <a:endParaRPr lang="it-IT" sz="1100" b="1" dirty="0"/>
-                    </a:p>
-                  </a:txBody>
-                  <a:tcPr anchor="ctr"/>
-                </a:tc>
-                <a:tc>
-                  <a:txBody>
-                    <a:bodyPr/>
-                    <a:lstStyle/>
-                    <a:p>
-                      <a:pPr algn="ctr"/>
-                      <a:r>
-                        <a:rPr lang="it-IT" sz="1100" dirty="0"/>
-                        <a:t>0.8316 </a:t>
-                      </a:r>
-                    </a:p>
-                    <a:p>
-                      <a:pPr algn="ctr"/>
-                      <a:r>
-                        <a:rPr lang="it-IT" sz="1100" dirty="0"/>
-                        <a:t>(+/- 0.01)</a:t>
-                      </a:r>
-                      <a:endParaRPr lang="it-IT" sz="1100" b="1" dirty="0"/>
-                    </a:p>
-                  </a:txBody>
-                  <a:tcPr anchor="ctr"/>
-                </a:tc>
-                <a:tc>
-                  <a:txBody>
-                    <a:bodyPr/>
-                    <a:lstStyle/>
-                    <a:p>
-                      <a:pPr algn="ctr"/>
-                      <a:r>
-                        <a:rPr lang="it-IT" sz="1100" dirty="0"/>
-                        <a:t>0.7629</a:t>
-                      </a:r>
-                    </a:p>
-                    <a:p>
-                      <a:pPr algn="ctr"/>
-                      <a:r>
-                        <a:rPr lang="it-IT" sz="1100" dirty="0"/>
-                        <a:t> (+/- 0.01)</a:t>
-                      </a:r>
-                      <a:endParaRPr lang="it-IT" sz="1100" b="1" dirty="0"/>
-                    </a:p>
-                  </a:txBody>
-                  <a:tcPr anchor="ctr"/>
-                </a:tc>
-                <a:extLst>
-                  <a:ext uri="{0D108BD9-81ED-4DB2-BD59-A6C34878D82A}">
-                    <a16:rowId xmlns:a16="http://schemas.microsoft.com/office/drawing/2014/main" val="530914676"/>
-                  </a:ext>
-                </a:extLst>
-              </a:tr>
-              <a:tr h="248729">
-                <a:tc vMerge="1">
-                  <a:txBody>
-                    <a:bodyPr/>
-                    <a:lstStyle/>
-                    <a:p>
-                      <a:endParaRPr lang="it-IT"/>
-                    </a:p>
-                  </a:txBody>
-                  <a:tcPr/>
-                </a:tc>
-                <a:tc>
-                  <a:txBody>
-                    <a:bodyPr/>
-                    <a:lstStyle/>
-                    <a:p>
-                      <a:pPr algn="ctr"/>
-                      <a:r>
-                        <a:rPr lang="it-IT" sz="1100" dirty="0"/>
-                        <a:t>Training</a:t>
-                      </a:r>
-                    </a:p>
-                  </a:txBody>
-                  <a:tcPr anchor="ctr"/>
-                </a:tc>
-                <a:tc>
-                  <a:txBody>
-                    <a:bodyPr/>
-                    <a:lstStyle/>
-                    <a:p>
-                      <a:pPr algn="ctr"/>
-                      <a:r>
-                        <a:rPr lang="it-IT" sz="1100" dirty="0"/>
-                        <a:t>0.8392</a:t>
-                      </a:r>
-                      <a:endParaRPr lang="it-IT" sz="1100" b="1" dirty="0"/>
-                    </a:p>
-                  </a:txBody>
-                  <a:tcPr anchor="ctr"/>
-                </a:tc>
-                <a:tc>
-                  <a:txBody>
-                    <a:bodyPr/>
-                    <a:lstStyle/>
-                    <a:p>
-                      <a:pPr algn="ctr"/>
-                      <a:r>
-                        <a:rPr lang="it-IT" sz="1100" dirty="0"/>
-                        <a:t>0.8412</a:t>
-                      </a:r>
-                      <a:endParaRPr lang="it-IT" sz="1100" b="1" dirty="0"/>
-                    </a:p>
-                  </a:txBody>
-                  <a:tcPr anchor="ctr"/>
-                </a:tc>
-                <a:tc>
-                  <a:txBody>
-                    <a:bodyPr/>
-                    <a:lstStyle/>
-                    <a:p>
-                      <a:pPr algn="ctr"/>
-                      <a:r>
-                        <a:rPr lang="it-IT" sz="1100" dirty="0"/>
-                        <a:t>0.9959</a:t>
-                      </a:r>
-                      <a:endParaRPr lang="it-IT" sz="1100" b="1" dirty="0"/>
-                    </a:p>
-                  </a:txBody>
-                  <a:tcPr anchor="ctr"/>
-                </a:tc>
-                <a:tc>
-                  <a:txBody>
-                    <a:bodyPr/>
-                    <a:lstStyle/>
-                    <a:p>
-                      <a:pPr algn="ctr"/>
-                      <a:r>
-                        <a:rPr lang="it-IT" sz="1100" dirty="0"/>
-                        <a:t>0.9120</a:t>
-                      </a:r>
-                      <a:endParaRPr lang="it-IT" sz="1100" b="1" dirty="0"/>
-                    </a:p>
-                  </a:txBody>
-                  <a:tcPr anchor="ctr"/>
-                </a:tc>
-                <a:extLst>
-                  <a:ext uri="{0D108BD9-81ED-4DB2-BD59-A6C34878D82A}">
-                    <a16:rowId xmlns:a16="http://schemas.microsoft.com/office/drawing/2014/main" val="628990528"/>
-                  </a:ext>
-                </a:extLst>
-              </a:tr>
-              <a:tr h="248729">
-                <a:tc vMerge="1">
-                  <a:txBody>
-                    <a:bodyPr/>
-                    <a:lstStyle/>
-                    <a:p>
-                      <a:endParaRPr lang="it-IT"/>
-                    </a:p>
-                  </a:txBody>
-                  <a:tcPr/>
-                </a:tc>
-                <a:tc>
-                  <a:txBody>
-                    <a:bodyPr/>
-                    <a:lstStyle/>
-                    <a:p>
-                      <a:pPr algn="ctr"/>
-                      <a:r>
-                        <a:rPr lang="it-IT" sz="1100" dirty="0"/>
-                        <a:t>Test</a:t>
-                      </a:r>
-                    </a:p>
-                  </a:txBody>
-                  <a:tcPr anchor="ctr"/>
-                </a:tc>
-                <a:tc>
-                  <a:txBody>
-                    <a:bodyPr/>
-                    <a:lstStyle/>
-                    <a:p>
-                      <a:pPr algn="ctr"/>
-                      <a:r>
-                        <a:rPr lang="it-IT" sz="1100" dirty="0"/>
-                        <a:t>0.8435</a:t>
-                      </a:r>
-                      <a:endParaRPr lang="it-IT" sz="1100" b="1" dirty="0"/>
-                    </a:p>
-                  </a:txBody>
-                  <a:tcPr anchor="ctr"/>
-                </a:tc>
-                <a:tc>
-                  <a:txBody>
-                    <a:bodyPr/>
-                    <a:lstStyle/>
-                    <a:p>
-                      <a:pPr algn="ctr"/>
-                      <a:r>
-                        <a:rPr lang="it-IT" sz="1100" dirty="0"/>
-                        <a:t>0.8487</a:t>
-                      </a:r>
-                      <a:endParaRPr lang="it-IT" sz="1100" b="1" dirty="0"/>
-                    </a:p>
-                  </a:txBody>
-                  <a:tcPr anchor="ctr"/>
-                </a:tc>
-                <a:tc>
-                  <a:txBody>
-                    <a:bodyPr/>
-                    <a:lstStyle/>
-                    <a:p>
-                      <a:pPr algn="ctr"/>
-                      <a:r>
-                        <a:rPr lang="it-IT" sz="1100" dirty="0"/>
-                        <a:t>0.9919</a:t>
-                      </a:r>
-                      <a:endParaRPr lang="it-IT" sz="1100" b="1" dirty="0"/>
-                    </a:p>
-                  </a:txBody>
-                  <a:tcPr anchor="ctr"/>
-                </a:tc>
-                <a:tc>
-                  <a:txBody>
-                    <a:bodyPr/>
-                    <a:lstStyle/>
-                    <a:p>
-                      <a:pPr algn="ctr"/>
-                      <a:r>
-                        <a:rPr lang="it-IT" sz="1100" dirty="0"/>
-                        <a:t>0.9148</a:t>
-                      </a:r>
-                      <a:endParaRPr lang="it-IT" sz="1100" b="1" dirty="0"/>
-                    </a:p>
-                  </a:txBody>
-                  <a:tcPr anchor="ctr"/>
-                </a:tc>
-                <a:extLst>
-                  <a:ext uri="{0D108BD9-81ED-4DB2-BD59-A6C34878D82A}">
-                    <a16:rowId xmlns:a16="http://schemas.microsoft.com/office/drawing/2014/main" val="1552624855"/>
-                  </a:ext>
-                </a:extLst>
-              </a:tr>
-              <a:tr h="409672">
-                <a:tc rowSpan="3">
-                  <a:txBody>
-                    <a:bodyPr/>
-                    <a:lstStyle/>
-                    <a:p>
-                      <a:pPr algn="ctr"/>
-                      <a:r>
-                        <a:rPr lang="it-IT" sz="1100" b="1" dirty="0"/>
-                        <a:t>10</a:t>
-                      </a:r>
-                    </a:p>
-                  </a:txBody>
-                  <a:tcPr anchor="ctr"/>
-                </a:tc>
-                <a:tc>
-                  <a:txBody>
-                    <a:bodyPr/>
-                    <a:lstStyle/>
-                    <a:p>
-                      <a:pPr algn="ctr"/>
-                      <a:r>
-                        <a:rPr lang="it-IT" sz="1100" dirty="0"/>
-                        <a:t>Training (4-fold cv)</a:t>
-                      </a:r>
-                    </a:p>
-                  </a:txBody>
-                  <a:tcPr anchor="ctr"/>
-                </a:tc>
-                <a:tc>
-                  <a:txBody>
-                    <a:bodyPr/>
-                    <a:lstStyle/>
-                    <a:p>
-                      <a:pPr algn="ctr"/>
-                      <a:r>
-                        <a:rPr lang="it-IT" sz="1100" dirty="0"/>
-                        <a:t>0.8350</a:t>
-                      </a:r>
-                    </a:p>
-                    <a:p>
-                      <a:pPr algn="ctr"/>
-                      <a:r>
-                        <a:rPr lang="it-IT" sz="1100" dirty="0"/>
-                        <a:t> (+/- 0.01)</a:t>
-                      </a:r>
-                      <a:endParaRPr lang="it-IT" sz="1100" b="1" dirty="0"/>
-                    </a:p>
-                  </a:txBody>
-                  <a:tcPr anchor="ctr"/>
-                </a:tc>
-                <a:tc>
-                  <a:txBody>
-                    <a:bodyPr/>
-                    <a:lstStyle/>
-                    <a:p>
-                      <a:pPr algn="ctr"/>
-                      <a:r>
-                        <a:rPr lang="it-IT" sz="1100" dirty="0"/>
-                        <a:t>0.6999</a:t>
-                      </a:r>
-                    </a:p>
-                    <a:p>
-                      <a:pPr algn="ctr"/>
-                      <a:r>
-                        <a:rPr lang="it-IT" sz="1100" dirty="0"/>
-                        <a:t> (+/- 0.00)</a:t>
-                      </a:r>
-                      <a:endParaRPr lang="it-IT" sz="1100" b="1" dirty="0"/>
-                    </a:p>
-                  </a:txBody>
-                  <a:tcPr anchor="ctr"/>
-                </a:tc>
-                <a:tc>
-                  <a:txBody>
-                    <a:bodyPr/>
-                    <a:lstStyle/>
-                    <a:p>
-                      <a:pPr algn="ctr"/>
-                      <a:r>
-                        <a:rPr lang="it-IT" sz="1100" dirty="0"/>
-                        <a:t>0.8350</a:t>
-                      </a:r>
-                    </a:p>
-                    <a:p>
-                      <a:pPr algn="ctr"/>
-                      <a:r>
-                        <a:rPr lang="it-IT" sz="1100" dirty="0"/>
-                        <a:t> (+/- 0.01)</a:t>
-                      </a:r>
-                      <a:endParaRPr lang="it-IT" sz="1100" b="1" dirty="0"/>
-                    </a:p>
-                  </a:txBody>
-                  <a:tcPr anchor="ctr"/>
-                </a:tc>
-                <a:tc>
-                  <a:txBody>
-                    <a:bodyPr/>
-                    <a:lstStyle/>
-                    <a:p>
-                      <a:pPr algn="ctr"/>
-                      <a:r>
-                        <a:rPr lang="it-IT" sz="1100" dirty="0"/>
-                        <a:t>0.7615</a:t>
-                      </a:r>
-                    </a:p>
-                    <a:p>
-                      <a:pPr algn="ctr"/>
-                      <a:r>
-                        <a:rPr lang="it-IT" sz="1100" dirty="0"/>
-                        <a:t> (+/- 0.00)</a:t>
-                      </a:r>
-                      <a:endParaRPr lang="it-IT" sz="1100" b="1" dirty="0"/>
-                    </a:p>
-                  </a:txBody>
-                  <a:tcPr anchor="ctr"/>
-                </a:tc>
-                <a:extLst>
-                  <a:ext uri="{0D108BD9-81ED-4DB2-BD59-A6C34878D82A}">
-                    <a16:rowId xmlns:a16="http://schemas.microsoft.com/office/drawing/2014/main" val="682134986"/>
-                  </a:ext>
-                </a:extLst>
-              </a:tr>
-              <a:tr h="248729">
-                <a:tc vMerge="1">
-                  <a:txBody>
-                    <a:bodyPr/>
-                    <a:lstStyle/>
-                    <a:p>
-                      <a:endParaRPr lang="it-IT"/>
-                    </a:p>
-                  </a:txBody>
-                  <a:tcPr/>
-                </a:tc>
-                <a:tc>
-                  <a:txBody>
-                    <a:bodyPr/>
-                    <a:lstStyle/>
-                    <a:p>
-                      <a:pPr algn="ctr"/>
-                      <a:r>
-                        <a:rPr lang="it-IT" sz="1100" dirty="0"/>
-                        <a:t>Training</a:t>
-                      </a:r>
-                    </a:p>
-                  </a:txBody>
-                  <a:tcPr anchor="ctr"/>
-                </a:tc>
-                <a:tc>
-                  <a:txBody>
-                    <a:bodyPr/>
-                    <a:lstStyle/>
-                    <a:p>
-                      <a:pPr algn="ctr"/>
-                      <a:r>
-                        <a:rPr lang="it-IT" sz="1100" dirty="0"/>
-                        <a:t>0.8392</a:t>
-                      </a:r>
-                      <a:endParaRPr lang="it-IT" sz="1100" b="1" dirty="0"/>
-                    </a:p>
-                  </a:txBody>
-                  <a:tcPr anchor="ctr"/>
-                </a:tc>
-                <a:tc>
-                  <a:txBody>
-                    <a:bodyPr/>
-                    <a:lstStyle/>
-                    <a:p>
-                      <a:pPr algn="ctr"/>
-                      <a:r>
-                        <a:rPr lang="it-IT" sz="1100" dirty="0"/>
-                        <a:t>0.8394</a:t>
-                      </a:r>
-                      <a:endParaRPr lang="it-IT" sz="1100" b="1" dirty="0"/>
-                    </a:p>
-                  </a:txBody>
-                  <a:tcPr anchor="ctr"/>
-                </a:tc>
-                <a:tc>
-                  <a:txBody>
-                    <a:bodyPr/>
-                    <a:lstStyle/>
-                    <a:p>
-                      <a:pPr algn="ctr"/>
-                      <a:r>
-                        <a:rPr lang="it-IT" sz="1100" dirty="0"/>
-                        <a:t>0.9989</a:t>
-                      </a:r>
-                      <a:endParaRPr lang="it-IT" sz="1100" b="1" dirty="0"/>
-                    </a:p>
-                  </a:txBody>
-                  <a:tcPr anchor="ctr"/>
-                </a:tc>
-                <a:tc>
-                  <a:txBody>
-                    <a:bodyPr/>
-                    <a:lstStyle/>
-                    <a:p>
-                      <a:pPr algn="ctr"/>
-                      <a:r>
-                        <a:rPr lang="it-IT" sz="1100" dirty="0"/>
-                        <a:t>0.9122</a:t>
-                      </a:r>
-                      <a:endParaRPr lang="it-IT" sz="1100" b="1" dirty="0"/>
-                    </a:p>
-                  </a:txBody>
-                  <a:tcPr anchor="ctr"/>
-                </a:tc>
-                <a:extLst>
-                  <a:ext uri="{0D108BD9-81ED-4DB2-BD59-A6C34878D82A}">
-                    <a16:rowId xmlns:a16="http://schemas.microsoft.com/office/drawing/2014/main" val="4016770480"/>
-                  </a:ext>
-                </a:extLst>
-              </a:tr>
-              <a:tr h="248729">
-                <a:tc vMerge="1">
-                  <a:txBody>
-                    <a:bodyPr/>
-                    <a:lstStyle/>
-                    <a:p>
-                      <a:endParaRPr lang="it-IT"/>
-                    </a:p>
-                  </a:txBody>
-                  <a:tcPr/>
-                </a:tc>
-                <a:tc>
-                  <a:txBody>
-                    <a:bodyPr/>
-                    <a:lstStyle/>
-                    <a:p>
-                      <a:pPr algn="ctr"/>
-                      <a:r>
-                        <a:rPr lang="it-IT" sz="1100" dirty="0"/>
-                        <a:t>Test</a:t>
-                      </a:r>
-                    </a:p>
-                  </a:txBody>
-                  <a:tcPr anchor="ctr"/>
-                </a:tc>
-                <a:tc>
-                  <a:txBody>
-                    <a:bodyPr/>
-                    <a:lstStyle/>
-                    <a:p>
-                      <a:pPr algn="ctr"/>
-                      <a:r>
-                        <a:rPr lang="it-IT" sz="1100" dirty="0"/>
-                        <a:t>0.8469</a:t>
-                      </a:r>
-                      <a:endParaRPr lang="it-IT" sz="1100" b="1" dirty="0"/>
-                    </a:p>
-                  </a:txBody>
-                  <a:tcPr anchor="ctr"/>
-                </a:tc>
-                <a:tc>
-                  <a:txBody>
-                    <a:bodyPr/>
-                    <a:lstStyle/>
-                    <a:p>
-                      <a:pPr algn="ctr"/>
-                      <a:r>
-                        <a:rPr lang="it-IT" sz="1100" dirty="0"/>
-                        <a:t>0.8493</a:t>
-                      </a:r>
-                      <a:endParaRPr lang="it-IT" sz="1100" b="1" dirty="0"/>
-                    </a:p>
-                  </a:txBody>
-                  <a:tcPr anchor="ctr"/>
-                </a:tc>
-                <a:tc>
-                  <a:txBody>
-                    <a:bodyPr/>
-                    <a:lstStyle/>
-                    <a:p>
-                      <a:pPr algn="ctr"/>
-                      <a:r>
-                        <a:rPr lang="it-IT" sz="1100" dirty="0"/>
-                        <a:t>0.9959</a:t>
-                      </a:r>
-                      <a:endParaRPr lang="it-IT" sz="1100" b="1" dirty="0"/>
-                    </a:p>
-                  </a:txBody>
-                  <a:tcPr anchor="ctr"/>
-                </a:tc>
-                <a:tc>
-                  <a:txBody>
-                    <a:bodyPr/>
-                    <a:lstStyle/>
-                    <a:p>
-                      <a:pPr algn="ctr"/>
-                      <a:r>
-                        <a:rPr lang="it-IT" sz="1100" dirty="0"/>
-                        <a:t>0.9168</a:t>
-                      </a:r>
-                      <a:endParaRPr lang="it-IT" sz="1100" b="1" dirty="0"/>
-                    </a:p>
-                  </a:txBody>
-                  <a:tcPr anchor="ctr"/>
-                </a:tc>
-                <a:extLst>
-                  <a:ext uri="{0D108BD9-81ED-4DB2-BD59-A6C34878D82A}">
-                    <a16:rowId xmlns:a16="http://schemas.microsoft.com/office/drawing/2014/main" val="273521132"/>
-                  </a:ext>
-                </a:extLst>
-              </a:tr>
-              <a:tr h="409672">
-                <a:tc rowSpan="3">
-                  <a:txBody>
-                    <a:bodyPr/>
-                    <a:lstStyle/>
-                    <a:p>
-                      <a:pPr algn="ctr"/>
-                      <a:r>
-                        <a:rPr lang="it-IT" sz="1100" b="1" dirty="0"/>
-                        <a:t>11</a:t>
-                      </a:r>
-                    </a:p>
-                  </a:txBody>
-                  <a:tcPr anchor="ctr"/>
-                </a:tc>
-                <a:tc>
-                  <a:txBody>
-                    <a:bodyPr/>
-                    <a:lstStyle/>
-                    <a:p>
-                      <a:pPr algn="ctr"/>
-                      <a:r>
-                        <a:rPr lang="it-IT" sz="1100" b="0" dirty="0"/>
-                        <a:t>Training (4-fold cv)</a:t>
-                      </a:r>
-                    </a:p>
-                  </a:txBody>
-                  <a:tcPr anchor="ctr"/>
-                </a:tc>
-                <a:tc>
-                  <a:txBody>
-                    <a:bodyPr/>
-                    <a:lstStyle/>
-                    <a:p>
-                      <a:pPr algn="ctr"/>
-                      <a:r>
-                        <a:rPr lang="it-IT" sz="1100" dirty="0"/>
-                        <a:t>0.8350 </a:t>
-                      </a:r>
-                    </a:p>
-                    <a:p>
-                      <a:pPr algn="ctr"/>
-                      <a:r>
-                        <a:rPr lang="it-IT" sz="1100" dirty="0"/>
-                        <a:t>(+/- 0.01)</a:t>
-                      </a:r>
-                      <a:endParaRPr lang="it-IT" sz="1100" b="1" dirty="0"/>
-                    </a:p>
-                  </a:txBody>
-                  <a:tcPr anchor="ctr"/>
-                </a:tc>
-                <a:tc>
-                  <a:txBody>
-                    <a:bodyPr/>
-                    <a:lstStyle/>
-                    <a:p>
-                      <a:pPr algn="ctr"/>
-                      <a:r>
-                        <a:rPr lang="it-IT" sz="1100" dirty="0"/>
-                        <a:t>0.6999</a:t>
-                      </a:r>
-                    </a:p>
-                    <a:p>
-                      <a:pPr algn="ctr"/>
-                      <a:r>
-                        <a:rPr lang="it-IT" sz="1100" dirty="0"/>
-                        <a:t> (+/- 0.00)</a:t>
-                      </a:r>
-                      <a:endParaRPr lang="it-IT" sz="1100" b="1" dirty="0"/>
-                    </a:p>
-                  </a:txBody>
-                  <a:tcPr anchor="ctr"/>
-                </a:tc>
-                <a:tc>
-                  <a:txBody>
-                    <a:bodyPr/>
-                    <a:lstStyle/>
-                    <a:p>
-                      <a:pPr algn="ctr"/>
-                      <a:r>
-                        <a:rPr lang="it-IT" sz="1100" dirty="0"/>
-                        <a:t>0.8350</a:t>
-                      </a:r>
-                    </a:p>
-                    <a:p>
-                      <a:pPr algn="ctr"/>
-                      <a:r>
-                        <a:rPr lang="it-IT" sz="1100" dirty="0"/>
-                        <a:t> (+/- 0.01)</a:t>
-                      </a:r>
-                      <a:endParaRPr lang="it-IT" sz="1100" b="1" dirty="0"/>
-                    </a:p>
-                  </a:txBody>
-                  <a:tcPr anchor="ctr"/>
-                </a:tc>
-                <a:tc>
-                  <a:txBody>
-                    <a:bodyPr/>
-                    <a:lstStyle/>
-                    <a:p>
-                      <a:pPr algn="ctr"/>
-                      <a:r>
-                        <a:rPr lang="it-IT" sz="1100" dirty="0"/>
-                        <a:t>0.7615 </a:t>
-                      </a:r>
-                    </a:p>
-                    <a:p>
-                      <a:pPr algn="ctr"/>
-                      <a:r>
-                        <a:rPr lang="it-IT" sz="1100" dirty="0"/>
-                        <a:t>(+/- 0.00)</a:t>
-                      </a:r>
-                      <a:endParaRPr lang="it-IT" sz="1100" b="1" dirty="0"/>
-                    </a:p>
-                  </a:txBody>
-                  <a:tcPr anchor="ctr"/>
-                </a:tc>
-                <a:extLst>
-                  <a:ext uri="{0D108BD9-81ED-4DB2-BD59-A6C34878D82A}">
-                    <a16:rowId xmlns:a16="http://schemas.microsoft.com/office/drawing/2014/main" val="876650962"/>
-                  </a:ext>
-                </a:extLst>
-              </a:tr>
-              <a:tr h="248729">
-                <a:tc vMerge="1">
-                  <a:txBody>
-                    <a:bodyPr/>
-                    <a:lstStyle/>
-                    <a:p>
-                      <a:endParaRPr lang="it-IT"/>
-                    </a:p>
-                  </a:txBody>
-                  <a:tcPr/>
-                </a:tc>
-                <a:tc>
-                  <a:txBody>
-                    <a:bodyPr/>
-                    <a:lstStyle/>
-                    <a:p>
-                      <a:pPr algn="ctr"/>
-                      <a:r>
-                        <a:rPr lang="it-IT" sz="1100" b="0" dirty="0"/>
-                        <a:t>Training</a:t>
-                      </a:r>
-                    </a:p>
-                  </a:txBody>
-                  <a:tcPr anchor="ctr"/>
-                </a:tc>
-                <a:tc>
-                  <a:txBody>
-                    <a:bodyPr/>
-                    <a:lstStyle/>
-                    <a:p>
-                      <a:pPr algn="ctr"/>
-                      <a:r>
-                        <a:rPr lang="it-IT" sz="1100" dirty="0"/>
-                        <a:t>0.8367</a:t>
-                      </a:r>
-                      <a:endParaRPr lang="it-IT" sz="1100" b="1" dirty="0"/>
-                    </a:p>
-                  </a:txBody>
-                  <a:tcPr anchor="ctr"/>
-                </a:tc>
-                <a:tc>
-                  <a:txBody>
-                    <a:bodyPr/>
-                    <a:lstStyle/>
-                    <a:p>
-                      <a:pPr algn="ctr"/>
-                      <a:r>
-                        <a:rPr lang="it-IT" sz="1100" dirty="0"/>
-                        <a:t>0.8390</a:t>
-                      </a:r>
-                      <a:endParaRPr lang="it-IT" sz="1100" b="1" dirty="0"/>
-                    </a:p>
-                  </a:txBody>
-                  <a:tcPr anchor="ctr"/>
-                </a:tc>
-                <a:tc>
-                  <a:txBody>
-                    <a:bodyPr/>
-                    <a:lstStyle/>
-                    <a:p>
-                      <a:pPr algn="ctr"/>
-                      <a:r>
-                        <a:rPr lang="it-IT" sz="1100" dirty="0"/>
-                        <a:t>0.9959</a:t>
-                      </a:r>
-                      <a:endParaRPr lang="it-IT" sz="1100" b="1" dirty="0"/>
-                    </a:p>
-                  </a:txBody>
-                  <a:tcPr anchor="ctr"/>
-                </a:tc>
-                <a:tc>
-                  <a:txBody>
-                    <a:bodyPr/>
-                    <a:lstStyle/>
-                    <a:p>
-                      <a:pPr algn="ctr"/>
-                      <a:r>
-                        <a:rPr lang="it-IT" sz="1100" dirty="0"/>
-                        <a:t>0.9107</a:t>
-                      </a:r>
-                      <a:endParaRPr lang="it-IT" sz="1100" b="1" dirty="0"/>
-                    </a:p>
-                  </a:txBody>
-                  <a:tcPr anchor="ctr"/>
-                </a:tc>
-                <a:extLst>
-                  <a:ext uri="{0D108BD9-81ED-4DB2-BD59-A6C34878D82A}">
-                    <a16:rowId xmlns:a16="http://schemas.microsoft.com/office/drawing/2014/main" val="145671023"/>
-                  </a:ext>
-                </a:extLst>
-              </a:tr>
-              <a:tr h="248729">
-                <a:tc vMerge="1">
-                  <a:txBody>
-                    <a:bodyPr/>
-                    <a:lstStyle/>
-                    <a:p>
-                      <a:endParaRPr lang="it-IT"/>
-                    </a:p>
-                  </a:txBody>
-                  <a:tcPr/>
-                </a:tc>
-                <a:tc>
-                  <a:txBody>
-                    <a:bodyPr/>
-                    <a:lstStyle/>
-                    <a:p>
-                      <a:pPr algn="ctr"/>
-                      <a:r>
-                        <a:rPr lang="it-IT" sz="1100" b="0" dirty="0"/>
-                        <a:t>Test</a:t>
-                      </a:r>
-                    </a:p>
-                  </a:txBody>
-                  <a:tcPr anchor="ctr"/>
-                </a:tc>
-                <a:tc>
-                  <a:txBody>
-                    <a:bodyPr/>
-                    <a:lstStyle/>
-                    <a:p>
-                      <a:pPr algn="ctr"/>
-                      <a:r>
-                        <a:rPr lang="it-IT" sz="1100" dirty="0"/>
-                        <a:t>0.8469</a:t>
-                      </a:r>
-                      <a:endParaRPr lang="it-IT" sz="1100" b="1" dirty="0"/>
-                    </a:p>
-                  </a:txBody>
-                  <a:tcPr anchor="ctr"/>
-                </a:tc>
-                <a:tc>
-                  <a:txBody>
-                    <a:bodyPr/>
-                    <a:lstStyle/>
-                    <a:p>
-                      <a:pPr algn="ctr"/>
-                      <a:r>
-                        <a:rPr lang="it-IT" sz="1100" dirty="0"/>
-                        <a:t>0.8493</a:t>
-                      </a:r>
-                      <a:endParaRPr lang="it-IT" sz="1100" b="1" dirty="0"/>
-                    </a:p>
-                  </a:txBody>
-                  <a:tcPr anchor="ctr"/>
-                </a:tc>
-                <a:tc>
-                  <a:txBody>
-                    <a:bodyPr/>
-                    <a:lstStyle/>
-                    <a:p>
-                      <a:pPr algn="ctr"/>
-                      <a:r>
-                        <a:rPr lang="it-IT" sz="1100" dirty="0"/>
-                        <a:t>0.9959</a:t>
-                      </a:r>
-                      <a:endParaRPr lang="it-IT" sz="1100" b="1" dirty="0"/>
-                    </a:p>
-                  </a:txBody>
-                  <a:tcPr anchor="ctr"/>
-                </a:tc>
-                <a:tc>
-                  <a:txBody>
-                    <a:bodyPr/>
-                    <a:lstStyle/>
-                    <a:p>
-                      <a:pPr algn="ctr"/>
-                      <a:r>
-                        <a:rPr lang="it-IT" sz="1100" dirty="0"/>
-                        <a:t>0.9168</a:t>
-                      </a:r>
-                      <a:endParaRPr lang="it-IT" sz="1100" b="1" dirty="0"/>
-                    </a:p>
-                  </a:txBody>
-                  <a:tcPr anchor="ctr"/>
-                </a:tc>
-                <a:extLst>
-                  <a:ext uri="{0D108BD9-81ED-4DB2-BD59-A6C34878D82A}">
-                    <a16:rowId xmlns:a16="http://schemas.microsoft.com/office/drawing/2014/main" val="1023623817"/>
-                  </a:ext>
-                </a:extLst>
-              </a:tr>
-              <a:tr h="409672">
-                <a:tc rowSpan="3">
-                  <a:txBody>
-                    <a:bodyPr/>
-                    <a:lstStyle/>
-                    <a:p>
-                      <a:pPr algn="ctr"/>
-                      <a:r>
-                        <a:rPr lang="it-IT" sz="1100" b="1" dirty="0"/>
-                        <a:t>12</a:t>
-                      </a:r>
-                    </a:p>
-                  </a:txBody>
-                  <a:tcPr anchor="ctr"/>
-                </a:tc>
-                <a:tc>
-                  <a:txBody>
-                    <a:bodyPr/>
-                    <a:lstStyle/>
-                    <a:p>
-                      <a:pPr algn="ctr"/>
-                      <a:r>
-                        <a:rPr lang="it-IT" sz="1100" b="0" dirty="0"/>
-                        <a:t>Training (4-fold cv)</a:t>
-                      </a:r>
-                    </a:p>
-                  </a:txBody>
-                  <a:tcPr anchor="ctr"/>
-                </a:tc>
-                <a:tc>
-                  <a:txBody>
-                    <a:bodyPr/>
-                    <a:lstStyle/>
-                    <a:p>
-                      <a:pPr algn="ctr"/>
-                      <a:r>
-                        <a:rPr lang="it-IT" sz="1100" dirty="0"/>
-                        <a:t>0.8359 </a:t>
-                      </a:r>
-                    </a:p>
-                    <a:p>
-                      <a:pPr algn="ctr"/>
-                      <a:r>
-                        <a:rPr lang="it-IT" sz="1100" dirty="0"/>
-                        <a:t>(+/- 0.00)</a:t>
-                      </a:r>
-                      <a:endParaRPr lang="it-IT" sz="1100" b="1" dirty="0"/>
-                    </a:p>
-                  </a:txBody>
-                  <a:tcPr anchor="ctr"/>
-                </a:tc>
-                <a:tc>
-                  <a:txBody>
-                    <a:bodyPr/>
-                    <a:lstStyle/>
-                    <a:p>
-                      <a:pPr algn="ctr"/>
-                      <a:r>
-                        <a:rPr lang="it-IT" sz="1100" dirty="0"/>
-                        <a:t>0.7000 </a:t>
-                      </a:r>
-                    </a:p>
-                    <a:p>
-                      <a:pPr algn="ctr"/>
-                      <a:r>
-                        <a:rPr lang="it-IT" sz="1100" dirty="0"/>
-                        <a:t>(+/- 0.00)</a:t>
-                      </a:r>
-                      <a:endParaRPr lang="it-IT" sz="1100" b="1" dirty="0"/>
-                    </a:p>
-                  </a:txBody>
-                  <a:tcPr anchor="ctr"/>
-                </a:tc>
-                <a:tc>
-                  <a:txBody>
-                    <a:bodyPr/>
-                    <a:lstStyle/>
-                    <a:p>
-                      <a:pPr algn="ctr"/>
-                      <a:r>
-                        <a:rPr lang="it-IT" sz="1100" dirty="0"/>
-                        <a:t>0.8359 </a:t>
-                      </a:r>
-                    </a:p>
-                    <a:p>
-                      <a:pPr algn="ctr"/>
-                      <a:r>
-                        <a:rPr lang="it-IT" sz="1100" dirty="0"/>
-                        <a:t>(+/- 0.00)</a:t>
-                      </a:r>
-                      <a:endParaRPr lang="it-IT" sz="1100" b="1" dirty="0"/>
-                    </a:p>
-                  </a:txBody>
-                  <a:tcPr anchor="ctr"/>
-                </a:tc>
-                <a:tc>
-                  <a:txBody>
-                    <a:bodyPr/>
-                    <a:lstStyle/>
-                    <a:p>
-                      <a:pPr algn="ctr"/>
-                      <a:r>
-                        <a:rPr lang="it-IT" sz="1100" b="0" dirty="0"/>
-                        <a:t>0.7619 </a:t>
-                      </a:r>
-                    </a:p>
-                    <a:p>
-                      <a:pPr algn="ctr"/>
-                      <a:r>
-                        <a:rPr lang="it-IT" sz="1100" b="0" dirty="0"/>
-                        <a:t>(+/- 0.00)</a:t>
-                      </a:r>
-                    </a:p>
-                  </a:txBody>
-                  <a:tcPr anchor="ctr"/>
-                </a:tc>
-                <a:extLst>
-                  <a:ext uri="{0D108BD9-81ED-4DB2-BD59-A6C34878D82A}">
-                    <a16:rowId xmlns:a16="http://schemas.microsoft.com/office/drawing/2014/main" val="3478841796"/>
-                  </a:ext>
-                </a:extLst>
-              </a:tr>
-              <a:tr h="248729">
-                <a:tc vMerge="1">
-                  <a:txBody>
-                    <a:bodyPr/>
-                    <a:lstStyle/>
-                    <a:p>
-                      <a:endParaRPr lang="it-IT"/>
-                    </a:p>
-                  </a:txBody>
-                  <a:tcPr/>
-                </a:tc>
-                <a:tc>
-                  <a:txBody>
-                    <a:bodyPr/>
-                    <a:lstStyle/>
-                    <a:p>
-                      <a:pPr algn="ctr"/>
-                      <a:r>
-                        <a:rPr lang="it-IT" sz="1100" b="0" dirty="0"/>
-                        <a:t>Training</a:t>
-                      </a:r>
-                    </a:p>
-                  </a:txBody>
-                  <a:tcPr anchor="ctr"/>
-                </a:tc>
-                <a:tc>
-                  <a:txBody>
-                    <a:bodyPr/>
-                    <a:lstStyle/>
-                    <a:p>
-                      <a:pPr algn="ctr"/>
-                      <a:r>
-                        <a:rPr lang="it-IT" sz="1100" dirty="0"/>
-                        <a:t>0.8367</a:t>
-                      </a:r>
-                      <a:endParaRPr lang="it-IT" sz="1100" b="1" dirty="0"/>
-                    </a:p>
-                  </a:txBody>
-                  <a:tcPr anchor="ctr"/>
-                </a:tc>
-                <a:tc>
-                  <a:txBody>
-                    <a:bodyPr/>
-                    <a:lstStyle/>
-                    <a:p>
-                      <a:pPr algn="ctr"/>
-                      <a:r>
-                        <a:rPr lang="it-IT" sz="1100" dirty="0"/>
-                        <a:t>0.8373</a:t>
-                      </a:r>
-                      <a:endParaRPr lang="it-IT" sz="1100" b="1" dirty="0"/>
-                    </a:p>
-                  </a:txBody>
-                  <a:tcPr anchor="ctr"/>
-                </a:tc>
-                <a:tc>
-                  <a:txBody>
-                    <a:bodyPr/>
-                    <a:lstStyle/>
-                    <a:p>
-                      <a:pPr algn="ctr"/>
-                      <a:r>
-                        <a:rPr lang="it-IT" sz="1100" dirty="0"/>
-                        <a:t>0.9989</a:t>
-                      </a:r>
-                      <a:endParaRPr lang="it-IT" sz="1100" b="1" dirty="0"/>
-                    </a:p>
-                  </a:txBody>
-                  <a:tcPr anchor="ctr"/>
-                </a:tc>
-                <a:tc>
-                  <a:txBody>
-                    <a:bodyPr/>
-                    <a:lstStyle/>
-                    <a:p>
-                      <a:pPr algn="ctr"/>
-                      <a:r>
-                        <a:rPr lang="it-IT" sz="1100" b="0" dirty="0"/>
-                        <a:t>0.9111</a:t>
-                      </a:r>
-                    </a:p>
-                  </a:txBody>
-                  <a:tcPr anchor="ctr"/>
-                </a:tc>
-                <a:extLst>
-                  <a:ext uri="{0D108BD9-81ED-4DB2-BD59-A6C34878D82A}">
-                    <a16:rowId xmlns:a16="http://schemas.microsoft.com/office/drawing/2014/main" val="2492147848"/>
-                  </a:ext>
-                </a:extLst>
-              </a:tr>
-              <a:tr h="248729">
-                <a:tc vMerge="1">
-                  <a:txBody>
-                    <a:bodyPr/>
-                    <a:lstStyle/>
-                    <a:p>
-                      <a:endParaRPr lang="it-IT"/>
-                    </a:p>
-                  </a:txBody>
-                  <a:tcPr/>
-                </a:tc>
-                <a:tc>
-                  <a:txBody>
-                    <a:bodyPr/>
-                    <a:lstStyle/>
-                    <a:p>
-                      <a:pPr algn="ctr"/>
-                      <a:r>
-                        <a:rPr lang="it-IT" sz="1100" b="0" dirty="0"/>
-                        <a:t>Test</a:t>
-                      </a:r>
-                    </a:p>
-                  </a:txBody>
-                  <a:tcPr anchor="ctr"/>
-                </a:tc>
-                <a:tc>
-                  <a:txBody>
-                    <a:bodyPr/>
-                    <a:lstStyle/>
-                    <a:p>
-                      <a:pPr algn="ctr"/>
-                      <a:r>
-                        <a:rPr lang="it-IT" sz="1100" dirty="0"/>
-                        <a:t>0.8469</a:t>
-                      </a:r>
-                      <a:endParaRPr lang="it-IT" sz="1100" b="1" dirty="0"/>
-                    </a:p>
-                  </a:txBody>
-                  <a:tcPr anchor="ctr"/>
-                </a:tc>
-                <a:tc>
-                  <a:txBody>
-                    <a:bodyPr/>
-                    <a:lstStyle/>
-                    <a:p>
-                      <a:pPr algn="ctr"/>
-                      <a:r>
-                        <a:rPr lang="it-IT" sz="1100" dirty="0"/>
-                        <a:t>0.8469</a:t>
-                      </a:r>
-                      <a:endParaRPr lang="it-IT" sz="1100" b="1" dirty="0"/>
-                    </a:p>
-                  </a:txBody>
-                  <a:tcPr anchor="ctr"/>
-                </a:tc>
-                <a:tc>
-                  <a:txBody>
-                    <a:bodyPr/>
-                    <a:lstStyle/>
-                    <a:p>
-                      <a:pPr algn="ctr"/>
-                      <a:r>
-                        <a:rPr lang="it-IT" sz="1100" b="0" dirty="0"/>
-                        <a:t>1.0</a:t>
-                      </a:r>
-                    </a:p>
-                  </a:txBody>
-                  <a:tcPr anchor="ctr"/>
-                </a:tc>
-                <a:tc>
-                  <a:txBody>
-                    <a:bodyPr/>
-                    <a:lstStyle/>
-                    <a:p>
-                      <a:pPr algn="ctr"/>
-                      <a:r>
-                        <a:rPr lang="it-IT" sz="1100" b="0" dirty="0"/>
-                        <a:t>0.9171</a:t>
-                      </a:r>
-                    </a:p>
-                  </a:txBody>
-                  <a:tcPr anchor="ctr"/>
-                </a:tc>
-                <a:extLst>
-                  <a:ext uri="{0D108BD9-81ED-4DB2-BD59-A6C34878D82A}">
-                    <a16:rowId xmlns:a16="http://schemas.microsoft.com/office/drawing/2014/main" val="3625483143"/>
-                  </a:ext>
-                </a:extLst>
-              </a:tr>
-            </a:tbl>
-          </a:graphicData>
-        </a:graphic>
-      </p:graphicFrame>
+          <p:cNvPicPr>
+            <a:picLocks noChangeAspect="1"/>
+          </p:cNvPicPr>
+          <p:nvPr/>
+        </p:nvPicPr>
+        <p:blipFill>
+          <a:blip r:embed="rId3"/>
+          <a:stretch>
+            <a:fillRect/>
+          </a:stretch>
+        </p:blipFill>
+        <p:spPr>
+          <a:xfrm>
+            <a:off x="5992837" y="210363"/>
+            <a:ext cx="4895557" cy="3238306"/>
+          </a:xfrm>
+          <a:prstGeom prst="rect">
+            <a:avLst/>
+          </a:prstGeom>
+        </p:spPr>
+      </p:pic>
+      <p:pic>
+        <p:nvPicPr>
+          <p:cNvPr id="23" name="Immagine 22">
+            <a:extLst>
+              <a:ext uri="{FF2B5EF4-FFF2-40B4-BE49-F238E27FC236}">
+                <a16:creationId xmlns:a16="http://schemas.microsoft.com/office/drawing/2014/main" id="{79392F89-62B1-C74C-A959-6CEA2EEDFFED}"/>
+              </a:ext>
+            </a:extLst>
+          </p:cNvPr>
+          <p:cNvPicPr>
+            <a:picLocks noChangeAspect="1"/>
+          </p:cNvPicPr>
+          <p:nvPr/>
+        </p:nvPicPr>
+        <p:blipFill>
+          <a:blip r:embed="rId4"/>
+          <a:stretch>
+            <a:fillRect/>
+          </a:stretch>
+        </p:blipFill>
+        <p:spPr>
+          <a:xfrm>
+            <a:off x="422030" y="3633762"/>
+            <a:ext cx="4895557" cy="3238306"/>
+          </a:xfrm>
+          <a:prstGeom prst="rect">
+            <a:avLst/>
+          </a:prstGeom>
+        </p:spPr>
+      </p:pic>
+      <p:pic>
+        <p:nvPicPr>
+          <p:cNvPr id="25" name="Immagine 24">
+            <a:extLst>
+              <a:ext uri="{FF2B5EF4-FFF2-40B4-BE49-F238E27FC236}">
+                <a16:creationId xmlns:a16="http://schemas.microsoft.com/office/drawing/2014/main" id="{B6D441F8-DE25-AA4B-BC4F-8440FC7E6236}"/>
+              </a:ext>
+            </a:extLst>
+          </p:cNvPr>
+          <p:cNvPicPr>
+            <a:picLocks noChangeAspect="1"/>
+          </p:cNvPicPr>
+          <p:nvPr/>
+        </p:nvPicPr>
+        <p:blipFill>
+          <a:blip r:embed="rId5"/>
+          <a:stretch>
+            <a:fillRect/>
+          </a:stretch>
+        </p:blipFill>
+        <p:spPr>
+          <a:xfrm>
+            <a:off x="5992836" y="3649915"/>
+            <a:ext cx="4895557" cy="3238306"/>
+          </a:xfrm>
+          <a:prstGeom prst="rect">
+            <a:avLst/>
+          </a:prstGeom>
+        </p:spPr>
+      </p:pic>
     </p:spTree>
     <p:extLst>
       <p:ext uri="{BB962C8B-B14F-4D97-AF65-F5344CB8AC3E}">
-        <p14:creationId xmlns:p14="http://schemas.microsoft.com/office/powerpoint/2010/main" val="1997096520"/>
+        <p14:creationId xmlns:p14="http://schemas.microsoft.com/office/powerpoint/2010/main" val="3533222006"/>
       </p:ext>
     </p:extLst>
   </p:cSld>
@@ -19694,7 +15282,985 @@
           <p:nvPr>
             <p:extLst>
               <p:ext uri="{D42A27DB-BD31-4B8C-83A1-F6EECF244321}">
-                <p14:modId xmlns:p14="http://schemas.microsoft.com/office/powerpoint/2010/main" val="3944614214"/>
+                <p14:modId xmlns:p14="http://schemas.microsoft.com/office/powerpoint/2010/main" val="3441592418"/>
+              </p:ext>
+            </p:extLst>
+          </p:nvPr>
+        </p:nvGraphicFramePr>
+        <p:xfrm>
+          <a:off x="478682" y="1290971"/>
+          <a:ext cx="8539199" cy="868067"/>
+        </p:xfrm>
+        <a:graphic>
+          <a:graphicData uri="http://schemas.openxmlformats.org/drawingml/2006/table">
+            <a:tbl>
+              <a:tblPr firstRow="1" bandRow="1">
+                <a:tableStyleId>{8799B23B-EC83-4686-B30A-512413B5E67A}</a:tableStyleId>
+              </a:tblPr>
+              <a:tblGrid>
+                <a:gridCol w="657805">
+                  <a:extLst>
+                    <a:ext uri="{9D8B030D-6E8A-4147-A177-3AD203B41FA5}">
+                      <a16:colId xmlns:a16="http://schemas.microsoft.com/office/drawing/2014/main" val="2461092584"/>
+                    </a:ext>
+                  </a:extLst>
+                </a:gridCol>
+                <a:gridCol w="758594">
+                  <a:extLst>
+                    <a:ext uri="{9D8B030D-6E8A-4147-A177-3AD203B41FA5}">
+                      <a16:colId xmlns:a16="http://schemas.microsoft.com/office/drawing/2014/main" val="3273297179"/>
+                    </a:ext>
+                  </a:extLst>
+                </a:gridCol>
+                <a:gridCol w="712280">
+                  <a:extLst>
+                    <a:ext uri="{9D8B030D-6E8A-4147-A177-3AD203B41FA5}">
+                      <a16:colId xmlns:a16="http://schemas.microsoft.com/office/drawing/2014/main" val="3364013020"/>
+                    </a:ext>
+                  </a:extLst>
+                </a:gridCol>
+                <a:gridCol w="712280">
+                  <a:extLst>
+                    <a:ext uri="{9D8B030D-6E8A-4147-A177-3AD203B41FA5}">
+                      <a16:colId xmlns:a16="http://schemas.microsoft.com/office/drawing/2014/main" val="1405640257"/>
+                    </a:ext>
+                  </a:extLst>
+                </a:gridCol>
+                <a:gridCol w="712280">
+                  <a:extLst>
+                    <a:ext uri="{9D8B030D-6E8A-4147-A177-3AD203B41FA5}">
+                      <a16:colId xmlns:a16="http://schemas.microsoft.com/office/drawing/2014/main" val="188676759"/>
+                    </a:ext>
+                  </a:extLst>
+                </a:gridCol>
+                <a:gridCol w="712280">
+                  <a:extLst>
+                    <a:ext uri="{9D8B030D-6E8A-4147-A177-3AD203B41FA5}">
+                      <a16:colId xmlns:a16="http://schemas.microsoft.com/office/drawing/2014/main" val="466163775"/>
+                    </a:ext>
+                  </a:extLst>
+                </a:gridCol>
+                <a:gridCol w="712280">
+                  <a:extLst>
+                    <a:ext uri="{9D8B030D-6E8A-4147-A177-3AD203B41FA5}">
+                      <a16:colId xmlns:a16="http://schemas.microsoft.com/office/drawing/2014/main" val="3711043318"/>
+                    </a:ext>
+                  </a:extLst>
+                </a:gridCol>
+                <a:gridCol w="712280">
+                  <a:extLst>
+                    <a:ext uri="{9D8B030D-6E8A-4147-A177-3AD203B41FA5}">
+                      <a16:colId xmlns:a16="http://schemas.microsoft.com/office/drawing/2014/main" val="1245365063"/>
+                    </a:ext>
+                  </a:extLst>
+                </a:gridCol>
+                <a:gridCol w="712280">
+                  <a:extLst>
+                    <a:ext uri="{9D8B030D-6E8A-4147-A177-3AD203B41FA5}">
+                      <a16:colId xmlns:a16="http://schemas.microsoft.com/office/drawing/2014/main" val="3608398623"/>
+                    </a:ext>
+                  </a:extLst>
+                </a:gridCol>
+                <a:gridCol w="712280">
+                  <a:extLst>
+                    <a:ext uri="{9D8B030D-6E8A-4147-A177-3AD203B41FA5}">
+                      <a16:colId xmlns:a16="http://schemas.microsoft.com/office/drawing/2014/main" val="3654370258"/>
+                    </a:ext>
+                  </a:extLst>
+                </a:gridCol>
+                <a:gridCol w="712280">
+                  <a:extLst>
+                    <a:ext uri="{9D8B030D-6E8A-4147-A177-3AD203B41FA5}">
+                      <a16:colId xmlns:a16="http://schemas.microsoft.com/office/drawing/2014/main" val="997196200"/>
+                    </a:ext>
+                  </a:extLst>
+                </a:gridCol>
+                <a:gridCol w="712280">
+                  <a:extLst>
+                    <a:ext uri="{9D8B030D-6E8A-4147-A177-3AD203B41FA5}">
+                      <a16:colId xmlns:a16="http://schemas.microsoft.com/office/drawing/2014/main" val="1837029434"/>
+                    </a:ext>
+                  </a:extLst>
+                </a:gridCol>
+              </a:tblGrid>
+              <a:tr h="441263">
+                <a:tc>
+                  <a:txBody>
+                    <a:bodyPr/>
+                    <a:lstStyle/>
+                    <a:p>
+                      <a:pPr algn="ctr"/>
+                      <a:r>
+                        <a:rPr lang="it-IT" sz="1200" dirty="0"/>
+                        <a:t>KNN</a:t>
+                      </a:r>
+                    </a:p>
+                    <a:p>
+                      <a:pPr algn="ctr"/>
+                      <a:r>
+                        <a:rPr lang="it-IT" sz="1200" dirty="0"/>
+                        <a:t>roc-auc</a:t>
+                      </a:r>
+                    </a:p>
+                  </a:txBody>
+                  <a:tcPr/>
+                </a:tc>
+                <a:tc>
+                  <a:txBody>
+                    <a:bodyPr/>
+                    <a:lstStyle/>
+                    <a:p>
+                      <a:pPr algn="ctr"/>
+                      <a:r>
+                        <a:rPr lang="it-IT" sz="1200" dirty="0"/>
+                        <a:t>K=2</a:t>
+                      </a:r>
+                    </a:p>
+                  </a:txBody>
+                  <a:tcPr/>
+                </a:tc>
+                <a:tc>
+                  <a:txBody>
+                    <a:bodyPr/>
+                    <a:lstStyle/>
+                    <a:p>
+                      <a:pPr algn="ctr"/>
+                      <a:r>
+                        <a:rPr lang="it-IT" sz="1200" dirty="0"/>
+                        <a:t>K=3</a:t>
+                      </a:r>
+                    </a:p>
+                  </a:txBody>
+                  <a:tcPr/>
+                </a:tc>
+                <a:tc>
+                  <a:txBody>
+                    <a:bodyPr/>
+                    <a:lstStyle/>
+                    <a:p>
+                      <a:pPr algn="ctr"/>
+                      <a:r>
+                        <a:rPr lang="it-IT" sz="1200" dirty="0"/>
+                        <a:t>K=4</a:t>
+                      </a:r>
+                    </a:p>
+                  </a:txBody>
+                  <a:tcPr/>
+                </a:tc>
+                <a:tc>
+                  <a:txBody>
+                    <a:bodyPr/>
+                    <a:lstStyle/>
+                    <a:p>
+                      <a:pPr algn="ctr"/>
+                      <a:r>
+                        <a:rPr lang="it-IT" sz="1200" dirty="0"/>
+                        <a:t>K=5</a:t>
+                      </a:r>
+                    </a:p>
+                  </a:txBody>
+                  <a:tcPr/>
+                </a:tc>
+                <a:tc>
+                  <a:txBody>
+                    <a:bodyPr/>
+                    <a:lstStyle/>
+                    <a:p>
+                      <a:pPr algn="ctr"/>
+                      <a:r>
+                        <a:rPr lang="it-IT" sz="1200" dirty="0"/>
+                        <a:t>K=6</a:t>
+                      </a:r>
+                    </a:p>
+                  </a:txBody>
+                  <a:tcPr/>
+                </a:tc>
+                <a:tc>
+                  <a:txBody>
+                    <a:bodyPr/>
+                    <a:lstStyle/>
+                    <a:p>
+                      <a:pPr algn="ctr"/>
+                      <a:r>
+                        <a:rPr lang="it-IT" sz="1200" dirty="0"/>
+                        <a:t>K=7</a:t>
+                      </a:r>
+                    </a:p>
+                  </a:txBody>
+                  <a:tcPr/>
+                </a:tc>
+                <a:tc>
+                  <a:txBody>
+                    <a:bodyPr/>
+                    <a:lstStyle/>
+                    <a:p>
+                      <a:pPr algn="ctr"/>
+                      <a:r>
+                        <a:rPr lang="it-IT" sz="1200" dirty="0"/>
+                        <a:t>K=8</a:t>
+                      </a:r>
+                    </a:p>
+                  </a:txBody>
+                  <a:tcPr/>
+                </a:tc>
+                <a:tc>
+                  <a:txBody>
+                    <a:bodyPr/>
+                    <a:lstStyle/>
+                    <a:p>
+                      <a:pPr algn="ctr"/>
+                      <a:r>
+                        <a:rPr lang="it-IT" sz="1200" dirty="0"/>
+                        <a:t>K=9</a:t>
+                      </a:r>
+                    </a:p>
+                  </a:txBody>
+                  <a:tcPr/>
+                </a:tc>
+                <a:tc>
+                  <a:txBody>
+                    <a:bodyPr/>
+                    <a:lstStyle/>
+                    <a:p>
+                      <a:pPr algn="ctr"/>
+                      <a:r>
+                        <a:rPr lang="it-IT" sz="1200" dirty="0"/>
+                        <a:t>K=10</a:t>
+                      </a:r>
+                    </a:p>
+                  </a:txBody>
+                  <a:tcPr/>
+                </a:tc>
+                <a:tc>
+                  <a:txBody>
+                    <a:bodyPr/>
+                    <a:lstStyle/>
+                    <a:p>
+                      <a:pPr algn="ctr"/>
+                      <a:r>
+                        <a:rPr lang="it-IT" sz="1200" dirty="0"/>
+                        <a:t>K=11</a:t>
+                      </a:r>
+                    </a:p>
+                  </a:txBody>
+                  <a:tcPr/>
+                </a:tc>
+                <a:tc>
+                  <a:txBody>
+                    <a:bodyPr/>
+                    <a:lstStyle/>
+                    <a:p>
+                      <a:pPr algn="ctr"/>
+                      <a:r>
+                        <a:rPr lang="it-IT" sz="1200" dirty="0"/>
+                        <a:t>K=12</a:t>
+                      </a:r>
+                    </a:p>
+                  </a:txBody>
+                  <a:tcPr/>
+                </a:tc>
+                <a:extLst>
+                  <a:ext uri="{0D108BD9-81ED-4DB2-BD59-A6C34878D82A}">
+                    <a16:rowId xmlns:a16="http://schemas.microsoft.com/office/drawing/2014/main" val="3211650326"/>
+                  </a:ext>
+                </a:extLst>
+              </a:tr>
+              <a:tr h="410867">
+                <a:tc>
+                  <a:txBody>
+                    <a:bodyPr/>
+                    <a:lstStyle/>
+                    <a:p>
+                      <a:pPr algn="ctr"/>
+                      <a:endParaRPr lang="it-IT" sz="1100" b="1" dirty="0"/>
+                    </a:p>
+                  </a:txBody>
+                  <a:tcPr anchor="ctr"/>
+                </a:tc>
+                <a:tc>
+                  <a:txBody>
+                    <a:bodyPr/>
+                    <a:lstStyle/>
+                    <a:p>
+                      <a:pPr algn="ctr"/>
+                      <a:r>
+                        <a:rPr lang="it-IT" sz="1100" dirty="0"/>
+                        <a:t>0.5172</a:t>
+                      </a:r>
+                    </a:p>
+                  </a:txBody>
+                  <a:tcPr anchor="ctr"/>
+                </a:tc>
+                <a:tc>
+                  <a:txBody>
+                    <a:bodyPr/>
+                    <a:lstStyle/>
+                    <a:p>
+                      <a:pPr algn="ctr"/>
+                      <a:r>
+                        <a:rPr lang="it-IT" sz="1100" dirty="0"/>
+                        <a:t>0.5234</a:t>
+                      </a:r>
+                    </a:p>
+                  </a:txBody>
+                  <a:tcPr anchor="ctr"/>
+                </a:tc>
+                <a:tc>
+                  <a:txBody>
+                    <a:bodyPr/>
+                    <a:lstStyle/>
+                    <a:p>
+                      <a:pPr algn="ctr"/>
+                      <a:r>
+                        <a:rPr lang="it-IT" sz="1100" dirty="0"/>
+                        <a:t>0.5172</a:t>
+                      </a:r>
+                    </a:p>
+                  </a:txBody>
+                  <a:tcPr anchor="ctr"/>
+                </a:tc>
+                <a:tc>
+                  <a:txBody>
+                    <a:bodyPr/>
+                    <a:lstStyle/>
+                    <a:p>
+                      <a:pPr algn="ctr"/>
+                      <a:r>
+                        <a:rPr lang="it-IT" sz="1100" dirty="0"/>
+                        <a:t>0.5465</a:t>
+                      </a:r>
+                    </a:p>
+                  </a:txBody>
+                  <a:tcPr anchor="ctr"/>
+                </a:tc>
+                <a:tc>
+                  <a:txBody>
+                    <a:bodyPr/>
+                    <a:lstStyle/>
+                    <a:p>
+                      <a:pPr algn="ctr"/>
+                      <a:r>
+                        <a:rPr lang="it-IT" sz="1100" dirty="0"/>
+                        <a:t>0.5182</a:t>
+                      </a:r>
+                    </a:p>
+                  </a:txBody>
+                  <a:tcPr anchor="ctr"/>
+                </a:tc>
+                <a:tc>
+                  <a:txBody>
+                    <a:bodyPr/>
+                    <a:lstStyle/>
+                    <a:p>
+                      <a:pPr algn="ctr"/>
+                      <a:r>
+                        <a:rPr lang="it-IT" sz="1100" dirty="0"/>
+                        <a:t>0.5121</a:t>
+                      </a:r>
+                    </a:p>
+                  </a:txBody>
+                  <a:tcPr anchor="ctr"/>
+                </a:tc>
+                <a:tc>
+                  <a:txBody>
+                    <a:bodyPr/>
+                    <a:lstStyle/>
+                    <a:p>
+                      <a:pPr algn="ctr"/>
+                      <a:r>
+                        <a:rPr lang="it-IT" sz="1100" dirty="0"/>
+                        <a:t>0.5091</a:t>
+                      </a:r>
+                    </a:p>
+                  </a:txBody>
+                  <a:tcPr anchor="ctr"/>
+                </a:tc>
+                <a:tc>
+                  <a:txBody>
+                    <a:bodyPr/>
+                    <a:lstStyle/>
+                    <a:p>
+                      <a:pPr algn="ctr"/>
+                      <a:r>
+                        <a:rPr lang="it-IT" sz="1100" dirty="0"/>
+                        <a:t>0.5070</a:t>
+                      </a:r>
+                    </a:p>
+                  </a:txBody>
+                  <a:tcPr anchor="ctr"/>
+                </a:tc>
+                <a:tc>
+                  <a:txBody>
+                    <a:bodyPr/>
+                    <a:lstStyle/>
+                    <a:p>
+                      <a:pPr algn="ctr"/>
+                      <a:r>
+                        <a:rPr lang="it-IT" sz="1100" dirty="0"/>
+                        <a:t>0.5091</a:t>
+                      </a:r>
+                    </a:p>
+                  </a:txBody>
+                  <a:tcPr anchor="ctr"/>
+                </a:tc>
+                <a:tc>
+                  <a:txBody>
+                    <a:bodyPr/>
+                    <a:lstStyle/>
+                    <a:p>
+                      <a:pPr algn="ctr"/>
+                      <a:r>
+                        <a:rPr lang="it-IT" sz="1100" dirty="0"/>
+                        <a:t>0.5091</a:t>
+                      </a:r>
+                    </a:p>
+                  </a:txBody>
+                  <a:tcPr anchor="ctr"/>
+                </a:tc>
+                <a:tc>
+                  <a:txBody>
+                    <a:bodyPr/>
+                    <a:lstStyle/>
+                    <a:p>
+                      <a:pPr algn="ctr"/>
+                      <a:r>
+                        <a:rPr lang="it-IT" sz="1100" dirty="0"/>
+                        <a:t>0.5</a:t>
+                      </a:r>
+                    </a:p>
+                  </a:txBody>
+                  <a:tcPr anchor="ctr"/>
+                </a:tc>
+                <a:extLst>
+                  <a:ext uri="{0D108BD9-81ED-4DB2-BD59-A6C34878D82A}">
+                    <a16:rowId xmlns:a16="http://schemas.microsoft.com/office/drawing/2014/main" val="3294786535"/>
+                  </a:ext>
+                </a:extLst>
+              </a:tr>
+            </a:tbl>
+          </a:graphicData>
+        </a:graphic>
+      </p:graphicFrame>
+      <p:graphicFrame>
+        <p:nvGraphicFramePr>
+          <p:cNvPr id="4" name="Tabella 4">
+            <a:extLst>
+              <a:ext uri="{FF2B5EF4-FFF2-40B4-BE49-F238E27FC236}">
+                <a16:creationId xmlns:a16="http://schemas.microsoft.com/office/drawing/2014/main" id="{3604C2CB-961A-7C48-B782-2507CBE84A00}"/>
+              </a:ext>
+            </a:extLst>
+          </p:cNvPr>
+          <p:cNvGraphicFramePr>
+            <a:graphicFrameLocks noGrp="1"/>
+          </p:cNvGraphicFramePr>
+          <p:nvPr>
+            <p:extLst>
+              <p:ext uri="{D42A27DB-BD31-4B8C-83A1-F6EECF244321}">
+                <p14:modId xmlns:p14="http://schemas.microsoft.com/office/powerpoint/2010/main" val="1730613606"/>
+              </p:ext>
+            </p:extLst>
+          </p:nvPr>
+        </p:nvGraphicFramePr>
+        <p:xfrm>
+          <a:off x="1135579" y="3745136"/>
+          <a:ext cx="8539199" cy="868067"/>
+        </p:xfrm>
+        <a:graphic>
+          <a:graphicData uri="http://schemas.openxmlformats.org/drawingml/2006/table">
+            <a:tbl>
+              <a:tblPr firstRow="1" bandRow="1">
+                <a:tableStyleId>{8799B23B-EC83-4686-B30A-512413B5E67A}</a:tableStyleId>
+              </a:tblPr>
+              <a:tblGrid>
+                <a:gridCol w="657805">
+                  <a:extLst>
+                    <a:ext uri="{9D8B030D-6E8A-4147-A177-3AD203B41FA5}">
+                      <a16:colId xmlns:a16="http://schemas.microsoft.com/office/drawing/2014/main" val="2461092584"/>
+                    </a:ext>
+                  </a:extLst>
+                </a:gridCol>
+                <a:gridCol w="758594">
+                  <a:extLst>
+                    <a:ext uri="{9D8B030D-6E8A-4147-A177-3AD203B41FA5}">
+                      <a16:colId xmlns:a16="http://schemas.microsoft.com/office/drawing/2014/main" val="3273297179"/>
+                    </a:ext>
+                  </a:extLst>
+                </a:gridCol>
+                <a:gridCol w="712280">
+                  <a:extLst>
+                    <a:ext uri="{9D8B030D-6E8A-4147-A177-3AD203B41FA5}">
+                      <a16:colId xmlns:a16="http://schemas.microsoft.com/office/drawing/2014/main" val="3364013020"/>
+                    </a:ext>
+                  </a:extLst>
+                </a:gridCol>
+                <a:gridCol w="712280">
+                  <a:extLst>
+                    <a:ext uri="{9D8B030D-6E8A-4147-A177-3AD203B41FA5}">
+                      <a16:colId xmlns:a16="http://schemas.microsoft.com/office/drawing/2014/main" val="1405640257"/>
+                    </a:ext>
+                  </a:extLst>
+                </a:gridCol>
+                <a:gridCol w="712280">
+                  <a:extLst>
+                    <a:ext uri="{9D8B030D-6E8A-4147-A177-3AD203B41FA5}">
+                      <a16:colId xmlns:a16="http://schemas.microsoft.com/office/drawing/2014/main" val="188676759"/>
+                    </a:ext>
+                  </a:extLst>
+                </a:gridCol>
+                <a:gridCol w="712280">
+                  <a:extLst>
+                    <a:ext uri="{9D8B030D-6E8A-4147-A177-3AD203B41FA5}">
+                      <a16:colId xmlns:a16="http://schemas.microsoft.com/office/drawing/2014/main" val="466163775"/>
+                    </a:ext>
+                  </a:extLst>
+                </a:gridCol>
+                <a:gridCol w="712280">
+                  <a:extLst>
+                    <a:ext uri="{9D8B030D-6E8A-4147-A177-3AD203B41FA5}">
+                      <a16:colId xmlns:a16="http://schemas.microsoft.com/office/drawing/2014/main" val="3711043318"/>
+                    </a:ext>
+                  </a:extLst>
+                </a:gridCol>
+                <a:gridCol w="712280">
+                  <a:extLst>
+                    <a:ext uri="{9D8B030D-6E8A-4147-A177-3AD203B41FA5}">
+                      <a16:colId xmlns:a16="http://schemas.microsoft.com/office/drawing/2014/main" val="1245365063"/>
+                    </a:ext>
+                  </a:extLst>
+                </a:gridCol>
+                <a:gridCol w="712280">
+                  <a:extLst>
+                    <a:ext uri="{9D8B030D-6E8A-4147-A177-3AD203B41FA5}">
+                      <a16:colId xmlns:a16="http://schemas.microsoft.com/office/drawing/2014/main" val="3608398623"/>
+                    </a:ext>
+                  </a:extLst>
+                </a:gridCol>
+                <a:gridCol w="712280">
+                  <a:extLst>
+                    <a:ext uri="{9D8B030D-6E8A-4147-A177-3AD203B41FA5}">
+                      <a16:colId xmlns:a16="http://schemas.microsoft.com/office/drawing/2014/main" val="3654370258"/>
+                    </a:ext>
+                  </a:extLst>
+                </a:gridCol>
+                <a:gridCol w="712280">
+                  <a:extLst>
+                    <a:ext uri="{9D8B030D-6E8A-4147-A177-3AD203B41FA5}">
+                      <a16:colId xmlns:a16="http://schemas.microsoft.com/office/drawing/2014/main" val="997196200"/>
+                    </a:ext>
+                  </a:extLst>
+                </a:gridCol>
+                <a:gridCol w="712280">
+                  <a:extLst>
+                    <a:ext uri="{9D8B030D-6E8A-4147-A177-3AD203B41FA5}">
+                      <a16:colId xmlns:a16="http://schemas.microsoft.com/office/drawing/2014/main" val="1837029434"/>
+                    </a:ext>
+                  </a:extLst>
+                </a:gridCol>
+              </a:tblGrid>
+              <a:tr h="441263">
+                <a:tc>
+                  <a:txBody>
+                    <a:bodyPr/>
+                    <a:lstStyle/>
+                    <a:p>
+                      <a:pPr algn="ctr"/>
+                      <a:r>
+                        <a:rPr lang="it-IT" sz="1200" dirty="0"/>
+                        <a:t>KNN</a:t>
+                      </a:r>
+                    </a:p>
+                    <a:p>
+                      <a:pPr algn="ctr"/>
+                      <a:r>
+                        <a:rPr lang="it-IT" sz="1200" dirty="0"/>
+                        <a:t>roc-auc</a:t>
+                      </a:r>
+                    </a:p>
+                  </a:txBody>
+                  <a:tcPr/>
+                </a:tc>
+                <a:tc>
+                  <a:txBody>
+                    <a:bodyPr/>
+                    <a:lstStyle/>
+                    <a:p>
+                      <a:pPr algn="ctr"/>
+                      <a:r>
+                        <a:rPr lang="it-IT" sz="1200" dirty="0"/>
+                        <a:t>K=2</a:t>
+                      </a:r>
+                    </a:p>
+                  </a:txBody>
+                  <a:tcPr/>
+                </a:tc>
+                <a:tc>
+                  <a:txBody>
+                    <a:bodyPr/>
+                    <a:lstStyle/>
+                    <a:p>
+                      <a:pPr algn="ctr"/>
+                      <a:r>
+                        <a:rPr lang="it-IT" sz="1200" dirty="0"/>
+                        <a:t>K=3</a:t>
+                      </a:r>
+                    </a:p>
+                  </a:txBody>
+                  <a:tcPr/>
+                </a:tc>
+                <a:tc>
+                  <a:txBody>
+                    <a:bodyPr/>
+                    <a:lstStyle/>
+                    <a:p>
+                      <a:pPr algn="ctr"/>
+                      <a:r>
+                        <a:rPr lang="it-IT" sz="1200" dirty="0"/>
+                        <a:t>K=4</a:t>
+                      </a:r>
+                    </a:p>
+                  </a:txBody>
+                  <a:tcPr/>
+                </a:tc>
+                <a:tc>
+                  <a:txBody>
+                    <a:bodyPr/>
+                    <a:lstStyle/>
+                    <a:p>
+                      <a:pPr algn="ctr"/>
+                      <a:r>
+                        <a:rPr lang="it-IT" sz="1200" dirty="0"/>
+                        <a:t>K=5</a:t>
+                      </a:r>
+                    </a:p>
+                  </a:txBody>
+                  <a:tcPr/>
+                </a:tc>
+                <a:tc>
+                  <a:txBody>
+                    <a:bodyPr/>
+                    <a:lstStyle/>
+                    <a:p>
+                      <a:pPr algn="ctr"/>
+                      <a:r>
+                        <a:rPr lang="it-IT" sz="1200" dirty="0"/>
+                        <a:t>K=6</a:t>
+                      </a:r>
+                    </a:p>
+                  </a:txBody>
+                  <a:tcPr/>
+                </a:tc>
+                <a:tc>
+                  <a:txBody>
+                    <a:bodyPr/>
+                    <a:lstStyle/>
+                    <a:p>
+                      <a:pPr algn="ctr"/>
+                      <a:r>
+                        <a:rPr lang="it-IT" sz="1200" dirty="0"/>
+                        <a:t>K=7</a:t>
+                      </a:r>
+                    </a:p>
+                  </a:txBody>
+                  <a:tcPr/>
+                </a:tc>
+                <a:tc>
+                  <a:txBody>
+                    <a:bodyPr/>
+                    <a:lstStyle/>
+                    <a:p>
+                      <a:pPr algn="ctr"/>
+                      <a:r>
+                        <a:rPr lang="it-IT" sz="1200" dirty="0"/>
+                        <a:t>K=8</a:t>
+                      </a:r>
+                    </a:p>
+                  </a:txBody>
+                  <a:tcPr/>
+                </a:tc>
+                <a:tc>
+                  <a:txBody>
+                    <a:bodyPr/>
+                    <a:lstStyle/>
+                    <a:p>
+                      <a:pPr algn="ctr"/>
+                      <a:r>
+                        <a:rPr lang="it-IT" sz="1200" dirty="0"/>
+                        <a:t>K=9</a:t>
+                      </a:r>
+                    </a:p>
+                  </a:txBody>
+                  <a:tcPr/>
+                </a:tc>
+                <a:tc>
+                  <a:txBody>
+                    <a:bodyPr/>
+                    <a:lstStyle/>
+                    <a:p>
+                      <a:pPr algn="ctr"/>
+                      <a:r>
+                        <a:rPr lang="it-IT" sz="1200" dirty="0"/>
+                        <a:t>K=10</a:t>
+                      </a:r>
+                    </a:p>
+                  </a:txBody>
+                  <a:tcPr/>
+                </a:tc>
+                <a:tc>
+                  <a:txBody>
+                    <a:bodyPr/>
+                    <a:lstStyle/>
+                    <a:p>
+                      <a:pPr algn="ctr"/>
+                      <a:r>
+                        <a:rPr lang="it-IT" sz="1200" dirty="0"/>
+                        <a:t>K=11</a:t>
+                      </a:r>
+                    </a:p>
+                  </a:txBody>
+                  <a:tcPr/>
+                </a:tc>
+                <a:tc>
+                  <a:txBody>
+                    <a:bodyPr/>
+                    <a:lstStyle/>
+                    <a:p>
+                      <a:pPr algn="ctr"/>
+                      <a:r>
+                        <a:rPr lang="it-IT" sz="1200" dirty="0"/>
+                        <a:t>K=12</a:t>
+                      </a:r>
+                    </a:p>
+                  </a:txBody>
+                  <a:tcPr/>
+                </a:tc>
+                <a:extLst>
+                  <a:ext uri="{0D108BD9-81ED-4DB2-BD59-A6C34878D82A}">
+                    <a16:rowId xmlns:a16="http://schemas.microsoft.com/office/drawing/2014/main" val="3211650326"/>
+                  </a:ext>
+                </a:extLst>
+              </a:tr>
+              <a:tr h="410867">
+                <a:tc>
+                  <a:txBody>
+                    <a:bodyPr/>
+                    <a:lstStyle/>
+                    <a:p>
+                      <a:pPr algn="ctr"/>
+                      <a:endParaRPr lang="it-IT" sz="1100" b="1" dirty="0"/>
+                    </a:p>
+                  </a:txBody>
+                  <a:tcPr anchor="ctr"/>
+                </a:tc>
+                <a:tc>
+                  <a:txBody>
+                    <a:bodyPr/>
+                    <a:lstStyle/>
+                    <a:p>
+                      <a:pPr algn="ctr"/>
+                      <a:r>
+                        <a:rPr lang="it-IT" sz="1100" dirty="0"/>
+                        <a:t>0.5172</a:t>
+                      </a:r>
+                    </a:p>
+                  </a:txBody>
+                  <a:tcPr anchor="ctr"/>
+                </a:tc>
+                <a:tc>
+                  <a:txBody>
+                    <a:bodyPr/>
+                    <a:lstStyle/>
+                    <a:p>
+                      <a:pPr algn="ctr"/>
+                      <a:r>
+                        <a:rPr lang="it-IT" sz="1100" dirty="0"/>
+                        <a:t>0.5234</a:t>
+                      </a:r>
+                    </a:p>
+                  </a:txBody>
+                  <a:tcPr anchor="ctr"/>
+                </a:tc>
+                <a:tc>
+                  <a:txBody>
+                    <a:bodyPr/>
+                    <a:lstStyle/>
+                    <a:p>
+                      <a:pPr algn="ctr"/>
+                      <a:r>
+                        <a:rPr lang="it-IT" sz="1100" dirty="0"/>
+                        <a:t>0.5172</a:t>
+                      </a:r>
+                    </a:p>
+                  </a:txBody>
+                  <a:tcPr anchor="ctr"/>
+                </a:tc>
+                <a:tc>
+                  <a:txBody>
+                    <a:bodyPr/>
+                    <a:lstStyle/>
+                    <a:p>
+                      <a:pPr algn="ctr"/>
+                      <a:r>
+                        <a:rPr lang="it-IT" sz="1100" dirty="0"/>
+                        <a:t>0.5465</a:t>
+                      </a:r>
+                    </a:p>
+                  </a:txBody>
+                  <a:tcPr anchor="ctr"/>
+                </a:tc>
+                <a:tc>
+                  <a:txBody>
+                    <a:bodyPr/>
+                    <a:lstStyle/>
+                    <a:p>
+                      <a:pPr algn="ctr"/>
+                      <a:r>
+                        <a:rPr lang="it-IT" sz="1100" dirty="0"/>
+                        <a:t>0.5182</a:t>
+                      </a:r>
+                    </a:p>
+                  </a:txBody>
+                  <a:tcPr anchor="ctr"/>
+                </a:tc>
+                <a:tc>
+                  <a:txBody>
+                    <a:bodyPr/>
+                    <a:lstStyle/>
+                    <a:p>
+                      <a:pPr algn="ctr"/>
+                      <a:r>
+                        <a:rPr lang="it-IT" sz="1100" dirty="0"/>
+                        <a:t>0.5121</a:t>
+                      </a:r>
+                    </a:p>
+                  </a:txBody>
+                  <a:tcPr anchor="ctr"/>
+                </a:tc>
+                <a:tc>
+                  <a:txBody>
+                    <a:bodyPr/>
+                    <a:lstStyle/>
+                    <a:p>
+                      <a:pPr algn="ctr"/>
+                      <a:r>
+                        <a:rPr lang="it-IT" sz="1100" dirty="0"/>
+                        <a:t>0.5091</a:t>
+                      </a:r>
+                    </a:p>
+                  </a:txBody>
+                  <a:tcPr anchor="ctr"/>
+                </a:tc>
+                <a:tc>
+                  <a:txBody>
+                    <a:bodyPr/>
+                    <a:lstStyle/>
+                    <a:p>
+                      <a:pPr algn="ctr"/>
+                      <a:r>
+                        <a:rPr lang="it-IT" sz="1100" dirty="0"/>
+                        <a:t>0.5070</a:t>
+                      </a:r>
+                    </a:p>
+                  </a:txBody>
+                  <a:tcPr anchor="ctr"/>
+                </a:tc>
+                <a:tc>
+                  <a:txBody>
+                    <a:bodyPr/>
+                    <a:lstStyle/>
+                    <a:p>
+                      <a:pPr algn="ctr"/>
+                      <a:r>
+                        <a:rPr lang="it-IT" sz="1100" dirty="0"/>
+                        <a:t>0.5091</a:t>
+                      </a:r>
+                    </a:p>
+                  </a:txBody>
+                  <a:tcPr anchor="ctr"/>
+                </a:tc>
+                <a:tc>
+                  <a:txBody>
+                    <a:bodyPr/>
+                    <a:lstStyle/>
+                    <a:p>
+                      <a:pPr algn="ctr"/>
+                      <a:r>
+                        <a:rPr lang="it-IT" sz="1100" dirty="0"/>
+                        <a:t>0.5091</a:t>
+                      </a:r>
+                    </a:p>
+                  </a:txBody>
+                  <a:tcPr anchor="ctr"/>
+                </a:tc>
+                <a:tc>
+                  <a:txBody>
+                    <a:bodyPr/>
+                    <a:lstStyle/>
+                    <a:p>
+                      <a:pPr algn="ctr"/>
+                      <a:r>
+                        <a:rPr lang="it-IT" sz="1100" dirty="0"/>
+                        <a:t>0.5</a:t>
+                      </a:r>
+                    </a:p>
+                  </a:txBody>
+                  <a:tcPr anchor="ctr"/>
+                </a:tc>
+                <a:extLst>
+                  <a:ext uri="{0D108BD9-81ED-4DB2-BD59-A6C34878D82A}">
+                    <a16:rowId xmlns:a16="http://schemas.microsoft.com/office/drawing/2014/main" val="3294786535"/>
+                  </a:ext>
+                </a:extLst>
+              </a:tr>
+            </a:tbl>
+          </a:graphicData>
+        </a:graphic>
+      </p:graphicFrame>
+    </p:spTree>
+    <p:extLst>
+      <p:ext uri="{BB962C8B-B14F-4D97-AF65-F5344CB8AC3E}">
+        <p14:creationId xmlns:p14="http://schemas.microsoft.com/office/powerpoint/2010/main" val="1997096520"/>
+      </p:ext>
+    </p:extLst>
+  </p:cSld>
+  <p:clrMapOvr>
+    <a:masterClrMapping/>
+  </p:clrMapOvr>
+</p:sld>
+</file>
+
+<file path=ppt/slides/slide25.xml><?xml version="1.0" encoding="utf-8"?>
+<p:sld xmlns:a="http://schemas.openxmlformats.org/drawingml/2006/main" xmlns:r="http://schemas.openxmlformats.org/officeDocument/2006/relationships" xmlns:p="http://schemas.openxmlformats.org/presentationml/2006/main">
+  <p:cSld>
+    <p:spTree>
+      <p:nvGrpSpPr>
+        <p:cNvPr id="1" name=""/>
+        <p:cNvGrpSpPr/>
+        <p:nvPr/>
+      </p:nvGrpSpPr>
+      <p:grpSpPr>
+        <a:xfrm>
+          <a:off x="0" y="0"/>
+          <a:ext cx="0" cy="0"/>
+          <a:chOff x="0" y="0"/>
+          <a:chExt cx="0" cy="0"/>
+        </a:xfrm>
+      </p:grpSpPr>
+      <p:graphicFrame>
+        <p:nvGraphicFramePr>
+          <p:cNvPr id="2" name="Tabella 4">
+            <a:extLst>
+              <a:ext uri="{FF2B5EF4-FFF2-40B4-BE49-F238E27FC236}">
+                <a16:creationId xmlns:a16="http://schemas.microsoft.com/office/drawing/2014/main" id="{467042A2-4219-FF4E-BCF2-08B570D94678}"/>
+              </a:ext>
+            </a:extLst>
+          </p:cNvPr>
+          <p:cNvGraphicFramePr>
+            <a:graphicFrameLocks noGrp="1"/>
+          </p:cNvGraphicFramePr>
+          <p:nvPr>
+            <p:extLst>
+              <p:ext uri="{D42A27DB-BD31-4B8C-83A1-F6EECF244321}">
+                <p14:modId xmlns:p14="http://schemas.microsoft.com/office/powerpoint/2010/main" val="3983174975"/>
               </p:ext>
             </p:extLst>
           </p:nvPr>
@@ -20984,14 +17550,14 @@
                     <a:p>
                       <a:pPr algn="ctr"/>
                       <a:r>
-                        <a:rPr lang="it-IT" sz="1100" b="1" dirty="0"/>
+                        <a:rPr lang="it-IT" sz="1100" b="0" dirty="0"/>
                         <a:t>0.7684 </a:t>
                       </a:r>
                     </a:p>
                     <a:p>
                       <a:pPr algn="ctr"/>
                       <a:r>
-                        <a:rPr lang="it-IT" sz="1100" b="1" dirty="0"/>
+                        <a:rPr lang="it-IT" sz="1100" b="0" dirty="0"/>
                         <a:t>(+/- 0.01)</a:t>
                       </a:r>
                     </a:p>
@@ -22554,7 +19120,7 @@
 </p:sld>
 </file>
 
-<file path=ppt/slides/slide25.xml><?xml version="1.0" encoding="utf-8"?>
+<file path=ppt/slides/slide26.xml><?xml version="1.0" encoding="utf-8"?>
 <p:sld xmlns:a="http://schemas.openxmlformats.org/drawingml/2006/main" xmlns:r="http://schemas.openxmlformats.org/officeDocument/2006/relationships" xmlns:p="http://schemas.openxmlformats.org/presentationml/2006/main">
   <p:cSld>
     <p:spTree>
@@ -24798,7 +21364,7 @@
 </p:sld>
 </file>
 
-<file path=ppt/slides/slide26.xml><?xml version="1.0" encoding="utf-8"?>
+<file path=ppt/slides/slide27.xml><?xml version="1.0" encoding="utf-8"?>
 <p:sld xmlns:a="http://schemas.openxmlformats.org/drawingml/2006/main" xmlns:r="http://schemas.openxmlformats.org/officeDocument/2006/relationships" xmlns:p="http://schemas.openxmlformats.org/presentationml/2006/main">
   <p:cSld>
     <p:spTree>
@@ -24987,7 +21553,7 @@
                     <a:p>
                       <a:pPr algn="ctr"/>
                       <a:r>
-                        <a:rPr lang="it-IT"/>
+                        <a:rPr lang="it-IT" dirty="0"/>
                         <a:t> </a:t>
                       </a:r>
                     </a:p>
@@ -25001,7 +21567,7 @@
                     <a:p>
                       <a:pPr algn="ctr"/>
                       <a:r>
-                        <a:rPr lang="it-IT"/>
+                        <a:rPr lang="it-IT" dirty="0"/>
                         <a:t>HourlyRate</a:t>
                       </a:r>
                     </a:p>
@@ -25015,7 +21581,7 @@
                     <a:p>
                       <a:pPr algn="ctr"/>
                       <a:r>
-                        <a:rPr lang="it-IT"/>
+                        <a:rPr lang="it-IT" dirty="0"/>
                         <a:t>DailyRate</a:t>
                       </a:r>
                     </a:p>
@@ -25029,7 +21595,7 @@
                     <a:p>
                       <a:pPr algn="ctr"/>
                       <a:r>
-                        <a:rPr lang="it-IT"/>
+                        <a:rPr lang="it-IT" dirty="0"/>
                         <a:t>MonthlyRate</a:t>
                       </a:r>
                     </a:p>
@@ -25043,7 +21609,7 @@
                     <a:p>
                       <a:pPr algn="ctr"/>
                       <a:r>
-                        <a:rPr lang="it-IT"/>
+                        <a:rPr lang="it-IT" dirty="0"/>
                         <a:t>MonthlyIncome</a:t>
                       </a:r>
                     </a:p>
@@ -25057,7 +21623,7 @@
                     <a:p>
                       <a:pPr algn="ctr"/>
                       <a:r>
-                        <a:rPr lang="it-IT"/>
+                        <a:rPr lang="it-IT" dirty="0"/>
                         <a:t>PercentSalaryHike</a:t>
                       </a:r>
                     </a:p>
@@ -25092,7 +21658,7 @@
                     <a:p>
                       <a:pPr algn="ctr"/>
                       <a:r>
-                        <a:rPr lang="it-IT"/>
+                        <a:rPr lang="it-IT" dirty="0"/>
                         <a:t>1176</a:t>
                       </a:r>
                     </a:p>
@@ -25106,7 +21672,7 @@
                     <a:p>
                       <a:pPr algn="ctr"/>
                       <a:r>
-                        <a:rPr lang="it-IT"/>
+                        <a:rPr lang="it-IT" dirty="0"/>
                         <a:t>1176</a:t>
                       </a:r>
                     </a:p>
@@ -25120,7 +21686,7 @@
                     <a:p>
                       <a:pPr algn="ctr"/>
                       <a:r>
-                        <a:rPr lang="it-IT"/>
+                        <a:rPr lang="it-IT" dirty="0"/>
                         <a:t>1176</a:t>
                       </a:r>
                     </a:p>
@@ -25134,7 +21700,7 @@
                     <a:p>
                       <a:pPr algn="ctr"/>
                       <a:r>
-                        <a:rPr lang="it-IT"/>
+                        <a:rPr lang="it-IT" dirty="0"/>
                         <a:t>963</a:t>
                       </a:r>
                     </a:p>
@@ -25148,7 +21714,7 @@
                     <a:p>
                       <a:pPr algn="ctr"/>
                       <a:r>
-                        <a:rPr lang="it-IT"/>
+                        <a:rPr lang="it-IT" dirty="0"/>
                         <a:t>1176</a:t>
                       </a:r>
                     </a:p>
@@ -25183,7 +21749,7 @@
                     <a:p>
                       <a:pPr algn="ctr"/>
                       <a:r>
-                        <a:rPr lang="it-IT"/>
+                        <a:rPr lang="it-IT" dirty="0"/>
                         <a:t>66.2993</a:t>
                       </a:r>
                     </a:p>
@@ -25197,7 +21763,7 @@
                     <a:p>
                       <a:pPr algn="ctr"/>
                       <a:r>
-                        <a:rPr lang="it-IT"/>
+                        <a:rPr lang="it-IT" dirty="0"/>
                         <a:t>803.6505</a:t>
                       </a:r>
                     </a:p>
@@ -25211,7 +21777,7 @@
                     <a:p>
                       <a:pPr algn="ctr"/>
                       <a:r>
-                        <a:rPr lang="it-IT"/>
+                        <a:rPr lang="it-IT" dirty="0"/>
                         <a:t>14395.8367</a:t>
                       </a:r>
                     </a:p>
@@ -25225,7 +21791,7 @@
                     <a:p>
                       <a:pPr algn="ctr"/>
                       <a:r>
-                        <a:rPr lang="it-IT"/>
+                        <a:rPr lang="it-IT" dirty="0"/>
                         <a:t>6565.9460</a:t>
                       </a:r>
                     </a:p>
@@ -25239,7 +21805,7 @@
                     <a:p>
                       <a:pPr algn="ctr"/>
                       <a:r>
-                        <a:rPr lang="it-IT"/>
+                        <a:rPr lang="it-IT" dirty="0"/>
                         <a:t>15.1768</a:t>
                       </a:r>
                     </a:p>
@@ -25274,7 +21840,7 @@
                     <a:p>
                       <a:pPr algn="ctr"/>
                       <a:r>
-                        <a:rPr lang="it-IT"/>
+                        <a:rPr lang="it-IT" dirty="0"/>
                         <a:t>20.2661</a:t>
                       </a:r>
                     </a:p>
@@ -25288,7 +21854,7 @@
                     <a:p>
                       <a:pPr algn="ctr"/>
                       <a:r>
-                        <a:rPr lang="it-IT"/>
+                        <a:rPr lang="it-IT" dirty="0"/>
                         <a:t>406.6830</a:t>
                       </a:r>
                     </a:p>
@@ -25302,7 +21868,7 @@
                     <a:p>
                       <a:pPr algn="ctr"/>
                       <a:r>
-                        <a:rPr lang="it-IT"/>
+                        <a:rPr lang="it-IT" dirty="0"/>
                         <a:t>7111.8451</a:t>
                       </a:r>
                     </a:p>
@@ -25316,7 +21882,7 @@
                     <a:p>
                       <a:pPr algn="ctr"/>
                       <a:r>
-                        <a:rPr lang="it-IT"/>
+                        <a:rPr lang="it-IT" dirty="0"/>
                         <a:t>4710.6256</a:t>
                       </a:r>
                     </a:p>
@@ -25330,7 +21896,7 @@
                     <a:p>
                       <a:pPr algn="ctr"/>
                       <a:r>
-                        <a:rPr lang="it-IT"/>
+                        <a:rPr lang="it-IT" dirty="0"/>
                         <a:t>3.6239</a:t>
                       </a:r>
                     </a:p>
@@ -25365,7 +21931,7 @@
                     <a:p>
                       <a:pPr algn="ctr"/>
                       <a:r>
-                        <a:rPr lang="it-IT"/>
+                        <a:rPr lang="it-IT" dirty="0"/>
                         <a:t>30.0000</a:t>
                       </a:r>
                     </a:p>
@@ -25379,7 +21945,7 @@
                     <a:p>
                       <a:pPr algn="ctr"/>
                       <a:r>
-                        <a:rPr lang="it-IT"/>
+                        <a:rPr lang="it-IT" dirty="0"/>
                         <a:t>102.0000</a:t>
                       </a:r>
                     </a:p>
@@ -25393,7 +21959,7 @@
                     <a:p>
                       <a:pPr algn="ctr"/>
                       <a:r>
-                        <a:rPr lang="it-IT"/>
+                        <a:rPr lang="it-IT" dirty="0"/>
                         <a:t>2097.0000</a:t>
                       </a:r>
                     </a:p>
@@ -25407,7 +21973,7 @@
                     <a:p>
                       <a:pPr algn="ctr"/>
                       <a:r>
-                        <a:rPr lang="it-IT"/>
+                        <a:rPr lang="it-IT" dirty="0"/>
                         <a:t>1009.0000</a:t>
                       </a:r>
                     </a:p>
@@ -25421,7 +21987,7 @@
                     <a:p>
                       <a:pPr algn="ctr"/>
                       <a:r>
-                        <a:rPr lang="it-IT"/>
+                        <a:rPr lang="it-IT" dirty="0"/>
                         <a:t>11.0000</a:t>
                       </a:r>
                     </a:p>
@@ -25442,7 +22008,7 @@
                     <a:p>
                       <a:pPr algn="ctr"/>
                       <a:r>
-                        <a:rPr lang="it-IT"/>
+                        <a:rPr lang="it-IT" dirty="0"/>
                         <a:t>25%</a:t>
                       </a:r>
                     </a:p>
@@ -25456,7 +22022,7 @@
                     <a:p>
                       <a:pPr algn="ctr"/>
                       <a:r>
-                        <a:rPr lang="it-IT"/>
+                        <a:rPr lang="it-IT" dirty="0"/>
                         <a:t>49.0000</a:t>
                       </a:r>
                     </a:p>
@@ -25470,7 +22036,7 @@
                     <a:p>
                       <a:pPr algn="ctr"/>
                       <a:r>
-                        <a:rPr lang="it-IT"/>
+                        <a:rPr lang="it-IT" dirty="0"/>
                         <a:t>460.5000</a:t>
                       </a:r>
                     </a:p>
@@ -25484,7 +22050,7 @@
                     <a:p>
                       <a:pPr algn="ctr"/>
                       <a:r>
-                        <a:rPr lang="it-IT"/>
+                        <a:rPr lang="it-IT" dirty="0"/>
                         <a:t>8227.2500</a:t>
                       </a:r>
                     </a:p>
@@ -25498,7 +22064,7 @@
                     <a:p>
                       <a:pPr algn="ctr"/>
                       <a:r>
-                        <a:rPr lang="it-IT"/>
+                        <a:rPr lang="it-IT" dirty="0"/>
                         <a:t>2969.0000</a:t>
                       </a:r>
                     </a:p>
@@ -25512,7 +22078,7 @@
                     <a:p>
                       <a:pPr algn="ctr"/>
                       <a:r>
-                        <a:rPr lang="it-IT"/>
+                        <a:rPr lang="it-IT" dirty="0"/>
                         <a:t>12.0000</a:t>
                       </a:r>
                     </a:p>
@@ -25533,7 +22099,7 @@
                     <a:p>
                       <a:pPr algn="ctr"/>
                       <a:r>
-                        <a:rPr lang="it-IT"/>
+                        <a:rPr lang="it-IT" dirty="0"/>
                         <a:t>50%</a:t>
                       </a:r>
                     </a:p>
@@ -25547,7 +22113,7 @@
                     <a:p>
                       <a:pPr algn="ctr"/>
                       <a:r>
-                        <a:rPr lang="it-IT"/>
+                        <a:rPr lang="it-IT" dirty="0"/>
                         <a:t>66.0000</a:t>
                       </a:r>
                     </a:p>
@@ -25561,7 +22127,7 @@
                     <a:p>
                       <a:pPr algn="ctr"/>
                       <a:r>
-                        <a:rPr lang="it-IT"/>
+                        <a:rPr lang="it-IT" dirty="0"/>
                         <a:t>804.0000</a:t>
                       </a:r>
                     </a:p>
@@ -25575,7 +22141,7 @@
                     <a:p>
                       <a:pPr algn="ctr"/>
                       <a:r>
-                        <a:rPr lang="it-IT"/>
+                        <a:rPr lang="it-IT" dirty="0"/>
                         <a:t>14434.0000</a:t>
                       </a:r>
                     </a:p>
@@ -25589,7 +22155,7 @@
                     <a:p>
                       <a:pPr algn="ctr"/>
                       <a:r>
-                        <a:rPr lang="it-IT"/>
+                        <a:rPr lang="it-IT" dirty="0"/>
                         <a:t>4969.0000</a:t>
                       </a:r>
                     </a:p>
@@ -25603,7 +22169,7 @@
                     <a:p>
                       <a:pPr algn="ctr"/>
                       <a:r>
-                        <a:rPr lang="it-IT"/>
+                        <a:rPr lang="it-IT" dirty="0"/>
                         <a:t>14.0000</a:t>
                       </a:r>
                     </a:p>
@@ -25624,7 +22190,7 @@
                     <a:p>
                       <a:pPr algn="ctr"/>
                       <a:r>
-                        <a:rPr lang="it-IT"/>
+                        <a:rPr lang="it-IT" dirty="0"/>
                         <a:t>75%</a:t>
                       </a:r>
                     </a:p>
@@ -25638,7 +22204,7 @@
                     <a:p>
                       <a:pPr algn="ctr"/>
                       <a:r>
-                        <a:rPr lang="it-IT"/>
+                        <a:rPr lang="it-IT" dirty="0"/>
                         <a:t>84.0000</a:t>
                       </a:r>
                     </a:p>
@@ -25652,7 +22218,7 @@
                     <a:p>
                       <a:pPr algn="ctr"/>
                       <a:r>
-                        <a:rPr lang="it-IT"/>
+                        <a:rPr lang="it-IT" dirty="0"/>
                         <a:t>1169.0000</a:t>
                       </a:r>
                     </a:p>
@@ -25666,7 +22232,7 @@
                     <a:p>
                       <a:pPr algn="ctr"/>
                       <a:r>
-                        <a:rPr lang="it-IT"/>
+                        <a:rPr lang="it-IT" dirty="0"/>
                         <a:t>20489.2500</a:t>
                       </a:r>
                     </a:p>
@@ -25680,7 +22246,7 @@
                     <a:p>
                       <a:pPr algn="ctr"/>
                       <a:r>
-                        <a:rPr lang="it-IT"/>
+                        <a:rPr lang="it-IT" dirty="0"/>
                         <a:t>8585.0000</a:t>
                       </a:r>
                     </a:p>
@@ -25694,7 +22260,7 @@
                     <a:p>
                       <a:pPr algn="ctr"/>
                       <a:r>
-                        <a:rPr lang="it-IT"/>
+                        <a:rPr lang="it-IT" dirty="0"/>
                         <a:t>18.0000</a:t>
                       </a:r>
                     </a:p>
@@ -25729,7 +22295,7 @@
                     <a:p>
                       <a:pPr algn="ctr"/>
                       <a:r>
-                        <a:rPr lang="it-IT"/>
+                        <a:rPr lang="it-IT" dirty="0"/>
                         <a:t>100.0000</a:t>
                       </a:r>
                     </a:p>
@@ -25743,7 +22309,7 @@
                     <a:p>
                       <a:pPr algn="ctr"/>
                       <a:r>
-                        <a:rPr lang="it-IT"/>
+                        <a:rPr lang="it-IT" dirty="0"/>
                         <a:t>1499.0000</a:t>
                       </a:r>
                     </a:p>
@@ -25757,7 +22323,7 @@
                     <a:p>
                       <a:pPr algn="ctr"/>
                       <a:r>
-                        <a:rPr lang="it-IT"/>
+                        <a:rPr lang="it-IT" dirty="0"/>
                         <a:t>26999.0000</a:t>
                       </a:r>
                     </a:p>
@@ -25771,7 +22337,7 @@
                     <a:p>
                       <a:pPr algn="ctr"/>
                       <a:r>
-                        <a:rPr lang="it-IT"/>
+                        <a:rPr lang="it-IT" dirty="0"/>
                         <a:t>19999.0000</a:t>
                       </a:r>
                     </a:p>
@@ -25785,7 +22351,7 @@
                     <a:p>
                       <a:pPr algn="ctr"/>
                       <a:r>
-                        <a:rPr lang="it-IT"/>
+                        <a:rPr lang="it-IT" dirty="0"/>
                         <a:t>25.0000</a:t>
                       </a:r>
                     </a:p>
@@ -25856,7 +22422,7 @@
                     <a:p>
                       <a:pPr algn="ctr"/>
                       <a:r>
-                        <a:rPr lang="it-IT"/>
+                        <a:rPr lang="it-IT" dirty="0"/>
                         <a:t> </a:t>
                       </a:r>
                     </a:p>
@@ -25870,7 +22436,7 @@
                     <a:p>
                       <a:pPr algn="ctr"/>
                       <a:r>
-                        <a:rPr lang="it-IT"/>
+                        <a:rPr lang="it-IT" dirty="0"/>
                         <a:t>MonthlyIncomeTransf</a:t>
                       </a:r>
                     </a:p>
@@ -25905,7 +22471,7 @@
                     <a:p>
                       <a:pPr algn="ctr"/>
                       <a:r>
-                        <a:rPr lang="it-IT"/>
+                        <a:rPr lang="it-IT" dirty="0"/>
                         <a:t>1176</a:t>
                       </a:r>
                     </a:p>
@@ -25940,7 +22506,7 @@
                     <a:p>
                       <a:pPr algn="ctr"/>
                       <a:r>
-                        <a:rPr lang="it-IT"/>
+                        <a:rPr lang="it-IT" dirty="0"/>
                         <a:t>8.59</a:t>
                       </a:r>
                     </a:p>
@@ -25975,7 +22541,7 @@
                     <a:p>
                       <a:pPr algn="ctr"/>
                       <a:r>
-                        <a:rPr lang="it-IT"/>
+                        <a:rPr lang="it-IT" dirty="0"/>
                         <a:t>0.61</a:t>
                       </a:r>
                     </a:p>
@@ -26010,7 +22576,7 @@
                     <a:p>
                       <a:pPr algn="ctr"/>
                       <a:r>
-                        <a:rPr lang="it-IT"/>
+                        <a:rPr lang="it-IT" dirty="0"/>
                         <a:t>6.91</a:t>
                       </a:r>
                     </a:p>
@@ -26031,7 +22597,7 @@
                     <a:p>
                       <a:pPr algn="ctr"/>
                       <a:r>
-                        <a:rPr lang="it-IT"/>
+                        <a:rPr lang="it-IT" dirty="0"/>
                         <a:t>25%</a:t>
                       </a:r>
                     </a:p>
@@ -26045,7 +22611,7 @@
                     <a:p>
                       <a:pPr algn="ctr"/>
                       <a:r>
-                        <a:rPr lang="it-IT"/>
+                        <a:rPr lang="it-IT" dirty="0"/>
                         <a:t>8.14</a:t>
                       </a:r>
                     </a:p>
@@ -26066,7 +22632,7 @@
                     <a:p>
                       <a:pPr algn="ctr"/>
                       <a:r>
-                        <a:rPr lang="it-IT"/>
+                        <a:rPr lang="it-IT" dirty="0"/>
                         <a:t>50%</a:t>
                       </a:r>
                     </a:p>
@@ -26080,7 +22646,7 @@
                     <a:p>
                       <a:pPr algn="ctr"/>
                       <a:r>
-                        <a:rPr lang="it-IT"/>
+                        <a:rPr lang="it-IT" dirty="0"/>
                         <a:t>8.56</a:t>
                       </a:r>
                     </a:p>
@@ -26101,7 +22667,7 @@
                     <a:p>
                       <a:pPr algn="ctr"/>
                       <a:r>
-                        <a:rPr lang="it-IT"/>
+                        <a:rPr lang="it-IT" dirty="0"/>
                         <a:t>75%</a:t>
                       </a:r>
                     </a:p>
@@ -26115,7 +22681,7 @@
                     <a:p>
                       <a:pPr algn="ctr"/>
                       <a:r>
-                        <a:rPr lang="it-IT"/>
+                        <a:rPr lang="it-IT" dirty="0"/>
                         <a:t>8.98</a:t>
                       </a:r>
                     </a:p>
@@ -26150,7 +22716,7 @@
                     <a:p>
                       <a:pPr algn="ctr"/>
                       <a:r>
-                        <a:rPr lang="it-IT"/>
+                        <a:rPr lang="it-IT" dirty="0"/>
                         <a:t>9.90</a:t>
                       </a:r>
                     </a:p>
@@ -26277,7 +22843,7 @@
                     <a:p>
                       <a:pPr algn="ctr"/>
                       <a:r>
-                        <a:rPr lang="it-IT"/>
+                        <a:rPr lang="it-IT" dirty="0"/>
                         <a:t> Attribute</a:t>
                       </a:r>
                     </a:p>
@@ -26291,7 +22857,7 @@
                     <a:p>
                       <a:pPr algn="ctr"/>
                       <a:r>
-                        <a:rPr lang="it-IT" b="0"/>
+                        <a:rPr lang="it-IT" b="0" dirty="0"/>
                         <a:t>Age</a:t>
                       </a:r>
                     </a:p>
@@ -26305,14 +22871,14 @@
                     <a:p>
                       <a:pPr algn="ctr"/>
                       <a:r>
-                        <a:rPr lang="it-IT" b="0"/>
+                        <a:rPr lang="it-IT" b="0" dirty="0"/>
                         <a:t>Business</a:t>
                       </a:r>
                     </a:p>
                     <a:p>
                       <a:pPr algn="ctr"/>
                       <a:r>
-                        <a:rPr lang="it-IT" b="0"/>
+                        <a:rPr lang="it-IT" b="0" dirty="0"/>
                         <a:t>Travel</a:t>
                       </a:r>
                     </a:p>
@@ -26326,7 +22892,7 @@
                     <a:p>
                       <a:pPr algn="ctr"/>
                       <a:r>
-                        <a:rPr lang="it-IT" b="0"/>
+                        <a:rPr lang="it-IT" b="0" dirty="0"/>
                         <a:t>Gender</a:t>
                       </a:r>
                     </a:p>
@@ -26340,14 +22906,14 @@
                     <a:p>
                       <a:pPr algn="ctr"/>
                       <a:r>
-                        <a:rPr lang="it-IT" b="0"/>
+                        <a:rPr lang="it-IT" b="0" dirty="0"/>
                         <a:t>Monthly</a:t>
                       </a:r>
                     </a:p>
                     <a:p>
                       <a:pPr algn="ctr"/>
                       <a:r>
-                        <a:rPr lang="it-IT" b="0"/>
+                        <a:rPr lang="it-IT" b="0" dirty="0"/>
                         <a:t>Income</a:t>
                       </a:r>
                     </a:p>
@@ -26361,7 +22927,7 @@
                     <a:p>
                       <a:pPr algn="ctr"/>
                       <a:r>
-                        <a:rPr lang="it-IT" b="0"/>
+                        <a:rPr lang="it-IT" b="0" dirty="0"/>
                         <a:t>Over18</a:t>
                       </a:r>
                     </a:p>
@@ -26375,14 +22941,14 @@
                     <a:p>
                       <a:pPr algn="ctr"/>
                       <a:r>
-                        <a:rPr lang="it-IT" b="0"/>
+                        <a:rPr lang="it-IT" b="0" dirty="0"/>
                         <a:t>Performance</a:t>
                       </a:r>
                     </a:p>
                     <a:p>
                       <a:pPr algn="ctr"/>
                       <a:r>
-                        <a:rPr lang="it-IT" b="0"/>
+                        <a:rPr lang="it-IT" b="0" dirty="0"/>
                         <a:t>Rating</a:t>
                       </a:r>
                     </a:p>
@@ -26396,14 +22962,14 @@
                     <a:p>
                       <a:pPr algn="ctr"/>
                       <a:r>
-                        <a:rPr lang="it-IT" b="0"/>
+                        <a:rPr lang="it-IT" b="0" dirty="0"/>
                         <a:t>Standard</a:t>
                       </a:r>
                     </a:p>
                     <a:p>
                       <a:pPr algn="ctr"/>
                       <a:r>
-                        <a:rPr lang="it-IT" b="0"/>
+                        <a:rPr lang="it-IT" b="0" dirty="0"/>
                         <a:t>Hours</a:t>
                       </a:r>
                     </a:p>
@@ -26417,35 +22983,37 @@
                     <a:p>
                       <a:pPr algn="ctr"/>
                       <a:r>
-                        <a:rPr lang="it-IT" b="0"/>
+                        <a:rPr lang="it-IT" b="0" dirty="0"/>
                         <a:t>TrainingTime</a:t>
                       </a:r>
                     </a:p>
                     <a:p>
                       <a:pPr algn="ctr"/>
                       <a:r>
-                        <a:rPr lang="it-IT" b="0"/>
+                        <a:rPr lang="it-IT" b="0" dirty="0" err="1"/>
                         <a:t>LastYear</a:t>
                       </a:r>
-                    </a:p>
-                  </a:txBody>
-                  <a:tcPr/>
-                </a:tc>
-                <a:tc>
-                  <a:txBody>
-                    <a:bodyPr/>
-                    <a:lstStyle/>
-                    <a:p>
-                      <a:pPr algn="ctr"/>
-                      <a:r>
-                        <a:rPr lang="it-IT" b="0"/>
+                      <a:endParaRPr lang="it-IT" b="0" dirty="0"/>
+                    </a:p>
+                  </a:txBody>
+                  <a:tcPr/>
+                </a:tc>
+                <a:tc>
+                  <a:txBody>
+                    <a:bodyPr/>
+                    <a:lstStyle/>
+                    <a:p>
+                      <a:pPr algn="ctr"/>
+                      <a:r>
+                        <a:rPr lang="it-IT" b="0" dirty="0" err="1"/>
                         <a:t>YearsAt</a:t>
                       </a:r>
-                    </a:p>
-                    <a:p>
-                      <a:pPr algn="ctr"/>
-                      <a:r>
-                        <a:rPr lang="it-IT" b="0"/>
+                      <a:endParaRPr lang="it-IT" b="0" dirty="0"/>
+                    </a:p>
+                    <a:p>
+                      <a:pPr algn="ctr"/>
+                      <a:r>
+                        <a:rPr lang="it-IT" b="0" dirty="0"/>
                         <a:t>Company</a:t>
                       </a:r>
                     </a:p>
@@ -26578,7 +23146,7 @@
                     <a:p>
                       <a:pPr algn="ctr"/>
                       <a:r>
-                        <a:rPr lang="it-IT"/>
+                        <a:rPr lang="it-IT" dirty="0"/>
                         <a:t>233</a:t>
                       </a:r>
                     </a:p>
@@ -26742,7 +23310,7 @@
                     <a:p>
                       <a:pPr algn="ctr"/>
                       <a:r>
-                        <a:rPr lang="it-IT"/>
+                        <a:rPr lang="it-IT" dirty="0"/>
                         <a:t> Attribute</a:t>
                       </a:r>
                     </a:p>
@@ -26756,14 +23324,14 @@
                     <a:p>
                       <a:pPr algn="ctr"/>
                       <a:r>
-                        <a:rPr lang="it-IT" b="0"/>
+                        <a:rPr lang="it-IT" b="0" dirty="0"/>
                         <a:t>Monthly</a:t>
                       </a:r>
                     </a:p>
                     <a:p>
                       <a:pPr algn="ctr"/>
                       <a:r>
-                        <a:rPr lang="it-IT" b="0"/>
+                        <a:rPr lang="it-IT" b="0" dirty="0"/>
                         <a:t>Income</a:t>
                       </a:r>
                     </a:p>
